--- a/publications/URCA 2024 Poster.pptx
+++ b/publications/URCA 2024 Poster.pptx
@@ -338,7 +338,7 @@
       </p15:sldGuideLst>
     </p:ext>
     <p:ext uri="GoogleSlidesCustomDataVersion2">
-      <go:slidesCustomData xmlns:go="http://customooxmlschemas.google.com/" xmlns:ahyp="http://schemas.microsoft.com/office/drawing/2018/hyperlinkcolor" xmlns:p15="http://schemas.microsoft.com/office/powerpoint/2012/main" xmlns:p14="http://schemas.microsoft.com/office/powerpoint/2010/main" xmlns:com="http://schemas.openxmlformats.org/drawingml/2006/compatibility" xmlns:pvml="urn:schemas-microsoft-com:office:powerpoint" xmlns:v="urn:schemas-microsoft-com:vml" xmlns:o="urn:schemas-microsoft-com:office:office" xmlns:dgm="http://schemas.openxmlformats.org/drawingml/2006/diagram" xmlns:c="http://schemas.openxmlformats.org/drawingml/2006/chart" xmlns:mv="urn:schemas-microsoft-com:mac:vml" xmlns:mc="http://schemas.openxmlformats.org/markup-compatibility/2006" xmlns="" r:id="rId21" roundtripDataSignature="AMtx7mgWSjSeOX8ykGe4GBVg+ganuGxPXw=="/>
+      <go:slidesCustomData xmlns="" xmlns:mc="http://schemas.openxmlformats.org/markup-compatibility/2006" xmlns:mv="urn:schemas-microsoft-com:mac:vml" xmlns:c="http://schemas.openxmlformats.org/drawingml/2006/chart" xmlns:dgm="http://schemas.openxmlformats.org/drawingml/2006/diagram" xmlns:o="urn:schemas-microsoft-com:office:office" xmlns:v="urn:schemas-microsoft-com:vml" xmlns:pvml="urn:schemas-microsoft-com:office:powerpoint" xmlns:com="http://schemas.openxmlformats.org/drawingml/2006/compatibility" xmlns:p14="http://schemas.microsoft.com/office/powerpoint/2010/main" xmlns:p15="http://schemas.microsoft.com/office/powerpoint/2012/main" xmlns:ahyp="http://schemas.microsoft.com/office/drawing/2018/hyperlinkcolor" xmlns:go="http://customooxmlschemas.google.com/" r:id="rId21" roundtripDataSignature="AMtx7mgWSjSeOX8ykGe4GBVg+ganuGxPXw=="/>
     </p:ext>
   </p:extLst>
 </p:presentation>
@@ -357,18 +357,18 @@
   <pc:docChgLst>
     <pc:chgData name="Hariaksha Gunda" userId="c3d5802c32daedcc" providerId="LiveId" clId="{721868BD-F9F7-49CA-A317-5B179EA2F347}"/>
     <pc:docChg chg="undo redo custSel addSld modSld">
-      <pc:chgData name="Hariaksha Gunda" userId="c3d5802c32daedcc" providerId="LiveId" clId="{721868BD-F9F7-49CA-A317-5B179EA2F347}" dt="2024-03-12T00:52:46.015" v="1305" actId="20577"/>
+      <pc:chgData name="Hariaksha Gunda" userId="c3d5802c32daedcc" providerId="LiveId" clId="{721868BD-F9F7-49CA-A317-5B179EA2F347}" dt="2024-03-12T01:46:30.809" v="1419" actId="20577"/>
       <pc:docMkLst>
         <pc:docMk/>
       </pc:docMkLst>
       <pc:sldChg chg="addSp delSp modSp mod">
-        <pc:chgData name="Hariaksha Gunda" userId="c3d5802c32daedcc" providerId="LiveId" clId="{721868BD-F9F7-49CA-A317-5B179EA2F347}" dt="2024-03-12T00:52:46.015" v="1305" actId="20577"/>
+        <pc:chgData name="Hariaksha Gunda" userId="c3d5802c32daedcc" providerId="LiveId" clId="{721868BD-F9F7-49CA-A317-5B179EA2F347}" dt="2024-03-12T01:46:30.809" v="1419" actId="20577"/>
         <pc:sldMkLst>
           <pc:docMk/>
           <pc:sldMk cId="0" sldId="256"/>
         </pc:sldMkLst>
         <pc:spChg chg="mod">
-          <ac:chgData name="Hariaksha Gunda" userId="c3d5802c32daedcc" providerId="LiveId" clId="{721868BD-F9F7-49CA-A317-5B179EA2F347}" dt="2024-03-12T00:37:18.063" v="1160" actId="21"/>
+          <ac:chgData name="Hariaksha Gunda" userId="c3d5802c32daedcc" providerId="LiveId" clId="{721868BD-F9F7-49CA-A317-5B179EA2F347}" dt="2024-03-12T01:17:53.606" v="1408" actId="20577"/>
           <ac:spMkLst>
             <pc:docMk/>
             <pc:sldMk cId="0" sldId="256"/>
@@ -408,7 +408,7 @@
           </ac:spMkLst>
         </pc:spChg>
         <pc:spChg chg="mod">
-          <ac:chgData name="Hariaksha Gunda" userId="c3d5802c32daedcc" providerId="LiveId" clId="{721868BD-F9F7-49CA-A317-5B179EA2F347}" dt="2024-03-12T00:52:46.015" v="1305" actId="20577"/>
+          <ac:chgData name="Hariaksha Gunda" userId="c3d5802c32daedcc" providerId="LiveId" clId="{721868BD-F9F7-49CA-A317-5B179EA2F347}" dt="2024-03-12T01:46:30.809" v="1419" actId="20577"/>
           <ac:spMkLst>
             <pc:docMk/>
             <pc:sldMk cId="0" sldId="256"/>
@@ -11801,7 +11801,7 @@
         <p:spPr>
           <a:xfrm>
             <a:off x="1404255" y="8102707"/>
-            <a:ext cx="9809348" cy="7940595"/>
+            <a:ext cx="9809348" cy="7478930"/>
           </a:xfrm>
           <a:prstGeom prst="rect">
             <a:avLst/>
@@ -11908,7 +11908,7 @@
                 <a:cs typeface="EB Garamond"/>
                 <a:sym typeface="EB Garamond"/>
               </a:rPr>
-              <a:t>. In full, this project provides insight into the impact of mission statement language on fundraising efforts. This can be applied to increase charitable donations and elevate the impact of a wide array of nonprofits, thereby touching the lives of countless individuals.</a:t>
+              <a:t>. In full, this project provides insight into the impact of mission statement language on fundraising efforts. All project code, data, and documentation can be found at github.com/Hariaksha/NLP-Charity-Research.</a:t>
             </a:r>
             <a:endParaRPr lang="en-US" dirty="0"/>
           </a:p>
@@ -17569,7 +17569,7 @@
         <p:spPr>
           <a:xfrm>
             <a:off x="1433318" y="26318135"/>
-            <a:ext cx="9809347" cy="1938952"/>
+            <a:ext cx="9809347" cy="6093936"/>
           </a:xfrm>
           <a:prstGeom prst="rect">
             <a:avLst/>
@@ -17604,21 +17604,8 @@
                 <a:cs typeface="EB Garamond"/>
                 <a:sym typeface="EB Garamond"/>
               </a:rPr>
-              <a:t>The nonprofit sector largely consists of small, community-based organizations working with meager resources. For this reason, nonprofits rely on tools, resources, and research to operate </a:t>
+              <a:t>The nonprofit sector largely consists of small, community-based organizations working with meager resources. For this reason, nonprofits rely on resources and research to operate more effectively. Prior researchers have begun to understand the impact of different linguistic structures and patterns on economic and organizational performance. This project furthers these efforts by addressing a research gap surrounding empathy and compassion in mission statements. We evaluate the impact of "self VS other" linguistic structures on revenues of tax-exempt organizations. This research will provide a better understanding of the impact of linguistic features and can be applied to increase charitable donations and elevate the impact of a wide array of nonprofits, thereby touching the lives of countless individuals.</a:t>
             </a:r>
-            <a:r>
-              <a:rPr lang="en-US" sz="3000">
-                <a:solidFill>
-                  <a:schemeClr val="accent6"/>
-                </a:solidFill>
-                <a:latin typeface="EB Garamond"/>
-                <a:ea typeface="EB Garamond"/>
-                <a:cs typeface="EB Garamond"/>
-                <a:sym typeface="EB Garamond"/>
-              </a:rPr>
-              <a:t>more effectively. </a:t>
-            </a:r>
-            <a:endParaRPr dirty="0"/>
           </a:p>
         </p:txBody>
       </p:sp>

--- a/publications/URCA 2024 Poster.pptx
+++ b/publications/URCA 2024 Poster.pptx
@@ -5,42 +5,41 @@
     <p:sldMasterId id="2147483648" r:id="rId1"/>
   </p:sldMasterIdLst>
   <p:notesMasterIdLst>
-    <p:notesMasterId r:id="rId4"/>
+    <p:notesMasterId r:id="rId3"/>
   </p:notesMasterIdLst>
   <p:sldIdLst>
     <p:sldId id="256" r:id="rId2"/>
-    <p:sldId id="257" r:id="rId3"/>
   </p:sldIdLst>
   <p:sldSz cx="43891200" cy="32918400"/>
   <p:notesSz cx="6950075" cy="9236075"/>
   <p:embeddedFontLst>
     <p:embeddedFont>
       <p:font typeface="Corbel" panose="020B0503020204020204" pitchFamily="34" charset="0"/>
-      <p:regular r:id="rId5"/>
-      <p:bold r:id="rId6"/>
-      <p:italic r:id="rId7"/>
-      <p:boldItalic r:id="rId8"/>
+      <p:regular r:id="rId4"/>
+      <p:bold r:id="rId5"/>
+      <p:italic r:id="rId6"/>
+      <p:boldItalic r:id="rId7"/>
     </p:embeddedFont>
     <p:embeddedFont>
       <p:font typeface="EB Garamond" panose="00000500000000000000" pitchFamily="2" charset="0"/>
-      <p:regular r:id="rId9"/>
-      <p:bold r:id="rId10"/>
-      <p:italic r:id="rId11"/>
-      <p:boldItalic r:id="rId12"/>
+      <p:regular r:id="rId8"/>
+      <p:bold r:id="rId9"/>
+      <p:italic r:id="rId10"/>
+      <p:boldItalic r:id="rId11"/>
     </p:embeddedFont>
     <p:embeddedFont>
       <p:font typeface="Helvetica Neue" panose="020B0604020202020204" charset="0"/>
-      <p:regular r:id="rId13"/>
-      <p:bold r:id="rId14"/>
-      <p:italic r:id="rId15"/>
-      <p:boldItalic r:id="rId16"/>
+      <p:regular r:id="rId12"/>
+      <p:bold r:id="rId13"/>
+      <p:italic r:id="rId14"/>
+      <p:boldItalic r:id="rId15"/>
     </p:embeddedFont>
     <p:embeddedFont>
       <p:font typeface="Verdana" panose="020B0604030504040204" pitchFamily="34" charset="0"/>
-      <p:regular r:id="rId17"/>
-      <p:bold r:id="rId18"/>
-      <p:italic r:id="rId19"/>
-      <p:boldItalic r:id="rId20"/>
+      <p:regular r:id="rId16"/>
+      <p:bold r:id="rId17"/>
+      <p:italic r:id="rId18"/>
+      <p:boldItalic r:id="rId19"/>
     </p:embeddedFont>
   </p:embeddedFontLst>
   <p:defaultTextStyle>
@@ -338,7 +337,7 @@
       </p15:sldGuideLst>
     </p:ext>
     <p:ext uri="GoogleSlidesCustomDataVersion2">
-      <go:slidesCustomData xmlns="" xmlns:mc="http://schemas.openxmlformats.org/markup-compatibility/2006" xmlns:mv="urn:schemas-microsoft-com:mac:vml" xmlns:c="http://schemas.openxmlformats.org/drawingml/2006/chart" xmlns:dgm="http://schemas.openxmlformats.org/drawingml/2006/diagram" xmlns:o="urn:schemas-microsoft-com:office:office" xmlns:v="urn:schemas-microsoft-com:vml" xmlns:pvml="urn:schemas-microsoft-com:office:powerpoint" xmlns:com="http://schemas.openxmlformats.org/drawingml/2006/compatibility" xmlns:p14="http://schemas.microsoft.com/office/powerpoint/2010/main" xmlns:p15="http://schemas.microsoft.com/office/powerpoint/2012/main" xmlns:ahyp="http://schemas.microsoft.com/office/drawing/2018/hyperlinkcolor" xmlns:go="http://customooxmlschemas.google.com/" r:id="rId21" roundtripDataSignature="AMtx7mgWSjSeOX8ykGe4GBVg+ganuGxPXw=="/>
+      <go:slidesCustomData xmlns:go="http://customooxmlschemas.google.com/" xmlns:ahyp="http://schemas.microsoft.com/office/drawing/2018/hyperlinkcolor" xmlns:p15="http://schemas.microsoft.com/office/powerpoint/2012/main" xmlns:p14="http://schemas.microsoft.com/office/powerpoint/2010/main" xmlns:com="http://schemas.openxmlformats.org/drawingml/2006/compatibility" xmlns:pvml="urn:schemas-microsoft-com:office:powerpoint" xmlns:v="urn:schemas-microsoft-com:vml" xmlns:o="urn:schemas-microsoft-com:office:office" xmlns:dgm="http://schemas.openxmlformats.org/drawingml/2006/diagram" xmlns:c="http://schemas.openxmlformats.org/drawingml/2006/chart" xmlns:mv="urn:schemas-microsoft-com:mac:vml" xmlns:mc="http://schemas.openxmlformats.org/markup-compatibility/2006" xmlns="" r:id="rId21" roundtripDataSignature="AMtx7mgWSjSeOX8ykGe4GBVg+ganuGxPXw=="/>
     </p:ext>
   </p:extLst>
 </p:presentation>
@@ -356,13 +355,13 @@
 <pc:chgInfo xmlns:a="http://schemas.openxmlformats.org/drawingml/2006/main" xmlns:r="http://schemas.openxmlformats.org/officeDocument/2006/relationships" xmlns:ac="http://schemas.microsoft.com/office/drawing/2013/main/command" xmlns:pc="http://schemas.microsoft.com/office/powerpoint/2013/main/command">
   <pc:docChgLst>
     <pc:chgData name="Hariaksha Gunda" userId="c3d5802c32daedcc" providerId="LiveId" clId="{721868BD-F9F7-49CA-A317-5B179EA2F347}"/>
-    <pc:docChg chg="undo redo custSel addSld modSld">
-      <pc:chgData name="Hariaksha Gunda" userId="c3d5802c32daedcc" providerId="LiveId" clId="{721868BD-F9F7-49CA-A317-5B179EA2F347}" dt="2024-03-12T01:46:30.809" v="1419" actId="20577"/>
+    <pc:docChg chg="undo redo custSel addSld delSld modSld">
+      <pc:chgData name="Hariaksha Gunda" userId="c3d5802c32daedcc" providerId="LiveId" clId="{721868BD-F9F7-49CA-A317-5B179EA2F347}" dt="2024-03-12T04:12:55.265" v="1591" actId="20577"/>
       <pc:docMkLst>
         <pc:docMk/>
       </pc:docMkLst>
       <pc:sldChg chg="addSp delSp modSp mod">
-        <pc:chgData name="Hariaksha Gunda" userId="c3d5802c32daedcc" providerId="LiveId" clId="{721868BD-F9F7-49CA-A317-5B179EA2F347}" dt="2024-03-12T01:46:30.809" v="1419" actId="20577"/>
+        <pc:chgData name="Hariaksha Gunda" userId="c3d5802c32daedcc" providerId="LiveId" clId="{721868BD-F9F7-49CA-A317-5B179EA2F347}" dt="2024-03-12T04:12:55.265" v="1591" actId="20577"/>
         <pc:sldMkLst>
           <pc:docMk/>
           <pc:sldMk cId="0" sldId="256"/>
@@ -384,7 +383,7 @@
           </ac:spMkLst>
         </pc:spChg>
         <pc:spChg chg="mod">
-          <ac:chgData name="Hariaksha Gunda" userId="c3d5802c32daedcc" providerId="LiveId" clId="{721868BD-F9F7-49CA-A317-5B179EA2F347}" dt="2024-03-12T00:52:02.235" v="1273" actId="20577"/>
+          <ac:chgData name="Hariaksha Gunda" userId="c3d5802c32daedcc" providerId="LiveId" clId="{721868BD-F9F7-49CA-A317-5B179EA2F347}" dt="2024-03-12T04:09:00.506" v="1572" actId="1036"/>
           <ac:spMkLst>
             <pc:docMk/>
             <pc:sldMk cId="0" sldId="256"/>
@@ -400,11 +399,59 @@
           </ac:spMkLst>
         </pc:spChg>
         <pc:spChg chg="mod">
-          <ac:chgData name="Hariaksha Gunda" userId="c3d5802c32daedcc" providerId="LiveId" clId="{721868BD-F9F7-49CA-A317-5B179EA2F347}" dt="2024-03-11T04:03:05.050" v="21" actId="120"/>
+          <ac:chgData name="Hariaksha Gunda" userId="c3d5802c32daedcc" providerId="LiveId" clId="{721868BD-F9F7-49CA-A317-5B179EA2F347}" dt="2024-03-12T04:12:50.974" v="1584" actId="20577"/>
+          <ac:spMkLst>
+            <pc:docMk/>
+            <pc:sldMk cId="0" sldId="256"/>
+            <ac:spMk id="101" creationId="{00000000-0000-0000-0000-000000000000}"/>
+          </ac:spMkLst>
+        </pc:spChg>
+        <pc:spChg chg="mod">
+          <ac:chgData name="Hariaksha Gunda" userId="c3d5802c32daedcc" providerId="LiveId" clId="{721868BD-F9F7-49CA-A317-5B179EA2F347}" dt="2024-03-12T04:09:00.506" v="1572" actId="1036"/>
+          <ac:spMkLst>
+            <pc:docMk/>
+            <pc:sldMk cId="0" sldId="256"/>
+            <ac:spMk id="104" creationId="{00000000-0000-0000-0000-000000000000}"/>
+          </ac:spMkLst>
+        </pc:spChg>
+        <pc:spChg chg="mod">
+          <ac:chgData name="Hariaksha Gunda" userId="c3d5802c32daedcc" providerId="LiveId" clId="{721868BD-F9F7-49CA-A317-5B179EA2F347}" dt="2024-03-12T04:09:00.506" v="1572" actId="1036"/>
+          <ac:spMkLst>
+            <pc:docMk/>
+            <pc:sldMk cId="0" sldId="256"/>
+            <ac:spMk id="105" creationId="{00000000-0000-0000-0000-000000000000}"/>
+          </ac:spMkLst>
+        </pc:spChg>
+        <pc:spChg chg="mod">
+          <ac:chgData name="Hariaksha Gunda" userId="c3d5802c32daedcc" providerId="LiveId" clId="{721868BD-F9F7-49CA-A317-5B179EA2F347}" dt="2024-03-12T03:38:09.174" v="1468" actId="1035"/>
+          <ac:spMkLst>
+            <pc:docMk/>
+            <pc:sldMk cId="0" sldId="256"/>
+            <ac:spMk id="107" creationId="{00000000-0000-0000-0000-000000000000}"/>
+          </ac:spMkLst>
+        </pc:spChg>
+        <pc:spChg chg="mod">
+          <ac:chgData name="Hariaksha Gunda" userId="c3d5802c32daedcc" providerId="LiveId" clId="{721868BD-F9F7-49CA-A317-5B179EA2F347}" dt="2024-03-12T03:38:09.174" v="1468" actId="1035"/>
+          <ac:spMkLst>
+            <pc:docMk/>
+            <pc:sldMk cId="0" sldId="256"/>
+            <ac:spMk id="108" creationId="{00000000-0000-0000-0000-000000000000}"/>
+          </ac:spMkLst>
+        </pc:spChg>
+        <pc:spChg chg="mod">
+          <ac:chgData name="Hariaksha Gunda" userId="c3d5802c32daedcc" providerId="LiveId" clId="{721868BD-F9F7-49CA-A317-5B179EA2F347}" dt="2024-03-12T03:38:09.174" v="1468" actId="1035"/>
           <ac:spMkLst>
             <pc:docMk/>
             <pc:sldMk cId="0" sldId="256"/>
             <ac:spMk id="111" creationId="{00000000-0000-0000-0000-000000000000}"/>
+          </ac:spMkLst>
+        </pc:spChg>
+        <pc:spChg chg="mod">
+          <ac:chgData name="Hariaksha Gunda" userId="c3d5802c32daedcc" providerId="LiveId" clId="{721868BD-F9F7-49CA-A317-5B179EA2F347}" dt="2024-03-12T04:12:55.265" v="1591" actId="20577"/>
+          <ac:spMkLst>
+            <pc:docMk/>
+            <pc:sldMk cId="0" sldId="256"/>
+            <ac:spMk id="136" creationId="{00000000-0000-0000-0000-000000000000}"/>
           </ac:spMkLst>
         </pc:spChg>
         <pc:spChg chg="mod">
@@ -413,6 +460,30 @@
             <pc:docMk/>
             <pc:sldMk cId="0" sldId="256"/>
             <ac:spMk id="168" creationId="{00000000-0000-0000-0000-000000000000}"/>
+          </ac:spMkLst>
+        </pc:spChg>
+        <pc:spChg chg="mod">
+          <ac:chgData name="Hariaksha Gunda" userId="c3d5802c32daedcc" providerId="LiveId" clId="{721868BD-F9F7-49CA-A317-5B179EA2F347}" dt="2024-03-12T04:08:08.204" v="1521" actId="1035"/>
+          <ac:spMkLst>
+            <pc:docMk/>
+            <pc:sldMk cId="0" sldId="256"/>
+            <ac:spMk id="169" creationId="{00000000-0000-0000-0000-000000000000}"/>
+          </ac:spMkLst>
+        </pc:spChg>
+        <pc:spChg chg="mod">
+          <ac:chgData name="Hariaksha Gunda" userId="c3d5802c32daedcc" providerId="LiveId" clId="{721868BD-F9F7-49CA-A317-5B179EA2F347}" dt="2024-03-12T04:08:08.204" v="1521" actId="1035"/>
+          <ac:spMkLst>
+            <pc:docMk/>
+            <pc:sldMk cId="0" sldId="256"/>
+            <ac:spMk id="170" creationId="{00000000-0000-0000-0000-000000000000}"/>
+          </ac:spMkLst>
+        </pc:spChg>
+        <pc:spChg chg="mod">
+          <ac:chgData name="Hariaksha Gunda" userId="c3d5802c32daedcc" providerId="LiveId" clId="{721868BD-F9F7-49CA-A317-5B179EA2F347}" dt="2024-03-12T04:08:08.204" v="1521" actId="1035"/>
+          <ac:spMkLst>
+            <pc:docMk/>
+            <pc:sldMk cId="0" sldId="256"/>
+            <ac:spMk id="171" creationId="{00000000-0000-0000-0000-000000000000}"/>
           </ac:spMkLst>
         </pc:spChg>
         <pc:picChg chg="add del mod">
@@ -440,8 +511,8 @@
           </ac:picMkLst>
         </pc:picChg>
       </pc:sldChg>
-      <pc:sldChg chg="addSp delSp modSp new mod setBg">
-        <pc:chgData name="Hariaksha Gunda" userId="c3d5802c32daedcc" providerId="LiveId" clId="{721868BD-F9F7-49CA-A317-5B179EA2F347}" dt="2024-03-11T04:20:58.223" v="154" actId="1076"/>
+      <pc:sldChg chg="addSp delSp modSp new del mod setBg">
+        <pc:chgData name="Hariaksha Gunda" userId="c3d5802c32daedcc" providerId="LiveId" clId="{721868BD-F9F7-49CA-A317-5B179EA2F347}" dt="2024-03-12T04:09:56.657" v="1573" actId="47"/>
         <pc:sldMkLst>
           <pc:docMk/>
           <pc:sldMk cId="3697769384" sldId="257"/>
@@ -535,6 +606,21 @@
           </ac:picMkLst>
         </pc:picChg>
       </pc:sldChg>
+      <pc:sldMasterChg chg="delSldLayout">
+        <pc:chgData name="Hariaksha Gunda" userId="c3d5802c32daedcc" providerId="LiveId" clId="{721868BD-F9F7-49CA-A317-5B179EA2F347}" dt="2024-03-12T04:09:56.657" v="1573" actId="47"/>
+        <pc:sldMasterMkLst>
+          <pc:docMk/>
+          <pc:sldMasterMk cId="0" sldId="2147483648"/>
+        </pc:sldMasterMkLst>
+        <pc:sldLayoutChg chg="del">
+          <pc:chgData name="Hariaksha Gunda" userId="c3d5802c32daedcc" providerId="LiveId" clId="{721868BD-F9F7-49CA-A317-5B179EA2F347}" dt="2024-03-12T04:09:56.657" v="1573" actId="47"/>
+          <pc:sldLayoutMkLst>
+            <pc:docMk/>
+            <pc:sldMasterMk cId="0" sldId="2147483648"/>
+            <pc:sldLayoutMk cId="0" sldId="2147483650"/>
+          </pc:sldLayoutMkLst>
+        </pc:sldLayoutChg>
+      </pc:sldMasterChg>
     </pc:docChg>
   </pc:docChgLst>
 </pc:chgInfo>
@@ -2631,703 +2717,6 @@
 </file>
 
 <file path=ppt/slideLayouts/slideLayout10.xml><?xml version="1.0" encoding="utf-8"?>
-<p:sldLayout xmlns:a="http://schemas.openxmlformats.org/drawingml/2006/main" xmlns:r="http://schemas.openxmlformats.org/officeDocument/2006/relationships" xmlns:p="http://schemas.openxmlformats.org/presentationml/2006/main" matchingName="Title and Vertical Text" type="vertTx">
-  <p:cSld name="VERTICAL_TEXT">
-    <p:spTree>
-      <p:nvGrpSpPr>
-        <p:cNvPr id="1" name="Shape 72"/>
-        <p:cNvGrpSpPr/>
-        <p:nvPr/>
-      </p:nvGrpSpPr>
-      <p:grpSpPr>
-        <a:xfrm>
-          <a:off x="0" y="0"/>
-          <a:ext cx="0" cy="0"/>
-          <a:chOff x="0" y="0"/>
-          <a:chExt cx="0" cy="0"/>
-        </a:xfrm>
-      </p:grpSpPr>
-      <p:sp>
-        <p:nvSpPr>
-          <p:cNvPr id="73" name="Google Shape;73;p12"/>
-          <p:cNvSpPr txBox="1">
-            <a:spLocks noGrp="1"/>
-          </p:cNvSpPr>
-          <p:nvPr>
-            <p:ph type="title"/>
-          </p:nvPr>
-        </p:nvSpPr>
-        <p:spPr>
-          <a:xfrm>
-            <a:off x="2194560" y="1318262"/>
-            <a:ext cx="39502080" cy="5486400"/>
-          </a:xfrm>
-          <a:prstGeom prst="rect">
-            <a:avLst/>
-          </a:prstGeom>
-          <a:noFill/>
-          <a:ln>
-            <a:noFill/>
-          </a:ln>
-        </p:spPr>
-        <p:txBody>
-          <a:bodyPr spcFirstLastPara="1" wrap="square" lIns="438900" tIns="219450" rIns="438900" bIns="219450" anchor="ctr" anchorCtr="0">
-            <a:normAutofit/>
-          </a:bodyPr>
-          <a:lstStyle>
-            <a:lvl1pPr lvl="0" algn="ctr">
-              <a:spcBef>
-                <a:spcPts val="0"/>
-              </a:spcBef>
-              <a:spcAft>
-                <a:spcPts val="0"/>
-              </a:spcAft>
-              <a:buClr>
-                <a:schemeClr val="dk1"/>
-              </a:buClr>
-              <a:buSzPts val="1800"/>
-              <a:buNone/>
-              <a:defRPr/>
-            </a:lvl1pPr>
-            <a:lvl2pPr lvl="1">
-              <a:spcBef>
-                <a:spcPts val="0"/>
-              </a:spcBef>
-              <a:spcAft>
-                <a:spcPts val="0"/>
-              </a:spcAft>
-              <a:buSzPts val="1400"/>
-              <a:buNone/>
-              <a:defRPr/>
-            </a:lvl2pPr>
-            <a:lvl3pPr lvl="2">
-              <a:spcBef>
-                <a:spcPts val="0"/>
-              </a:spcBef>
-              <a:spcAft>
-                <a:spcPts val="0"/>
-              </a:spcAft>
-              <a:buSzPts val="1400"/>
-              <a:buNone/>
-              <a:defRPr/>
-            </a:lvl3pPr>
-            <a:lvl4pPr lvl="3">
-              <a:spcBef>
-                <a:spcPts val="0"/>
-              </a:spcBef>
-              <a:spcAft>
-                <a:spcPts val="0"/>
-              </a:spcAft>
-              <a:buSzPts val="1400"/>
-              <a:buNone/>
-              <a:defRPr/>
-            </a:lvl4pPr>
-            <a:lvl5pPr lvl="4">
-              <a:spcBef>
-                <a:spcPts val="0"/>
-              </a:spcBef>
-              <a:spcAft>
-                <a:spcPts val="0"/>
-              </a:spcAft>
-              <a:buSzPts val="1400"/>
-              <a:buNone/>
-              <a:defRPr/>
-            </a:lvl5pPr>
-            <a:lvl6pPr lvl="5">
-              <a:spcBef>
-                <a:spcPts val="0"/>
-              </a:spcBef>
-              <a:spcAft>
-                <a:spcPts val="0"/>
-              </a:spcAft>
-              <a:buSzPts val="1400"/>
-              <a:buNone/>
-              <a:defRPr/>
-            </a:lvl6pPr>
-            <a:lvl7pPr lvl="6">
-              <a:spcBef>
-                <a:spcPts val="0"/>
-              </a:spcBef>
-              <a:spcAft>
-                <a:spcPts val="0"/>
-              </a:spcAft>
-              <a:buSzPts val="1400"/>
-              <a:buNone/>
-              <a:defRPr/>
-            </a:lvl7pPr>
-            <a:lvl8pPr lvl="7">
-              <a:spcBef>
-                <a:spcPts val="0"/>
-              </a:spcBef>
-              <a:spcAft>
-                <a:spcPts val="0"/>
-              </a:spcAft>
-              <a:buSzPts val="1400"/>
-              <a:buNone/>
-              <a:defRPr/>
-            </a:lvl8pPr>
-            <a:lvl9pPr lvl="8">
-              <a:spcBef>
-                <a:spcPts val="0"/>
-              </a:spcBef>
-              <a:spcAft>
-                <a:spcPts val="0"/>
-              </a:spcAft>
-              <a:buSzPts val="1400"/>
-              <a:buNone/>
-              <a:defRPr/>
-            </a:lvl9pPr>
-          </a:lstStyle>
-          <a:p>
-            <a:endParaRPr/>
-          </a:p>
-        </p:txBody>
-      </p:sp>
-      <p:sp>
-        <p:nvSpPr>
-          <p:cNvPr id="74" name="Google Shape;74;p12"/>
-          <p:cNvSpPr txBox="1">
-            <a:spLocks noGrp="1"/>
-          </p:cNvSpPr>
-          <p:nvPr>
-            <p:ph type="body" idx="1"/>
-          </p:nvPr>
-        </p:nvSpPr>
-        <p:spPr>
-          <a:xfrm rot="5400000">
-            <a:off x="11083289" y="-1207766"/>
-            <a:ext cx="21724622" cy="39502080"/>
-          </a:xfrm>
-          <a:prstGeom prst="rect">
-            <a:avLst/>
-          </a:prstGeom>
-          <a:noFill/>
-          <a:ln>
-            <a:noFill/>
-          </a:ln>
-        </p:spPr>
-        <p:txBody>
-          <a:bodyPr spcFirstLastPara="1" wrap="square" lIns="438900" tIns="219450" rIns="438900" bIns="219450" anchor="t" anchorCtr="0">
-            <a:normAutofit/>
-          </a:bodyPr>
-          <a:lstStyle>
-            <a:lvl1pPr marL="457200" lvl="0" indent="-342900" algn="l">
-              <a:spcBef>
-                <a:spcPts val="360"/>
-              </a:spcBef>
-              <a:spcAft>
-                <a:spcPts val="0"/>
-              </a:spcAft>
-              <a:buClr>
-                <a:schemeClr val="dk1"/>
-              </a:buClr>
-              <a:buSzPts val="1800"/>
-              <a:buChar char="•"/>
-              <a:defRPr/>
-            </a:lvl1pPr>
-            <a:lvl2pPr marL="914400" lvl="1" indent="-342900" algn="l">
-              <a:spcBef>
-                <a:spcPts val="360"/>
-              </a:spcBef>
-              <a:spcAft>
-                <a:spcPts val="0"/>
-              </a:spcAft>
-              <a:buClr>
-                <a:schemeClr val="dk1"/>
-              </a:buClr>
-              <a:buSzPts val="1800"/>
-              <a:buChar char="–"/>
-              <a:defRPr/>
-            </a:lvl2pPr>
-            <a:lvl3pPr marL="1371600" lvl="2" indent="-342900" algn="l">
-              <a:spcBef>
-                <a:spcPts val="360"/>
-              </a:spcBef>
-              <a:spcAft>
-                <a:spcPts val="0"/>
-              </a:spcAft>
-              <a:buClr>
-                <a:schemeClr val="dk1"/>
-              </a:buClr>
-              <a:buSzPts val="1800"/>
-              <a:buChar char="•"/>
-              <a:defRPr/>
-            </a:lvl3pPr>
-            <a:lvl4pPr marL="1828800" lvl="3" indent="-342900" algn="l">
-              <a:spcBef>
-                <a:spcPts val="360"/>
-              </a:spcBef>
-              <a:spcAft>
-                <a:spcPts val="0"/>
-              </a:spcAft>
-              <a:buClr>
-                <a:schemeClr val="dk1"/>
-              </a:buClr>
-              <a:buSzPts val="1800"/>
-              <a:buChar char="–"/>
-              <a:defRPr/>
-            </a:lvl4pPr>
-            <a:lvl5pPr marL="2286000" lvl="4" indent="-342900" algn="l">
-              <a:spcBef>
-                <a:spcPts val="360"/>
-              </a:spcBef>
-              <a:spcAft>
-                <a:spcPts val="0"/>
-              </a:spcAft>
-              <a:buClr>
-                <a:schemeClr val="dk1"/>
-              </a:buClr>
-              <a:buSzPts val="1800"/>
-              <a:buChar char="»"/>
-              <a:defRPr/>
-            </a:lvl5pPr>
-            <a:lvl6pPr marL="2743200" lvl="5" indent="-342900" algn="l">
-              <a:spcBef>
-                <a:spcPts val="360"/>
-              </a:spcBef>
-              <a:spcAft>
-                <a:spcPts val="0"/>
-              </a:spcAft>
-              <a:buClr>
-                <a:schemeClr val="dk1"/>
-              </a:buClr>
-              <a:buSzPts val="1800"/>
-              <a:buChar char="•"/>
-              <a:defRPr/>
-            </a:lvl6pPr>
-            <a:lvl7pPr marL="3200400" lvl="6" indent="-342900" algn="l">
-              <a:spcBef>
-                <a:spcPts val="360"/>
-              </a:spcBef>
-              <a:spcAft>
-                <a:spcPts val="0"/>
-              </a:spcAft>
-              <a:buClr>
-                <a:schemeClr val="dk1"/>
-              </a:buClr>
-              <a:buSzPts val="1800"/>
-              <a:buChar char="•"/>
-              <a:defRPr/>
-            </a:lvl7pPr>
-            <a:lvl8pPr marL="3657600" lvl="7" indent="-342900" algn="l">
-              <a:spcBef>
-                <a:spcPts val="360"/>
-              </a:spcBef>
-              <a:spcAft>
-                <a:spcPts val="0"/>
-              </a:spcAft>
-              <a:buClr>
-                <a:schemeClr val="dk1"/>
-              </a:buClr>
-              <a:buSzPts val="1800"/>
-              <a:buChar char="•"/>
-              <a:defRPr/>
-            </a:lvl8pPr>
-            <a:lvl9pPr marL="4114800" lvl="8" indent="-342900" algn="l">
-              <a:spcBef>
-                <a:spcPts val="360"/>
-              </a:spcBef>
-              <a:spcAft>
-                <a:spcPts val="0"/>
-              </a:spcAft>
-              <a:buClr>
-                <a:schemeClr val="dk1"/>
-              </a:buClr>
-              <a:buSzPts val="1800"/>
-              <a:buChar char="•"/>
-              <a:defRPr/>
-            </a:lvl9pPr>
-          </a:lstStyle>
-          <a:p>
-            <a:endParaRPr/>
-          </a:p>
-        </p:txBody>
-      </p:sp>
-      <p:sp>
-        <p:nvSpPr>
-          <p:cNvPr id="75" name="Google Shape;75;p12"/>
-          <p:cNvSpPr txBox="1">
-            <a:spLocks noGrp="1"/>
-          </p:cNvSpPr>
-          <p:nvPr>
-            <p:ph type="dt" idx="10"/>
-          </p:nvPr>
-        </p:nvSpPr>
-        <p:spPr>
-          <a:xfrm>
-            <a:off x="2194560" y="30510482"/>
-            <a:ext cx="10241280" cy="1752600"/>
-          </a:xfrm>
-          <a:prstGeom prst="rect">
-            <a:avLst/>
-          </a:prstGeom>
-          <a:noFill/>
-          <a:ln>
-            <a:noFill/>
-          </a:ln>
-        </p:spPr>
-        <p:txBody>
-          <a:bodyPr spcFirstLastPara="1" wrap="square" lIns="438900" tIns="219450" rIns="438900" bIns="219450" anchor="ctr" anchorCtr="0">
-            <a:noAutofit/>
-          </a:bodyPr>
-          <a:lstStyle>
-            <a:lvl1pPr lvl="0" algn="l">
-              <a:spcBef>
-                <a:spcPts val="0"/>
-              </a:spcBef>
-              <a:spcAft>
-                <a:spcPts val="0"/>
-              </a:spcAft>
-              <a:buSzPts val="1400"/>
-              <a:buNone/>
-              <a:defRPr/>
-            </a:lvl1pPr>
-            <a:lvl2pPr lvl="1" algn="l">
-              <a:spcBef>
-                <a:spcPts val="0"/>
-              </a:spcBef>
-              <a:spcAft>
-                <a:spcPts val="0"/>
-              </a:spcAft>
-              <a:buSzPts val="1400"/>
-              <a:buNone/>
-              <a:defRPr/>
-            </a:lvl2pPr>
-            <a:lvl3pPr lvl="2" algn="l">
-              <a:spcBef>
-                <a:spcPts val="0"/>
-              </a:spcBef>
-              <a:spcAft>
-                <a:spcPts val="0"/>
-              </a:spcAft>
-              <a:buSzPts val="1400"/>
-              <a:buNone/>
-              <a:defRPr/>
-            </a:lvl3pPr>
-            <a:lvl4pPr lvl="3" algn="l">
-              <a:spcBef>
-                <a:spcPts val="0"/>
-              </a:spcBef>
-              <a:spcAft>
-                <a:spcPts val="0"/>
-              </a:spcAft>
-              <a:buSzPts val="1400"/>
-              <a:buNone/>
-              <a:defRPr/>
-            </a:lvl4pPr>
-            <a:lvl5pPr lvl="4" algn="l">
-              <a:spcBef>
-                <a:spcPts val="0"/>
-              </a:spcBef>
-              <a:spcAft>
-                <a:spcPts val="0"/>
-              </a:spcAft>
-              <a:buSzPts val="1400"/>
-              <a:buNone/>
-              <a:defRPr/>
-            </a:lvl5pPr>
-            <a:lvl6pPr lvl="5" algn="l">
-              <a:spcBef>
-                <a:spcPts val="0"/>
-              </a:spcBef>
-              <a:spcAft>
-                <a:spcPts val="0"/>
-              </a:spcAft>
-              <a:buSzPts val="1400"/>
-              <a:buNone/>
-              <a:defRPr/>
-            </a:lvl6pPr>
-            <a:lvl7pPr lvl="6" algn="l">
-              <a:spcBef>
-                <a:spcPts val="0"/>
-              </a:spcBef>
-              <a:spcAft>
-                <a:spcPts val="0"/>
-              </a:spcAft>
-              <a:buSzPts val="1400"/>
-              <a:buNone/>
-              <a:defRPr/>
-            </a:lvl7pPr>
-            <a:lvl8pPr lvl="7" algn="l">
-              <a:spcBef>
-                <a:spcPts val="0"/>
-              </a:spcBef>
-              <a:spcAft>
-                <a:spcPts val="0"/>
-              </a:spcAft>
-              <a:buSzPts val="1400"/>
-              <a:buNone/>
-              <a:defRPr/>
-            </a:lvl8pPr>
-            <a:lvl9pPr lvl="8" algn="l">
-              <a:spcBef>
-                <a:spcPts val="0"/>
-              </a:spcBef>
-              <a:spcAft>
-                <a:spcPts val="0"/>
-              </a:spcAft>
-              <a:buSzPts val="1400"/>
-              <a:buNone/>
-              <a:defRPr/>
-            </a:lvl9pPr>
-          </a:lstStyle>
-          <a:p>
-            <a:endParaRPr/>
-          </a:p>
-        </p:txBody>
-      </p:sp>
-      <p:sp>
-        <p:nvSpPr>
-          <p:cNvPr id="76" name="Google Shape;76;p12"/>
-          <p:cNvSpPr txBox="1">
-            <a:spLocks noGrp="1"/>
-          </p:cNvSpPr>
-          <p:nvPr>
-            <p:ph type="ftr" idx="11"/>
-          </p:nvPr>
-        </p:nvSpPr>
-        <p:spPr>
-          <a:xfrm>
-            <a:off x="14996160" y="30510482"/>
-            <a:ext cx="13898880" cy="1752600"/>
-          </a:xfrm>
-          <a:prstGeom prst="rect">
-            <a:avLst/>
-          </a:prstGeom>
-          <a:noFill/>
-          <a:ln>
-            <a:noFill/>
-          </a:ln>
-        </p:spPr>
-        <p:txBody>
-          <a:bodyPr spcFirstLastPara="1" wrap="square" lIns="438900" tIns="219450" rIns="438900" bIns="219450" anchor="ctr" anchorCtr="0">
-            <a:noAutofit/>
-          </a:bodyPr>
-          <a:lstStyle>
-            <a:lvl1pPr lvl="0" algn="ctr">
-              <a:spcBef>
-                <a:spcPts val="0"/>
-              </a:spcBef>
-              <a:spcAft>
-                <a:spcPts val="0"/>
-              </a:spcAft>
-              <a:buSzPts val="1400"/>
-              <a:buNone/>
-              <a:defRPr/>
-            </a:lvl1pPr>
-            <a:lvl2pPr lvl="1" algn="l">
-              <a:spcBef>
-                <a:spcPts val="0"/>
-              </a:spcBef>
-              <a:spcAft>
-                <a:spcPts val="0"/>
-              </a:spcAft>
-              <a:buSzPts val="1400"/>
-              <a:buNone/>
-              <a:defRPr/>
-            </a:lvl2pPr>
-            <a:lvl3pPr lvl="2" algn="l">
-              <a:spcBef>
-                <a:spcPts val="0"/>
-              </a:spcBef>
-              <a:spcAft>
-                <a:spcPts val="0"/>
-              </a:spcAft>
-              <a:buSzPts val="1400"/>
-              <a:buNone/>
-              <a:defRPr/>
-            </a:lvl3pPr>
-            <a:lvl4pPr lvl="3" algn="l">
-              <a:spcBef>
-                <a:spcPts val="0"/>
-              </a:spcBef>
-              <a:spcAft>
-                <a:spcPts val="0"/>
-              </a:spcAft>
-              <a:buSzPts val="1400"/>
-              <a:buNone/>
-              <a:defRPr/>
-            </a:lvl4pPr>
-            <a:lvl5pPr lvl="4" algn="l">
-              <a:spcBef>
-                <a:spcPts val="0"/>
-              </a:spcBef>
-              <a:spcAft>
-                <a:spcPts val="0"/>
-              </a:spcAft>
-              <a:buSzPts val="1400"/>
-              <a:buNone/>
-              <a:defRPr/>
-            </a:lvl5pPr>
-            <a:lvl6pPr lvl="5" algn="l">
-              <a:spcBef>
-                <a:spcPts val="0"/>
-              </a:spcBef>
-              <a:spcAft>
-                <a:spcPts val="0"/>
-              </a:spcAft>
-              <a:buSzPts val="1400"/>
-              <a:buNone/>
-              <a:defRPr/>
-            </a:lvl6pPr>
-            <a:lvl7pPr lvl="6" algn="l">
-              <a:spcBef>
-                <a:spcPts val="0"/>
-              </a:spcBef>
-              <a:spcAft>
-                <a:spcPts val="0"/>
-              </a:spcAft>
-              <a:buSzPts val="1400"/>
-              <a:buNone/>
-              <a:defRPr/>
-            </a:lvl7pPr>
-            <a:lvl8pPr lvl="7" algn="l">
-              <a:spcBef>
-                <a:spcPts val="0"/>
-              </a:spcBef>
-              <a:spcAft>
-                <a:spcPts val="0"/>
-              </a:spcAft>
-              <a:buSzPts val="1400"/>
-              <a:buNone/>
-              <a:defRPr/>
-            </a:lvl8pPr>
-            <a:lvl9pPr lvl="8" algn="l">
-              <a:spcBef>
-                <a:spcPts val="0"/>
-              </a:spcBef>
-              <a:spcAft>
-                <a:spcPts val="0"/>
-              </a:spcAft>
-              <a:buSzPts val="1400"/>
-              <a:buNone/>
-              <a:defRPr/>
-            </a:lvl9pPr>
-          </a:lstStyle>
-          <a:p>
-            <a:endParaRPr/>
-          </a:p>
-        </p:txBody>
-      </p:sp>
-      <p:sp>
-        <p:nvSpPr>
-          <p:cNvPr id="77" name="Google Shape;77;p12"/>
-          <p:cNvSpPr txBox="1">
-            <a:spLocks noGrp="1"/>
-          </p:cNvSpPr>
-          <p:nvPr>
-            <p:ph type="sldNum" idx="12"/>
-          </p:nvPr>
-        </p:nvSpPr>
-        <p:spPr>
-          <a:xfrm>
-            <a:off x="31455360" y="30510482"/>
-            <a:ext cx="10241280" cy="1752600"/>
-          </a:xfrm>
-          <a:prstGeom prst="rect">
-            <a:avLst/>
-          </a:prstGeom>
-          <a:noFill/>
-          <a:ln>
-            <a:noFill/>
-          </a:ln>
-        </p:spPr>
-        <p:txBody>
-          <a:bodyPr spcFirstLastPara="1" wrap="square" lIns="438900" tIns="219450" rIns="438900" bIns="219450" anchor="ctr" anchorCtr="0">
-            <a:noAutofit/>
-          </a:bodyPr>
-          <a:lstStyle>
-            <a:lvl1pPr marL="0" lvl="0" indent="0" algn="r">
-              <a:spcBef>
-                <a:spcPts val="0"/>
-              </a:spcBef>
-              <a:buNone/>
-              <a:defRPr/>
-            </a:lvl1pPr>
-            <a:lvl2pPr marL="0" lvl="1" indent="0" algn="r">
-              <a:spcBef>
-                <a:spcPts val="0"/>
-              </a:spcBef>
-              <a:buNone/>
-              <a:defRPr/>
-            </a:lvl2pPr>
-            <a:lvl3pPr marL="0" lvl="2" indent="0" algn="r">
-              <a:spcBef>
-                <a:spcPts val="0"/>
-              </a:spcBef>
-              <a:buNone/>
-              <a:defRPr/>
-            </a:lvl3pPr>
-            <a:lvl4pPr marL="0" lvl="3" indent="0" algn="r">
-              <a:spcBef>
-                <a:spcPts val="0"/>
-              </a:spcBef>
-              <a:buNone/>
-              <a:defRPr/>
-            </a:lvl4pPr>
-            <a:lvl5pPr marL="0" lvl="4" indent="0" algn="r">
-              <a:spcBef>
-                <a:spcPts val="0"/>
-              </a:spcBef>
-              <a:buNone/>
-              <a:defRPr/>
-            </a:lvl5pPr>
-            <a:lvl6pPr marL="0" lvl="5" indent="0" algn="r">
-              <a:spcBef>
-                <a:spcPts val="0"/>
-              </a:spcBef>
-              <a:buNone/>
-              <a:defRPr/>
-            </a:lvl6pPr>
-            <a:lvl7pPr marL="0" lvl="6" indent="0" algn="r">
-              <a:spcBef>
-                <a:spcPts val="0"/>
-              </a:spcBef>
-              <a:buNone/>
-              <a:defRPr/>
-            </a:lvl7pPr>
-            <a:lvl8pPr marL="0" lvl="7" indent="0" algn="r">
-              <a:spcBef>
-                <a:spcPts val="0"/>
-              </a:spcBef>
-              <a:buNone/>
-              <a:defRPr/>
-            </a:lvl8pPr>
-            <a:lvl9pPr marL="0" lvl="8" indent="0" algn="r">
-              <a:spcBef>
-                <a:spcPts val="0"/>
-              </a:spcBef>
-              <a:buNone/>
-              <a:defRPr/>
-            </a:lvl9pPr>
-          </a:lstStyle>
-          <a:p>
-            <a:pPr marL="0" lvl="0" indent="0" algn="r" rtl="0">
-              <a:spcBef>
-                <a:spcPts val="0"/>
-              </a:spcBef>
-              <a:spcAft>
-                <a:spcPts val="0"/>
-              </a:spcAft>
-              <a:buNone/>
-            </a:pPr>
-            <a:fld id="{00000000-1234-1234-1234-123412341234}" type="slidenum">
-              <a:rPr lang="en-US"/>
-              <a:t>‹#›</a:t>
-            </a:fld>
-            <a:endParaRPr/>
-          </a:p>
-        </p:txBody>
-      </p:sp>
-    </p:spTree>
-  </p:cSld>
-  <p:clrMapOvr>
-    <a:masterClrMapping/>
-  </p:clrMapOvr>
-</p:sldLayout>
-</file>
-
-<file path=ppt/slideLayouts/slideLayout11.xml><?xml version="1.0" encoding="utf-8"?>
 <p:sldLayout xmlns:a="http://schemas.openxmlformats.org/drawingml/2006/main" xmlns:r="http://schemas.openxmlformats.org/officeDocument/2006/relationships" xmlns:p="http://schemas.openxmlformats.org/presentationml/2006/main" matchingName="Vertical Title and Text" type="vertTitleAndTx">
   <p:cSld name="VERTICAL_TITLE_AND_VERTICAL_TEXT">
     <p:spTree>
@@ -4025,703 +3414,6 @@
 </file>
 
 <file path=ppt/slideLayouts/slideLayout2.xml><?xml version="1.0" encoding="utf-8"?>
-<p:sldLayout xmlns:a="http://schemas.openxmlformats.org/drawingml/2006/main" xmlns:r="http://schemas.openxmlformats.org/officeDocument/2006/relationships" xmlns:p="http://schemas.openxmlformats.org/presentationml/2006/main" matchingName="Title and Content" type="obj">
-  <p:cSld name="OBJECT">
-    <p:spTree>
-      <p:nvGrpSpPr>
-        <p:cNvPr id="1" name="Shape 21"/>
-        <p:cNvGrpSpPr/>
-        <p:nvPr/>
-      </p:nvGrpSpPr>
-      <p:grpSpPr>
-        <a:xfrm>
-          <a:off x="0" y="0"/>
-          <a:ext cx="0" cy="0"/>
-          <a:chOff x="0" y="0"/>
-          <a:chExt cx="0" cy="0"/>
-        </a:xfrm>
-      </p:grpSpPr>
-      <p:sp>
-        <p:nvSpPr>
-          <p:cNvPr id="22" name="Google Shape;22;p4"/>
-          <p:cNvSpPr txBox="1">
-            <a:spLocks noGrp="1"/>
-          </p:cNvSpPr>
-          <p:nvPr>
-            <p:ph type="title"/>
-          </p:nvPr>
-        </p:nvSpPr>
-        <p:spPr>
-          <a:xfrm>
-            <a:off x="2194560" y="1318262"/>
-            <a:ext cx="39502080" cy="5486400"/>
-          </a:xfrm>
-          <a:prstGeom prst="rect">
-            <a:avLst/>
-          </a:prstGeom>
-          <a:noFill/>
-          <a:ln>
-            <a:noFill/>
-          </a:ln>
-        </p:spPr>
-        <p:txBody>
-          <a:bodyPr spcFirstLastPara="1" wrap="square" lIns="438900" tIns="219450" rIns="438900" bIns="219450" anchor="ctr" anchorCtr="0">
-            <a:normAutofit/>
-          </a:bodyPr>
-          <a:lstStyle>
-            <a:lvl1pPr lvl="0" algn="ctr">
-              <a:spcBef>
-                <a:spcPts val="0"/>
-              </a:spcBef>
-              <a:spcAft>
-                <a:spcPts val="0"/>
-              </a:spcAft>
-              <a:buClr>
-                <a:schemeClr val="dk1"/>
-              </a:buClr>
-              <a:buSzPts val="1800"/>
-              <a:buNone/>
-              <a:defRPr/>
-            </a:lvl1pPr>
-            <a:lvl2pPr lvl="1">
-              <a:spcBef>
-                <a:spcPts val="0"/>
-              </a:spcBef>
-              <a:spcAft>
-                <a:spcPts val="0"/>
-              </a:spcAft>
-              <a:buSzPts val="1400"/>
-              <a:buNone/>
-              <a:defRPr/>
-            </a:lvl2pPr>
-            <a:lvl3pPr lvl="2">
-              <a:spcBef>
-                <a:spcPts val="0"/>
-              </a:spcBef>
-              <a:spcAft>
-                <a:spcPts val="0"/>
-              </a:spcAft>
-              <a:buSzPts val="1400"/>
-              <a:buNone/>
-              <a:defRPr/>
-            </a:lvl3pPr>
-            <a:lvl4pPr lvl="3">
-              <a:spcBef>
-                <a:spcPts val="0"/>
-              </a:spcBef>
-              <a:spcAft>
-                <a:spcPts val="0"/>
-              </a:spcAft>
-              <a:buSzPts val="1400"/>
-              <a:buNone/>
-              <a:defRPr/>
-            </a:lvl4pPr>
-            <a:lvl5pPr lvl="4">
-              <a:spcBef>
-                <a:spcPts val="0"/>
-              </a:spcBef>
-              <a:spcAft>
-                <a:spcPts val="0"/>
-              </a:spcAft>
-              <a:buSzPts val="1400"/>
-              <a:buNone/>
-              <a:defRPr/>
-            </a:lvl5pPr>
-            <a:lvl6pPr lvl="5">
-              <a:spcBef>
-                <a:spcPts val="0"/>
-              </a:spcBef>
-              <a:spcAft>
-                <a:spcPts val="0"/>
-              </a:spcAft>
-              <a:buSzPts val="1400"/>
-              <a:buNone/>
-              <a:defRPr/>
-            </a:lvl6pPr>
-            <a:lvl7pPr lvl="6">
-              <a:spcBef>
-                <a:spcPts val="0"/>
-              </a:spcBef>
-              <a:spcAft>
-                <a:spcPts val="0"/>
-              </a:spcAft>
-              <a:buSzPts val="1400"/>
-              <a:buNone/>
-              <a:defRPr/>
-            </a:lvl7pPr>
-            <a:lvl8pPr lvl="7">
-              <a:spcBef>
-                <a:spcPts val="0"/>
-              </a:spcBef>
-              <a:spcAft>
-                <a:spcPts val="0"/>
-              </a:spcAft>
-              <a:buSzPts val="1400"/>
-              <a:buNone/>
-              <a:defRPr/>
-            </a:lvl8pPr>
-            <a:lvl9pPr lvl="8">
-              <a:spcBef>
-                <a:spcPts val="0"/>
-              </a:spcBef>
-              <a:spcAft>
-                <a:spcPts val="0"/>
-              </a:spcAft>
-              <a:buSzPts val="1400"/>
-              <a:buNone/>
-              <a:defRPr/>
-            </a:lvl9pPr>
-          </a:lstStyle>
-          <a:p>
-            <a:endParaRPr/>
-          </a:p>
-        </p:txBody>
-      </p:sp>
-      <p:sp>
-        <p:nvSpPr>
-          <p:cNvPr id="23" name="Google Shape;23;p4"/>
-          <p:cNvSpPr txBox="1">
-            <a:spLocks noGrp="1"/>
-          </p:cNvSpPr>
-          <p:nvPr>
-            <p:ph type="body" idx="1"/>
-          </p:nvPr>
-        </p:nvSpPr>
-        <p:spPr>
-          <a:xfrm>
-            <a:off x="2194560" y="7680963"/>
-            <a:ext cx="39502080" cy="21724622"/>
-          </a:xfrm>
-          <a:prstGeom prst="rect">
-            <a:avLst/>
-          </a:prstGeom>
-          <a:noFill/>
-          <a:ln>
-            <a:noFill/>
-          </a:ln>
-        </p:spPr>
-        <p:txBody>
-          <a:bodyPr spcFirstLastPara="1" wrap="square" lIns="438900" tIns="219450" rIns="438900" bIns="219450" anchor="t" anchorCtr="0">
-            <a:normAutofit/>
-          </a:bodyPr>
-          <a:lstStyle>
-            <a:lvl1pPr marL="457200" lvl="0" indent="-342900" algn="l">
-              <a:spcBef>
-                <a:spcPts val="360"/>
-              </a:spcBef>
-              <a:spcAft>
-                <a:spcPts val="0"/>
-              </a:spcAft>
-              <a:buClr>
-                <a:schemeClr val="dk1"/>
-              </a:buClr>
-              <a:buSzPts val="1800"/>
-              <a:buChar char="•"/>
-              <a:defRPr/>
-            </a:lvl1pPr>
-            <a:lvl2pPr marL="914400" lvl="1" indent="-342900" algn="l">
-              <a:spcBef>
-                <a:spcPts val="360"/>
-              </a:spcBef>
-              <a:spcAft>
-                <a:spcPts val="0"/>
-              </a:spcAft>
-              <a:buClr>
-                <a:schemeClr val="dk1"/>
-              </a:buClr>
-              <a:buSzPts val="1800"/>
-              <a:buChar char="–"/>
-              <a:defRPr/>
-            </a:lvl2pPr>
-            <a:lvl3pPr marL="1371600" lvl="2" indent="-342900" algn="l">
-              <a:spcBef>
-                <a:spcPts val="360"/>
-              </a:spcBef>
-              <a:spcAft>
-                <a:spcPts val="0"/>
-              </a:spcAft>
-              <a:buClr>
-                <a:schemeClr val="dk1"/>
-              </a:buClr>
-              <a:buSzPts val="1800"/>
-              <a:buChar char="•"/>
-              <a:defRPr/>
-            </a:lvl3pPr>
-            <a:lvl4pPr marL="1828800" lvl="3" indent="-342900" algn="l">
-              <a:spcBef>
-                <a:spcPts val="360"/>
-              </a:spcBef>
-              <a:spcAft>
-                <a:spcPts val="0"/>
-              </a:spcAft>
-              <a:buClr>
-                <a:schemeClr val="dk1"/>
-              </a:buClr>
-              <a:buSzPts val="1800"/>
-              <a:buChar char="–"/>
-              <a:defRPr/>
-            </a:lvl4pPr>
-            <a:lvl5pPr marL="2286000" lvl="4" indent="-342900" algn="l">
-              <a:spcBef>
-                <a:spcPts val="360"/>
-              </a:spcBef>
-              <a:spcAft>
-                <a:spcPts val="0"/>
-              </a:spcAft>
-              <a:buClr>
-                <a:schemeClr val="dk1"/>
-              </a:buClr>
-              <a:buSzPts val="1800"/>
-              <a:buChar char="»"/>
-              <a:defRPr/>
-            </a:lvl5pPr>
-            <a:lvl6pPr marL="2743200" lvl="5" indent="-342900" algn="l">
-              <a:spcBef>
-                <a:spcPts val="360"/>
-              </a:spcBef>
-              <a:spcAft>
-                <a:spcPts val="0"/>
-              </a:spcAft>
-              <a:buClr>
-                <a:schemeClr val="dk1"/>
-              </a:buClr>
-              <a:buSzPts val="1800"/>
-              <a:buChar char="•"/>
-              <a:defRPr/>
-            </a:lvl6pPr>
-            <a:lvl7pPr marL="3200400" lvl="6" indent="-342900" algn="l">
-              <a:spcBef>
-                <a:spcPts val="360"/>
-              </a:spcBef>
-              <a:spcAft>
-                <a:spcPts val="0"/>
-              </a:spcAft>
-              <a:buClr>
-                <a:schemeClr val="dk1"/>
-              </a:buClr>
-              <a:buSzPts val="1800"/>
-              <a:buChar char="•"/>
-              <a:defRPr/>
-            </a:lvl7pPr>
-            <a:lvl8pPr marL="3657600" lvl="7" indent="-342900" algn="l">
-              <a:spcBef>
-                <a:spcPts val="360"/>
-              </a:spcBef>
-              <a:spcAft>
-                <a:spcPts val="0"/>
-              </a:spcAft>
-              <a:buClr>
-                <a:schemeClr val="dk1"/>
-              </a:buClr>
-              <a:buSzPts val="1800"/>
-              <a:buChar char="•"/>
-              <a:defRPr/>
-            </a:lvl8pPr>
-            <a:lvl9pPr marL="4114800" lvl="8" indent="-342900" algn="l">
-              <a:spcBef>
-                <a:spcPts val="360"/>
-              </a:spcBef>
-              <a:spcAft>
-                <a:spcPts val="0"/>
-              </a:spcAft>
-              <a:buClr>
-                <a:schemeClr val="dk1"/>
-              </a:buClr>
-              <a:buSzPts val="1800"/>
-              <a:buChar char="•"/>
-              <a:defRPr/>
-            </a:lvl9pPr>
-          </a:lstStyle>
-          <a:p>
-            <a:endParaRPr/>
-          </a:p>
-        </p:txBody>
-      </p:sp>
-      <p:sp>
-        <p:nvSpPr>
-          <p:cNvPr id="24" name="Google Shape;24;p4"/>
-          <p:cNvSpPr txBox="1">
-            <a:spLocks noGrp="1"/>
-          </p:cNvSpPr>
-          <p:nvPr>
-            <p:ph type="dt" idx="10"/>
-          </p:nvPr>
-        </p:nvSpPr>
-        <p:spPr>
-          <a:xfrm>
-            <a:off x="2194560" y="30510482"/>
-            <a:ext cx="10241280" cy="1752600"/>
-          </a:xfrm>
-          <a:prstGeom prst="rect">
-            <a:avLst/>
-          </a:prstGeom>
-          <a:noFill/>
-          <a:ln>
-            <a:noFill/>
-          </a:ln>
-        </p:spPr>
-        <p:txBody>
-          <a:bodyPr spcFirstLastPara="1" wrap="square" lIns="438900" tIns="219450" rIns="438900" bIns="219450" anchor="ctr" anchorCtr="0">
-            <a:noAutofit/>
-          </a:bodyPr>
-          <a:lstStyle>
-            <a:lvl1pPr lvl="0" algn="l">
-              <a:spcBef>
-                <a:spcPts val="0"/>
-              </a:spcBef>
-              <a:spcAft>
-                <a:spcPts val="0"/>
-              </a:spcAft>
-              <a:buSzPts val="1400"/>
-              <a:buNone/>
-              <a:defRPr/>
-            </a:lvl1pPr>
-            <a:lvl2pPr lvl="1" algn="l">
-              <a:spcBef>
-                <a:spcPts val="0"/>
-              </a:spcBef>
-              <a:spcAft>
-                <a:spcPts val="0"/>
-              </a:spcAft>
-              <a:buSzPts val="1400"/>
-              <a:buNone/>
-              <a:defRPr/>
-            </a:lvl2pPr>
-            <a:lvl3pPr lvl="2" algn="l">
-              <a:spcBef>
-                <a:spcPts val="0"/>
-              </a:spcBef>
-              <a:spcAft>
-                <a:spcPts val="0"/>
-              </a:spcAft>
-              <a:buSzPts val="1400"/>
-              <a:buNone/>
-              <a:defRPr/>
-            </a:lvl3pPr>
-            <a:lvl4pPr lvl="3" algn="l">
-              <a:spcBef>
-                <a:spcPts val="0"/>
-              </a:spcBef>
-              <a:spcAft>
-                <a:spcPts val="0"/>
-              </a:spcAft>
-              <a:buSzPts val="1400"/>
-              <a:buNone/>
-              <a:defRPr/>
-            </a:lvl4pPr>
-            <a:lvl5pPr lvl="4" algn="l">
-              <a:spcBef>
-                <a:spcPts val="0"/>
-              </a:spcBef>
-              <a:spcAft>
-                <a:spcPts val="0"/>
-              </a:spcAft>
-              <a:buSzPts val="1400"/>
-              <a:buNone/>
-              <a:defRPr/>
-            </a:lvl5pPr>
-            <a:lvl6pPr lvl="5" algn="l">
-              <a:spcBef>
-                <a:spcPts val="0"/>
-              </a:spcBef>
-              <a:spcAft>
-                <a:spcPts val="0"/>
-              </a:spcAft>
-              <a:buSzPts val="1400"/>
-              <a:buNone/>
-              <a:defRPr/>
-            </a:lvl6pPr>
-            <a:lvl7pPr lvl="6" algn="l">
-              <a:spcBef>
-                <a:spcPts val="0"/>
-              </a:spcBef>
-              <a:spcAft>
-                <a:spcPts val="0"/>
-              </a:spcAft>
-              <a:buSzPts val="1400"/>
-              <a:buNone/>
-              <a:defRPr/>
-            </a:lvl7pPr>
-            <a:lvl8pPr lvl="7" algn="l">
-              <a:spcBef>
-                <a:spcPts val="0"/>
-              </a:spcBef>
-              <a:spcAft>
-                <a:spcPts val="0"/>
-              </a:spcAft>
-              <a:buSzPts val="1400"/>
-              <a:buNone/>
-              <a:defRPr/>
-            </a:lvl8pPr>
-            <a:lvl9pPr lvl="8" algn="l">
-              <a:spcBef>
-                <a:spcPts val="0"/>
-              </a:spcBef>
-              <a:spcAft>
-                <a:spcPts val="0"/>
-              </a:spcAft>
-              <a:buSzPts val="1400"/>
-              <a:buNone/>
-              <a:defRPr/>
-            </a:lvl9pPr>
-          </a:lstStyle>
-          <a:p>
-            <a:endParaRPr/>
-          </a:p>
-        </p:txBody>
-      </p:sp>
-      <p:sp>
-        <p:nvSpPr>
-          <p:cNvPr id="25" name="Google Shape;25;p4"/>
-          <p:cNvSpPr txBox="1">
-            <a:spLocks noGrp="1"/>
-          </p:cNvSpPr>
-          <p:nvPr>
-            <p:ph type="ftr" idx="11"/>
-          </p:nvPr>
-        </p:nvSpPr>
-        <p:spPr>
-          <a:xfrm>
-            <a:off x="14996160" y="30510482"/>
-            <a:ext cx="13898880" cy="1752600"/>
-          </a:xfrm>
-          <a:prstGeom prst="rect">
-            <a:avLst/>
-          </a:prstGeom>
-          <a:noFill/>
-          <a:ln>
-            <a:noFill/>
-          </a:ln>
-        </p:spPr>
-        <p:txBody>
-          <a:bodyPr spcFirstLastPara="1" wrap="square" lIns="438900" tIns="219450" rIns="438900" bIns="219450" anchor="ctr" anchorCtr="0">
-            <a:noAutofit/>
-          </a:bodyPr>
-          <a:lstStyle>
-            <a:lvl1pPr lvl="0" algn="ctr">
-              <a:spcBef>
-                <a:spcPts val="0"/>
-              </a:spcBef>
-              <a:spcAft>
-                <a:spcPts val="0"/>
-              </a:spcAft>
-              <a:buSzPts val="1400"/>
-              <a:buNone/>
-              <a:defRPr/>
-            </a:lvl1pPr>
-            <a:lvl2pPr lvl="1" algn="l">
-              <a:spcBef>
-                <a:spcPts val="0"/>
-              </a:spcBef>
-              <a:spcAft>
-                <a:spcPts val="0"/>
-              </a:spcAft>
-              <a:buSzPts val="1400"/>
-              <a:buNone/>
-              <a:defRPr/>
-            </a:lvl2pPr>
-            <a:lvl3pPr lvl="2" algn="l">
-              <a:spcBef>
-                <a:spcPts val="0"/>
-              </a:spcBef>
-              <a:spcAft>
-                <a:spcPts val="0"/>
-              </a:spcAft>
-              <a:buSzPts val="1400"/>
-              <a:buNone/>
-              <a:defRPr/>
-            </a:lvl3pPr>
-            <a:lvl4pPr lvl="3" algn="l">
-              <a:spcBef>
-                <a:spcPts val="0"/>
-              </a:spcBef>
-              <a:spcAft>
-                <a:spcPts val="0"/>
-              </a:spcAft>
-              <a:buSzPts val="1400"/>
-              <a:buNone/>
-              <a:defRPr/>
-            </a:lvl4pPr>
-            <a:lvl5pPr lvl="4" algn="l">
-              <a:spcBef>
-                <a:spcPts val="0"/>
-              </a:spcBef>
-              <a:spcAft>
-                <a:spcPts val="0"/>
-              </a:spcAft>
-              <a:buSzPts val="1400"/>
-              <a:buNone/>
-              <a:defRPr/>
-            </a:lvl5pPr>
-            <a:lvl6pPr lvl="5" algn="l">
-              <a:spcBef>
-                <a:spcPts val="0"/>
-              </a:spcBef>
-              <a:spcAft>
-                <a:spcPts val="0"/>
-              </a:spcAft>
-              <a:buSzPts val="1400"/>
-              <a:buNone/>
-              <a:defRPr/>
-            </a:lvl6pPr>
-            <a:lvl7pPr lvl="6" algn="l">
-              <a:spcBef>
-                <a:spcPts val="0"/>
-              </a:spcBef>
-              <a:spcAft>
-                <a:spcPts val="0"/>
-              </a:spcAft>
-              <a:buSzPts val="1400"/>
-              <a:buNone/>
-              <a:defRPr/>
-            </a:lvl7pPr>
-            <a:lvl8pPr lvl="7" algn="l">
-              <a:spcBef>
-                <a:spcPts val="0"/>
-              </a:spcBef>
-              <a:spcAft>
-                <a:spcPts val="0"/>
-              </a:spcAft>
-              <a:buSzPts val="1400"/>
-              <a:buNone/>
-              <a:defRPr/>
-            </a:lvl8pPr>
-            <a:lvl9pPr lvl="8" algn="l">
-              <a:spcBef>
-                <a:spcPts val="0"/>
-              </a:spcBef>
-              <a:spcAft>
-                <a:spcPts val="0"/>
-              </a:spcAft>
-              <a:buSzPts val="1400"/>
-              <a:buNone/>
-              <a:defRPr/>
-            </a:lvl9pPr>
-          </a:lstStyle>
-          <a:p>
-            <a:endParaRPr/>
-          </a:p>
-        </p:txBody>
-      </p:sp>
-      <p:sp>
-        <p:nvSpPr>
-          <p:cNvPr id="26" name="Google Shape;26;p4"/>
-          <p:cNvSpPr txBox="1">
-            <a:spLocks noGrp="1"/>
-          </p:cNvSpPr>
-          <p:nvPr>
-            <p:ph type="sldNum" idx="12"/>
-          </p:nvPr>
-        </p:nvSpPr>
-        <p:spPr>
-          <a:xfrm>
-            <a:off x="31455360" y="30510482"/>
-            <a:ext cx="10241280" cy="1752600"/>
-          </a:xfrm>
-          <a:prstGeom prst="rect">
-            <a:avLst/>
-          </a:prstGeom>
-          <a:noFill/>
-          <a:ln>
-            <a:noFill/>
-          </a:ln>
-        </p:spPr>
-        <p:txBody>
-          <a:bodyPr spcFirstLastPara="1" wrap="square" lIns="438900" tIns="219450" rIns="438900" bIns="219450" anchor="ctr" anchorCtr="0">
-            <a:noAutofit/>
-          </a:bodyPr>
-          <a:lstStyle>
-            <a:lvl1pPr marL="0" lvl="0" indent="0" algn="r">
-              <a:spcBef>
-                <a:spcPts val="0"/>
-              </a:spcBef>
-              <a:buNone/>
-              <a:defRPr/>
-            </a:lvl1pPr>
-            <a:lvl2pPr marL="0" lvl="1" indent="0" algn="r">
-              <a:spcBef>
-                <a:spcPts val="0"/>
-              </a:spcBef>
-              <a:buNone/>
-              <a:defRPr/>
-            </a:lvl2pPr>
-            <a:lvl3pPr marL="0" lvl="2" indent="0" algn="r">
-              <a:spcBef>
-                <a:spcPts val="0"/>
-              </a:spcBef>
-              <a:buNone/>
-              <a:defRPr/>
-            </a:lvl3pPr>
-            <a:lvl4pPr marL="0" lvl="3" indent="0" algn="r">
-              <a:spcBef>
-                <a:spcPts val="0"/>
-              </a:spcBef>
-              <a:buNone/>
-              <a:defRPr/>
-            </a:lvl4pPr>
-            <a:lvl5pPr marL="0" lvl="4" indent="0" algn="r">
-              <a:spcBef>
-                <a:spcPts val="0"/>
-              </a:spcBef>
-              <a:buNone/>
-              <a:defRPr/>
-            </a:lvl5pPr>
-            <a:lvl6pPr marL="0" lvl="5" indent="0" algn="r">
-              <a:spcBef>
-                <a:spcPts val="0"/>
-              </a:spcBef>
-              <a:buNone/>
-              <a:defRPr/>
-            </a:lvl6pPr>
-            <a:lvl7pPr marL="0" lvl="6" indent="0" algn="r">
-              <a:spcBef>
-                <a:spcPts val="0"/>
-              </a:spcBef>
-              <a:buNone/>
-              <a:defRPr/>
-            </a:lvl7pPr>
-            <a:lvl8pPr marL="0" lvl="7" indent="0" algn="r">
-              <a:spcBef>
-                <a:spcPts val="0"/>
-              </a:spcBef>
-              <a:buNone/>
-              <a:defRPr/>
-            </a:lvl8pPr>
-            <a:lvl9pPr marL="0" lvl="8" indent="0" algn="r">
-              <a:spcBef>
-                <a:spcPts val="0"/>
-              </a:spcBef>
-              <a:buNone/>
-              <a:defRPr/>
-            </a:lvl9pPr>
-          </a:lstStyle>
-          <a:p>
-            <a:pPr marL="0" lvl="0" indent="0" algn="r" rtl="0">
-              <a:spcBef>
-                <a:spcPts val="0"/>
-              </a:spcBef>
-              <a:spcAft>
-                <a:spcPts val="0"/>
-              </a:spcAft>
-              <a:buNone/>
-            </a:pPr>
-            <a:fld id="{00000000-1234-1234-1234-123412341234}" type="slidenum">
-              <a:rPr lang="en-US"/>
-              <a:t>‹#›</a:t>
-            </a:fld>
-            <a:endParaRPr/>
-          </a:p>
-        </p:txBody>
-      </p:sp>
-    </p:spTree>
-  </p:cSld>
-  <p:clrMapOvr>
-    <a:masterClrMapping/>
-  </p:clrMapOvr>
-</p:sldLayout>
-</file>
-
-<file path=ppt/slideLayouts/slideLayout3.xml><?xml version="1.0" encoding="utf-8"?>
 <p:sldLayout xmlns:a="http://schemas.openxmlformats.org/drawingml/2006/main" xmlns:r="http://schemas.openxmlformats.org/officeDocument/2006/relationships" xmlns:p="http://schemas.openxmlformats.org/presentationml/2006/main" matchingName="Section Header" type="secHead">
   <p:cSld name="SECTION_HEADER">
     <p:spTree>
@@ -5455,7 +4147,7 @@
 </p:sldLayout>
 </file>
 
-<file path=ppt/slideLayouts/slideLayout4.xml><?xml version="1.0" encoding="utf-8"?>
+<file path=ppt/slideLayouts/slideLayout3.xml><?xml version="1.0" encoding="utf-8"?>
 <p:sldLayout xmlns:a="http://schemas.openxmlformats.org/drawingml/2006/main" xmlns:r="http://schemas.openxmlformats.org/officeDocument/2006/relationships" xmlns:p="http://schemas.openxmlformats.org/presentationml/2006/main" matchingName="Two Content" type="twoObj">
   <p:cSld name="TWO_OBJECTS">
     <p:spTree>
@@ -6312,7 +5004,7 @@
 </p:sldLayout>
 </file>
 
-<file path=ppt/slideLayouts/slideLayout5.xml><?xml version="1.0" encoding="utf-8"?>
+<file path=ppt/slideLayouts/slideLayout4.xml><?xml version="1.0" encoding="utf-8"?>
 <p:sldLayout xmlns:a="http://schemas.openxmlformats.org/drawingml/2006/main" xmlns:r="http://schemas.openxmlformats.org/officeDocument/2006/relationships" xmlns:p="http://schemas.openxmlformats.org/presentationml/2006/main" matchingName="Comparison" type="twoTxTwoObj">
   <p:cSld name="TWO_OBJECTS_WITH_TEXT">
     <p:spTree>
@@ -7490,7 +6182,7 @@
 </p:sldLayout>
 </file>
 
-<file path=ppt/slideLayouts/slideLayout6.xml><?xml version="1.0" encoding="utf-8"?>
+<file path=ppt/slideLayouts/slideLayout5.xml><?xml version="1.0" encoding="utf-8"?>
 <p:sldLayout xmlns:a="http://schemas.openxmlformats.org/drawingml/2006/main" xmlns:r="http://schemas.openxmlformats.org/officeDocument/2006/relationships" xmlns:p="http://schemas.openxmlformats.org/presentationml/2006/main" matchingName="Title Only" type="titleOnly">
   <p:cSld name="TITLE_ONLY">
     <p:spTree>
@@ -8027,7 +6719,7 @@
 </p:sldLayout>
 </file>
 
-<file path=ppt/slideLayouts/slideLayout7.xml><?xml version="1.0" encoding="utf-8"?>
+<file path=ppt/slideLayouts/slideLayout6.xml><?xml version="1.0" encoding="utf-8"?>
 <p:sldLayout xmlns:a="http://schemas.openxmlformats.org/drawingml/2006/main" xmlns:r="http://schemas.openxmlformats.org/officeDocument/2006/relationships" xmlns:p="http://schemas.openxmlformats.org/presentationml/2006/main" matchingName="Blank" type="blank">
   <p:cSld name="BLANK">
     <p:spTree>
@@ -8428,7 +7120,7 @@
 </p:sldLayout>
 </file>
 
-<file path=ppt/slideLayouts/slideLayout8.xml><?xml version="1.0" encoding="utf-8"?>
+<file path=ppt/slideLayouts/slideLayout7.xml><?xml version="1.0" encoding="utf-8"?>
 <p:sldLayout xmlns:a="http://schemas.openxmlformats.org/drawingml/2006/main" xmlns:r="http://schemas.openxmlformats.org/officeDocument/2006/relationships" xmlns:p="http://schemas.openxmlformats.org/presentationml/2006/main" matchingName="Content with Caption" type="objTx">
   <p:cSld name="OBJECT_WITH_CAPTION_TEXT">
     <p:spTree>
@@ -9286,7 +7978,7 @@
 </p:sldLayout>
 </file>
 
-<file path=ppt/slideLayouts/slideLayout9.xml><?xml version="1.0" encoding="utf-8"?>
+<file path=ppt/slideLayouts/slideLayout8.xml><?xml version="1.0" encoding="utf-8"?>
 <p:sldLayout xmlns:a="http://schemas.openxmlformats.org/drawingml/2006/main" xmlns:r="http://schemas.openxmlformats.org/officeDocument/2006/relationships" xmlns:p="http://schemas.openxmlformats.org/presentationml/2006/main" matchingName="Picture with Caption" type="picTx">
   <p:cSld name="PICTURE_WITH_CAPTION_TEXT">
     <p:spTree>
@@ -9893,6 +8585,703 @@
       <p:sp>
         <p:nvSpPr>
           <p:cNvPr id="71" name="Google Shape;71;p11"/>
+          <p:cNvSpPr txBox="1">
+            <a:spLocks noGrp="1"/>
+          </p:cNvSpPr>
+          <p:nvPr>
+            <p:ph type="sldNum" idx="12"/>
+          </p:nvPr>
+        </p:nvSpPr>
+        <p:spPr>
+          <a:xfrm>
+            <a:off x="31455360" y="30510482"/>
+            <a:ext cx="10241280" cy="1752600"/>
+          </a:xfrm>
+          <a:prstGeom prst="rect">
+            <a:avLst/>
+          </a:prstGeom>
+          <a:noFill/>
+          <a:ln>
+            <a:noFill/>
+          </a:ln>
+        </p:spPr>
+        <p:txBody>
+          <a:bodyPr spcFirstLastPara="1" wrap="square" lIns="438900" tIns="219450" rIns="438900" bIns="219450" anchor="ctr" anchorCtr="0">
+            <a:noAutofit/>
+          </a:bodyPr>
+          <a:lstStyle>
+            <a:lvl1pPr marL="0" lvl="0" indent="0" algn="r">
+              <a:spcBef>
+                <a:spcPts val="0"/>
+              </a:spcBef>
+              <a:buNone/>
+              <a:defRPr/>
+            </a:lvl1pPr>
+            <a:lvl2pPr marL="0" lvl="1" indent="0" algn="r">
+              <a:spcBef>
+                <a:spcPts val="0"/>
+              </a:spcBef>
+              <a:buNone/>
+              <a:defRPr/>
+            </a:lvl2pPr>
+            <a:lvl3pPr marL="0" lvl="2" indent="0" algn="r">
+              <a:spcBef>
+                <a:spcPts val="0"/>
+              </a:spcBef>
+              <a:buNone/>
+              <a:defRPr/>
+            </a:lvl3pPr>
+            <a:lvl4pPr marL="0" lvl="3" indent="0" algn="r">
+              <a:spcBef>
+                <a:spcPts val="0"/>
+              </a:spcBef>
+              <a:buNone/>
+              <a:defRPr/>
+            </a:lvl4pPr>
+            <a:lvl5pPr marL="0" lvl="4" indent="0" algn="r">
+              <a:spcBef>
+                <a:spcPts val="0"/>
+              </a:spcBef>
+              <a:buNone/>
+              <a:defRPr/>
+            </a:lvl5pPr>
+            <a:lvl6pPr marL="0" lvl="5" indent="0" algn="r">
+              <a:spcBef>
+                <a:spcPts val="0"/>
+              </a:spcBef>
+              <a:buNone/>
+              <a:defRPr/>
+            </a:lvl6pPr>
+            <a:lvl7pPr marL="0" lvl="6" indent="0" algn="r">
+              <a:spcBef>
+                <a:spcPts val="0"/>
+              </a:spcBef>
+              <a:buNone/>
+              <a:defRPr/>
+            </a:lvl7pPr>
+            <a:lvl8pPr marL="0" lvl="7" indent="0" algn="r">
+              <a:spcBef>
+                <a:spcPts val="0"/>
+              </a:spcBef>
+              <a:buNone/>
+              <a:defRPr/>
+            </a:lvl8pPr>
+            <a:lvl9pPr marL="0" lvl="8" indent="0" algn="r">
+              <a:spcBef>
+                <a:spcPts val="0"/>
+              </a:spcBef>
+              <a:buNone/>
+              <a:defRPr/>
+            </a:lvl9pPr>
+          </a:lstStyle>
+          <a:p>
+            <a:pPr marL="0" lvl="0" indent="0" algn="r" rtl="0">
+              <a:spcBef>
+                <a:spcPts val="0"/>
+              </a:spcBef>
+              <a:spcAft>
+                <a:spcPts val="0"/>
+              </a:spcAft>
+              <a:buNone/>
+            </a:pPr>
+            <a:fld id="{00000000-1234-1234-1234-123412341234}" type="slidenum">
+              <a:rPr lang="en-US"/>
+              <a:t>‹#›</a:t>
+            </a:fld>
+            <a:endParaRPr/>
+          </a:p>
+        </p:txBody>
+      </p:sp>
+    </p:spTree>
+  </p:cSld>
+  <p:clrMapOvr>
+    <a:masterClrMapping/>
+  </p:clrMapOvr>
+</p:sldLayout>
+</file>
+
+<file path=ppt/slideLayouts/slideLayout9.xml><?xml version="1.0" encoding="utf-8"?>
+<p:sldLayout xmlns:a="http://schemas.openxmlformats.org/drawingml/2006/main" xmlns:r="http://schemas.openxmlformats.org/officeDocument/2006/relationships" xmlns:p="http://schemas.openxmlformats.org/presentationml/2006/main" matchingName="Title and Vertical Text" type="vertTx">
+  <p:cSld name="VERTICAL_TEXT">
+    <p:spTree>
+      <p:nvGrpSpPr>
+        <p:cNvPr id="1" name="Shape 72"/>
+        <p:cNvGrpSpPr/>
+        <p:nvPr/>
+      </p:nvGrpSpPr>
+      <p:grpSpPr>
+        <a:xfrm>
+          <a:off x="0" y="0"/>
+          <a:ext cx="0" cy="0"/>
+          <a:chOff x="0" y="0"/>
+          <a:chExt cx="0" cy="0"/>
+        </a:xfrm>
+      </p:grpSpPr>
+      <p:sp>
+        <p:nvSpPr>
+          <p:cNvPr id="73" name="Google Shape;73;p12"/>
+          <p:cNvSpPr txBox="1">
+            <a:spLocks noGrp="1"/>
+          </p:cNvSpPr>
+          <p:nvPr>
+            <p:ph type="title"/>
+          </p:nvPr>
+        </p:nvSpPr>
+        <p:spPr>
+          <a:xfrm>
+            <a:off x="2194560" y="1318262"/>
+            <a:ext cx="39502080" cy="5486400"/>
+          </a:xfrm>
+          <a:prstGeom prst="rect">
+            <a:avLst/>
+          </a:prstGeom>
+          <a:noFill/>
+          <a:ln>
+            <a:noFill/>
+          </a:ln>
+        </p:spPr>
+        <p:txBody>
+          <a:bodyPr spcFirstLastPara="1" wrap="square" lIns="438900" tIns="219450" rIns="438900" bIns="219450" anchor="ctr" anchorCtr="0">
+            <a:normAutofit/>
+          </a:bodyPr>
+          <a:lstStyle>
+            <a:lvl1pPr lvl="0" algn="ctr">
+              <a:spcBef>
+                <a:spcPts val="0"/>
+              </a:spcBef>
+              <a:spcAft>
+                <a:spcPts val="0"/>
+              </a:spcAft>
+              <a:buClr>
+                <a:schemeClr val="dk1"/>
+              </a:buClr>
+              <a:buSzPts val="1800"/>
+              <a:buNone/>
+              <a:defRPr/>
+            </a:lvl1pPr>
+            <a:lvl2pPr lvl="1">
+              <a:spcBef>
+                <a:spcPts val="0"/>
+              </a:spcBef>
+              <a:spcAft>
+                <a:spcPts val="0"/>
+              </a:spcAft>
+              <a:buSzPts val="1400"/>
+              <a:buNone/>
+              <a:defRPr/>
+            </a:lvl2pPr>
+            <a:lvl3pPr lvl="2">
+              <a:spcBef>
+                <a:spcPts val="0"/>
+              </a:spcBef>
+              <a:spcAft>
+                <a:spcPts val="0"/>
+              </a:spcAft>
+              <a:buSzPts val="1400"/>
+              <a:buNone/>
+              <a:defRPr/>
+            </a:lvl3pPr>
+            <a:lvl4pPr lvl="3">
+              <a:spcBef>
+                <a:spcPts val="0"/>
+              </a:spcBef>
+              <a:spcAft>
+                <a:spcPts val="0"/>
+              </a:spcAft>
+              <a:buSzPts val="1400"/>
+              <a:buNone/>
+              <a:defRPr/>
+            </a:lvl4pPr>
+            <a:lvl5pPr lvl="4">
+              <a:spcBef>
+                <a:spcPts val="0"/>
+              </a:spcBef>
+              <a:spcAft>
+                <a:spcPts val="0"/>
+              </a:spcAft>
+              <a:buSzPts val="1400"/>
+              <a:buNone/>
+              <a:defRPr/>
+            </a:lvl5pPr>
+            <a:lvl6pPr lvl="5">
+              <a:spcBef>
+                <a:spcPts val="0"/>
+              </a:spcBef>
+              <a:spcAft>
+                <a:spcPts val="0"/>
+              </a:spcAft>
+              <a:buSzPts val="1400"/>
+              <a:buNone/>
+              <a:defRPr/>
+            </a:lvl6pPr>
+            <a:lvl7pPr lvl="6">
+              <a:spcBef>
+                <a:spcPts val="0"/>
+              </a:spcBef>
+              <a:spcAft>
+                <a:spcPts val="0"/>
+              </a:spcAft>
+              <a:buSzPts val="1400"/>
+              <a:buNone/>
+              <a:defRPr/>
+            </a:lvl7pPr>
+            <a:lvl8pPr lvl="7">
+              <a:spcBef>
+                <a:spcPts val="0"/>
+              </a:spcBef>
+              <a:spcAft>
+                <a:spcPts val="0"/>
+              </a:spcAft>
+              <a:buSzPts val="1400"/>
+              <a:buNone/>
+              <a:defRPr/>
+            </a:lvl8pPr>
+            <a:lvl9pPr lvl="8">
+              <a:spcBef>
+                <a:spcPts val="0"/>
+              </a:spcBef>
+              <a:spcAft>
+                <a:spcPts val="0"/>
+              </a:spcAft>
+              <a:buSzPts val="1400"/>
+              <a:buNone/>
+              <a:defRPr/>
+            </a:lvl9pPr>
+          </a:lstStyle>
+          <a:p>
+            <a:endParaRPr/>
+          </a:p>
+        </p:txBody>
+      </p:sp>
+      <p:sp>
+        <p:nvSpPr>
+          <p:cNvPr id="74" name="Google Shape;74;p12"/>
+          <p:cNvSpPr txBox="1">
+            <a:spLocks noGrp="1"/>
+          </p:cNvSpPr>
+          <p:nvPr>
+            <p:ph type="body" idx="1"/>
+          </p:nvPr>
+        </p:nvSpPr>
+        <p:spPr>
+          <a:xfrm rot="5400000">
+            <a:off x="11083289" y="-1207766"/>
+            <a:ext cx="21724622" cy="39502080"/>
+          </a:xfrm>
+          <a:prstGeom prst="rect">
+            <a:avLst/>
+          </a:prstGeom>
+          <a:noFill/>
+          <a:ln>
+            <a:noFill/>
+          </a:ln>
+        </p:spPr>
+        <p:txBody>
+          <a:bodyPr spcFirstLastPara="1" wrap="square" lIns="438900" tIns="219450" rIns="438900" bIns="219450" anchor="t" anchorCtr="0">
+            <a:normAutofit/>
+          </a:bodyPr>
+          <a:lstStyle>
+            <a:lvl1pPr marL="457200" lvl="0" indent="-342900" algn="l">
+              <a:spcBef>
+                <a:spcPts val="360"/>
+              </a:spcBef>
+              <a:spcAft>
+                <a:spcPts val="0"/>
+              </a:spcAft>
+              <a:buClr>
+                <a:schemeClr val="dk1"/>
+              </a:buClr>
+              <a:buSzPts val="1800"/>
+              <a:buChar char="•"/>
+              <a:defRPr/>
+            </a:lvl1pPr>
+            <a:lvl2pPr marL="914400" lvl="1" indent="-342900" algn="l">
+              <a:spcBef>
+                <a:spcPts val="360"/>
+              </a:spcBef>
+              <a:spcAft>
+                <a:spcPts val="0"/>
+              </a:spcAft>
+              <a:buClr>
+                <a:schemeClr val="dk1"/>
+              </a:buClr>
+              <a:buSzPts val="1800"/>
+              <a:buChar char="–"/>
+              <a:defRPr/>
+            </a:lvl2pPr>
+            <a:lvl3pPr marL="1371600" lvl="2" indent="-342900" algn="l">
+              <a:spcBef>
+                <a:spcPts val="360"/>
+              </a:spcBef>
+              <a:spcAft>
+                <a:spcPts val="0"/>
+              </a:spcAft>
+              <a:buClr>
+                <a:schemeClr val="dk1"/>
+              </a:buClr>
+              <a:buSzPts val="1800"/>
+              <a:buChar char="•"/>
+              <a:defRPr/>
+            </a:lvl3pPr>
+            <a:lvl4pPr marL="1828800" lvl="3" indent="-342900" algn="l">
+              <a:spcBef>
+                <a:spcPts val="360"/>
+              </a:spcBef>
+              <a:spcAft>
+                <a:spcPts val="0"/>
+              </a:spcAft>
+              <a:buClr>
+                <a:schemeClr val="dk1"/>
+              </a:buClr>
+              <a:buSzPts val="1800"/>
+              <a:buChar char="–"/>
+              <a:defRPr/>
+            </a:lvl4pPr>
+            <a:lvl5pPr marL="2286000" lvl="4" indent="-342900" algn="l">
+              <a:spcBef>
+                <a:spcPts val="360"/>
+              </a:spcBef>
+              <a:spcAft>
+                <a:spcPts val="0"/>
+              </a:spcAft>
+              <a:buClr>
+                <a:schemeClr val="dk1"/>
+              </a:buClr>
+              <a:buSzPts val="1800"/>
+              <a:buChar char="»"/>
+              <a:defRPr/>
+            </a:lvl5pPr>
+            <a:lvl6pPr marL="2743200" lvl="5" indent="-342900" algn="l">
+              <a:spcBef>
+                <a:spcPts val="360"/>
+              </a:spcBef>
+              <a:spcAft>
+                <a:spcPts val="0"/>
+              </a:spcAft>
+              <a:buClr>
+                <a:schemeClr val="dk1"/>
+              </a:buClr>
+              <a:buSzPts val="1800"/>
+              <a:buChar char="•"/>
+              <a:defRPr/>
+            </a:lvl6pPr>
+            <a:lvl7pPr marL="3200400" lvl="6" indent="-342900" algn="l">
+              <a:spcBef>
+                <a:spcPts val="360"/>
+              </a:spcBef>
+              <a:spcAft>
+                <a:spcPts val="0"/>
+              </a:spcAft>
+              <a:buClr>
+                <a:schemeClr val="dk1"/>
+              </a:buClr>
+              <a:buSzPts val="1800"/>
+              <a:buChar char="•"/>
+              <a:defRPr/>
+            </a:lvl7pPr>
+            <a:lvl8pPr marL="3657600" lvl="7" indent="-342900" algn="l">
+              <a:spcBef>
+                <a:spcPts val="360"/>
+              </a:spcBef>
+              <a:spcAft>
+                <a:spcPts val="0"/>
+              </a:spcAft>
+              <a:buClr>
+                <a:schemeClr val="dk1"/>
+              </a:buClr>
+              <a:buSzPts val="1800"/>
+              <a:buChar char="•"/>
+              <a:defRPr/>
+            </a:lvl8pPr>
+            <a:lvl9pPr marL="4114800" lvl="8" indent="-342900" algn="l">
+              <a:spcBef>
+                <a:spcPts val="360"/>
+              </a:spcBef>
+              <a:spcAft>
+                <a:spcPts val="0"/>
+              </a:spcAft>
+              <a:buClr>
+                <a:schemeClr val="dk1"/>
+              </a:buClr>
+              <a:buSzPts val="1800"/>
+              <a:buChar char="•"/>
+              <a:defRPr/>
+            </a:lvl9pPr>
+          </a:lstStyle>
+          <a:p>
+            <a:endParaRPr/>
+          </a:p>
+        </p:txBody>
+      </p:sp>
+      <p:sp>
+        <p:nvSpPr>
+          <p:cNvPr id="75" name="Google Shape;75;p12"/>
+          <p:cNvSpPr txBox="1">
+            <a:spLocks noGrp="1"/>
+          </p:cNvSpPr>
+          <p:nvPr>
+            <p:ph type="dt" idx="10"/>
+          </p:nvPr>
+        </p:nvSpPr>
+        <p:spPr>
+          <a:xfrm>
+            <a:off x="2194560" y="30510482"/>
+            <a:ext cx="10241280" cy="1752600"/>
+          </a:xfrm>
+          <a:prstGeom prst="rect">
+            <a:avLst/>
+          </a:prstGeom>
+          <a:noFill/>
+          <a:ln>
+            <a:noFill/>
+          </a:ln>
+        </p:spPr>
+        <p:txBody>
+          <a:bodyPr spcFirstLastPara="1" wrap="square" lIns="438900" tIns="219450" rIns="438900" bIns="219450" anchor="ctr" anchorCtr="0">
+            <a:noAutofit/>
+          </a:bodyPr>
+          <a:lstStyle>
+            <a:lvl1pPr lvl="0" algn="l">
+              <a:spcBef>
+                <a:spcPts val="0"/>
+              </a:spcBef>
+              <a:spcAft>
+                <a:spcPts val="0"/>
+              </a:spcAft>
+              <a:buSzPts val="1400"/>
+              <a:buNone/>
+              <a:defRPr/>
+            </a:lvl1pPr>
+            <a:lvl2pPr lvl="1" algn="l">
+              <a:spcBef>
+                <a:spcPts val="0"/>
+              </a:spcBef>
+              <a:spcAft>
+                <a:spcPts val="0"/>
+              </a:spcAft>
+              <a:buSzPts val="1400"/>
+              <a:buNone/>
+              <a:defRPr/>
+            </a:lvl2pPr>
+            <a:lvl3pPr lvl="2" algn="l">
+              <a:spcBef>
+                <a:spcPts val="0"/>
+              </a:spcBef>
+              <a:spcAft>
+                <a:spcPts val="0"/>
+              </a:spcAft>
+              <a:buSzPts val="1400"/>
+              <a:buNone/>
+              <a:defRPr/>
+            </a:lvl3pPr>
+            <a:lvl4pPr lvl="3" algn="l">
+              <a:spcBef>
+                <a:spcPts val="0"/>
+              </a:spcBef>
+              <a:spcAft>
+                <a:spcPts val="0"/>
+              </a:spcAft>
+              <a:buSzPts val="1400"/>
+              <a:buNone/>
+              <a:defRPr/>
+            </a:lvl4pPr>
+            <a:lvl5pPr lvl="4" algn="l">
+              <a:spcBef>
+                <a:spcPts val="0"/>
+              </a:spcBef>
+              <a:spcAft>
+                <a:spcPts val="0"/>
+              </a:spcAft>
+              <a:buSzPts val="1400"/>
+              <a:buNone/>
+              <a:defRPr/>
+            </a:lvl5pPr>
+            <a:lvl6pPr lvl="5" algn="l">
+              <a:spcBef>
+                <a:spcPts val="0"/>
+              </a:spcBef>
+              <a:spcAft>
+                <a:spcPts val="0"/>
+              </a:spcAft>
+              <a:buSzPts val="1400"/>
+              <a:buNone/>
+              <a:defRPr/>
+            </a:lvl6pPr>
+            <a:lvl7pPr lvl="6" algn="l">
+              <a:spcBef>
+                <a:spcPts val="0"/>
+              </a:spcBef>
+              <a:spcAft>
+                <a:spcPts val="0"/>
+              </a:spcAft>
+              <a:buSzPts val="1400"/>
+              <a:buNone/>
+              <a:defRPr/>
+            </a:lvl7pPr>
+            <a:lvl8pPr lvl="7" algn="l">
+              <a:spcBef>
+                <a:spcPts val="0"/>
+              </a:spcBef>
+              <a:spcAft>
+                <a:spcPts val="0"/>
+              </a:spcAft>
+              <a:buSzPts val="1400"/>
+              <a:buNone/>
+              <a:defRPr/>
+            </a:lvl8pPr>
+            <a:lvl9pPr lvl="8" algn="l">
+              <a:spcBef>
+                <a:spcPts val="0"/>
+              </a:spcBef>
+              <a:spcAft>
+                <a:spcPts val="0"/>
+              </a:spcAft>
+              <a:buSzPts val="1400"/>
+              <a:buNone/>
+              <a:defRPr/>
+            </a:lvl9pPr>
+          </a:lstStyle>
+          <a:p>
+            <a:endParaRPr/>
+          </a:p>
+        </p:txBody>
+      </p:sp>
+      <p:sp>
+        <p:nvSpPr>
+          <p:cNvPr id="76" name="Google Shape;76;p12"/>
+          <p:cNvSpPr txBox="1">
+            <a:spLocks noGrp="1"/>
+          </p:cNvSpPr>
+          <p:nvPr>
+            <p:ph type="ftr" idx="11"/>
+          </p:nvPr>
+        </p:nvSpPr>
+        <p:spPr>
+          <a:xfrm>
+            <a:off x="14996160" y="30510482"/>
+            <a:ext cx="13898880" cy="1752600"/>
+          </a:xfrm>
+          <a:prstGeom prst="rect">
+            <a:avLst/>
+          </a:prstGeom>
+          <a:noFill/>
+          <a:ln>
+            <a:noFill/>
+          </a:ln>
+        </p:spPr>
+        <p:txBody>
+          <a:bodyPr spcFirstLastPara="1" wrap="square" lIns="438900" tIns="219450" rIns="438900" bIns="219450" anchor="ctr" anchorCtr="0">
+            <a:noAutofit/>
+          </a:bodyPr>
+          <a:lstStyle>
+            <a:lvl1pPr lvl="0" algn="ctr">
+              <a:spcBef>
+                <a:spcPts val="0"/>
+              </a:spcBef>
+              <a:spcAft>
+                <a:spcPts val="0"/>
+              </a:spcAft>
+              <a:buSzPts val="1400"/>
+              <a:buNone/>
+              <a:defRPr/>
+            </a:lvl1pPr>
+            <a:lvl2pPr lvl="1" algn="l">
+              <a:spcBef>
+                <a:spcPts val="0"/>
+              </a:spcBef>
+              <a:spcAft>
+                <a:spcPts val="0"/>
+              </a:spcAft>
+              <a:buSzPts val="1400"/>
+              <a:buNone/>
+              <a:defRPr/>
+            </a:lvl2pPr>
+            <a:lvl3pPr lvl="2" algn="l">
+              <a:spcBef>
+                <a:spcPts val="0"/>
+              </a:spcBef>
+              <a:spcAft>
+                <a:spcPts val="0"/>
+              </a:spcAft>
+              <a:buSzPts val="1400"/>
+              <a:buNone/>
+              <a:defRPr/>
+            </a:lvl3pPr>
+            <a:lvl4pPr lvl="3" algn="l">
+              <a:spcBef>
+                <a:spcPts val="0"/>
+              </a:spcBef>
+              <a:spcAft>
+                <a:spcPts val="0"/>
+              </a:spcAft>
+              <a:buSzPts val="1400"/>
+              <a:buNone/>
+              <a:defRPr/>
+            </a:lvl4pPr>
+            <a:lvl5pPr lvl="4" algn="l">
+              <a:spcBef>
+                <a:spcPts val="0"/>
+              </a:spcBef>
+              <a:spcAft>
+                <a:spcPts val="0"/>
+              </a:spcAft>
+              <a:buSzPts val="1400"/>
+              <a:buNone/>
+              <a:defRPr/>
+            </a:lvl5pPr>
+            <a:lvl6pPr lvl="5" algn="l">
+              <a:spcBef>
+                <a:spcPts val="0"/>
+              </a:spcBef>
+              <a:spcAft>
+                <a:spcPts val="0"/>
+              </a:spcAft>
+              <a:buSzPts val="1400"/>
+              <a:buNone/>
+              <a:defRPr/>
+            </a:lvl6pPr>
+            <a:lvl7pPr lvl="6" algn="l">
+              <a:spcBef>
+                <a:spcPts val="0"/>
+              </a:spcBef>
+              <a:spcAft>
+                <a:spcPts val="0"/>
+              </a:spcAft>
+              <a:buSzPts val="1400"/>
+              <a:buNone/>
+              <a:defRPr/>
+            </a:lvl7pPr>
+            <a:lvl8pPr lvl="7" algn="l">
+              <a:spcBef>
+                <a:spcPts val="0"/>
+              </a:spcBef>
+              <a:spcAft>
+                <a:spcPts val="0"/>
+              </a:spcAft>
+              <a:buSzPts val="1400"/>
+              <a:buNone/>
+              <a:defRPr/>
+            </a:lvl8pPr>
+            <a:lvl9pPr lvl="8" algn="l">
+              <a:spcBef>
+                <a:spcPts val="0"/>
+              </a:spcBef>
+              <a:spcAft>
+                <a:spcPts val="0"/>
+              </a:spcAft>
+              <a:buSzPts val="1400"/>
+              <a:buNone/>
+              <a:defRPr/>
+            </a:lvl9pPr>
+          </a:lstStyle>
+          <a:p>
+            <a:endParaRPr/>
+          </a:p>
+        </p:txBody>
+      </p:sp>
+      <p:sp>
+        <p:nvSpPr>
+          <p:cNvPr id="77" name="Google Shape;77;p12"/>
           <p:cNvSpPr txBox="1">
             <a:spLocks noGrp="1"/>
           </p:cNvSpPr>
@@ -11016,16 +10405,15 @@
   <p:clrMap bg1="lt1" tx1="dk1" bg2="dk2" tx2="lt2" accent1="accent1" accent2="accent2" accent3="accent3" accent4="accent4" accent5="accent5" accent6="accent6" hlink="hlink" folHlink="folHlink"/>
   <p:sldLayoutIdLst>
     <p:sldLayoutId id="2147483649" r:id="rId1"/>
-    <p:sldLayoutId id="2147483650" r:id="rId2"/>
-    <p:sldLayoutId id="2147483651" r:id="rId3"/>
-    <p:sldLayoutId id="2147483652" r:id="rId4"/>
-    <p:sldLayoutId id="2147483653" r:id="rId5"/>
-    <p:sldLayoutId id="2147483654" r:id="rId6"/>
-    <p:sldLayoutId id="2147483655" r:id="rId7"/>
-    <p:sldLayoutId id="2147483656" r:id="rId8"/>
-    <p:sldLayoutId id="2147483657" r:id="rId9"/>
-    <p:sldLayoutId id="2147483658" r:id="rId10"/>
-    <p:sldLayoutId id="2147483659" r:id="rId11"/>
+    <p:sldLayoutId id="2147483651" r:id="rId2"/>
+    <p:sldLayoutId id="2147483652" r:id="rId3"/>
+    <p:sldLayoutId id="2147483653" r:id="rId4"/>
+    <p:sldLayoutId id="2147483654" r:id="rId5"/>
+    <p:sldLayoutId id="2147483655" r:id="rId6"/>
+    <p:sldLayoutId id="2147483656" r:id="rId7"/>
+    <p:sldLayoutId id="2147483657" r:id="rId8"/>
+    <p:sldLayoutId id="2147483658" r:id="rId9"/>
+    <p:sldLayoutId id="2147483659" r:id="rId10"/>
   </p:sldLayoutIdLst>
   <p:hf sldNum="0" hdr="0" ftr="0" dt="0"/>
   <p:txStyles>
@@ -12545,8 +11933,8 @@
         </p:nvSpPr>
         <p:spPr>
           <a:xfrm>
-            <a:off x="33173639" y="23546598"/>
-            <a:ext cx="9885343" cy="2862282"/>
+            <a:off x="33173639" y="21325922"/>
+            <a:ext cx="9885343" cy="4678163"/>
           </a:xfrm>
           <a:prstGeom prst="rect">
             <a:avLst/>
@@ -12639,7 +12027,7 @@
                 <a:cs typeface="EB Garamond"/>
                 <a:sym typeface="EB Garamond"/>
               </a:rPr>
-              <a:t>Code the experiment</a:t>
+              <a:t>Create computational linguistic measurement of "self VS other" language and assign respective value to each mission statement. </a:t>
             </a:r>
             <a:endParaRPr dirty="0"/>
           </a:p>
@@ -12668,9 +12056,8 @@
                 <a:cs typeface="EB Garamond"/>
                 <a:sym typeface="EB Garamond"/>
               </a:rPr>
-              <a:t>Run the experiment</a:t>
+              <a:t>Analyze the data and note important patterns.</a:t>
             </a:r>
-            <a:endParaRPr dirty="0"/>
           </a:p>
           <a:p>
             <a:pPr marL="457200" marR="0" lvl="0" indent="-457200" algn="just" rtl="0">
@@ -12697,8 +12084,69 @@
                 <a:cs typeface="EB Garamond"/>
                 <a:sym typeface="EB Garamond"/>
               </a:rPr>
-              <a:t>Analyze the data</a:t>
+              <a:t>Train ML model on training data to estimate revenue of tax-exempt organization given mission statement and asset code.</a:t>
             </a:r>
+          </a:p>
+          <a:p>
+            <a:pPr marL="457200" marR="0" lvl="0" indent="-457200" algn="just" rtl="0">
+              <a:spcBef>
+                <a:spcPts val="0"/>
+              </a:spcBef>
+              <a:spcAft>
+                <a:spcPts val="0"/>
+              </a:spcAft>
+              <a:buClr>
+                <a:schemeClr val="accent6"/>
+              </a:buClr>
+              <a:buSzPts val="3000"/>
+              <a:buFont typeface="Arial"/>
+              <a:buChar char="•"/>
+            </a:pPr>
+            <a:r>
+              <a:rPr lang="en-US" sz="3000" dirty="0">
+                <a:solidFill>
+                  <a:schemeClr val="accent6"/>
+                </a:solidFill>
+                <a:latin typeface="EB Garamond"/>
+                <a:ea typeface="EB Garamond"/>
+                <a:cs typeface="EB Garamond"/>
+                <a:sym typeface="EB Garamond"/>
+              </a:rPr>
+              <a:t>Test ML on testing data.</a:t>
+            </a:r>
+          </a:p>
+          <a:p>
+            <a:pPr marL="457200" marR="0" lvl="0" indent="-457200" algn="just" rtl="0">
+              <a:spcBef>
+                <a:spcPts val="0"/>
+              </a:spcBef>
+              <a:spcAft>
+                <a:spcPts val="0"/>
+              </a:spcAft>
+              <a:buClr>
+                <a:schemeClr val="accent6"/>
+              </a:buClr>
+              <a:buSzPts val="3000"/>
+              <a:buFont typeface="Arial"/>
+              <a:buChar char="•"/>
+            </a:pPr>
+            <a:endParaRPr dirty="0"/>
+          </a:p>
+          <a:p>
+            <a:pPr marL="457200" marR="0" lvl="0" indent="-457200" algn="just" rtl="0">
+              <a:spcBef>
+                <a:spcPts val="0"/>
+              </a:spcBef>
+              <a:spcAft>
+                <a:spcPts val="0"/>
+              </a:spcAft>
+              <a:buClr>
+                <a:schemeClr val="accent6"/>
+              </a:buClr>
+              <a:buSzPts val="3000"/>
+              <a:buFont typeface="Arial"/>
+              <a:buChar char="•"/>
+            </a:pPr>
             <a:endParaRPr dirty="0"/>
           </a:p>
         </p:txBody>
@@ -13153,7 +12601,7 @@
               <a:buNone/>
             </a:pPr>
             <a:r>
-              <a:rPr lang="en-US" sz="4400">
+              <a:rPr lang="en-US" sz="4400" dirty="0">
                 <a:solidFill>
                   <a:schemeClr val="lt1"/>
                 </a:solidFill>
@@ -13162,9 +12610,9 @@
                 <a:cs typeface="Verdana"/>
                 <a:sym typeface="Verdana"/>
               </a:rPr>
-              <a:t>THE CENTIPEDE GAME</a:t>
+              <a:t>METHODOLOGY</a:t>
             </a:r>
-            <a:endParaRPr/>
+            <a:endParaRPr dirty="0"/>
           </a:p>
         </p:txBody>
       </p:sp>
@@ -13288,7 +12736,7 @@
         </p:nvSpPr>
         <p:spPr>
           <a:xfrm>
-            <a:off x="32966170" y="22290230"/>
+            <a:off x="32966170" y="20069554"/>
             <a:ext cx="10241280" cy="914400"/>
           </a:xfrm>
           <a:prstGeom prst="rect">
@@ -13343,7 +12791,7 @@
         </p:nvSpPr>
         <p:spPr>
           <a:xfrm>
-            <a:off x="33312727" y="22354159"/>
+            <a:off x="33312727" y="20133483"/>
             <a:ext cx="9607873" cy="769441"/>
           </a:xfrm>
           <a:prstGeom prst="rect">
@@ -13427,7 +12875,7 @@
         </p:nvSpPr>
         <p:spPr>
           <a:xfrm>
-            <a:off x="32965707" y="27233493"/>
+            <a:off x="32965707" y="26188469"/>
             <a:ext cx="10241280" cy="914400"/>
           </a:xfrm>
           <a:prstGeom prst="rect">
@@ -13482,7 +12930,7 @@
         </p:nvSpPr>
         <p:spPr>
           <a:xfrm>
-            <a:off x="32966171" y="27136655"/>
+            <a:off x="32966171" y="26091631"/>
             <a:ext cx="10236053" cy="914400"/>
           </a:xfrm>
           <a:prstGeom prst="rect">
@@ -13689,7 +13137,7 @@
         </p:nvSpPr>
         <p:spPr>
           <a:xfrm>
-            <a:off x="33149051" y="28482277"/>
+            <a:off x="33149051" y="27437253"/>
             <a:ext cx="9583737" cy="4893607"/>
           </a:xfrm>
           <a:prstGeom prst="rect">
@@ -15578,9 +15026,9 @@
                 <a:cs typeface="Verdana"/>
                 <a:sym typeface="Verdana"/>
               </a:rPr>
-              <a:t>EXPERIMENTAL DESIGN</a:t>
+              <a:t>RESULTS</a:t>
             </a:r>
-            <a:endParaRPr/>
+            <a:endParaRPr dirty="0"/>
           </a:p>
         </p:txBody>
       </p:sp>
@@ -17617,7 +17065,7 @@
         </p:nvSpPr>
         <p:spPr>
           <a:xfrm>
-            <a:off x="32960944" y="14586415"/>
+            <a:off x="32960944" y="13280135"/>
             <a:ext cx="10241280" cy="914400"/>
           </a:xfrm>
           <a:prstGeom prst="rect">
@@ -17672,7 +17120,7 @@
         </p:nvSpPr>
         <p:spPr>
           <a:xfrm>
-            <a:off x="33643887" y="14645152"/>
+            <a:off x="33643887" y="13338872"/>
             <a:ext cx="9083675" cy="769938"/>
           </a:xfrm>
           <a:prstGeom prst="rect">
@@ -17706,7 +17154,7 @@
               <a:buNone/>
             </a:pPr>
             <a:r>
-              <a:rPr lang="en-US" sz="4400">
+              <a:rPr lang="en-US" sz="4400" dirty="0">
                 <a:solidFill>
                   <a:schemeClr val="lt1"/>
                 </a:solidFill>
@@ -17717,7 +17165,7 @@
               </a:rPr>
               <a:t>HYPOTHESES</a:t>
             </a:r>
-            <a:endParaRPr/>
+            <a:endParaRPr dirty="0"/>
           </a:p>
         </p:txBody>
       </p:sp>
@@ -17729,8 +17177,8 @@
         </p:nvSpPr>
         <p:spPr>
           <a:xfrm>
-            <a:off x="33143826" y="15827353"/>
-            <a:ext cx="9502898" cy="5324535"/>
+            <a:off x="33143826" y="14521073"/>
+            <a:ext cx="9502898" cy="5170606"/>
           </a:xfrm>
           <a:prstGeom prst="rect">
             <a:avLst/>
@@ -17761,7 +17209,7 @@
               <a:buAutoNum type="arabicPeriod"/>
             </a:pPr>
             <a:r>
-              <a:rPr lang="en-US" sz="3000">
+              <a:rPr lang="en-US" sz="3000" dirty="0">
                 <a:solidFill>
                   <a:schemeClr val="accent6"/>
                 </a:solidFill>
@@ -17770,9 +17218,9 @@
                 <a:cs typeface="EB Garamond"/>
                 <a:sym typeface="EB Garamond"/>
               </a:rPr>
-              <a:t>Having knowledge of their opponent’s IQ will affect an individual’s choices and thought processes.</a:t>
+              <a:t>Mission statement language will affect revenue of tax-exempt organizations.</a:t>
             </a:r>
-            <a:endParaRPr/>
+            <a:endParaRPr dirty="0"/>
           </a:p>
           <a:p>
             <a:pPr marL="514350" marR="0" lvl="0" indent="-514350" algn="just" rtl="0">
@@ -17790,7 +17238,7 @@
               <a:buAutoNum type="arabicPeriod"/>
             </a:pPr>
             <a:r>
-              <a:rPr lang="en-US" sz="3000">
+              <a:rPr lang="en-US" sz="3000" dirty="0">
                 <a:solidFill>
                   <a:schemeClr val="accent6"/>
                 </a:solidFill>
@@ -17799,9 +17247,9 @@
                 <a:cs typeface="EB Garamond"/>
                 <a:sym typeface="EB Garamond"/>
               </a:rPr>
-              <a:t>This effect will be different for individuals who are high versus low IQ.</a:t>
+              <a:t>Mission statements with language identifying as more donor-serving will correlate with higher revenue.</a:t>
             </a:r>
-            <a:endParaRPr/>
+            <a:endParaRPr dirty="0"/>
           </a:p>
           <a:p>
             <a:pPr marL="514350" marR="0" lvl="0" indent="-514350" algn="just" rtl="0">
@@ -17819,7 +17267,7 @@
               <a:buAutoNum type="arabicPeriod"/>
             </a:pPr>
             <a:r>
-              <a:rPr lang="en-US" sz="3000">
+              <a:rPr lang="en-US" sz="3000" dirty="0">
                 <a:solidFill>
                   <a:schemeClr val="accent6"/>
                 </a:solidFill>
@@ -17828,9 +17276,9 @@
                 <a:cs typeface="EB Garamond"/>
                 <a:sym typeface="EB Garamond"/>
               </a:rPr>
-              <a:t>There will be a decrease in deviation in the constant sum game as altruistic motives are controlled for.</a:t>
+              <a:t>The effects of mission statement language on revenue will be less powerful for tax-exempt organizations with higher asset codes. </a:t>
             </a:r>
-            <a:endParaRPr/>
+            <a:endParaRPr dirty="0"/>
           </a:p>
           <a:p>
             <a:pPr marL="514350" marR="0" lvl="0" indent="-514350" algn="just" rtl="0">
@@ -17848,7 +17296,7 @@
               <a:buAutoNum type="arabicPeriod"/>
             </a:pPr>
             <a:r>
-              <a:rPr lang="en-US" sz="3000">
+              <a:rPr lang="en-US" sz="3000" dirty="0">
                 <a:solidFill>
                   <a:schemeClr val="accent6"/>
                 </a:solidFill>
@@ -17857,38 +17305,9 @@
                 <a:cs typeface="EB Garamond"/>
                 <a:sym typeface="EB Garamond"/>
               </a:rPr>
-              <a:t>There will not be a significant difference in deviation between the exponential and linear growth game. </a:t>
+              <a:t>The effects of mission statement language on revenue will differ slightly among categories of tax-exempt organizations, such as education versus health nonprofit.</a:t>
             </a:r>
-            <a:endParaRPr/>
-          </a:p>
-          <a:p>
-            <a:pPr marL="514350" marR="0" lvl="0" indent="-514350" algn="just" rtl="0">
-              <a:spcBef>
-                <a:spcPts val="1200"/>
-              </a:spcBef>
-              <a:spcAft>
-                <a:spcPts val="0"/>
-              </a:spcAft>
-              <a:buClr>
-                <a:schemeClr val="accent6"/>
-              </a:buClr>
-              <a:buSzPts val="3000"/>
-              <a:buFont typeface="Corbel"/>
-              <a:buAutoNum type="arabicPeriod"/>
-            </a:pPr>
-            <a:r>
-              <a:rPr lang="en-US" sz="3000">
-                <a:solidFill>
-                  <a:schemeClr val="accent6"/>
-                </a:solidFill>
-                <a:latin typeface="EB Garamond"/>
-                <a:ea typeface="EB Garamond"/>
-                <a:cs typeface="EB Garamond"/>
-                <a:sym typeface="EB Garamond"/>
-              </a:rPr>
-              <a:t>Players will reason to a greater depth if they are told their opponent is higher IQ</a:t>
-            </a:r>
-            <a:endParaRPr/>
+            <a:endParaRPr dirty="0"/>
           </a:p>
         </p:txBody>
       </p:sp>
@@ -17923,173 +17342,6 @@
         </p:spPr>
       </p:pic>
     </p:spTree>
-  </p:cSld>
-  <p:clrMapOvr>
-    <a:masterClrMapping/>
-  </p:clrMapOvr>
-</p:sld>
-</file>
-
-<file path=ppt/slides/slide2.xml><?xml version="1.0" encoding="utf-8"?>
-<p:sld xmlns:a="http://schemas.openxmlformats.org/drawingml/2006/main" xmlns:r="http://schemas.openxmlformats.org/officeDocument/2006/relationships" xmlns:p="http://schemas.openxmlformats.org/presentationml/2006/main">
-  <p:cSld>
-    <p:bg>
-      <p:bgPr>
-        <a:solidFill>
-          <a:schemeClr val="accent6"/>
-        </a:solidFill>
-        <a:effectLst/>
-      </p:bgPr>
-    </p:bg>
-    <p:spTree>
-      <p:nvGrpSpPr>
-        <p:cNvPr id="1" name=""/>
-        <p:cNvGrpSpPr/>
-        <p:nvPr/>
-      </p:nvGrpSpPr>
-      <p:grpSpPr>
-        <a:xfrm>
-          <a:off x="0" y="0"/>
-          <a:ext cx="0" cy="0"/>
-          <a:chOff x="0" y="0"/>
-          <a:chExt cx="0" cy="0"/>
-        </a:xfrm>
-      </p:grpSpPr>
-      <p:sp>
-        <p:nvSpPr>
-          <p:cNvPr id="4" name="AutoShape 2">
-            <a:extLst>
-              <a:ext uri="{FF2B5EF4-FFF2-40B4-BE49-F238E27FC236}">
-                <a16:creationId xmlns:a16="http://schemas.microsoft.com/office/drawing/2014/main" id="{B7A7DA59-F2B1-4417-29DE-FBCE770DFA28}"/>
-              </a:ext>
-            </a:extLst>
-          </p:cNvPr>
-          <p:cNvSpPr>
-            <a:spLocks noChangeAspect="1" noChangeArrowheads="1"/>
-          </p:cNvSpPr>
-          <p:nvPr/>
-        </p:nvSpPr>
-        <p:spPr bwMode="auto">
-          <a:xfrm>
-            <a:off x="21793200" y="16306800"/>
-            <a:ext cx="304800" cy="304800"/>
-          </a:xfrm>
-          <a:prstGeom prst="rect">
-            <a:avLst/>
-          </a:prstGeom>
-          <a:noFill/>
-          <a:extLst>
-            <a:ext uri="{909E8E84-426E-40DD-AFC4-6F175D3DCCD1}">
-              <a14:hiddenFill xmlns:a14="http://schemas.microsoft.com/office/drawing/2010/main">
-                <a:solidFill>
-                  <a:srgbClr val="FFFFFF"/>
-                </a:solidFill>
-              </a14:hiddenFill>
-            </a:ext>
-          </a:extLst>
-        </p:spPr>
-        <p:txBody>
-          <a:bodyPr vert="horz" wrap="square" lIns="91440" tIns="45720" rIns="91440" bIns="45720" numCol="1" anchor="t" anchorCtr="0" compatLnSpc="1">
-            <a:prstTxWarp prst="textNoShape">
-              <a:avLst/>
-            </a:prstTxWarp>
-          </a:bodyPr>
-          <a:lstStyle/>
-          <a:p>
-            <a:endParaRPr lang="en-US"/>
-          </a:p>
-        </p:txBody>
-      </p:sp>
-      <p:sp>
-        <p:nvSpPr>
-          <p:cNvPr id="10" name="TextBox 9">
-            <a:extLst>
-              <a:ext uri="{FF2B5EF4-FFF2-40B4-BE49-F238E27FC236}">
-                <a16:creationId xmlns:a16="http://schemas.microsoft.com/office/drawing/2014/main" id="{419A1673-2472-069B-630A-FCDA48C806F8}"/>
-              </a:ext>
-            </a:extLst>
-          </p:cNvPr>
-          <p:cNvSpPr txBox="1"/>
-          <p:nvPr/>
-        </p:nvSpPr>
-        <p:spPr>
-          <a:xfrm>
-            <a:off x="6792686" y="5094514"/>
-            <a:ext cx="14238514" cy="3785652"/>
-          </a:xfrm>
-          <a:prstGeom prst="rect">
-            <a:avLst/>
-          </a:prstGeom>
-          <a:noFill/>
-        </p:spPr>
-        <p:txBody>
-          <a:bodyPr wrap="square" rtlCol="0">
-            <a:spAutoFit/>
-          </a:bodyPr>
-          <a:lstStyle/>
-          <a:p>
-            <a:r>
-              <a:rPr lang="en-US" sz="8000" dirty="0">
-                <a:solidFill>
-                  <a:schemeClr val="bg1"/>
-                </a:solidFill>
-                <a:hlinkClick r:id="rId2">
-                  <a:extLst>
-                    <a:ext uri="{A12FA001-AC4F-418D-AE19-62706E023703}">
-                      <ahyp:hlinkClr xmlns:ahyp="http://schemas.microsoft.com/office/drawing/2018/hyperlinkcolor" val="tx"/>
-                    </a:ext>
-                  </a:extLst>
-                </a:hlinkClick>
-              </a:rPr>
-              <a:t>Resources – Brand Guidelines | The University of Alabama (ua.edu)</a:t>
-            </a:r>
-            <a:r>
-              <a:rPr lang="en-US" sz="8000" dirty="0">
-                <a:solidFill>
-                  <a:schemeClr val="bg1"/>
-                </a:solidFill>
-              </a:rPr>
-              <a:t> (use PNG)</a:t>
-            </a:r>
-          </a:p>
-        </p:txBody>
-      </p:sp>
-      <p:pic>
-        <p:nvPicPr>
-          <p:cNvPr id="14" name="Picture 13" descr="A black and white sign with grey text&#10;&#10;Description automatically generated">
-            <a:extLst>
-              <a:ext uri="{FF2B5EF4-FFF2-40B4-BE49-F238E27FC236}">
-                <a16:creationId xmlns:a16="http://schemas.microsoft.com/office/drawing/2014/main" id="{E626D29A-7252-DC6D-84FB-B68805986314}"/>
-              </a:ext>
-            </a:extLst>
-          </p:cNvPr>
-          <p:cNvPicPr>
-            <a:picLocks noChangeAspect="1"/>
-          </p:cNvPicPr>
-          <p:nvPr/>
-        </p:nvPicPr>
-        <p:blipFill>
-          <a:blip r:embed="rId3"/>
-          <a:stretch>
-            <a:fillRect/>
-          </a:stretch>
-        </p:blipFill>
-        <p:spPr>
-          <a:xfrm>
-            <a:off x="6792686" y="10338008"/>
-            <a:ext cx="10156201" cy="2773500"/>
-          </a:xfrm>
-          <a:prstGeom prst="rect">
-            <a:avLst/>
-          </a:prstGeom>
-        </p:spPr>
-      </p:pic>
-    </p:spTree>
-    <p:extLst>
-      <p:ext uri="{BB962C8B-B14F-4D97-AF65-F5344CB8AC3E}">
-        <p14:creationId xmlns:p14="http://schemas.microsoft.com/office/powerpoint/2010/main" val="3697769384"/>
-      </p:ext>
-    </p:extLst>
   </p:cSld>
   <p:clrMapOvr>
     <a:masterClrMapping/>

--- a/publications/URCA 2024 Poster.pptx
+++ b/publications/URCA 2024 Poster.pptx
@@ -14,32 +14,36 @@
   <p:notesSz cx="6950075" cy="9236075"/>
   <p:embeddedFontLst>
     <p:embeddedFont>
+      <p:font typeface="Cambria Math" panose="02040503050406030204" pitchFamily="18" charset="0"/>
+      <p:regular r:id="rId4"/>
+    </p:embeddedFont>
+    <p:embeddedFont>
       <p:font typeface="Corbel" panose="020B0503020204020204" pitchFamily="34" charset="0"/>
-      <p:regular r:id="rId4"/>
-      <p:bold r:id="rId5"/>
-      <p:italic r:id="rId6"/>
-      <p:boldItalic r:id="rId7"/>
+      <p:regular r:id="rId5"/>
+      <p:bold r:id="rId6"/>
+      <p:italic r:id="rId7"/>
+      <p:boldItalic r:id="rId8"/>
     </p:embeddedFont>
     <p:embeddedFont>
       <p:font typeface="EB Garamond" panose="00000500000000000000" pitchFamily="2" charset="0"/>
-      <p:regular r:id="rId8"/>
-      <p:bold r:id="rId9"/>
-      <p:italic r:id="rId10"/>
-      <p:boldItalic r:id="rId11"/>
+      <p:regular r:id="rId9"/>
+      <p:bold r:id="rId10"/>
+      <p:italic r:id="rId11"/>
+      <p:boldItalic r:id="rId12"/>
     </p:embeddedFont>
     <p:embeddedFont>
       <p:font typeface="Helvetica Neue" panose="020B0604020202020204" charset="0"/>
-      <p:regular r:id="rId12"/>
-      <p:bold r:id="rId13"/>
-      <p:italic r:id="rId14"/>
-      <p:boldItalic r:id="rId15"/>
+      <p:regular r:id="rId13"/>
+      <p:bold r:id="rId14"/>
+      <p:italic r:id="rId15"/>
+      <p:boldItalic r:id="rId16"/>
     </p:embeddedFont>
     <p:embeddedFont>
       <p:font typeface="Verdana" panose="020B0604030504040204" pitchFamily="34" charset="0"/>
-      <p:regular r:id="rId16"/>
-      <p:bold r:id="rId17"/>
-      <p:italic r:id="rId18"/>
-      <p:boldItalic r:id="rId19"/>
+      <p:regular r:id="rId17"/>
+      <p:bold r:id="rId18"/>
+      <p:italic r:id="rId19"/>
+      <p:boldItalic r:id="rId20"/>
     </p:embeddedFont>
   </p:embeddedFontLst>
   <p:defaultTextStyle>
@@ -337,7 +341,7 @@
       </p15:sldGuideLst>
     </p:ext>
     <p:ext uri="GoogleSlidesCustomDataVersion2">
-      <go:slidesCustomData xmlns:go="http://customooxmlschemas.google.com/" xmlns:ahyp="http://schemas.microsoft.com/office/drawing/2018/hyperlinkcolor" xmlns:p15="http://schemas.microsoft.com/office/powerpoint/2012/main" xmlns:p14="http://schemas.microsoft.com/office/powerpoint/2010/main" xmlns:com="http://schemas.openxmlformats.org/drawingml/2006/compatibility" xmlns:pvml="urn:schemas-microsoft-com:office:powerpoint" xmlns:v="urn:schemas-microsoft-com:vml" xmlns:o="urn:schemas-microsoft-com:office:office" xmlns:dgm="http://schemas.openxmlformats.org/drawingml/2006/diagram" xmlns:c="http://schemas.openxmlformats.org/drawingml/2006/chart" xmlns:mv="urn:schemas-microsoft-com:mac:vml" xmlns:mc="http://schemas.openxmlformats.org/markup-compatibility/2006" xmlns="" r:id="rId21" roundtripDataSignature="AMtx7mgWSjSeOX8ykGe4GBVg+ganuGxPXw=="/>
+      <go:slidesCustomData xmlns="" xmlns:mc="http://schemas.openxmlformats.org/markup-compatibility/2006" xmlns:mv="urn:schemas-microsoft-com:mac:vml" xmlns:c="http://schemas.openxmlformats.org/drawingml/2006/chart" xmlns:dgm="http://schemas.openxmlformats.org/drawingml/2006/diagram" xmlns:o="urn:schemas-microsoft-com:office:office" xmlns:v="urn:schemas-microsoft-com:vml" xmlns:pvml="urn:schemas-microsoft-com:office:powerpoint" xmlns:com="http://schemas.openxmlformats.org/drawingml/2006/compatibility" xmlns:p14="http://schemas.microsoft.com/office/powerpoint/2010/main" xmlns:p15="http://schemas.microsoft.com/office/powerpoint/2012/main" xmlns:ahyp="http://schemas.microsoft.com/office/drawing/2018/hyperlinkcolor" xmlns:go="http://customooxmlschemas.google.com/" r:id="rId21" roundtripDataSignature="AMtx7mgWSjSeOX8ykGe4GBVg+ganuGxPXw=="/>
     </p:ext>
   </p:extLst>
 </p:presentation>
@@ -346,7 +350,7 @@
 <file path=ppt/revisionInfo.xml><?xml version="1.0" encoding="utf-8"?>
 <p1510:revInfo xmlns:a="http://schemas.openxmlformats.org/drawingml/2006/main" xmlns:r="http://schemas.openxmlformats.org/officeDocument/2006/relationships" xmlns:p1510="http://schemas.microsoft.com/office/powerpoint/2015/10/main">
   <p1510:revLst>
-    <p1510:client id="{721868BD-F9F7-49CA-A317-5B179EA2F347}" v="41" dt="2024-03-11T22:46:30.920"/>
+    <p1510:client id="{721868BD-F9F7-49CA-A317-5B179EA2F347}" v="446" dt="2024-03-16T04:28:12.266"/>
   </p1510:revLst>
 </p1510:revInfo>
 </file>
@@ -356,18 +360,50 @@
   <pc:docChgLst>
     <pc:chgData name="Hariaksha Gunda" userId="c3d5802c32daedcc" providerId="LiveId" clId="{721868BD-F9F7-49CA-A317-5B179EA2F347}"/>
     <pc:docChg chg="undo redo custSel addSld delSld modSld">
-      <pc:chgData name="Hariaksha Gunda" userId="c3d5802c32daedcc" providerId="LiveId" clId="{721868BD-F9F7-49CA-A317-5B179EA2F347}" dt="2024-03-12T04:12:55.265" v="1591" actId="20577"/>
+      <pc:chgData name="Hariaksha Gunda" userId="c3d5802c32daedcc" providerId="LiveId" clId="{721868BD-F9F7-49CA-A317-5B179EA2F347}" dt="2024-03-16T04:31:01.936" v="6041" actId="1035"/>
       <pc:docMkLst>
         <pc:docMk/>
       </pc:docMkLst>
       <pc:sldChg chg="addSp delSp modSp mod">
-        <pc:chgData name="Hariaksha Gunda" userId="c3d5802c32daedcc" providerId="LiveId" clId="{721868BD-F9F7-49CA-A317-5B179EA2F347}" dt="2024-03-12T04:12:55.265" v="1591" actId="20577"/>
+        <pc:chgData name="Hariaksha Gunda" userId="c3d5802c32daedcc" providerId="LiveId" clId="{721868BD-F9F7-49CA-A317-5B179EA2F347}" dt="2024-03-16T04:31:01.936" v="6041" actId="1035"/>
         <pc:sldMkLst>
           <pc:docMk/>
           <pc:sldMk cId="0" sldId="256"/>
         </pc:sldMkLst>
+        <pc:spChg chg="add mod">
+          <ac:chgData name="Hariaksha Gunda" userId="c3d5802c32daedcc" providerId="LiveId" clId="{721868BD-F9F7-49CA-A317-5B179EA2F347}" dt="2024-03-16T04:30:58.453" v="6035" actId="1035"/>
+          <ac:spMkLst>
+            <pc:docMk/>
+            <pc:sldMk cId="0" sldId="256"/>
+            <ac:spMk id="2" creationId="{7D7E1AB2-8033-B250-0C06-DF75CFA627B2}"/>
+          </ac:spMkLst>
+        </pc:spChg>
+        <pc:spChg chg="add">
+          <ac:chgData name="Hariaksha Gunda" userId="c3d5802c32daedcc" providerId="LiveId" clId="{721868BD-F9F7-49CA-A317-5B179EA2F347}" dt="2024-03-16T03:36:20.477" v="4444"/>
+          <ac:spMkLst>
+            <pc:docMk/>
+            <pc:sldMk cId="0" sldId="256"/>
+            <ac:spMk id="6" creationId="{5B90C6C5-5F30-4C8D-5A8F-A0500D563E84}"/>
+          </ac:spMkLst>
+        </pc:spChg>
+        <pc:spChg chg="add mod">
+          <ac:chgData name="Hariaksha Gunda" userId="c3d5802c32daedcc" providerId="LiveId" clId="{721868BD-F9F7-49CA-A317-5B179EA2F347}" dt="2024-03-16T04:31:01.936" v="6041" actId="1035"/>
+          <ac:spMkLst>
+            <pc:docMk/>
+            <pc:sldMk cId="0" sldId="256"/>
+            <ac:spMk id="8" creationId="{0B7D1384-4D48-0FD2-6023-C0F1037547FB}"/>
+          </ac:spMkLst>
+        </pc:spChg>
         <pc:spChg chg="mod">
-          <ac:chgData name="Hariaksha Gunda" userId="c3d5802c32daedcc" providerId="LiveId" clId="{721868BD-F9F7-49CA-A317-5B179EA2F347}" dt="2024-03-12T01:17:53.606" v="1408" actId="20577"/>
+          <ac:chgData name="Hariaksha Gunda" userId="c3d5802c32daedcc" providerId="LiveId" clId="{721868BD-F9F7-49CA-A317-5B179EA2F347}" dt="2024-03-16T04:03:37.290" v="5060" actId="1076"/>
+          <ac:spMkLst>
+            <pc:docMk/>
+            <pc:sldMk cId="0" sldId="256"/>
+            <ac:spMk id="89" creationId="{00000000-0000-0000-0000-000000000000}"/>
+          </ac:spMkLst>
+        </pc:spChg>
+        <pc:spChg chg="mod">
+          <ac:chgData name="Hariaksha Gunda" userId="c3d5802c32daedcc" providerId="LiveId" clId="{721868BD-F9F7-49CA-A317-5B179EA2F347}" dt="2024-03-16T04:03:37.290" v="5060" actId="1076"/>
           <ac:spMkLst>
             <pc:docMk/>
             <pc:sldMk cId="0" sldId="256"/>
@@ -375,15 +411,31 @@
           </ac:spMkLst>
         </pc:spChg>
         <pc:spChg chg="mod">
-          <ac:chgData name="Hariaksha Gunda" userId="c3d5802c32daedcc" providerId="LiveId" clId="{721868BD-F9F7-49CA-A317-5B179EA2F347}" dt="2024-03-12T00:28:20.473" v="1073" actId="20577"/>
+          <ac:chgData name="Hariaksha Gunda" userId="c3d5802c32daedcc" providerId="LiveId" clId="{721868BD-F9F7-49CA-A317-5B179EA2F347}" dt="2024-03-16T04:28:43.901" v="5980" actId="1035"/>
           <ac:spMkLst>
             <pc:docMk/>
             <pc:sldMk cId="0" sldId="256"/>
             <ac:spMk id="91" creationId="{00000000-0000-0000-0000-000000000000}"/>
           </ac:spMkLst>
         </pc:spChg>
+        <pc:spChg chg="del mod">
+          <ac:chgData name="Hariaksha Gunda" userId="c3d5802c32daedcc" providerId="LiveId" clId="{721868BD-F9F7-49CA-A317-5B179EA2F347}" dt="2024-03-16T03:30:54.664" v="4311" actId="478"/>
+          <ac:spMkLst>
+            <pc:docMk/>
+            <pc:sldMk cId="0" sldId="256"/>
+            <ac:spMk id="92" creationId="{00000000-0000-0000-0000-000000000000}"/>
+          </ac:spMkLst>
+        </pc:spChg>
         <pc:spChg chg="mod">
-          <ac:chgData name="Hariaksha Gunda" userId="c3d5802c32daedcc" providerId="LiveId" clId="{721868BD-F9F7-49CA-A317-5B179EA2F347}" dt="2024-03-12T04:09:00.506" v="1572" actId="1036"/>
+          <ac:chgData name="Hariaksha Gunda" userId="c3d5802c32daedcc" providerId="LiveId" clId="{721868BD-F9F7-49CA-A317-5B179EA2F347}" dt="2024-03-16T04:03:37.290" v="5060" actId="1076"/>
+          <ac:spMkLst>
+            <pc:docMk/>
+            <pc:sldMk cId="0" sldId="256"/>
+            <ac:spMk id="93" creationId="{00000000-0000-0000-0000-000000000000}"/>
+          </ac:spMkLst>
+        </pc:spChg>
+        <pc:spChg chg="mod">
+          <ac:chgData name="Hariaksha Gunda" userId="c3d5802c32daedcc" providerId="LiveId" clId="{721868BD-F9F7-49CA-A317-5B179EA2F347}" dt="2024-03-16T04:28:56.506" v="6003" actId="1035"/>
           <ac:spMkLst>
             <pc:docMk/>
             <pc:sldMk cId="0" sldId="256"/>
@@ -391,7 +443,7 @@
           </ac:spMkLst>
         </pc:spChg>
         <pc:spChg chg="mod">
-          <ac:chgData name="Hariaksha Gunda" userId="c3d5802c32daedcc" providerId="LiveId" clId="{721868BD-F9F7-49CA-A317-5B179EA2F347}" dt="2024-03-11T22:47:51.215" v="327" actId="1036"/>
+          <ac:chgData name="Hariaksha Gunda" userId="c3d5802c32daedcc" providerId="LiveId" clId="{721868BD-F9F7-49CA-A317-5B179EA2F347}" dt="2024-03-16T04:03:37.290" v="5060" actId="1076"/>
           <ac:spMkLst>
             <pc:docMk/>
             <pc:sldMk cId="0" sldId="256"/>
@@ -399,7 +451,47 @@
           </ac:spMkLst>
         </pc:spChg>
         <pc:spChg chg="mod">
-          <ac:chgData name="Hariaksha Gunda" userId="c3d5802c32daedcc" providerId="LiveId" clId="{721868BD-F9F7-49CA-A317-5B179EA2F347}" dt="2024-03-12T04:12:50.974" v="1584" actId="20577"/>
+          <ac:chgData name="Hariaksha Gunda" userId="c3d5802c32daedcc" providerId="LiveId" clId="{721868BD-F9F7-49CA-A317-5B179EA2F347}" dt="2024-03-16T04:03:37.290" v="5060" actId="1076"/>
+          <ac:spMkLst>
+            <pc:docMk/>
+            <pc:sldMk cId="0" sldId="256"/>
+            <ac:spMk id="96" creationId="{00000000-0000-0000-0000-000000000000}"/>
+          </ac:spMkLst>
+        </pc:spChg>
+        <pc:spChg chg="mod">
+          <ac:chgData name="Hariaksha Gunda" userId="c3d5802c32daedcc" providerId="LiveId" clId="{721868BD-F9F7-49CA-A317-5B179EA2F347}" dt="2024-03-16T04:03:37.290" v="5060" actId="1076"/>
+          <ac:spMkLst>
+            <pc:docMk/>
+            <pc:sldMk cId="0" sldId="256"/>
+            <ac:spMk id="97" creationId="{00000000-0000-0000-0000-000000000000}"/>
+          </ac:spMkLst>
+        </pc:spChg>
+        <pc:spChg chg="mod">
+          <ac:chgData name="Hariaksha Gunda" userId="c3d5802c32daedcc" providerId="LiveId" clId="{721868BD-F9F7-49CA-A317-5B179EA2F347}" dt="2024-03-16T04:28:43.901" v="5980" actId="1035"/>
+          <ac:spMkLst>
+            <pc:docMk/>
+            <pc:sldMk cId="0" sldId="256"/>
+            <ac:spMk id="98" creationId="{00000000-0000-0000-0000-000000000000}"/>
+          </ac:spMkLst>
+        </pc:spChg>
+        <pc:spChg chg="mod">
+          <ac:chgData name="Hariaksha Gunda" userId="c3d5802c32daedcc" providerId="LiveId" clId="{721868BD-F9F7-49CA-A317-5B179EA2F347}" dt="2024-03-16T04:28:43.901" v="5980" actId="1035"/>
+          <ac:spMkLst>
+            <pc:docMk/>
+            <pc:sldMk cId="0" sldId="256"/>
+            <ac:spMk id="99" creationId="{00000000-0000-0000-0000-000000000000}"/>
+          </ac:spMkLst>
+        </pc:spChg>
+        <pc:spChg chg="mod">
+          <ac:chgData name="Hariaksha Gunda" userId="c3d5802c32daedcc" providerId="LiveId" clId="{721868BD-F9F7-49CA-A317-5B179EA2F347}" dt="2024-03-16T04:03:37.290" v="5060" actId="1076"/>
+          <ac:spMkLst>
+            <pc:docMk/>
+            <pc:sldMk cId="0" sldId="256"/>
+            <ac:spMk id="100" creationId="{00000000-0000-0000-0000-000000000000}"/>
+          </ac:spMkLst>
+        </pc:spChg>
+        <pc:spChg chg="mod">
+          <ac:chgData name="Hariaksha Gunda" userId="c3d5802c32daedcc" providerId="LiveId" clId="{721868BD-F9F7-49CA-A317-5B179EA2F347}" dt="2024-03-16T04:03:37.290" v="5060" actId="1076"/>
           <ac:spMkLst>
             <pc:docMk/>
             <pc:sldMk cId="0" sldId="256"/>
@@ -407,7 +499,23 @@
           </ac:spMkLst>
         </pc:spChg>
         <pc:spChg chg="mod">
-          <ac:chgData name="Hariaksha Gunda" userId="c3d5802c32daedcc" providerId="LiveId" clId="{721868BD-F9F7-49CA-A317-5B179EA2F347}" dt="2024-03-12T04:09:00.506" v="1572" actId="1036"/>
+          <ac:chgData name="Hariaksha Gunda" userId="c3d5802c32daedcc" providerId="LiveId" clId="{721868BD-F9F7-49CA-A317-5B179EA2F347}" dt="2024-03-16T04:03:37.290" v="5060" actId="1076"/>
+          <ac:spMkLst>
+            <pc:docMk/>
+            <pc:sldMk cId="0" sldId="256"/>
+            <ac:spMk id="102" creationId="{00000000-0000-0000-0000-000000000000}"/>
+          </ac:spMkLst>
+        </pc:spChg>
+        <pc:spChg chg="mod">
+          <ac:chgData name="Hariaksha Gunda" userId="c3d5802c32daedcc" providerId="LiveId" clId="{721868BD-F9F7-49CA-A317-5B179EA2F347}" dt="2024-03-16T04:22:36.411" v="5666" actId="20577"/>
+          <ac:spMkLst>
+            <pc:docMk/>
+            <pc:sldMk cId="0" sldId="256"/>
+            <ac:spMk id="103" creationId="{00000000-0000-0000-0000-000000000000}"/>
+          </ac:spMkLst>
+        </pc:spChg>
+        <pc:spChg chg="mod">
+          <ac:chgData name="Hariaksha Gunda" userId="c3d5802c32daedcc" providerId="LiveId" clId="{721868BD-F9F7-49CA-A317-5B179EA2F347}" dt="2024-03-16T04:28:56.506" v="6003" actId="1035"/>
           <ac:spMkLst>
             <pc:docMk/>
             <pc:sldMk cId="0" sldId="256"/>
@@ -415,7 +523,7 @@
           </ac:spMkLst>
         </pc:spChg>
         <pc:spChg chg="mod">
-          <ac:chgData name="Hariaksha Gunda" userId="c3d5802c32daedcc" providerId="LiveId" clId="{721868BD-F9F7-49CA-A317-5B179EA2F347}" dt="2024-03-12T04:09:00.506" v="1572" actId="1036"/>
+          <ac:chgData name="Hariaksha Gunda" userId="c3d5802c32daedcc" providerId="LiveId" clId="{721868BD-F9F7-49CA-A317-5B179EA2F347}" dt="2024-03-16T04:28:56.506" v="6003" actId="1035"/>
           <ac:spMkLst>
             <pc:docMk/>
             <pc:sldMk cId="0" sldId="256"/>
@@ -423,7 +531,7 @@
           </ac:spMkLst>
         </pc:spChg>
         <pc:spChg chg="mod">
-          <ac:chgData name="Hariaksha Gunda" userId="c3d5802c32daedcc" providerId="LiveId" clId="{721868BD-F9F7-49CA-A317-5B179EA2F347}" dt="2024-03-12T03:38:09.174" v="1468" actId="1035"/>
+          <ac:chgData name="Hariaksha Gunda" userId="c3d5802c32daedcc" providerId="LiveId" clId="{721868BD-F9F7-49CA-A317-5B179EA2F347}" dt="2024-03-16T04:28:56.506" v="6003" actId="1035"/>
           <ac:spMkLst>
             <pc:docMk/>
             <pc:sldMk cId="0" sldId="256"/>
@@ -431,7 +539,7 @@
           </ac:spMkLst>
         </pc:spChg>
         <pc:spChg chg="mod">
-          <ac:chgData name="Hariaksha Gunda" userId="c3d5802c32daedcc" providerId="LiveId" clId="{721868BD-F9F7-49CA-A317-5B179EA2F347}" dt="2024-03-12T03:38:09.174" v="1468" actId="1035"/>
+          <ac:chgData name="Hariaksha Gunda" userId="c3d5802c32daedcc" providerId="LiveId" clId="{721868BD-F9F7-49CA-A317-5B179EA2F347}" dt="2024-03-16T04:28:56.506" v="6003" actId="1035"/>
           <ac:spMkLst>
             <pc:docMk/>
             <pc:sldMk cId="0" sldId="256"/>
@@ -439,23 +547,159 @@
           </ac:spMkLst>
         </pc:spChg>
         <pc:spChg chg="mod">
-          <ac:chgData name="Hariaksha Gunda" userId="c3d5802c32daedcc" providerId="LiveId" clId="{721868BD-F9F7-49CA-A317-5B179EA2F347}" dt="2024-03-12T03:38:09.174" v="1468" actId="1035"/>
+          <ac:chgData name="Hariaksha Gunda" userId="c3d5802c32daedcc" providerId="LiveId" clId="{721868BD-F9F7-49CA-A317-5B179EA2F347}" dt="2024-03-16T04:28:12.266" v="5957" actId="20577"/>
+          <ac:spMkLst>
+            <pc:docMk/>
+            <pc:sldMk cId="0" sldId="256"/>
+            <ac:spMk id="110" creationId="{00000000-0000-0000-0000-000000000000}"/>
+          </ac:spMkLst>
+        </pc:spChg>
+        <pc:spChg chg="mod">
+          <ac:chgData name="Hariaksha Gunda" userId="c3d5802c32daedcc" providerId="LiveId" clId="{721868BD-F9F7-49CA-A317-5B179EA2F347}" dt="2024-03-16T04:28:56.506" v="6003" actId="1035"/>
           <ac:spMkLst>
             <pc:docMk/>
             <pc:sldMk cId="0" sldId="256"/>
             <ac:spMk id="111" creationId="{00000000-0000-0000-0000-000000000000}"/>
           </ac:spMkLst>
         </pc:spChg>
+        <pc:spChg chg="del">
+          <ac:chgData name="Hariaksha Gunda" userId="c3d5802c32daedcc" providerId="LiveId" clId="{721868BD-F9F7-49CA-A317-5B179EA2F347}" dt="2024-03-14T17:59:42.562" v="1622" actId="478"/>
+          <ac:spMkLst>
+            <pc:docMk/>
+            <pc:sldMk cId="0" sldId="256"/>
+            <ac:spMk id="112" creationId="{00000000-0000-0000-0000-000000000000}"/>
+          </ac:spMkLst>
+        </pc:spChg>
         <pc:spChg chg="mod">
-          <ac:chgData name="Hariaksha Gunda" userId="c3d5802c32daedcc" providerId="LiveId" clId="{721868BD-F9F7-49CA-A317-5B179EA2F347}" dt="2024-03-12T04:12:55.265" v="1591" actId="20577"/>
+          <ac:chgData name="Hariaksha Gunda" userId="c3d5802c32daedcc" providerId="LiveId" clId="{721868BD-F9F7-49CA-A317-5B179EA2F347}" dt="2024-03-15T20:17:04.875" v="2190" actId="255"/>
+          <ac:spMkLst>
+            <pc:docMk/>
+            <pc:sldMk cId="0" sldId="256"/>
+            <ac:spMk id="115" creationId="{00000000-0000-0000-0000-000000000000}"/>
+          </ac:spMkLst>
+        </pc:spChg>
+        <pc:spChg chg="mod">
+          <ac:chgData name="Hariaksha Gunda" userId="c3d5802c32daedcc" providerId="LiveId" clId="{721868BD-F9F7-49CA-A317-5B179EA2F347}" dt="2024-03-15T23:19:43.915" v="3869" actId="20577"/>
+          <ac:spMkLst>
+            <pc:docMk/>
+            <pc:sldMk cId="0" sldId="256"/>
+            <ac:spMk id="119" creationId="{00000000-0000-0000-0000-000000000000}"/>
+          </ac:spMkLst>
+        </pc:spChg>
+        <pc:spChg chg="mod">
+          <ac:chgData name="Hariaksha Gunda" userId="c3d5802c32daedcc" providerId="LiveId" clId="{721868BD-F9F7-49CA-A317-5B179EA2F347}" dt="2024-03-15T20:17:12.157" v="2193" actId="255"/>
+          <ac:spMkLst>
+            <pc:docMk/>
+            <pc:sldMk cId="0" sldId="256"/>
+            <ac:spMk id="123" creationId="{00000000-0000-0000-0000-000000000000}"/>
+          </ac:spMkLst>
+        </pc:spChg>
+        <pc:spChg chg="mod">
+          <ac:chgData name="Hariaksha Gunda" userId="c3d5802c32daedcc" providerId="LiveId" clId="{721868BD-F9F7-49CA-A317-5B179EA2F347}" dt="2024-03-15T22:38:01.233" v="3298" actId="20577"/>
+          <ac:spMkLst>
+            <pc:docMk/>
+            <pc:sldMk cId="0" sldId="256"/>
+            <ac:spMk id="127" creationId="{00000000-0000-0000-0000-000000000000}"/>
+          </ac:spMkLst>
+        </pc:spChg>
+        <pc:spChg chg="mod">
+          <ac:chgData name="Hariaksha Gunda" userId="c3d5802c32daedcc" providerId="LiveId" clId="{721868BD-F9F7-49CA-A317-5B179EA2F347}" dt="2024-03-16T04:03:37.290" v="5060" actId="1076"/>
+          <ac:spMkLst>
+            <pc:docMk/>
+            <pc:sldMk cId="0" sldId="256"/>
+            <ac:spMk id="128" creationId="{00000000-0000-0000-0000-000000000000}"/>
+          </ac:spMkLst>
+        </pc:spChg>
+        <pc:spChg chg="mod">
+          <ac:chgData name="Hariaksha Gunda" userId="c3d5802c32daedcc" providerId="LiveId" clId="{721868BD-F9F7-49CA-A317-5B179EA2F347}" dt="2024-03-16T04:03:37.290" v="5060" actId="1076"/>
+          <ac:spMkLst>
+            <pc:docMk/>
+            <pc:sldMk cId="0" sldId="256"/>
+            <ac:spMk id="129" creationId="{00000000-0000-0000-0000-000000000000}"/>
+          </ac:spMkLst>
+        </pc:spChg>
+        <pc:spChg chg="mod">
+          <ac:chgData name="Hariaksha Gunda" userId="c3d5802c32daedcc" providerId="LiveId" clId="{721868BD-F9F7-49CA-A317-5B179EA2F347}" dt="2024-03-16T04:03:37.290" v="5060" actId="1076"/>
+          <ac:spMkLst>
+            <pc:docMk/>
+            <pc:sldMk cId="0" sldId="256"/>
+            <ac:spMk id="130" creationId="{00000000-0000-0000-0000-000000000000}"/>
+          </ac:spMkLst>
+        </pc:spChg>
+        <pc:spChg chg="mod">
+          <ac:chgData name="Hariaksha Gunda" userId="c3d5802c32daedcc" providerId="LiveId" clId="{721868BD-F9F7-49CA-A317-5B179EA2F347}" dt="2024-03-16T04:03:37.290" v="5060" actId="1076"/>
+          <ac:spMkLst>
+            <pc:docMk/>
+            <pc:sldMk cId="0" sldId="256"/>
+            <ac:spMk id="131" creationId="{00000000-0000-0000-0000-000000000000}"/>
+          </ac:spMkLst>
+        </pc:spChg>
+        <pc:spChg chg="mod">
+          <ac:chgData name="Hariaksha Gunda" userId="c3d5802c32daedcc" providerId="LiveId" clId="{721868BD-F9F7-49CA-A317-5B179EA2F347}" dt="2024-03-16T04:28:43.901" v="5980" actId="1035"/>
+          <ac:spMkLst>
+            <pc:docMk/>
+            <pc:sldMk cId="0" sldId="256"/>
+            <ac:spMk id="133" creationId="{00000000-0000-0000-0000-000000000000}"/>
+          </ac:spMkLst>
+        </pc:spChg>
+        <pc:spChg chg="mod">
+          <ac:chgData name="Hariaksha Gunda" userId="c3d5802c32daedcc" providerId="LiveId" clId="{721868BD-F9F7-49CA-A317-5B179EA2F347}" dt="2024-03-16T04:28:43.901" v="5980" actId="1035"/>
+          <ac:spMkLst>
+            <pc:docMk/>
+            <pc:sldMk cId="0" sldId="256"/>
+            <ac:spMk id="134" creationId="{00000000-0000-0000-0000-000000000000}"/>
+          </ac:spMkLst>
+        </pc:spChg>
+        <pc:spChg chg="mod">
+          <ac:chgData name="Hariaksha Gunda" userId="c3d5802c32daedcc" providerId="LiveId" clId="{721868BD-F9F7-49CA-A317-5B179EA2F347}" dt="2024-03-16T04:03:37.290" v="5060" actId="1076"/>
+          <ac:spMkLst>
+            <pc:docMk/>
+            <pc:sldMk cId="0" sldId="256"/>
+            <ac:spMk id="135" creationId="{00000000-0000-0000-0000-000000000000}"/>
+          </ac:spMkLst>
+        </pc:spChg>
+        <pc:spChg chg="mod">
+          <ac:chgData name="Hariaksha Gunda" userId="c3d5802c32daedcc" providerId="LiveId" clId="{721868BD-F9F7-49CA-A317-5B179EA2F347}" dt="2024-03-16T04:03:37.290" v="5060" actId="1076"/>
           <ac:spMkLst>
             <pc:docMk/>
             <pc:sldMk cId="0" sldId="256"/>
             <ac:spMk id="136" creationId="{00000000-0000-0000-0000-000000000000}"/>
           </ac:spMkLst>
         </pc:spChg>
+        <pc:spChg chg="del">
+          <ac:chgData name="Hariaksha Gunda" userId="c3d5802c32daedcc" providerId="LiveId" clId="{721868BD-F9F7-49CA-A317-5B179EA2F347}" dt="2024-03-14T17:59:37.951" v="1620" actId="478"/>
+          <ac:spMkLst>
+            <pc:docMk/>
+            <pc:sldMk cId="0" sldId="256"/>
+            <ac:spMk id="137" creationId="{00000000-0000-0000-0000-000000000000}"/>
+          </ac:spMkLst>
+        </pc:spChg>
         <pc:spChg chg="mod">
-          <ac:chgData name="Hariaksha Gunda" userId="c3d5802c32daedcc" providerId="LiveId" clId="{721868BD-F9F7-49CA-A317-5B179EA2F347}" dt="2024-03-12T01:46:30.809" v="1419" actId="20577"/>
+          <ac:chgData name="Hariaksha Gunda" userId="c3d5802c32daedcc" providerId="LiveId" clId="{721868BD-F9F7-49CA-A317-5B179EA2F347}" dt="2024-03-16T03:30:41.209" v="4309" actId="20577"/>
+          <ac:spMkLst>
+            <pc:docMk/>
+            <pc:sldMk cId="0" sldId="256"/>
+            <ac:spMk id="141" creationId="{00000000-0000-0000-0000-000000000000}"/>
+          </ac:spMkLst>
+        </pc:spChg>
+        <pc:spChg chg="del">
+          <ac:chgData name="Hariaksha Gunda" userId="c3d5802c32daedcc" providerId="LiveId" clId="{721868BD-F9F7-49CA-A317-5B179EA2F347}" dt="2024-03-14T17:59:34.545" v="1619" actId="478"/>
+          <ac:spMkLst>
+            <pc:docMk/>
+            <pc:sldMk cId="0" sldId="256"/>
+            <ac:spMk id="166" creationId="{00000000-0000-0000-0000-000000000000}"/>
+          </ac:spMkLst>
+        </pc:spChg>
+        <pc:spChg chg="mod">
+          <ac:chgData name="Hariaksha Gunda" userId="c3d5802c32daedcc" providerId="LiveId" clId="{721868BD-F9F7-49CA-A317-5B179EA2F347}" dt="2024-03-16T04:30:58.453" v="6035" actId="1035"/>
+          <ac:spMkLst>
+            <pc:docMk/>
+            <pc:sldMk cId="0" sldId="256"/>
+            <ac:spMk id="167" creationId="{00000000-0000-0000-0000-000000000000}"/>
+          </ac:spMkLst>
+        </pc:spChg>
+        <pc:spChg chg="mod">
+          <ac:chgData name="Hariaksha Gunda" userId="c3d5802c32daedcc" providerId="LiveId" clId="{721868BD-F9F7-49CA-A317-5B179EA2F347}" dt="2024-03-16T04:28:43.901" v="5980" actId="1035"/>
           <ac:spMkLst>
             <pc:docMk/>
             <pc:sldMk cId="0" sldId="256"/>
@@ -463,7 +707,7 @@
           </ac:spMkLst>
         </pc:spChg>
         <pc:spChg chg="mod">
-          <ac:chgData name="Hariaksha Gunda" userId="c3d5802c32daedcc" providerId="LiveId" clId="{721868BD-F9F7-49CA-A317-5B179EA2F347}" dt="2024-03-12T04:08:08.204" v="1521" actId="1035"/>
+          <ac:chgData name="Hariaksha Gunda" userId="c3d5802c32daedcc" providerId="LiveId" clId="{721868BD-F9F7-49CA-A317-5B179EA2F347}" dt="2024-03-16T04:28:56.506" v="6003" actId="1035"/>
           <ac:spMkLst>
             <pc:docMk/>
             <pc:sldMk cId="0" sldId="256"/>
@@ -471,7 +715,7 @@
           </ac:spMkLst>
         </pc:spChg>
         <pc:spChg chg="mod">
-          <ac:chgData name="Hariaksha Gunda" userId="c3d5802c32daedcc" providerId="LiveId" clId="{721868BD-F9F7-49CA-A317-5B179EA2F347}" dt="2024-03-12T04:08:08.204" v="1521" actId="1035"/>
+          <ac:chgData name="Hariaksha Gunda" userId="c3d5802c32daedcc" providerId="LiveId" clId="{721868BD-F9F7-49CA-A317-5B179EA2F347}" dt="2024-03-16T04:28:56.506" v="6003" actId="1035"/>
           <ac:spMkLst>
             <pc:docMk/>
             <pc:sldMk cId="0" sldId="256"/>
@@ -479,13 +723,93 @@
           </ac:spMkLst>
         </pc:spChg>
         <pc:spChg chg="mod">
-          <ac:chgData name="Hariaksha Gunda" userId="c3d5802c32daedcc" providerId="LiveId" clId="{721868BD-F9F7-49CA-A317-5B179EA2F347}" dt="2024-03-12T04:08:08.204" v="1521" actId="1035"/>
+          <ac:chgData name="Hariaksha Gunda" userId="c3d5802c32daedcc" providerId="LiveId" clId="{721868BD-F9F7-49CA-A317-5B179EA2F347}" dt="2024-03-16T04:28:56.506" v="6003" actId="1035"/>
           <ac:spMkLst>
             <pc:docMk/>
             <pc:sldMk cId="0" sldId="256"/>
             <ac:spMk id="171" creationId="{00000000-0000-0000-0000-000000000000}"/>
           </ac:spMkLst>
         </pc:spChg>
+        <pc:grpChg chg="mod">
+          <ac:chgData name="Hariaksha Gunda" userId="c3d5802c32daedcc" providerId="LiveId" clId="{721868BD-F9F7-49CA-A317-5B179EA2F347}" dt="2024-03-16T04:03:37.290" v="5060" actId="1076"/>
+          <ac:grpSpMkLst>
+            <pc:docMk/>
+            <pc:sldMk cId="0" sldId="256"/>
+            <ac:grpSpMk id="113" creationId="{00000000-0000-0000-0000-000000000000}"/>
+          </ac:grpSpMkLst>
+        </pc:grpChg>
+        <pc:grpChg chg="del">
+          <ac:chgData name="Hariaksha Gunda" userId="c3d5802c32daedcc" providerId="LiveId" clId="{721868BD-F9F7-49CA-A317-5B179EA2F347}" dt="2024-03-16T03:30:43.835" v="4310" actId="478"/>
+          <ac:grpSpMkLst>
+            <pc:docMk/>
+            <pc:sldMk cId="0" sldId="256"/>
+            <ac:grpSpMk id="139" creationId="{00000000-0000-0000-0000-000000000000}"/>
+          </ac:grpSpMkLst>
+        </pc:grpChg>
+        <pc:graphicFrameChg chg="add del modGraphic">
+          <ac:chgData name="Hariaksha Gunda" userId="c3d5802c32daedcc" providerId="LiveId" clId="{721868BD-F9F7-49CA-A317-5B179EA2F347}" dt="2024-03-16T03:59:57.803" v="4791" actId="478"/>
+          <ac:graphicFrameMkLst>
+            <pc:docMk/>
+            <pc:sldMk cId="0" sldId="256"/>
+            <ac:graphicFrameMk id="9" creationId="{2405037E-E009-971D-F413-6CA4C9BAA3AD}"/>
+          </ac:graphicFrameMkLst>
+        </pc:graphicFrameChg>
+        <pc:graphicFrameChg chg="add del modGraphic">
+          <ac:chgData name="Hariaksha Gunda" userId="c3d5802c32daedcc" providerId="LiveId" clId="{721868BD-F9F7-49CA-A317-5B179EA2F347}" dt="2024-03-16T03:59:56.533" v="4790" actId="478"/>
+          <ac:graphicFrameMkLst>
+            <pc:docMk/>
+            <pc:sldMk cId="0" sldId="256"/>
+            <ac:graphicFrameMk id="10" creationId="{0BEB46EF-7C13-9B4E-53EE-F11F1C418BBE}"/>
+          </ac:graphicFrameMkLst>
+        </pc:graphicFrameChg>
+        <pc:graphicFrameChg chg="add del mod">
+          <ac:chgData name="Hariaksha Gunda" userId="c3d5802c32daedcc" providerId="LiveId" clId="{721868BD-F9F7-49CA-A317-5B179EA2F347}" dt="2024-03-16T03:59:54.868" v="4789" actId="478"/>
+          <ac:graphicFrameMkLst>
+            <pc:docMk/>
+            <pc:sldMk cId="0" sldId="256"/>
+            <ac:graphicFrameMk id="11" creationId="{3EAA4E0A-7778-B328-8090-390157B12A03}"/>
+          </ac:graphicFrameMkLst>
+        </pc:graphicFrameChg>
+        <pc:graphicFrameChg chg="add mod modGraphic">
+          <ac:chgData name="Hariaksha Gunda" userId="c3d5802c32daedcc" providerId="LiveId" clId="{721868BD-F9F7-49CA-A317-5B179EA2F347}" dt="2024-03-16T04:30:58.453" v="6035" actId="1035"/>
+          <ac:graphicFrameMkLst>
+            <pc:docMk/>
+            <pc:sldMk cId="0" sldId="256"/>
+            <ac:graphicFrameMk id="12" creationId="{AE49C644-9D36-EA05-FF38-AF1DBF4787AD}"/>
+          </ac:graphicFrameMkLst>
+        </pc:graphicFrameChg>
+        <pc:graphicFrameChg chg="add mod modGraphic">
+          <ac:chgData name="Hariaksha Gunda" userId="c3d5802c32daedcc" providerId="LiveId" clId="{721868BD-F9F7-49CA-A317-5B179EA2F347}" dt="2024-03-16T04:30:58.453" v="6035" actId="1035"/>
+          <ac:graphicFrameMkLst>
+            <pc:docMk/>
+            <pc:sldMk cId="0" sldId="256"/>
+            <ac:graphicFrameMk id="13" creationId="{D142EB76-012D-6B36-3088-9759EA3E14BD}"/>
+          </ac:graphicFrameMkLst>
+        </pc:graphicFrameChg>
+        <pc:graphicFrameChg chg="add del modGraphic">
+          <ac:chgData name="Hariaksha Gunda" userId="c3d5802c32daedcc" providerId="LiveId" clId="{721868BD-F9F7-49CA-A317-5B179EA2F347}" dt="2024-03-16T04:12:20.811" v="5342" actId="21"/>
+          <ac:graphicFrameMkLst>
+            <pc:docMk/>
+            <pc:sldMk cId="0" sldId="256"/>
+            <ac:graphicFrameMk id="14" creationId="{3FDE91CB-87D9-59F3-1448-9D59A3D89038}"/>
+          </ac:graphicFrameMkLst>
+        </pc:graphicFrameChg>
+        <pc:graphicFrameChg chg="add del">
+          <ac:chgData name="Hariaksha Gunda" userId="c3d5802c32daedcc" providerId="LiveId" clId="{721868BD-F9F7-49CA-A317-5B179EA2F347}" dt="2024-03-16T04:18:03.058" v="5382" actId="478"/>
+          <ac:graphicFrameMkLst>
+            <pc:docMk/>
+            <pc:sldMk cId="0" sldId="256"/>
+            <ac:graphicFrameMk id="16" creationId="{4B9A7692-D74F-F89A-542B-066229E0423E}"/>
+          </ac:graphicFrameMkLst>
+        </pc:graphicFrameChg>
+        <pc:graphicFrameChg chg="add mod modGraphic">
+          <ac:chgData name="Hariaksha Gunda" userId="c3d5802c32daedcc" providerId="LiveId" clId="{721868BD-F9F7-49CA-A317-5B179EA2F347}" dt="2024-03-16T04:30:58.453" v="6035" actId="1035"/>
+          <ac:graphicFrameMkLst>
+            <pc:docMk/>
+            <pc:sldMk cId="0" sldId="256"/>
+            <ac:graphicFrameMk id="17" creationId="{8F14349A-38C7-43F4-7882-3DAFAD7AC63E}"/>
+          </ac:graphicFrameMkLst>
+        </pc:graphicFrameChg>
         <pc:picChg chg="add del mod">
           <ac:chgData name="Hariaksha Gunda" userId="c3d5802c32daedcc" providerId="LiveId" clId="{721868BD-F9F7-49CA-A317-5B179EA2F347}" dt="2024-03-11T04:09:17.803" v="46" actId="478"/>
           <ac:picMkLst>
@@ -495,11 +819,59 @@
           </ac:picMkLst>
         </pc:picChg>
         <pc:picChg chg="add mod">
-          <ac:chgData name="Hariaksha Gunda" userId="c3d5802c32daedcc" providerId="LiveId" clId="{721868BD-F9F7-49CA-A317-5B179EA2F347}" dt="2024-03-11T04:20:24.759" v="142" actId="1076"/>
+          <ac:chgData name="Hariaksha Gunda" userId="c3d5802c32daedcc" providerId="LiveId" clId="{721868BD-F9F7-49CA-A317-5B179EA2F347}" dt="2024-03-16T04:03:37.290" v="5060" actId="1076"/>
           <ac:picMkLst>
             <pc:docMk/>
             <pc:sldMk cId="0" sldId="256"/>
             <ac:picMk id="3" creationId="{0F454FC8-6F81-FA71-B2C1-B7EC7489198F}"/>
+          </ac:picMkLst>
+        </pc:picChg>
+        <pc:picChg chg="add mod">
+          <ac:chgData name="Hariaksha Gunda" userId="c3d5802c32daedcc" providerId="LiveId" clId="{721868BD-F9F7-49CA-A317-5B179EA2F347}" dt="2024-03-16T04:30:36.801" v="6029" actId="1038"/>
+          <ac:picMkLst>
+            <pc:docMk/>
+            <pc:sldMk cId="0" sldId="256"/>
+            <ac:picMk id="4" creationId="{A09FCC25-E2AC-AE9F-2C65-58688AEA1119}"/>
+          </ac:picMkLst>
+        </pc:picChg>
+        <pc:picChg chg="add del mod">
+          <ac:chgData name="Hariaksha Gunda" userId="c3d5802c32daedcc" providerId="LiveId" clId="{721868BD-F9F7-49CA-A317-5B179EA2F347}" dt="2024-03-16T03:36:19.738" v="4443" actId="478"/>
+          <ac:picMkLst>
+            <pc:docMk/>
+            <pc:sldMk cId="0" sldId="256"/>
+            <ac:picMk id="5" creationId="{4514A148-11EE-C2EB-FE99-E0643BDBBCDC}"/>
+          </ac:picMkLst>
+        </pc:picChg>
+        <pc:picChg chg="add mod">
+          <ac:chgData name="Hariaksha Gunda" userId="c3d5802c32daedcc" providerId="LiveId" clId="{721868BD-F9F7-49CA-A317-5B179EA2F347}" dt="2024-03-16T04:30:12.328" v="6007" actId="1038"/>
+          <ac:picMkLst>
+            <pc:docMk/>
+            <pc:sldMk cId="0" sldId="256"/>
+            <ac:picMk id="7" creationId="{FFBDD742-4AF4-BE04-6165-F2C1F2975299}"/>
+          </ac:picMkLst>
+        </pc:picChg>
+        <pc:picChg chg="add del mod">
+          <ac:chgData name="Hariaksha Gunda" userId="c3d5802c32daedcc" providerId="LiveId" clId="{721868BD-F9F7-49CA-A317-5B179EA2F347}" dt="2024-03-16T04:17:14.556" v="5380" actId="478"/>
+          <ac:picMkLst>
+            <pc:docMk/>
+            <pc:sldMk cId="0" sldId="256"/>
+            <ac:picMk id="15" creationId="{53FAF450-5287-D64F-AEE0-956A6D4E6E00}"/>
+          </ac:picMkLst>
+        </pc:picChg>
+        <pc:picChg chg="mod">
+          <ac:chgData name="Hariaksha Gunda" userId="c3d5802c32daedcc" providerId="LiveId" clId="{721868BD-F9F7-49CA-A317-5B179EA2F347}" dt="2024-03-16T04:03:37.290" v="5060" actId="1076"/>
+          <ac:picMkLst>
+            <pc:docMk/>
+            <pc:sldMk cId="0" sldId="256"/>
+            <ac:picMk id="106" creationId="{00000000-0000-0000-0000-000000000000}"/>
+          </ac:picMkLst>
+        </pc:picChg>
+        <pc:picChg chg="mod">
+          <ac:chgData name="Hariaksha Gunda" userId="c3d5802c32daedcc" providerId="LiveId" clId="{721868BD-F9F7-49CA-A317-5B179EA2F347}" dt="2024-03-16T04:03:37.290" v="5060" actId="1076"/>
+          <ac:picMkLst>
+            <pc:docMk/>
+            <pc:sldMk cId="0" sldId="256"/>
+            <ac:picMk id="109" creationId="{00000000-0000-0000-0000-000000000000}"/>
           </ac:picMkLst>
         </pc:picChg>
         <pc:picChg chg="del">
@@ -508,6 +880,14 @@
             <pc:docMk/>
             <pc:sldMk cId="0" sldId="256"/>
             <ac:picMk id="132" creationId="{00000000-0000-0000-0000-000000000000}"/>
+          </ac:picMkLst>
+        </pc:picChg>
+        <pc:picChg chg="del">
+          <ac:chgData name="Hariaksha Gunda" userId="c3d5802c32daedcc" providerId="LiveId" clId="{721868BD-F9F7-49CA-A317-5B179EA2F347}" dt="2024-03-14T17:59:39.527" v="1621" actId="478"/>
+          <ac:picMkLst>
+            <pc:docMk/>
+            <pc:sldMk cId="0" sldId="256"/>
+            <ac:picMk id="138" creationId="{00000000-0000-0000-0000-000000000000}"/>
           </ac:picMkLst>
         </pc:picChg>
       </pc:sldChg>
@@ -11133,7 +11513,7 @@
         </p:nvSpPr>
         <p:spPr>
           <a:xfrm>
-            <a:off x="0" y="0"/>
+            <a:off x="-352999" y="657727"/>
             <a:ext cx="43898476" cy="6225840"/>
           </a:xfrm>
           <a:prstGeom prst="rect">
@@ -11188,7 +11568,7 @@
         </p:nvSpPr>
         <p:spPr>
           <a:xfrm>
-            <a:off x="1404255" y="8102707"/>
+            <a:off x="1051256" y="8891062"/>
             <a:ext cx="9809348" cy="7478930"/>
           </a:xfrm>
           <a:prstGeom prst="rect">
@@ -11310,7 +11690,7 @@
         </p:nvSpPr>
         <p:spPr>
           <a:xfrm>
-            <a:off x="1404255" y="18368720"/>
+            <a:off x="1051256" y="18079390"/>
             <a:ext cx="9809348" cy="7325042"/>
           </a:xfrm>
           <a:prstGeom prst="rect">
@@ -11595,7 +11975,7 @@
                 <a:cs typeface="EB Garamond"/>
                 <a:sym typeface="EB Garamond"/>
               </a:rPr>
-              <a:t>Prior research indicates that mission statement language correlates with economic and organizational performance.</a:t>
+              <a:t>Prior research suggests that mission statement language correlates with economic and organizational performance.</a:t>
             </a:r>
           </a:p>
           <a:p>
@@ -11650,244 +12030,13 @@
       </p:sp>
       <p:sp>
         <p:nvSpPr>
-          <p:cNvPr id="92" name="Google Shape;92;p1"/>
-          <p:cNvSpPr txBox="1"/>
-          <p:nvPr/>
-        </p:nvSpPr>
-        <p:spPr>
-          <a:xfrm>
-            <a:off x="12861250" y="19008291"/>
-            <a:ext cx="9654523" cy="4247317"/>
-          </a:xfrm>
-          <a:prstGeom prst="rect">
-            <a:avLst/>
-          </a:prstGeom>
-          <a:noFill/>
-          <a:ln>
-            <a:noFill/>
-          </a:ln>
-        </p:spPr>
-        <p:txBody>
-          <a:bodyPr spcFirstLastPara="1" wrap="square" lIns="91425" tIns="45700" rIns="91425" bIns="45700" anchor="t" anchorCtr="0">
-            <a:spAutoFit/>
-          </a:bodyPr>
-          <a:lstStyle/>
-          <a:p>
-            <a:pPr marL="0" marR="0" lvl="0" indent="0" algn="ctr" rtl="0">
-              <a:spcBef>
-                <a:spcPts val="0"/>
-              </a:spcBef>
-              <a:spcAft>
-                <a:spcPts val="0"/>
-              </a:spcAft>
-              <a:buNone/>
-            </a:pPr>
-            <a:r>
-              <a:rPr lang="en-US" sz="3000" b="0" i="0" u="none" strike="noStrike" cap="none">
-                <a:solidFill>
-                  <a:schemeClr val="accent6"/>
-                </a:solidFill>
-                <a:latin typeface="EB Garamond"/>
-                <a:ea typeface="EB Garamond"/>
-                <a:cs typeface="EB Garamond"/>
-                <a:sym typeface="EB Garamond"/>
-              </a:rPr>
-              <a:t>RESEARCH QUESTION</a:t>
-            </a:r>
-            <a:endParaRPr/>
-          </a:p>
-          <a:p>
-            <a:pPr marL="0" marR="0" lvl="0" indent="0" algn="just" rtl="0">
-              <a:spcBef>
-                <a:spcPts val="0"/>
-              </a:spcBef>
-              <a:spcAft>
-                <a:spcPts val="0"/>
-              </a:spcAft>
-              <a:buNone/>
-            </a:pPr>
-            <a:r>
-              <a:rPr lang="en-US" sz="3000" b="0" i="0" u="none" strike="noStrike" cap="none">
-                <a:solidFill>
-                  <a:schemeClr val="accent6"/>
-                </a:solidFill>
-                <a:latin typeface="EB Garamond"/>
-                <a:ea typeface="EB Garamond"/>
-                <a:cs typeface="EB Garamond"/>
-                <a:sym typeface="EB Garamond"/>
-              </a:rPr>
-              <a:t>How does a participant’s perception of their opponent’s IQ affect their own choices? </a:t>
-            </a:r>
-            <a:endParaRPr/>
-          </a:p>
-          <a:p>
-            <a:pPr marL="0" marR="0" lvl="0" indent="0" algn="just" rtl="0">
-              <a:spcBef>
-                <a:spcPts val="0"/>
-              </a:spcBef>
-              <a:spcAft>
-                <a:spcPts val="0"/>
-              </a:spcAft>
-              <a:buNone/>
-            </a:pPr>
-            <a:endParaRPr sz="3000" b="0" i="0" u="none" strike="noStrike" cap="none">
-              <a:solidFill>
-                <a:schemeClr val="accent6"/>
-              </a:solidFill>
-              <a:latin typeface="EB Garamond"/>
-              <a:ea typeface="EB Garamond"/>
-              <a:cs typeface="EB Garamond"/>
-              <a:sym typeface="EB Garamond"/>
-            </a:endParaRPr>
-          </a:p>
-          <a:p>
-            <a:pPr marL="457200" marR="0" lvl="0" indent="-457200" algn="just" rtl="0">
-              <a:spcBef>
-                <a:spcPts val="0"/>
-              </a:spcBef>
-              <a:spcAft>
-                <a:spcPts val="0"/>
-              </a:spcAft>
-              <a:buClr>
-                <a:schemeClr val="accent6"/>
-              </a:buClr>
-              <a:buSzPts val="3000"/>
-              <a:buFont typeface="Arial"/>
-              <a:buChar char="•"/>
-            </a:pPr>
-            <a:r>
-              <a:rPr lang="en-US" sz="3000" b="0" i="0" u="none" strike="noStrike" cap="none">
-                <a:solidFill>
-                  <a:schemeClr val="accent6"/>
-                </a:solidFill>
-                <a:latin typeface="EB Garamond"/>
-                <a:ea typeface="EB Garamond"/>
-                <a:cs typeface="EB Garamond"/>
-                <a:sym typeface="EB Garamond"/>
-              </a:rPr>
-              <a:t>TIDE (The Interactive Decision Experiment) Lab</a:t>
-            </a:r>
-            <a:endParaRPr/>
-          </a:p>
-          <a:p>
-            <a:pPr marL="457200" marR="0" lvl="0" indent="-457200" algn="just" rtl="0">
-              <a:spcBef>
-                <a:spcPts val="0"/>
-              </a:spcBef>
-              <a:spcAft>
-                <a:spcPts val="0"/>
-              </a:spcAft>
-              <a:buClr>
-                <a:schemeClr val="accent6"/>
-              </a:buClr>
-              <a:buSzPts val="3000"/>
-              <a:buFont typeface="Arial"/>
-              <a:buChar char="•"/>
-            </a:pPr>
-            <a:r>
-              <a:rPr lang="en-US" sz="3000" b="0" i="0" u="none" strike="noStrike" cap="none">
-                <a:solidFill>
-                  <a:schemeClr val="accent6"/>
-                </a:solidFill>
-                <a:latin typeface="EB Garamond"/>
-                <a:ea typeface="EB Garamond"/>
-                <a:cs typeface="EB Garamond"/>
-                <a:sym typeface="EB Garamond"/>
-              </a:rPr>
-              <a:t>Undergraduates recruited with monetary incentive  </a:t>
-            </a:r>
-            <a:endParaRPr/>
-          </a:p>
-          <a:p>
-            <a:pPr marL="457200" marR="0" lvl="0" indent="-457200" algn="just" rtl="0">
-              <a:spcBef>
-                <a:spcPts val="0"/>
-              </a:spcBef>
-              <a:spcAft>
-                <a:spcPts val="0"/>
-              </a:spcAft>
-              <a:buClr>
-                <a:schemeClr val="accent6"/>
-              </a:buClr>
-              <a:buSzPts val="3000"/>
-              <a:buFont typeface="Arial"/>
-              <a:buChar char="•"/>
-            </a:pPr>
-            <a:r>
-              <a:rPr lang="en-US" sz="3000" b="0" i="0" u="none" strike="noStrike" cap="none">
-                <a:solidFill>
-                  <a:schemeClr val="accent6"/>
-                </a:solidFill>
-                <a:latin typeface="EB Garamond"/>
-                <a:ea typeface="EB Garamond"/>
-                <a:cs typeface="EB Garamond"/>
-                <a:sym typeface="EB Garamond"/>
-              </a:rPr>
-              <a:t>Interact anonymously on computers using z-Tree software</a:t>
-            </a:r>
-            <a:endParaRPr/>
-          </a:p>
-          <a:p>
-            <a:pPr marL="457200" marR="0" lvl="0" indent="-266700" algn="just" rtl="0">
-              <a:spcBef>
-                <a:spcPts val="0"/>
-              </a:spcBef>
-              <a:spcAft>
-                <a:spcPts val="0"/>
-              </a:spcAft>
-              <a:buClr>
-                <a:schemeClr val="dk1"/>
-              </a:buClr>
-              <a:buSzPts val="3000"/>
-              <a:buFont typeface="Arial"/>
-              <a:buNone/>
-            </a:pPr>
-            <a:endParaRPr sz="3000" b="0" i="0" u="none" strike="noStrike" cap="none">
-              <a:solidFill>
-                <a:schemeClr val="accent6"/>
-              </a:solidFill>
-              <a:latin typeface="EB Garamond"/>
-              <a:ea typeface="EB Garamond"/>
-              <a:cs typeface="EB Garamond"/>
-              <a:sym typeface="EB Garamond"/>
-            </a:endParaRPr>
-          </a:p>
-          <a:p>
-            <a:pPr marL="0" marR="0" lvl="0" indent="190500" algn="just" rtl="0">
-              <a:spcBef>
-                <a:spcPts val="0"/>
-              </a:spcBef>
-              <a:spcAft>
-                <a:spcPts val="0"/>
-              </a:spcAft>
-              <a:buClr>
-                <a:schemeClr val="dk1"/>
-              </a:buClr>
-              <a:buSzPts val="3000"/>
-              <a:buFont typeface="Arial"/>
-              <a:buNone/>
-            </a:pPr>
-            <a:endParaRPr sz="3000" b="0" i="0" u="none" strike="noStrike" cap="none">
-              <a:solidFill>
-                <a:schemeClr val="accent6"/>
-              </a:solidFill>
-              <a:latin typeface="EB Garamond"/>
-              <a:ea typeface="EB Garamond"/>
-              <a:cs typeface="EB Garamond"/>
-              <a:sym typeface="EB Garamond"/>
-            </a:endParaRPr>
-          </a:p>
-        </p:txBody>
-      </p:sp>
-      <p:sp>
-        <p:nvSpPr>
           <p:cNvPr id="93" name="Google Shape;93;p1"/>
           <p:cNvSpPr txBox="1"/>
           <p:nvPr/>
         </p:nvSpPr>
         <p:spPr>
           <a:xfrm>
-            <a:off x="6921625" y="-190509"/>
+            <a:off x="6568626" y="467218"/>
             <a:ext cx="184666" cy="1415772"/>
           </a:xfrm>
           <a:prstGeom prst="rect">
@@ -11933,8 +12082,8 @@
         </p:nvSpPr>
         <p:spPr>
           <a:xfrm>
-            <a:off x="33173639" y="21325922"/>
-            <a:ext cx="9885343" cy="4678163"/>
+            <a:off x="32820640" y="22375533"/>
+            <a:ext cx="9885343" cy="3754834"/>
           </a:xfrm>
           <a:prstGeom prst="rect">
             <a:avLst/>
@@ -11998,7 +12147,7 @@
                 <a:cs typeface="EB Garamond"/>
                 <a:sym typeface="EB Garamond"/>
               </a:rPr>
-              <a:t>Generate data from the United Kingdom, Australia, and Canada</a:t>
+              <a:t>Generate and process data from the United Kingdom, Australia, and Canada.</a:t>
             </a:r>
             <a:endParaRPr dirty="0"/>
           </a:p>
@@ -12027,36 +12176,7 @@
                 <a:cs typeface="EB Garamond"/>
                 <a:sym typeface="EB Garamond"/>
               </a:rPr>
-              <a:t>Create computational linguistic measurement of "self VS other" language and assign respective value to each mission statement. </a:t>
-            </a:r>
-            <a:endParaRPr dirty="0"/>
-          </a:p>
-          <a:p>
-            <a:pPr marL="457200" marR="0" lvl="0" indent="-457200" algn="just" rtl="0">
-              <a:spcBef>
-                <a:spcPts val="0"/>
-              </a:spcBef>
-              <a:spcAft>
-                <a:spcPts val="0"/>
-              </a:spcAft>
-              <a:buClr>
-                <a:schemeClr val="accent6"/>
-              </a:buClr>
-              <a:buSzPts val="3000"/>
-              <a:buFont typeface="Arial"/>
-              <a:buChar char="•"/>
-            </a:pPr>
-            <a:r>
-              <a:rPr lang="en-US" sz="3000" dirty="0">
-                <a:solidFill>
-                  <a:schemeClr val="accent6"/>
-                </a:solidFill>
-                <a:latin typeface="EB Garamond"/>
-                <a:ea typeface="EB Garamond"/>
-                <a:cs typeface="EB Garamond"/>
-                <a:sym typeface="EB Garamond"/>
-              </a:rPr>
-              <a:t>Analyze the data and note important patterns.</a:t>
+              <a:t>Analyze the data for linguistic features and trends.</a:t>
             </a:r>
           </a:p>
           <a:p>
@@ -12159,8 +12279,8 @@
         </p:nvSpPr>
         <p:spPr>
           <a:xfrm>
-            <a:off x="7527894" y="438710"/>
-            <a:ext cx="29686200" cy="5632271"/>
+            <a:off x="7013892" y="965916"/>
+            <a:ext cx="28948613" cy="5816937"/>
           </a:xfrm>
           <a:prstGeom prst="rect">
             <a:avLst/>
@@ -12186,7 +12306,7 @@
               <a:buNone/>
             </a:pPr>
             <a:r>
-              <a:rPr lang="en-US" sz="9000" b="1" dirty="0">
+              <a:rPr lang="en-US" sz="8400" b="1" dirty="0">
                 <a:solidFill>
                   <a:schemeClr val="lt1"/>
                 </a:solidFill>
@@ -12195,32 +12315,8 @@
                 <a:cs typeface="Helvetica Neue"/>
                 <a:sym typeface="Helvetica Neue"/>
               </a:rPr>
-              <a:t>Natural Language Processing on Mission Statements of Tax-Exempt Organizations </a:t>
+              <a:t>The Impact of Linguistic Features on Revenues using Natural Language Processing on Mission Statements of Tax-Exempt Organizations </a:t>
             </a:r>
-          </a:p>
-          <a:p>
-            <a:pPr marL="0" marR="0" lvl="0" indent="0" algn="ctr" rtl="0">
-              <a:spcBef>
-                <a:spcPts val="0"/>
-              </a:spcBef>
-              <a:spcAft>
-                <a:spcPts val="0"/>
-              </a:spcAft>
-              <a:buNone/>
-            </a:pPr>
-            <a:r>
-              <a:rPr lang="en-US" sz="7200" b="1" dirty="0">
-                <a:solidFill>
-                  <a:schemeClr val="lt1"/>
-                </a:solidFill>
-                <a:latin typeface="Helvetica Neue"/>
-                <a:ea typeface="Helvetica Neue"/>
-                <a:cs typeface="Helvetica Neue"/>
-                <a:sym typeface="Helvetica Neue"/>
-              </a:rPr>
-              <a:t>Hariaksha Gunda</a:t>
-            </a:r>
-            <a:endParaRPr dirty="0"/>
           </a:p>
           <a:p>
             <a:pPr marL="0" marR="0" lvl="0" indent="0" algn="ctr" rtl="0">
@@ -12242,9 +12338,9 @@
                 <a:cs typeface="Helvetica Neue"/>
                 <a:sym typeface="Helvetica Neue"/>
               </a:rPr>
-              <a:t>Advisor: Dr. Michael Price</a:t>
+              <a:t>Hariaksha Gunda*, Dr. Michael Price</a:t>
             </a:r>
-            <a:endParaRPr dirty="0"/>
+            <a:endParaRPr lang="en-US" sz="6000" dirty="0"/>
           </a:p>
           <a:p>
             <a:pPr marL="0" marR="0" lvl="0" indent="0" algn="ctr" rtl="0">
@@ -12288,7 +12384,7 @@
         </p:nvSpPr>
         <p:spPr>
           <a:xfrm>
-            <a:off x="1214776" y="6949348"/>
+            <a:off x="861777" y="7607075"/>
             <a:ext cx="10241280" cy="914400"/>
           </a:xfrm>
           <a:prstGeom prst="rect">
@@ -12343,7 +12439,7 @@
         </p:nvSpPr>
         <p:spPr>
           <a:xfrm>
-            <a:off x="1714839" y="7008086"/>
+            <a:off x="1361840" y="7665813"/>
             <a:ext cx="9083675" cy="769937"/>
           </a:xfrm>
           <a:prstGeom prst="rect">
@@ -12400,7 +12496,7 @@
         </p:nvSpPr>
         <p:spPr>
           <a:xfrm>
-            <a:off x="1214776" y="17215783"/>
+            <a:off x="861777" y="16926453"/>
             <a:ext cx="10241280" cy="914400"/>
           </a:xfrm>
           <a:prstGeom prst="rect">
@@ -12455,7 +12551,7 @@
         </p:nvSpPr>
         <p:spPr>
           <a:xfrm>
-            <a:off x="1714839" y="17243523"/>
+            <a:off x="1361840" y="16954193"/>
             <a:ext cx="9083675" cy="769938"/>
           </a:xfrm>
           <a:prstGeom prst="rect">
@@ -12512,7 +12608,7 @@
         </p:nvSpPr>
         <p:spPr>
           <a:xfrm>
-            <a:off x="12390120" y="6949347"/>
+            <a:off x="12037121" y="7607074"/>
             <a:ext cx="19522440" cy="914400"/>
           </a:xfrm>
           <a:prstGeom prst="rect">
@@ -12567,7 +12663,7 @@
         </p:nvSpPr>
         <p:spPr>
           <a:xfrm>
-            <a:off x="12907900" y="7006177"/>
+            <a:off x="12554901" y="7663904"/>
             <a:ext cx="18355683" cy="769442"/>
           </a:xfrm>
           <a:prstGeom prst="rect">
@@ -12624,7 +12720,7 @@
         </p:nvSpPr>
         <p:spPr>
           <a:xfrm>
-            <a:off x="32966170" y="6949348"/>
+            <a:off x="32613171" y="7607075"/>
             <a:ext cx="10241280" cy="914400"/>
           </a:xfrm>
           <a:prstGeom prst="rect">
@@ -12679,7 +12775,7 @@
         </p:nvSpPr>
         <p:spPr>
           <a:xfrm>
-            <a:off x="33649113" y="7008085"/>
+            <a:off x="33296114" y="7665812"/>
             <a:ext cx="9083675" cy="769938"/>
           </a:xfrm>
           <a:prstGeom prst="rect">
@@ -12713,7 +12809,7 @@
               <a:buNone/>
             </a:pPr>
             <a:r>
-              <a:rPr lang="en-US" sz="4400">
+              <a:rPr lang="en-US" sz="4400" dirty="0">
                 <a:solidFill>
                   <a:schemeClr val="lt1"/>
                 </a:solidFill>
@@ -12722,9 +12818,9 @@
                 <a:cs typeface="Verdana"/>
                 <a:sym typeface="Verdana"/>
               </a:rPr>
-              <a:t>MOTIVE ELICITATION</a:t>
+              <a:t>FORMULAS</a:t>
             </a:r>
-            <a:endParaRPr/>
+            <a:endParaRPr dirty="0"/>
           </a:p>
         </p:txBody>
       </p:sp>
@@ -12736,7 +12832,7 @@
         </p:nvSpPr>
         <p:spPr>
           <a:xfrm>
-            <a:off x="32966170" y="20069554"/>
+            <a:off x="32613171" y="21119165"/>
             <a:ext cx="10241280" cy="914400"/>
           </a:xfrm>
           <a:prstGeom prst="rect">
@@ -12791,7 +12887,7 @@
         </p:nvSpPr>
         <p:spPr>
           <a:xfrm>
-            <a:off x="33312727" y="20133483"/>
+            <a:off x="32959728" y="21183094"/>
             <a:ext cx="9607873" cy="769441"/>
           </a:xfrm>
           <a:prstGeom prst="rect">
@@ -12855,7 +12951,7 @@
         </p:blipFill>
         <p:spPr>
           <a:xfrm>
-            <a:off x="34116622" y="4692303"/>
+            <a:off x="33763623" y="5350030"/>
             <a:ext cx="9085603" cy="472535"/>
           </a:xfrm>
           <a:prstGeom prst="rect">
@@ -12875,7 +12971,7 @@
         </p:nvSpPr>
         <p:spPr>
           <a:xfrm>
-            <a:off x="32965707" y="26188469"/>
+            <a:off x="32612708" y="26095085"/>
             <a:ext cx="10241280" cy="914400"/>
           </a:xfrm>
           <a:prstGeom prst="rect">
@@ -12930,7 +13026,7 @@
         </p:nvSpPr>
         <p:spPr>
           <a:xfrm>
-            <a:off x="32966171" y="26091631"/>
+            <a:off x="32613172" y="25998247"/>
             <a:ext cx="10236053" cy="914400"/>
           </a:xfrm>
           <a:prstGeom prst="rect">
@@ -12989,7 +13085,7 @@
         </p:blipFill>
         <p:spPr>
           <a:xfrm>
-            <a:off x="20034498" y="27908715"/>
+            <a:off x="19681499" y="13047042"/>
             <a:ext cx="2981934" cy="1375884"/>
           </a:xfrm>
           <a:prstGeom prst="rect">
@@ -13001,134 +13097,755 @@
           </a:ln>
         </p:spPr>
       </p:pic>
-      <p:sp>
-        <p:nvSpPr>
-          <p:cNvPr id="110" name="Google Shape;110;p1"/>
-          <p:cNvSpPr/>
-          <p:nvPr/>
-        </p:nvSpPr>
-        <p:spPr>
-          <a:xfrm>
-            <a:off x="33149052" y="8190286"/>
-            <a:ext cx="9502898" cy="5478423"/>
-          </a:xfrm>
-          <a:prstGeom prst="rect">
-            <a:avLst/>
-          </a:prstGeom>
-          <a:noFill/>
-          <a:ln>
-            <a:noFill/>
-          </a:ln>
-        </p:spPr>
-        <p:txBody>
-          <a:bodyPr spcFirstLastPara="1" wrap="square" lIns="91425" tIns="45700" rIns="91425" bIns="45700" anchor="t" anchorCtr="0">
-            <a:spAutoFit/>
-          </a:bodyPr>
-          <a:lstStyle/>
-          <a:p>
-            <a:pPr marL="0" marR="0" lvl="0" indent="0" algn="just" rtl="0">
-              <a:spcBef>
-                <a:spcPts val="0"/>
-              </a:spcBef>
-              <a:spcAft>
-                <a:spcPts val="0"/>
-              </a:spcAft>
-              <a:buNone/>
-            </a:pPr>
-            <a:r>
-              <a:rPr lang="en-US" sz="3000">
-                <a:solidFill>
-                  <a:schemeClr val="accent6"/>
-                </a:solidFill>
-                <a:latin typeface="EB Garamond"/>
-                <a:ea typeface="EB Garamond"/>
-                <a:cs typeface="EB Garamond"/>
-                <a:sym typeface="EB Garamond"/>
-              </a:rPr>
-              <a:t>Eliciting individual's true motivations is a significant challenge  in game theory research as isolating individual motivations and traits is difficult from a single experiment. Our research takes several approaches to elicit participant’s true motivations:</a:t>
-            </a:r>
-            <a:endParaRPr/>
-          </a:p>
-          <a:p>
-            <a:pPr marL="457200" marR="0" lvl="0" indent="-457200" algn="just" rtl="0">
-              <a:spcBef>
-                <a:spcPts val="1200"/>
-              </a:spcBef>
-              <a:spcAft>
-                <a:spcPts val="0"/>
-              </a:spcAft>
-              <a:buClr>
-                <a:schemeClr val="accent6"/>
-              </a:buClr>
-              <a:buSzPts val="3000"/>
-              <a:buFont typeface="Arial"/>
-              <a:buChar char="•"/>
-            </a:pPr>
-            <a:r>
-              <a:rPr lang="en-US" sz="3000">
-                <a:solidFill>
-                  <a:schemeClr val="accent6"/>
-                </a:solidFill>
-                <a:latin typeface="EB Garamond"/>
-                <a:ea typeface="EB Garamond"/>
-                <a:cs typeface="EB Garamond"/>
-                <a:sym typeface="EB Garamond"/>
-              </a:rPr>
-              <a:t>Using 2 variant centipede game conditions to control for and isolate several contributing motivations</a:t>
-            </a:r>
-            <a:endParaRPr/>
-          </a:p>
-          <a:p>
-            <a:pPr marL="457200" marR="0" lvl="0" indent="-457200" algn="just" rtl="0">
-              <a:spcBef>
-                <a:spcPts val="1200"/>
-              </a:spcBef>
-              <a:spcAft>
-                <a:spcPts val="0"/>
-              </a:spcAft>
-              <a:buClr>
-                <a:schemeClr val="accent6"/>
-              </a:buClr>
-              <a:buSzPts val="3000"/>
-              <a:buFont typeface="Arial"/>
-              <a:buChar char="•"/>
-            </a:pPr>
-            <a:r>
-              <a:rPr lang="en-US" sz="3000">
-                <a:solidFill>
-                  <a:schemeClr val="accent6"/>
-                </a:solidFill>
-                <a:latin typeface="EB Garamond"/>
-                <a:ea typeface="EB Garamond"/>
-                <a:cs typeface="EB Garamond"/>
-                <a:sym typeface="EB Garamond"/>
-              </a:rPr>
-              <a:t>Incorporating a qualitative aspect by directly asking participants their thought processes instead of only extrapolating from quantitative results.   </a:t>
-            </a:r>
-            <a:endParaRPr/>
-          </a:p>
-          <a:p>
-            <a:pPr marL="0" marR="0" lvl="0" indent="0" algn="just" rtl="0">
-              <a:spcBef>
-                <a:spcPts val="0"/>
-              </a:spcBef>
-              <a:spcAft>
-                <a:spcPts val="0"/>
-              </a:spcAft>
-              <a:buNone/>
-            </a:pPr>
-            <a:endParaRPr sz="3000">
-              <a:solidFill>
-                <a:schemeClr val="accent6"/>
-              </a:solidFill>
-              <a:latin typeface="EB Garamond"/>
-              <a:ea typeface="EB Garamond"/>
-              <a:cs typeface="EB Garamond"/>
-              <a:sym typeface="EB Garamond"/>
-            </a:endParaRPr>
-          </a:p>
-        </p:txBody>
-      </p:sp>
+      <mc:AlternateContent xmlns:mc="http://schemas.openxmlformats.org/markup-compatibility/2006">
+        <mc:Choice xmlns:a14="http://schemas.microsoft.com/office/drawing/2010/main" Requires="a14">
+          <p:sp>
+            <p:nvSpPr>
+              <p:cNvPr id="110" name="Google Shape;110;p1"/>
+              <p:cNvSpPr/>
+              <p:nvPr/>
+            </p:nvSpPr>
+            <p:spPr>
+              <a:xfrm>
+                <a:off x="32796053" y="8848013"/>
+                <a:ext cx="9502898" cy="5770963"/>
+              </a:xfrm>
+              <a:prstGeom prst="rect">
+                <a:avLst/>
+              </a:prstGeom>
+              <a:noFill/>
+              <a:ln>
+                <a:noFill/>
+              </a:ln>
+            </p:spPr>
+            <p:txBody>
+              <a:bodyPr spcFirstLastPara="1" wrap="square" lIns="91425" tIns="45700" rIns="91425" bIns="45700" anchor="t" anchorCtr="0">
+                <a:spAutoFit/>
+              </a:bodyPr>
+              <a:lstStyle/>
+              <a:p>
+                <a:pPr marL="0" marR="0" lvl="0" indent="0" algn="just" rtl="0">
+                  <a:spcBef>
+                    <a:spcPts val="0"/>
+                  </a:spcBef>
+                  <a:spcAft>
+                    <a:spcPts val="0"/>
+                  </a:spcAft>
+                  <a:buNone/>
+                </a:pPr>
+                <a:r>
+                  <a:rPr lang="en-US" sz="3000" b="1" dirty="0">
+                    <a:solidFill>
+                      <a:schemeClr val="accent6"/>
+                    </a:solidFill>
+                    <a:latin typeface="EB Garamond"/>
+                    <a:ea typeface="EB Garamond"/>
+                    <a:cs typeface="EB Garamond"/>
+                    <a:sym typeface="EB Garamond"/>
+                  </a:rPr>
+                  <a:t>Flesch Reading Ease Score:</a:t>
+                </a:r>
+              </a:p>
+              <a:p>
+                <a:pPr marL="0" marR="0" lvl="0" indent="0" algn="just" rtl="0">
+                  <a:spcBef>
+                    <a:spcPts val="0"/>
+                  </a:spcBef>
+                  <a:spcAft>
+                    <a:spcPts val="0"/>
+                  </a:spcAft>
+                  <a:buNone/>
+                </a:pPr>
+                <a:endParaRPr lang="en-US" sz="3000" dirty="0">
+                  <a:solidFill>
+                    <a:schemeClr val="accent6"/>
+                  </a:solidFill>
+                  <a:latin typeface="EB Garamond"/>
+                  <a:ea typeface="EB Garamond"/>
+                  <a:cs typeface="EB Garamond"/>
+                  <a:sym typeface="EB Garamond"/>
+                </a:endParaRPr>
+              </a:p>
+              <a:p>
+                <a:pPr lvl="0" algn="just"/>
+                <a14:m>
+                  <m:oMathPara xmlns:m="http://schemas.openxmlformats.org/officeDocument/2006/math">
+                    <m:oMathParaPr>
+                      <m:jc m:val="centerGroup"/>
+                    </m:oMathParaPr>
+                    <m:oMath xmlns:m="http://schemas.openxmlformats.org/officeDocument/2006/math">
+                      <m:r>
+                        <a:rPr lang="en-US" sz="3000" b="0" i="1" smtClean="0">
+                          <a:solidFill>
+                            <a:schemeClr val="accent6"/>
+                          </a:solidFill>
+                          <a:latin typeface="Cambria Math" panose="02040503050406030204" pitchFamily="18" charset="0"/>
+                          <a:ea typeface="EB Garamond"/>
+                          <a:cs typeface="EB Garamond"/>
+                          <a:sym typeface="EB Garamond"/>
+                        </a:rPr>
+                        <m:t>𝑆𝑐𝑜𝑟𝑒</m:t>
+                      </m:r>
+                      <m:r>
+                        <a:rPr lang="en-US" sz="3000" b="0" i="1" smtClean="0">
+                          <a:solidFill>
+                            <a:schemeClr val="accent6"/>
+                          </a:solidFill>
+                          <a:latin typeface="Cambria Math" panose="02040503050406030204" pitchFamily="18" charset="0"/>
+                          <a:ea typeface="EB Garamond"/>
+                          <a:cs typeface="EB Garamond"/>
+                          <a:sym typeface="EB Garamond"/>
+                        </a:rPr>
+                        <m:t>=1.015</m:t>
+                      </m:r>
+                      <m:d>
+                        <m:dPr>
+                          <m:ctrlPr>
+                            <a:rPr lang="en-US" sz="3000" b="0" i="1" smtClean="0">
+                              <a:solidFill>
+                                <a:schemeClr val="accent6"/>
+                              </a:solidFill>
+                              <a:latin typeface="Cambria Math" panose="02040503050406030204" pitchFamily="18" charset="0"/>
+                              <a:ea typeface="EB Garamond"/>
+                              <a:cs typeface="EB Garamond"/>
+                              <a:sym typeface="EB Garamond"/>
+                            </a:rPr>
+                          </m:ctrlPr>
+                        </m:dPr>
+                        <m:e>
+                          <m:f>
+                            <m:fPr>
+                              <m:ctrlPr>
+                                <a:rPr lang="en-US" sz="3000" b="0" i="1" smtClean="0">
+                                  <a:solidFill>
+                                    <a:schemeClr val="accent6"/>
+                                  </a:solidFill>
+                                  <a:latin typeface="Cambria Math" panose="02040503050406030204" pitchFamily="18" charset="0"/>
+                                  <a:ea typeface="EB Garamond"/>
+                                  <a:cs typeface="EB Garamond"/>
+                                  <a:sym typeface="EB Garamond"/>
+                                </a:rPr>
+                              </m:ctrlPr>
+                            </m:fPr>
+                            <m:num>
+                              <m:r>
+                                <a:rPr lang="en-US" sz="3000" b="0" i="1" smtClean="0">
+                                  <a:solidFill>
+                                    <a:schemeClr val="accent6"/>
+                                  </a:solidFill>
+                                  <a:latin typeface="Cambria Math" panose="02040503050406030204" pitchFamily="18" charset="0"/>
+                                  <a:ea typeface="EB Garamond"/>
+                                  <a:cs typeface="EB Garamond"/>
+                                  <a:sym typeface="EB Garamond"/>
+                                </a:rPr>
+                                <m:t>𝑡𝑜𝑡𝑎𝑙</m:t>
+                              </m:r>
+                              <m:r>
+                                <a:rPr lang="en-US" sz="3000" b="0" i="1" smtClean="0">
+                                  <a:solidFill>
+                                    <a:schemeClr val="accent6"/>
+                                  </a:solidFill>
+                                  <a:latin typeface="Cambria Math" panose="02040503050406030204" pitchFamily="18" charset="0"/>
+                                  <a:ea typeface="EB Garamond"/>
+                                  <a:cs typeface="EB Garamond"/>
+                                  <a:sym typeface="EB Garamond"/>
+                                </a:rPr>
+                                <m:t> </m:t>
+                              </m:r>
+                              <m:r>
+                                <a:rPr lang="en-US" sz="3000" b="0" i="1" smtClean="0">
+                                  <a:solidFill>
+                                    <a:schemeClr val="accent6"/>
+                                  </a:solidFill>
+                                  <a:latin typeface="Cambria Math" panose="02040503050406030204" pitchFamily="18" charset="0"/>
+                                  <a:ea typeface="EB Garamond"/>
+                                  <a:cs typeface="EB Garamond"/>
+                                  <a:sym typeface="EB Garamond"/>
+                                </a:rPr>
+                                <m:t>𝑤𝑜𝑟𝑑𝑠</m:t>
+                              </m:r>
+                            </m:num>
+                            <m:den>
+                              <m:r>
+                                <a:rPr lang="en-US" sz="3000" b="0" i="1" smtClean="0">
+                                  <a:solidFill>
+                                    <a:schemeClr val="accent6"/>
+                                  </a:solidFill>
+                                  <a:latin typeface="Cambria Math" panose="02040503050406030204" pitchFamily="18" charset="0"/>
+                                  <a:ea typeface="EB Garamond"/>
+                                  <a:cs typeface="EB Garamond"/>
+                                  <a:sym typeface="EB Garamond"/>
+                                </a:rPr>
+                                <m:t>𝑡𝑜𝑡𝑎𝑙</m:t>
+                              </m:r>
+                              <m:r>
+                                <a:rPr lang="en-US" sz="3000" b="0" i="1" smtClean="0">
+                                  <a:solidFill>
+                                    <a:schemeClr val="accent6"/>
+                                  </a:solidFill>
+                                  <a:latin typeface="Cambria Math" panose="02040503050406030204" pitchFamily="18" charset="0"/>
+                                  <a:ea typeface="EB Garamond"/>
+                                  <a:cs typeface="EB Garamond"/>
+                                  <a:sym typeface="EB Garamond"/>
+                                </a:rPr>
+                                <m:t> </m:t>
+                              </m:r>
+                              <m:r>
+                                <a:rPr lang="en-US" sz="3000" b="0" i="1" smtClean="0">
+                                  <a:solidFill>
+                                    <a:schemeClr val="accent6"/>
+                                  </a:solidFill>
+                                  <a:latin typeface="Cambria Math" panose="02040503050406030204" pitchFamily="18" charset="0"/>
+                                  <a:ea typeface="EB Garamond"/>
+                                  <a:cs typeface="EB Garamond"/>
+                                  <a:sym typeface="EB Garamond"/>
+                                </a:rPr>
+                                <m:t>𝑠𝑒𝑛𝑡𝑒𝑛𝑐𝑒𝑠</m:t>
+                              </m:r>
+                            </m:den>
+                          </m:f>
+                        </m:e>
+                      </m:d>
+                      <m:r>
+                        <a:rPr lang="en-US" sz="3000" b="0" i="1" smtClean="0">
+                          <a:solidFill>
+                            <a:schemeClr val="accent6"/>
+                          </a:solidFill>
+                          <a:latin typeface="Cambria Math" panose="02040503050406030204" pitchFamily="18" charset="0"/>
+                          <a:ea typeface="EB Garamond"/>
+                          <a:cs typeface="EB Garamond"/>
+                          <a:sym typeface="EB Garamond"/>
+                        </a:rPr>
+                        <m:t>−84.6(</m:t>
+                      </m:r>
+                      <m:f>
+                        <m:fPr>
+                          <m:ctrlPr>
+                            <a:rPr lang="en-US" sz="3000" b="0" i="1" smtClean="0">
+                              <a:solidFill>
+                                <a:schemeClr val="accent6"/>
+                              </a:solidFill>
+                              <a:latin typeface="Cambria Math" panose="02040503050406030204" pitchFamily="18" charset="0"/>
+                              <a:ea typeface="EB Garamond"/>
+                              <a:cs typeface="EB Garamond"/>
+                              <a:sym typeface="EB Garamond"/>
+                            </a:rPr>
+                          </m:ctrlPr>
+                        </m:fPr>
+                        <m:num>
+                          <m:r>
+                            <a:rPr lang="en-US" sz="3000" i="1">
+                              <a:solidFill>
+                                <a:schemeClr val="accent6"/>
+                              </a:solidFill>
+                              <a:latin typeface="Cambria Math" panose="02040503050406030204" pitchFamily="18" charset="0"/>
+                              <a:ea typeface="EB Garamond"/>
+                              <a:cs typeface="EB Garamond"/>
+                              <a:sym typeface="EB Garamond"/>
+                            </a:rPr>
+                            <m:t>𝑡𝑜𝑡𝑎𝑙</m:t>
+                          </m:r>
+                          <m:r>
+                            <a:rPr lang="en-US" sz="3000" b="0" i="1" smtClean="0">
+                              <a:solidFill>
+                                <a:schemeClr val="accent6"/>
+                              </a:solidFill>
+                              <a:latin typeface="Cambria Math" panose="02040503050406030204" pitchFamily="18" charset="0"/>
+                              <a:ea typeface="EB Garamond"/>
+                              <a:cs typeface="EB Garamond"/>
+                              <a:sym typeface="EB Garamond"/>
+                            </a:rPr>
+                            <m:t> </m:t>
+                          </m:r>
+                          <m:r>
+                            <a:rPr lang="en-US" sz="3000" b="0" i="1" smtClean="0">
+                              <a:solidFill>
+                                <a:schemeClr val="accent6"/>
+                              </a:solidFill>
+                              <a:latin typeface="Cambria Math" panose="02040503050406030204" pitchFamily="18" charset="0"/>
+                              <a:ea typeface="EB Garamond"/>
+                              <a:cs typeface="EB Garamond"/>
+                              <a:sym typeface="EB Garamond"/>
+                            </a:rPr>
+                            <m:t>𝑠𝑦𝑙𝑙𝑎𝑏𝑙𝑒𝑠</m:t>
+                          </m:r>
+                        </m:num>
+                        <m:den>
+                          <m:r>
+                            <a:rPr lang="en-US" sz="3000" b="0" i="1" smtClean="0">
+                              <a:solidFill>
+                                <a:schemeClr val="accent6"/>
+                              </a:solidFill>
+                              <a:latin typeface="Cambria Math" panose="02040503050406030204" pitchFamily="18" charset="0"/>
+                              <a:ea typeface="EB Garamond"/>
+                              <a:cs typeface="EB Garamond"/>
+                              <a:sym typeface="EB Garamond"/>
+                            </a:rPr>
+                            <m:t>𝑡𝑜𝑡𝑎𝑙</m:t>
+                          </m:r>
+                          <m:r>
+                            <a:rPr lang="en-US" sz="3000" b="0" i="1" smtClean="0">
+                              <a:solidFill>
+                                <a:schemeClr val="accent6"/>
+                              </a:solidFill>
+                              <a:latin typeface="Cambria Math" panose="02040503050406030204" pitchFamily="18" charset="0"/>
+                              <a:ea typeface="EB Garamond"/>
+                              <a:cs typeface="EB Garamond"/>
+                              <a:sym typeface="EB Garamond"/>
+                            </a:rPr>
+                            <m:t> </m:t>
+                          </m:r>
+                          <m:r>
+                            <a:rPr lang="en-US" sz="3000" b="0" i="1" smtClean="0">
+                              <a:solidFill>
+                                <a:schemeClr val="accent6"/>
+                              </a:solidFill>
+                              <a:latin typeface="Cambria Math" panose="02040503050406030204" pitchFamily="18" charset="0"/>
+                              <a:ea typeface="EB Garamond"/>
+                              <a:cs typeface="EB Garamond"/>
+                              <a:sym typeface="EB Garamond"/>
+                            </a:rPr>
+                            <m:t>𝑤𝑜𝑟𝑑𝑠</m:t>
+                          </m:r>
+                        </m:den>
+                      </m:f>
+                      <m:r>
+                        <a:rPr lang="en-US" sz="3000" b="0" i="1" smtClean="0">
+                          <a:solidFill>
+                            <a:schemeClr val="accent6"/>
+                          </a:solidFill>
+                          <a:latin typeface="Cambria Math" panose="02040503050406030204" pitchFamily="18" charset="0"/>
+                          <a:ea typeface="EB Garamond"/>
+                          <a:cs typeface="EB Garamond"/>
+                          <a:sym typeface="EB Garamond"/>
+                        </a:rPr>
+                        <m:t>)</m:t>
+                      </m:r>
+                    </m:oMath>
+                  </m:oMathPara>
+                </a14:m>
+                <a:endParaRPr lang="en-US" sz="3000" dirty="0">
+                  <a:solidFill>
+                    <a:schemeClr val="accent6"/>
+                  </a:solidFill>
+                  <a:latin typeface="EB Garamond"/>
+                  <a:ea typeface="EB Garamond"/>
+                  <a:cs typeface="EB Garamond"/>
+                  <a:sym typeface="EB Garamond"/>
+                </a:endParaRPr>
+              </a:p>
+              <a:p>
+                <a:pPr lvl="0" algn="just"/>
+                <a:endParaRPr lang="en-US" sz="3000" dirty="0">
+                  <a:solidFill>
+                    <a:schemeClr val="accent6"/>
+                  </a:solidFill>
+                  <a:latin typeface="EB Garamond"/>
+                  <a:ea typeface="EB Garamond"/>
+                  <a:cs typeface="EB Garamond"/>
+                  <a:sym typeface="EB Garamond"/>
+                </a:endParaRPr>
+              </a:p>
+              <a:p>
+                <a:pPr lvl="0" algn="just"/>
+                <a:r>
+                  <a:rPr lang="en-US" sz="3000" b="1" dirty="0">
+                    <a:solidFill>
+                      <a:schemeClr val="accent6"/>
+                    </a:solidFill>
+                    <a:latin typeface="EB Garamond"/>
+                    <a:ea typeface="EB Garamond"/>
+                    <a:cs typeface="EB Garamond"/>
+                    <a:sym typeface="EB Garamond"/>
+                  </a:rPr>
+                  <a:t>Hapax Richness Score:</a:t>
+                </a:r>
+              </a:p>
+              <a:p>
+                <a:pPr lvl="0" algn="just"/>
+                <a:endParaRPr lang="en-US" sz="3000" b="1" dirty="0">
+                  <a:solidFill>
+                    <a:schemeClr val="accent6"/>
+                  </a:solidFill>
+                  <a:latin typeface="EB Garamond"/>
+                  <a:ea typeface="EB Garamond"/>
+                  <a:cs typeface="EB Garamond"/>
+                  <a:sym typeface="EB Garamond"/>
+                </a:endParaRPr>
+              </a:p>
+              <a:p>
+                <a:pPr lvl="0" algn="just"/>
+                <a14:m>
+                  <m:oMathPara xmlns:m="http://schemas.openxmlformats.org/officeDocument/2006/math">
+                    <m:oMathParaPr>
+                      <m:jc m:val="centerGroup"/>
+                    </m:oMathParaPr>
+                    <m:oMath xmlns:m="http://schemas.openxmlformats.org/officeDocument/2006/math">
+                      <m:r>
+                        <a:rPr lang="en-US" sz="3000" b="0" i="1" smtClean="0">
+                          <a:solidFill>
+                            <a:schemeClr val="accent6"/>
+                          </a:solidFill>
+                          <a:latin typeface="Cambria Math" panose="02040503050406030204" pitchFamily="18" charset="0"/>
+                          <a:ea typeface="EB Garamond"/>
+                          <a:cs typeface="EB Garamond"/>
+                          <a:sym typeface="EB Garamond"/>
+                        </a:rPr>
+                        <m:t>𝑆𝑐𝑜𝑟𝑒</m:t>
+                      </m:r>
+                      <m:r>
+                        <a:rPr lang="en-US" sz="3000" b="0" i="1" smtClean="0">
+                          <a:solidFill>
+                            <a:schemeClr val="accent6"/>
+                          </a:solidFill>
+                          <a:latin typeface="Cambria Math" panose="02040503050406030204" pitchFamily="18" charset="0"/>
+                          <a:ea typeface="EB Garamond"/>
+                          <a:cs typeface="EB Garamond"/>
+                          <a:sym typeface="EB Garamond"/>
+                        </a:rPr>
+                        <m:t>=</m:t>
+                      </m:r>
+                      <m:f>
+                        <m:fPr>
+                          <m:ctrlPr>
+                            <a:rPr lang="en-US" sz="3000" b="0" i="1" smtClean="0">
+                              <a:solidFill>
+                                <a:schemeClr val="accent6"/>
+                              </a:solidFill>
+                              <a:latin typeface="Cambria Math" panose="02040503050406030204" pitchFamily="18" charset="0"/>
+                              <a:ea typeface="EB Garamond"/>
+                              <a:cs typeface="EB Garamond"/>
+                              <a:sym typeface="EB Garamond"/>
+                            </a:rPr>
+                          </m:ctrlPr>
+                        </m:fPr>
+                        <m:num>
+                          <m:r>
+                            <a:rPr lang="en-US" sz="3000" i="1">
+                              <a:solidFill>
+                                <a:schemeClr val="accent6"/>
+                              </a:solidFill>
+                              <a:latin typeface="Cambria Math" panose="02040503050406030204" pitchFamily="18" charset="0"/>
+                              <a:ea typeface="EB Garamond"/>
+                              <a:cs typeface="EB Garamond"/>
+                              <a:sym typeface="EB Garamond"/>
+                            </a:rPr>
+                            <m:t>𝑛𝑢𝑚𝑏𝑒𝑟</m:t>
+                          </m:r>
+                          <m:r>
+                            <a:rPr lang="en-US" sz="3000" i="1">
+                              <a:solidFill>
+                                <a:schemeClr val="accent6"/>
+                              </a:solidFill>
+                              <a:latin typeface="Cambria Math" panose="02040503050406030204" pitchFamily="18" charset="0"/>
+                              <a:ea typeface="EB Garamond"/>
+                              <a:cs typeface="EB Garamond"/>
+                              <a:sym typeface="EB Garamond"/>
+                            </a:rPr>
+                            <m:t> </m:t>
+                          </m:r>
+                          <m:r>
+                            <a:rPr lang="en-US" sz="3000" i="1">
+                              <a:solidFill>
+                                <a:schemeClr val="accent6"/>
+                              </a:solidFill>
+                              <a:latin typeface="Cambria Math" panose="02040503050406030204" pitchFamily="18" charset="0"/>
+                              <a:ea typeface="EB Garamond"/>
+                              <a:cs typeface="EB Garamond"/>
+                              <a:sym typeface="EB Garamond"/>
+                            </a:rPr>
+                            <m:t>𝑜𝑓</m:t>
+                          </m:r>
+                          <m:r>
+                            <a:rPr lang="en-US" sz="3000" i="1">
+                              <a:solidFill>
+                                <a:schemeClr val="accent6"/>
+                              </a:solidFill>
+                              <a:latin typeface="Cambria Math" panose="02040503050406030204" pitchFamily="18" charset="0"/>
+                              <a:ea typeface="EB Garamond"/>
+                              <a:cs typeface="EB Garamond"/>
+                              <a:sym typeface="EB Garamond"/>
+                            </a:rPr>
+                            <m:t> </m:t>
+                          </m:r>
+                          <m:r>
+                            <a:rPr lang="en-US" sz="3000" i="1">
+                              <a:solidFill>
+                                <a:schemeClr val="accent6"/>
+                              </a:solidFill>
+                              <a:latin typeface="Cambria Math" panose="02040503050406030204" pitchFamily="18" charset="0"/>
+                              <a:ea typeface="EB Garamond"/>
+                              <a:cs typeface="EB Garamond"/>
+                              <a:sym typeface="EB Garamond"/>
+                            </a:rPr>
+                            <m:t>𝑤𝑜𝑟𝑑𝑠</m:t>
+                          </m:r>
+                          <m:r>
+                            <a:rPr lang="en-US" sz="3000" i="1">
+                              <a:solidFill>
+                                <a:schemeClr val="accent6"/>
+                              </a:solidFill>
+                              <a:latin typeface="Cambria Math" panose="02040503050406030204" pitchFamily="18" charset="0"/>
+                              <a:ea typeface="EB Garamond"/>
+                              <a:cs typeface="EB Garamond"/>
+                              <a:sym typeface="EB Garamond"/>
+                            </a:rPr>
+                            <m:t> </m:t>
+                          </m:r>
+                          <m:r>
+                            <a:rPr lang="en-US" sz="3000" i="1">
+                              <a:solidFill>
+                                <a:schemeClr val="accent6"/>
+                              </a:solidFill>
+                              <a:latin typeface="Cambria Math" panose="02040503050406030204" pitchFamily="18" charset="0"/>
+                              <a:ea typeface="EB Garamond"/>
+                              <a:cs typeface="EB Garamond"/>
+                              <a:sym typeface="EB Garamond"/>
+                            </a:rPr>
+                            <m:t>𝑡h𝑎𝑡</m:t>
+                          </m:r>
+                          <m:r>
+                            <a:rPr lang="en-US" sz="3000" i="1">
+                              <a:solidFill>
+                                <a:schemeClr val="accent6"/>
+                              </a:solidFill>
+                              <a:latin typeface="Cambria Math" panose="02040503050406030204" pitchFamily="18" charset="0"/>
+                              <a:ea typeface="EB Garamond"/>
+                              <a:cs typeface="EB Garamond"/>
+                              <a:sym typeface="EB Garamond"/>
+                            </a:rPr>
+                            <m:t> </m:t>
+                          </m:r>
+                          <m:r>
+                            <a:rPr lang="en-US" sz="3000" i="1">
+                              <a:solidFill>
+                                <a:schemeClr val="accent6"/>
+                              </a:solidFill>
+                              <a:latin typeface="Cambria Math" panose="02040503050406030204" pitchFamily="18" charset="0"/>
+                              <a:ea typeface="EB Garamond"/>
+                              <a:cs typeface="EB Garamond"/>
+                              <a:sym typeface="EB Garamond"/>
+                            </a:rPr>
+                            <m:t>𝑜𝑛𝑙𝑦</m:t>
+                          </m:r>
+                          <m:r>
+                            <a:rPr lang="en-US" sz="3000" i="1">
+                              <a:solidFill>
+                                <a:schemeClr val="accent6"/>
+                              </a:solidFill>
+                              <a:latin typeface="Cambria Math" panose="02040503050406030204" pitchFamily="18" charset="0"/>
+                              <a:ea typeface="EB Garamond"/>
+                              <a:cs typeface="EB Garamond"/>
+                              <a:sym typeface="EB Garamond"/>
+                            </a:rPr>
+                            <m:t> </m:t>
+                          </m:r>
+                          <m:r>
+                            <a:rPr lang="en-US" sz="3000" i="1">
+                              <a:solidFill>
+                                <a:schemeClr val="accent6"/>
+                              </a:solidFill>
+                              <a:latin typeface="Cambria Math" panose="02040503050406030204" pitchFamily="18" charset="0"/>
+                              <a:ea typeface="EB Garamond"/>
+                              <a:cs typeface="EB Garamond"/>
+                              <a:sym typeface="EB Garamond"/>
+                            </a:rPr>
+                            <m:t>𝑜𝑐𝑐𝑢𝑟</m:t>
+                          </m:r>
+                          <m:r>
+                            <a:rPr lang="en-US" sz="3000" b="0" i="1" smtClean="0">
+                              <a:solidFill>
+                                <a:schemeClr val="accent6"/>
+                              </a:solidFill>
+                              <a:latin typeface="Cambria Math" panose="02040503050406030204" pitchFamily="18" charset="0"/>
+                              <a:ea typeface="EB Garamond"/>
+                              <a:cs typeface="EB Garamond"/>
+                              <a:sym typeface="EB Garamond"/>
+                            </a:rPr>
+                            <m:t> </m:t>
+                          </m:r>
+                          <m:r>
+                            <a:rPr lang="en-US" sz="3000" b="0" i="1" smtClean="0">
+                              <a:solidFill>
+                                <a:schemeClr val="accent6"/>
+                              </a:solidFill>
+                              <a:latin typeface="Cambria Math" panose="02040503050406030204" pitchFamily="18" charset="0"/>
+                              <a:ea typeface="EB Garamond"/>
+                              <a:cs typeface="EB Garamond"/>
+                              <a:sym typeface="EB Garamond"/>
+                            </a:rPr>
+                            <m:t>𝑜𝑛𝑐𝑒</m:t>
+                          </m:r>
+                        </m:num>
+                        <m:den>
+                          <m:r>
+                            <a:rPr lang="en-US" sz="3000" b="0" i="1" smtClean="0">
+                              <a:solidFill>
+                                <a:schemeClr val="accent6"/>
+                              </a:solidFill>
+                              <a:latin typeface="Cambria Math" panose="02040503050406030204" pitchFamily="18" charset="0"/>
+                              <a:ea typeface="EB Garamond"/>
+                              <a:cs typeface="EB Garamond"/>
+                              <a:sym typeface="EB Garamond"/>
+                            </a:rPr>
+                            <m:t>𝑛𝑢𝑚𝑏𝑒𝑟</m:t>
+                          </m:r>
+                          <m:r>
+                            <a:rPr lang="en-US" sz="3000" b="0" i="1" smtClean="0">
+                              <a:solidFill>
+                                <a:schemeClr val="accent6"/>
+                              </a:solidFill>
+                              <a:latin typeface="Cambria Math" panose="02040503050406030204" pitchFamily="18" charset="0"/>
+                              <a:ea typeface="EB Garamond"/>
+                              <a:cs typeface="EB Garamond"/>
+                              <a:sym typeface="EB Garamond"/>
+                            </a:rPr>
+                            <m:t> </m:t>
+                          </m:r>
+                          <m:r>
+                            <a:rPr lang="en-US" sz="3000" b="0" i="1" smtClean="0">
+                              <a:solidFill>
+                                <a:schemeClr val="accent6"/>
+                              </a:solidFill>
+                              <a:latin typeface="Cambria Math" panose="02040503050406030204" pitchFamily="18" charset="0"/>
+                              <a:ea typeface="EB Garamond"/>
+                              <a:cs typeface="EB Garamond"/>
+                              <a:sym typeface="EB Garamond"/>
+                            </a:rPr>
+                            <m:t>𝑜𝑓</m:t>
+                          </m:r>
+                          <m:r>
+                            <a:rPr lang="en-US" sz="3000" b="0" i="1" smtClean="0">
+                              <a:solidFill>
+                                <a:schemeClr val="accent6"/>
+                              </a:solidFill>
+                              <a:latin typeface="Cambria Math" panose="02040503050406030204" pitchFamily="18" charset="0"/>
+                              <a:ea typeface="EB Garamond"/>
+                              <a:cs typeface="EB Garamond"/>
+                              <a:sym typeface="EB Garamond"/>
+                            </a:rPr>
+                            <m:t> </m:t>
+                          </m:r>
+                          <m:r>
+                            <a:rPr lang="en-US" sz="3000" b="0" i="1" smtClean="0">
+                              <a:solidFill>
+                                <a:schemeClr val="accent6"/>
+                              </a:solidFill>
+                              <a:latin typeface="Cambria Math" panose="02040503050406030204" pitchFamily="18" charset="0"/>
+                              <a:ea typeface="EB Garamond"/>
+                              <a:cs typeface="EB Garamond"/>
+                              <a:sym typeface="EB Garamond"/>
+                            </a:rPr>
+                            <m:t>𝑡𝑜𝑡𝑎𝑙</m:t>
+                          </m:r>
+                          <m:r>
+                            <a:rPr lang="en-US" sz="3000" b="0" i="1" smtClean="0">
+                              <a:solidFill>
+                                <a:schemeClr val="accent6"/>
+                              </a:solidFill>
+                              <a:latin typeface="Cambria Math" panose="02040503050406030204" pitchFamily="18" charset="0"/>
+                              <a:ea typeface="EB Garamond"/>
+                              <a:cs typeface="EB Garamond"/>
+                              <a:sym typeface="EB Garamond"/>
+                            </a:rPr>
+                            <m:t> </m:t>
+                          </m:r>
+                          <m:r>
+                            <a:rPr lang="en-US" sz="3000" b="0" i="1" smtClean="0">
+                              <a:solidFill>
+                                <a:schemeClr val="accent6"/>
+                              </a:solidFill>
+                              <a:latin typeface="Cambria Math" panose="02040503050406030204" pitchFamily="18" charset="0"/>
+                              <a:ea typeface="EB Garamond"/>
+                              <a:cs typeface="EB Garamond"/>
+                              <a:sym typeface="EB Garamond"/>
+                            </a:rPr>
+                            <m:t>𝑤𝑜𝑟𝑑𝑠</m:t>
+                          </m:r>
+                        </m:den>
+                      </m:f>
+                    </m:oMath>
+                  </m:oMathPara>
+                </a14:m>
+                <a:endParaRPr lang="en-US" sz="3000" b="0" dirty="0">
+                  <a:solidFill>
+                    <a:schemeClr val="accent6"/>
+                  </a:solidFill>
+                  <a:latin typeface="EB Garamond"/>
+                  <a:ea typeface="EB Garamond"/>
+                  <a:cs typeface="EB Garamond"/>
+                  <a:sym typeface="EB Garamond"/>
+                </a:endParaRPr>
+              </a:p>
+              <a:p>
+                <a:pPr lvl="0" algn="just"/>
+                <a:endParaRPr lang="en-US" sz="3000" dirty="0">
+                  <a:solidFill>
+                    <a:schemeClr val="accent6"/>
+                  </a:solidFill>
+                  <a:latin typeface="EB Garamond"/>
+                  <a:ea typeface="EB Garamond"/>
+                  <a:cs typeface="EB Garamond"/>
+                  <a:sym typeface="EB Garamond"/>
+                </a:endParaRPr>
+              </a:p>
+              <a:p>
+                <a:pPr lvl="0" algn="just"/>
+                <a:endParaRPr lang="en-US" sz="3000" b="1" dirty="0">
+                  <a:solidFill>
+                    <a:schemeClr val="accent6"/>
+                  </a:solidFill>
+                  <a:latin typeface="EB Garamond"/>
+                  <a:ea typeface="EB Garamond"/>
+                  <a:cs typeface="EB Garamond"/>
+                  <a:sym typeface="EB Garamond"/>
+                </a:endParaRPr>
+              </a:p>
+            </p:txBody>
+          </p:sp>
+        </mc:Choice>
+        <mc:Fallback>
+          <p:sp>
+            <p:nvSpPr>
+              <p:cNvPr id="110" name="Google Shape;110;p1"/>
+              <p:cNvSpPr>
+                <a:spLocks noRot="1" noChangeAspect="1" noMove="1" noResize="1" noEditPoints="1" noAdjustHandles="1" noChangeArrowheads="1" noChangeShapeType="1" noTextEdit="1"/>
+              </p:cNvSpPr>
+              <p:nvPr/>
+            </p:nvSpPr>
+            <p:spPr>
+              <a:xfrm>
+                <a:off x="32796053" y="8848013"/>
+                <a:ext cx="9502898" cy="5770963"/>
+              </a:xfrm>
+              <a:prstGeom prst="rect">
+                <a:avLst/>
+              </a:prstGeom>
+              <a:blipFill>
+                <a:blip r:embed="rId5"/>
+                <a:stretch>
+                  <a:fillRect l="-1539" t="-1267"/>
+                </a:stretch>
+              </a:blipFill>
+              <a:ln>
+                <a:noFill/>
+              </a:ln>
+            </p:spPr>
+            <p:txBody>
+              <a:bodyPr/>
+              <a:lstStyle/>
+              <a:p>
+                <a:r>
+                  <a:rPr lang="en-US">
+                    <a:noFill/>
+                  </a:rPr>
+                  <a:t> </a:t>
+                </a:r>
+              </a:p>
+            </p:txBody>
+          </p:sp>
+        </mc:Fallback>
+      </mc:AlternateContent>
       <p:sp>
         <p:nvSpPr>
           <p:cNvPr id="111" name="Google Shape;111;p1"/>
@@ -13137,7 +13854,7 @@
         </p:nvSpPr>
         <p:spPr>
           <a:xfrm>
-            <a:off x="33149051" y="27437253"/>
+            <a:off x="32796052" y="27343869"/>
             <a:ext cx="9583737" cy="4893607"/>
           </a:xfrm>
           <a:prstGeom prst="rect">
@@ -13299,56 +14016,6 @@
           </a:p>
         </p:txBody>
       </p:sp>
-      <p:sp>
-        <p:nvSpPr>
-          <p:cNvPr id="112" name="Google Shape;112;p1"/>
-          <p:cNvSpPr/>
-          <p:nvPr/>
-        </p:nvSpPr>
-        <p:spPr>
-          <a:xfrm>
-            <a:off x="24451012" y="15021036"/>
-            <a:ext cx="5014125" cy="646331"/>
-          </a:xfrm>
-          <a:prstGeom prst="rect">
-            <a:avLst/>
-          </a:prstGeom>
-          <a:noFill/>
-          <a:ln>
-            <a:noFill/>
-          </a:ln>
-        </p:spPr>
-        <p:txBody>
-          <a:bodyPr spcFirstLastPara="1" wrap="square" lIns="91425" tIns="45700" rIns="91425" bIns="45700" anchor="t" anchorCtr="0">
-            <a:spAutoFit/>
-          </a:bodyPr>
-          <a:lstStyle/>
-          <a:p>
-            <a:pPr marL="0" marR="0" lvl="0" indent="0" algn="l" rtl="0">
-              <a:spcBef>
-                <a:spcPts val="0"/>
-              </a:spcBef>
-              <a:spcAft>
-                <a:spcPts val="0"/>
-              </a:spcAft>
-              <a:buNone/>
-            </a:pPr>
-            <a:r>
-              <a:rPr lang="en-US" sz="3600">
-                <a:solidFill>
-                  <a:schemeClr val="accent6"/>
-                </a:solidFill>
-                <a:latin typeface="EB Garamond"/>
-                <a:ea typeface="EB Garamond"/>
-                <a:cs typeface="EB Garamond"/>
-                <a:sym typeface="EB Garamond"/>
-              </a:rPr>
-              <a:t>Figure 1: Centipede Game</a:t>
-            </a:r>
-            <a:endParaRPr/>
-          </a:p>
-        </p:txBody>
-      </p:sp>
       <p:grpSp>
         <p:nvGrpSpPr>
           <p:cNvPr id="113" name="Google Shape;113;p1"/>
@@ -13357,10 +14024,10 @@
         </p:nvGrpSpPr>
         <p:grpSpPr>
           <a:xfrm>
-            <a:off x="12916065" y="23911649"/>
-            <a:ext cx="18564277" cy="2142032"/>
-            <a:chOff x="8165" y="899918"/>
-            <a:chExt cx="18564277" cy="2142032"/>
+            <a:off x="12529314" y="9049976"/>
+            <a:ext cx="18598029" cy="2142032"/>
+            <a:chOff x="-25587" y="899918"/>
+            <a:chExt cx="18598029" cy="2142032"/>
           </a:xfrm>
         </p:grpSpPr>
         <p:sp>
@@ -13431,8 +14098,8 @@
           </p:nvSpPr>
           <p:spPr>
             <a:xfrm>
-              <a:off x="70903" y="962656"/>
-              <a:ext cx="3444577" cy="2016556"/>
+              <a:off x="-25587" y="962656"/>
+              <a:ext cx="3637265" cy="2016556"/>
             </a:xfrm>
             <a:prstGeom prst="rect">
               <a:avLst/>
@@ -13466,7 +14133,7 @@
                 <a:buNone/>
               </a:pPr>
               <a:r>
-                <a:rPr lang="en-US" sz="5200">
+                <a:rPr lang="en-US" sz="4400" dirty="0">
                   <a:solidFill>
                     <a:schemeClr val="dk1"/>
                   </a:solidFill>
@@ -13475,9 +14142,9 @@
                   <a:cs typeface="Corbel"/>
                   <a:sym typeface="Corbel"/>
                 </a:rPr>
-                <a:t>Raven’s IQ Test</a:t>
+                <a:t>Data Generation</a:t>
               </a:r>
-              <a:endParaRPr/>
+              <a:endParaRPr sz="4400" dirty="0"/>
             </a:p>
           </p:txBody>
         </p:sp>
@@ -13664,8 +14331,8 @@
           </p:nvSpPr>
           <p:spPr>
             <a:xfrm>
-              <a:off x="5068977" y="962656"/>
-              <a:ext cx="3444577" cy="2016556"/>
+              <a:off x="4603698" y="908862"/>
+              <a:ext cx="4329600" cy="2016556"/>
             </a:xfrm>
             <a:prstGeom prst="rect">
               <a:avLst/>
@@ -13699,18 +14366,16 @@
                 <a:buNone/>
               </a:pPr>
               <a:r>
-                <a:rPr lang="en-US" sz="5200">
+                <a:rPr lang="en-US" sz="4400" dirty="0">
                   <a:solidFill>
                     <a:schemeClr val="dk1"/>
                   </a:solidFill>
                   <a:latin typeface="Corbel"/>
-                  <a:ea typeface="Corbel"/>
-                  <a:cs typeface="Corbel"/>
                   <a:sym typeface="Corbel"/>
                 </a:rPr>
-                <a:t>Centipede Games</a:t>
+                <a:t>Text Preprocessing</a:t>
               </a:r>
-              <a:endParaRPr/>
+              <a:endParaRPr sz="4400" dirty="0"/>
             </a:p>
           </p:txBody>
         </p:sp>
@@ -13897,8 +14562,8 @@
           </p:nvSpPr>
           <p:spPr>
             <a:xfrm>
-              <a:off x="10067052" y="962656"/>
-              <a:ext cx="3444577" cy="2016556"/>
+              <a:off x="10006565" y="962656"/>
+              <a:ext cx="3582337" cy="2016556"/>
             </a:xfrm>
             <a:prstGeom prst="rect">
               <a:avLst/>
@@ -13932,7 +14597,7 @@
                 <a:buNone/>
               </a:pPr>
               <a:r>
-                <a:rPr lang="en-US" sz="5200">
+                <a:rPr lang="en-US" sz="4400" dirty="0">
                   <a:solidFill>
                     <a:schemeClr val="dk1"/>
                   </a:solidFill>
@@ -13941,9 +14606,9 @@
                   <a:cs typeface="Corbel"/>
                   <a:sym typeface="Corbel"/>
                 </a:rPr>
-                <a:t>Qualitative Questions</a:t>
+                <a:t>Preliminary Analysis</a:t>
               </a:r>
-              <a:endParaRPr/>
+              <a:endParaRPr sz="4400" dirty="0"/>
             </a:p>
           </p:txBody>
         </p:sp>
@@ -14165,7 +14830,7 @@
                 <a:buNone/>
               </a:pPr>
               <a:r>
-                <a:rPr lang="en-US" sz="5200">
+                <a:rPr lang="en-US" sz="4400" dirty="0">
                   <a:solidFill>
                     <a:schemeClr val="dk1"/>
                   </a:solidFill>
@@ -14174,9 +14839,9 @@
                   <a:cs typeface="Corbel"/>
                   <a:sym typeface="Corbel"/>
                 </a:rPr>
-                <a:t>Reasoning/ Attitude</a:t>
+                <a:t>Machine Learning</a:t>
               </a:r>
-              <a:endParaRPr/>
+              <a:endParaRPr sz="4400" dirty="0"/>
             </a:p>
           </p:txBody>
         </p:sp>
@@ -14189,8 +14854,8 @@
         </p:nvSpPr>
         <p:spPr>
           <a:xfrm>
-            <a:off x="12663260" y="26641428"/>
-            <a:ext cx="4070646" cy="5355312"/>
+            <a:off x="12310261" y="11779755"/>
+            <a:ext cx="4070646" cy="5793853"/>
           </a:xfrm>
           <a:prstGeom prst="rect">
             <a:avLst/>
@@ -14219,7 +14884,7 @@
               <a:buNone/>
             </a:pPr>
             <a:r>
-              <a:rPr lang="en-US" sz="3000">
+              <a:rPr lang="en-US" sz="3000" dirty="0">
                 <a:solidFill>
                   <a:schemeClr val="accent6"/>
                 </a:solidFill>
@@ -14228,17 +14893,8 @@
                 <a:cs typeface="EB Garamond"/>
                 <a:sym typeface="EB Garamond"/>
               </a:rPr>
-              <a:t>Raven’s test is a standard metric for IQ that consists of a set of matching puzzles</a:t>
+              <a:t>Generate data by web scraping from the IRS, GuideStar, and Charity Navigator. </a:t>
             </a:r>
-            <a:endParaRPr sz="3000">
-              <a:solidFill>
-                <a:schemeClr val="accent6"/>
-              </a:solidFill>
-              <a:latin typeface="Verdana"/>
-              <a:ea typeface="Verdana"/>
-              <a:cs typeface="Verdana"/>
-              <a:sym typeface="Verdana"/>
-            </a:endParaRPr>
           </a:p>
           <a:p>
             <a:pPr marL="0" marR="0" lvl="0" indent="0" algn="l" rtl="0">
@@ -14253,7 +14909,7 @@
               </a:spcAft>
               <a:buNone/>
             </a:pPr>
-            <a:endParaRPr sz="3000">
+            <a:endParaRPr lang="en-US" sz="3000" dirty="0">
               <a:solidFill>
                 <a:schemeClr val="accent6"/>
               </a:solidFill>
@@ -14277,7 +14933,7 @@
               <a:buNone/>
             </a:pPr>
             <a:r>
-              <a:rPr lang="en-US" sz="3000">
+              <a:rPr lang="en-US" sz="3000" dirty="0">
                 <a:solidFill>
                   <a:schemeClr val="accent6"/>
                 </a:solidFill>
@@ -14286,9 +14942,32 @@
                 <a:cs typeface="EB Garamond"/>
                 <a:sym typeface="EB Garamond"/>
               </a:rPr>
-              <a:t>Participants will not be told it is a metric for IQ until afterwards. </a:t>
+              <a:t>Use Python script with open-source libraries Requests, </a:t>
             </a:r>
-            <a:endParaRPr/>
+            <a:r>
+              <a:rPr lang="en-US" sz="3000" dirty="0" err="1">
+                <a:solidFill>
+                  <a:schemeClr val="accent6"/>
+                </a:solidFill>
+                <a:latin typeface="EB Garamond"/>
+                <a:ea typeface="EB Garamond"/>
+                <a:cs typeface="EB Garamond"/>
+                <a:sym typeface="EB Garamond"/>
+              </a:rPr>
+              <a:t>BeautifulSoup</a:t>
+            </a:r>
+            <a:r>
+              <a:rPr lang="en-US" sz="3000" dirty="0">
+                <a:solidFill>
+                  <a:schemeClr val="accent6"/>
+                </a:solidFill>
+                <a:latin typeface="EB Garamond"/>
+                <a:ea typeface="EB Garamond"/>
+                <a:cs typeface="EB Garamond"/>
+                <a:sym typeface="EB Garamond"/>
+              </a:rPr>
+              <a:t>, and csv.</a:t>
+            </a:r>
           </a:p>
           <a:p>
             <a:pPr marL="0" marR="0" lvl="0" indent="0" algn="l" rtl="0">
@@ -14303,7 +14982,7 @@
               </a:spcAft>
               <a:buNone/>
             </a:pPr>
-            <a:endParaRPr sz="3000">
+            <a:endParaRPr lang="en-US" sz="3000" dirty="0">
               <a:solidFill>
                 <a:schemeClr val="accent6"/>
               </a:solidFill>
@@ -14327,7 +15006,7 @@
               <a:buNone/>
             </a:pPr>
             <a:r>
-              <a:rPr lang="en-US" sz="3000">
+              <a:rPr lang="en-US" sz="3000" dirty="0">
                 <a:solidFill>
                   <a:schemeClr val="accent6"/>
                 </a:solidFill>
@@ -14336,24 +15015,9 @@
                 <a:cs typeface="EB Garamond"/>
                 <a:sym typeface="EB Garamond"/>
               </a:rPr>
-              <a:t>They will not be told their own results.</a:t>
+              <a:t>Store mission statements, revenue, assets, and other data in spreadsheets.</a:t>
             </a:r>
-            <a:endParaRPr/>
-          </a:p>
-          <a:p>
-            <a:pPr marL="0" marR="0" lvl="0" indent="0" algn="l" rtl="0">
-              <a:lnSpc>
-                <a:spcPct val="95000"/>
-              </a:lnSpc>
-              <a:spcBef>
-                <a:spcPts val="0"/>
-              </a:spcBef>
-              <a:spcAft>
-                <a:spcPts val="0"/>
-              </a:spcAft>
-              <a:buNone/>
-            </a:pPr>
-            <a:endParaRPr sz="3000">
+            <a:endParaRPr sz="3000" dirty="0">
               <a:solidFill>
                 <a:schemeClr val="accent6"/>
               </a:solidFill>
@@ -14373,8 +15037,8 @@
         </p:nvSpPr>
         <p:spPr>
           <a:xfrm>
-            <a:off x="17662494" y="26499053"/>
-            <a:ext cx="4390380" cy="6101670"/>
+            <a:off x="17309494" y="11637380"/>
+            <a:ext cx="4688091" cy="6232435"/>
           </a:xfrm>
           <a:prstGeom prst="rect">
             <a:avLst/>
@@ -14403,7 +15067,7 @@
               <a:buNone/>
             </a:pPr>
             <a:r>
-              <a:rPr lang="en-US" sz="3000">
+              <a:rPr lang="en-US" sz="3000" dirty="0">
                 <a:solidFill>
                   <a:schemeClr val="accent6"/>
                 </a:solidFill>
@@ -14412,105 +15076,23 @@
                 <a:cs typeface="EB Garamond"/>
                 <a:sym typeface="EB Garamond"/>
               </a:rPr>
-              <a:t>3 different variants of the centipede game will be played in a randomized order: </a:t>
+              <a:t>Text preprocessing is an essential step in NLP to transform unstructured data to clean data ready for analysis.</a:t>
             </a:r>
-            <a:endParaRPr/>
           </a:p>
           <a:p>
-            <a:pPr marL="457200" marR="0" lvl="0" indent="-457200" algn="l" rtl="0">
+            <a:pPr marL="0" marR="0" lvl="0" indent="0" algn="l" rtl="0">
               <a:lnSpc>
                 <a:spcPct val="95000"/>
               </a:lnSpc>
               <a:spcBef>
-                <a:spcPts val="1200"/>
-              </a:spcBef>
-              <a:spcAft>
-                <a:spcPts val="0"/>
-              </a:spcAft>
-              <a:buClr>
-                <a:schemeClr val="accent6"/>
-              </a:buClr>
-              <a:buSzPts val="3000"/>
-              <a:buFont typeface="Arial"/>
-              <a:buChar char="•"/>
+                <a:spcPts val="0"/>
+              </a:spcBef>
+              <a:spcAft>
+                <a:spcPts val="0"/>
+              </a:spcAft>
+              <a:buNone/>
             </a:pPr>
-            <a:r>
-              <a:rPr lang="en-US" sz="3000">
-                <a:solidFill>
-                  <a:schemeClr val="accent6"/>
-                </a:solidFill>
-                <a:latin typeface="EB Garamond"/>
-                <a:ea typeface="EB Garamond"/>
-                <a:cs typeface="EB Garamond"/>
-                <a:sym typeface="EB Garamond"/>
-              </a:rPr>
-              <a:t>Standard exponential increasing pot</a:t>
-            </a:r>
-            <a:endParaRPr/>
-          </a:p>
-          <a:p>
-            <a:pPr marL="457200" marR="0" lvl="0" indent="-457200" algn="l" rtl="0">
-              <a:lnSpc>
-                <a:spcPct val="95000"/>
-              </a:lnSpc>
-              <a:spcBef>
-                <a:spcPts val="0"/>
-              </a:spcBef>
-              <a:spcAft>
-                <a:spcPts val="0"/>
-              </a:spcAft>
-              <a:buClr>
-                <a:schemeClr val="accent6"/>
-              </a:buClr>
-              <a:buSzPts val="3000"/>
-              <a:buFont typeface="Arial"/>
-              <a:buChar char="•"/>
-            </a:pPr>
-            <a:r>
-              <a:rPr lang="en-US" sz="3000">
-                <a:solidFill>
-                  <a:schemeClr val="accent6"/>
-                </a:solidFill>
-                <a:latin typeface="EB Garamond"/>
-                <a:ea typeface="EB Garamond"/>
-                <a:cs typeface="EB Garamond"/>
-                <a:sym typeface="EB Garamond"/>
-              </a:rPr>
-              <a:t>Linearly increasing pot</a:t>
-            </a:r>
-            <a:endParaRPr/>
-          </a:p>
-          <a:p>
-            <a:pPr marL="457200" marR="0" lvl="0" indent="-457200" algn="l" rtl="0">
-              <a:lnSpc>
-                <a:spcPct val="95000"/>
-              </a:lnSpc>
-              <a:spcBef>
-                <a:spcPts val="0"/>
-              </a:spcBef>
-              <a:spcAft>
-                <a:spcPts val="0"/>
-              </a:spcAft>
-              <a:buClr>
-                <a:schemeClr val="accent6"/>
-              </a:buClr>
-              <a:buSzPts val="3000"/>
-              <a:buFont typeface="Arial"/>
-              <a:buChar char="•"/>
-            </a:pPr>
-            <a:r>
-              <a:rPr lang="en-US" sz="3000">
-                <a:solidFill>
-                  <a:schemeClr val="accent6"/>
-                </a:solidFill>
-                <a:latin typeface="EB Garamond"/>
-                <a:ea typeface="EB Garamond"/>
-                <a:cs typeface="EB Garamond"/>
-                <a:sym typeface="EB Garamond"/>
-              </a:rPr>
-              <a:t>Constant sum pot</a:t>
-            </a:r>
-            <a:endParaRPr sz="3000">
+            <a:endParaRPr lang="en-US" sz="3000" dirty="0">
               <a:solidFill>
                 <a:schemeClr val="accent6"/>
               </a:solidFill>
@@ -14526,7 +15108,7 @@
                 <a:spcPct val="95000"/>
               </a:lnSpc>
               <a:spcBef>
-                <a:spcPts val="1200"/>
+                <a:spcPts val="0"/>
               </a:spcBef>
               <a:spcAft>
                 <a:spcPts val="0"/>
@@ -14534,7 +15116,7 @@
               <a:buNone/>
             </a:pPr>
             <a:r>
-              <a:rPr lang="en-US" sz="3000">
+              <a:rPr lang="en-US" sz="3000" dirty="0">
                 <a:solidFill>
                   <a:schemeClr val="accent6"/>
                 </a:solidFill>
@@ -14543,9 +15125,243 @@
                 <a:cs typeface="EB Garamond"/>
                 <a:sym typeface="EB Garamond"/>
               </a:rPr>
-              <a:t>Randomly paired with different opponent for each game. One group will be told IQ quartile of their opponent.</a:t>
+              <a:t>Use Python library </a:t>
             </a:r>
-            <a:endParaRPr/>
+            <a:r>
+              <a:rPr lang="en-US" sz="3000" dirty="0" err="1">
+                <a:solidFill>
+                  <a:schemeClr val="accent6"/>
+                </a:solidFill>
+                <a:latin typeface="EB Garamond"/>
+                <a:ea typeface="EB Garamond"/>
+                <a:cs typeface="EB Garamond"/>
+                <a:sym typeface="EB Garamond"/>
+              </a:rPr>
+              <a:t>SpaCy</a:t>
+            </a:r>
+            <a:r>
+              <a:rPr lang="en-US" sz="3000" dirty="0">
+                <a:solidFill>
+                  <a:schemeClr val="accent6"/>
+                </a:solidFill>
+                <a:latin typeface="EB Garamond"/>
+                <a:ea typeface="EB Garamond"/>
+                <a:cs typeface="EB Garamond"/>
+                <a:sym typeface="EB Garamond"/>
+              </a:rPr>
+              <a:t>.</a:t>
+            </a:r>
+          </a:p>
+          <a:p>
+            <a:pPr marL="0" marR="0" lvl="0" indent="0" algn="l" rtl="0">
+              <a:lnSpc>
+                <a:spcPct val="95000"/>
+              </a:lnSpc>
+              <a:spcBef>
+                <a:spcPts val="0"/>
+              </a:spcBef>
+              <a:spcAft>
+                <a:spcPts val="0"/>
+              </a:spcAft>
+              <a:buNone/>
+            </a:pPr>
+            <a:endParaRPr lang="en-US" sz="3000" dirty="0">
+              <a:solidFill>
+                <a:schemeClr val="accent6"/>
+              </a:solidFill>
+              <a:latin typeface="EB Garamond"/>
+              <a:ea typeface="EB Garamond"/>
+              <a:cs typeface="EB Garamond"/>
+              <a:sym typeface="EB Garamond"/>
+            </a:endParaRPr>
+          </a:p>
+          <a:p>
+            <a:pPr marL="0" marR="0" lvl="0" indent="0" algn="l" rtl="0">
+              <a:lnSpc>
+                <a:spcPct val="95000"/>
+              </a:lnSpc>
+              <a:spcBef>
+                <a:spcPts val="0"/>
+              </a:spcBef>
+              <a:spcAft>
+                <a:spcPts val="0"/>
+              </a:spcAft>
+              <a:buNone/>
+            </a:pPr>
+            <a:r>
+              <a:rPr lang="en-US" sz="3000" b="1" dirty="0">
+                <a:solidFill>
+                  <a:schemeClr val="accent6"/>
+                </a:solidFill>
+                <a:latin typeface="EB Garamond"/>
+                <a:ea typeface="EB Garamond"/>
+                <a:cs typeface="EB Garamond"/>
+                <a:sym typeface="EB Garamond"/>
+              </a:rPr>
+              <a:t>Steps include:</a:t>
+            </a:r>
+          </a:p>
+          <a:p>
+            <a:pPr marL="457200" marR="0" lvl="0" indent="-457200" algn="l" rtl="0">
+              <a:lnSpc>
+                <a:spcPct val="95000"/>
+              </a:lnSpc>
+              <a:spcBef>
+                <a:spcPts val="0"/>
+              </a:spcBef>
+              <a:spcAft>
+                <a:spcPts val="0"/>
+              </a:spcAft>
+              <a:buFont typeface="Arial" panose="020B0604020202020204" pitchFamily="34" charset="0"/>
+              <a:buChar char="•"/>
+            </a:pPr>
+            <a:r>
+              <a:rPr lang="en-US" sz="3000" dirty="0">
+                <a:solidFill>
+                  <a:schemeClr val="accent6"/>
+                </a:solidFill>
+                <a:latin typeface="EB Garamond"/>
+                <a:ea typeface="EB Garamond"/>
+                <a:cs typeface="EB Garamond"/>
+                <a:sym typeface="EB Garamond"/>
+              </a:rPr>
+              <a:t>Tokenization</a:t>
+            </a:r>
+          </a:p>
+          <a:p>
+            <a:pPr marL="457200" marR="0" lvl="0" indent="-457200" algn="l" rtl="0">
+              <a:lnSpc>
+                <a:spcPct val="95000"/>
+              </a:lnSpc>
+              <a:spcBef>
+                <a:spcPts val="0"/>
+              </a:spcBef>
+              <a:spcAft>
+                <a:spcPts val="0"/>
+              </a:spcAft>
+              <a:buFont typeface="Arial" panose="020B0604020202020204" pitchFamily="34" charset="0"/>
+              <a:buChar char="•"/>
+            </a:pPr>
+            <a:r>
+              <a:rPr lang="en-US" sz="3000" dirty="0">
+                <a:solidFill>
+                  <a:schemeClr val="accent6"/>
+                </a:solidFill>
+                <a:latin typeface="EB Garamond"/>
+                <a:ea typeface="EB Garamond"/>
+                <a:cs typeface="EB Garamond"/>
+                <a:sym typeface="EB Garamond"/>
+              </a:rPr>
+              <a:t>Lowercasing</a:t>
+            </a:r>
+          </a:p>
+          <a:p>
+            <a:pPr marL="457200" marR="0" lvl="0" indent="-457200" algn="l" rtl="0">
+              <a:lnSpc>
+                <a:spcPct val="95000"/>
+              </a:lnSpc>
+              <a:spcBef>
+                <a:spcPts val="0"/>
+              </a:spcBef>
+              <a:spcAft>
+                <a:spcPts val="0"/>
+              </a:spcAft>
+              <a:buFont typeface="Arial" panose="020B0604020202020204" pitchFamily="34" charset="0"/>
+              <a:buChar char="•"/>
+            </a:pPr>
+            <a:r>
+              <a:rPr lang="en-US" sz="3000" dirty="0">
+                <a:solidFill>
+                  <a:schemeClr val="accent6"/>
+                </a:solidFill>
+                <a:latin typeface="EB Garamond"/>
+                <a:ea typeface="EB Garamond"/>
+                <a:cs typeface="EB Garamond"/>
+                <a:sym typeface="EB Garamond"/>
+              </a:rPr>
+              <a:t>Lemmatization</a:t>
+            </a:r>
+          </a:p>
+          <a:p>
+            <a:pPr marL="457200" marR="0" lvl="0" indent="-457200" algn="l" rtl="0">
+              <a:lnSpc>
+                <a:spcPct val="95000"/>
+              </a:lnSpc>
+              <a:spcBef>
+                <a:spcPts val="0"/>
+              </a:spcBef>
+              <a:spcAft>
+                <a:spcPts val="0"/>
+              </a:spcAft>
+              <a:buFont typeface="Arial" panose="020B0604020202020204" pitchFamily="34" charset="0"/>
+              <a:buChar char="•"/>
+            </a:pPr>
+            <a:r>
+              <a:rPr lang="en-US" sz="3000" dirty="0">
+                <a:solidFill>
+                  <a:schemeClr val="accent6"/>
+                </a:solidFill>
+                <a:latin typeface="EB Garamond"/>
+                <a:ea typeface="EB Garamond"/>
+                <a:cs typeface="EB Garamond"/>
+                <a:sym typeface="EB Garamond"/>
+              </a:rPr>
+              <a:t>Stop-Word Removal</a:t>
+            </a:r>
+          </a:p>
+          <a:p>
+            <a:pPr marL="457200" marR="0" lvl="0" indent="-457200" algn="l" rtl="0">
+              <a:lnSpc>
+                <a:spcPct val="95000"/>
+              </a:lnSpc>
+              <a:spcBef>
+                <a:spcPts val="0"/>
+              </a:spcBef>
+              <a:spcAft>
+                <a:spcPts val="0"/>
+              </a:spcAft>
+              <a:buFont typeface="Arial" panose="020B0604020202020204" pitchFamily="34" charset="0"/>
+              <a:buChar char="•"/>
+            </a:pPr>
+            <a:r>
+              <a:rPr lang="en-US" sz="3000" dirty="0">
+                <a:solidFill>
+                  <a:schemeClr val="accent6"/>
+                </a:solidFill>
+                <a:latin typeface="EB Garamond"/>
+                <a:ea typeface="EB Garamond"/>
+                <a:cs typeface="EB Garamond"/>
+                <a:sym typeface="EB Garamond"/>
+              </a:rPr>
+              <a:t>Part-of-Speech tagging</a:t>
+            </a:r>
+          </a:p>
+          <a:p>
+            <a:pPr marL="457200" marR="0" lvl="0" indent="-457200" algn="l" rtl="0">
+              <a:lnSpc>
+                <a:spcPct val="95000"/>
+              </a:lnSpc>
+              <a:spcBef>
+                <a:spcPts val="0"/>
+              </a:spcBef>
+              <a:spcAft>
+                <a:spcPts val="0"/>
+              </a:spcAft>
+              <a:buFont typeface="Arial" panose="020B0604020202020204" pitchFamily="34" charset="0"/>
+              <a:buChar char="•"/>
+            </a:pPr>
+            <a:r>
+              <a:rPr lang="en-US" sz="3000" dirty="0">
+                <a:solidFill>
+                  <a:schemeClr val="accent6"/>
+                </a:solidFill>
+                <a:latin typeface="EB Garamond"/>
+                <a:ea typeface="EB Garamond"/>
+                <a:sym typeface="EB Garamond"/>
+              </a:rPr>
+              <a:t>Named Entity Recognition</a:t>
+            </a:r>
+            <a:endParaRPr dirty="0"/>
           </a:p>
         </p:txBody>
       </p:sp>
@@ -14557,8 +15373,8 @@
         </p:nvSpPr>
         <p:spPr>
           <a:xfrm>
-            <a:off x="22729280" y="26575997"/>
-            <a:ext cx="4688092" cy="5893921"/>
+            <a:off x="22376281" y="11714324"/>
+            <a:ext cx="4688092" cy="6432490"/>
           </a:xfrm>
           <a:prstGeom prst="rect">
             <a:avLst/>
@@ -14587,7 +15403,7 @@
               <a:buNone/>
             </a:pPr>
             <a:r>
-              <a:rPr lang="en-US" sz="3000">
+              <a:rPr lang="en-US" sz="3000" dirty="0">
                 <a:solidFill>
                   <a:schemeClr val="accent6"/>
                 </a:solidFill>
@@ -14596,9 +15412,9 @@
                 <a:cs typeface="EB Garamond"/>
                 <a:sym typeface="EB Garamond"/>
               </a:rPr>
-              <a:t>Survey questions about thought process and reasoning the participant’s used in each of the games.</a:t>
+              <a:t>Perform linear regression to find relationships between linguistic features and revenue.</a:t>
             </a:r>
-            <a:endParaRPr/>
+            <a:endParaRPr dirty="0"/>
           </a:p>
           <a:p>
             <a:pPr marL="0" marR="0" lvl="0" indent="0" algn="l" rtl="0">
@@ -14614,7 +15430,7 @@
               <a:buNone/>
             </a:pPr>
             <a:r>
-              <a:rPr lang="en-US" sz="3000" b="1">
+              <a:rPr lang="en-US" sz="3000" b="1" dirty="0">
                 <a:solidFill>
                   <a:schemeClr val="accent6"/>
                 </a:solidFill>
@@ -14623,9 +15439,9 @@
                 <a:cs typeface="EB Garamond"/>
                 <a:sym typeface="EB Garamond"/>
               </a:rPr>
-              <a:t>Examples: </a:t>
+              <a:t>Readability Features: </a:t>
             </a:r>
-            <a:endParaRPr/>
+            <a:endParaRPr dirty="0"/>
           </a:p>
           <a:p>
             <a:pPr marL="457200" marR="0" lvl="0" indent="-457200" algn="l" rtl="0">
@@ -14646,7 +15462,7 @@
               <a:buChar char="•"/>
             </a:pPr>
             <a:r>
-              <a:rPr lang="en-US" sz="3000">
+              <a:rPr lang="en-US" sz="3000" dirty="0">
                 <a:solidFill>
                   <a:schemeClr val="accent6"/>
                 </a:solidFill>
@@ -14655,9 +15471,8 @@
                 <a:cs typeface="EB Garamond"/>
                 <a:sym typeface="EB Garamond"/>
               </a:rPr>
-              <a:t>Please describe the decision-making process you used in Game 1?</a:t>
+              <a:t>Flesch Reading Ease score</a:t>
             </a:r>
-            <a:endParaRPr/>
           </a:p>
           <a:p>
             <a:pPr marL="457200" marR="0" lvl="0" indent="-457200" algn="l" rtl="0">
@@ -14665,7 +15480,7 @@
                 <a:spcPct val="95000"/>
               </a:lnSpc>
               <a:spcBef>
-                <a:spcPts val="1200"/>
+                <a:spcPts val="600"/>
               </a:spcBef>
               <a:spcAft>
                 <a:spcPts val="0"/>
@@ -14678,7 +15493,35 @@
               <a:buChar char="•"/>
             </a:pPr>
             <a:r>
-              <a:rPr lang="en-US" sz="3000">
+              <a:rPr lang="en-US" sz="3000" dirty="0">
+                <a:solidFill>
+                  <a:schemeClr val="accent6"/>
+                </a:solidFill>
+                <a:latin typeface="EB Garamond"/>
+                <a:ea typeface="EB Garamond"/>
+                <a:sym typeface="EB Garamond"/>
+              </a:rPr>
+              <a:t>Flesch-Kincaid Readability</a:t>
+            </a:r>
+          </a:p>
+          <a:p>
+            <a:pPr marR="0" lvl="0" algn="l" rtl="0">
+              <a:lnSpc>
+                <a:spcPct val="95000"/>
+              </a:lnSpc>
+              <a:spcBef>
+                <a:spcPts val="1200"/>
+              </a:spcBef>
+              <a:spcAft>
+                <a:spcPts val="0"/>
+              </a:spcAft>
+              <a:buClr>
+                <a:schemeClr val="accent6"/>
+              </a:buClr>
+              <a:buSzPts val="3000"/>
+            </a:pPr>
+            <a:r>
+              <a:rPr lang="en-US" sz="3000" b="1" dirty="0">
                 <a:solidFill>
                   <a:schemeClr val="accent6"/>
                 </a:solidFill>
@@ -14687,9 +15530,147 @@
                 <a:cs typeface="EB Garamond"/>
                 <a:sym typeface="EB Garamond"/>
               </a:rPr>
-              <a:t>Did learning the IQ of the other participant effect the way you approached your strategy?</a:t>
+              <a:t>Richness Features</a:t>
             </a:r>
-            <a:endParaRPr/>
+          </a:p>
+          <a:p>
+            <a:pPr marL="457200" marR="0" lvl="0" indent="-457200" algn="l" rtl="0">
+              <a:lnSpc>
+                <a:spcPct val="95000"/>
+              </a:lnSpc>
+              <a:spcBef>
+                <a:spcPts val="600"/>
+              </a:spcBef>
+              <a:spcAft>
+                <a:spcPts val="0"/>
+              </a:spcAft>
+              <a:buClr>
+                <a:schemeClr val="accent6"/>
+              </a:buClr>
+              <a:buSzPts val="3000"/>
+              <a:buFont typeface="Arial"/>
+              <a:buChar char="•"/>
+            </a:pPr>
+            <a:r>
+              <a:rPr lang="en-US" sz="3000" dirty="0">
+                <a:solidFill>
+                  <a:schemeClr val="accent6"/>
+                </a:solidFill>
+                <a:latin typeface="EB Garamond"/>
+                <a:ea typeface="EB Garamond"/>
+                <a:cs typeface="EB Garamond"/>
+                <a:sym typeface="EB Garamond"/>
+              </a:rPr>
+              <a:t>Type-Token Ratio</a:t>
+            </a:r>
+          </a:p>
+          <a:p>
+            <a:pPr marL="457200" marR="0" lvl="0" indent="-457200" algn="l" rtl="0">
+              <a:lnSpc>
+                <a:spcPct val="95000"/>
+              </a:lnSpc>
+              <a:spcBef>
+                <a:spcPts val="600"/>
+              </a:spcBef>
+              <a:spcAft>
+                <a:spcPts val="0"/>
+              </a:spcAft>
+              <a:buClr>
+                <a:schemeClr val="accent6"/>
+              </a:buClr>
+              <a:buSzPts val="3000"/>
+              <a:buFont typeface="Arial"/>
+              <a:buChar char="•"/>
+            </a:pPr>
+            <a:r>
+              <a:rPr lang="en-US" sz="3000" dirty="0">
+                <a:solidFill>
+                  <a:schemeClr val="accent6"/>
+                </a:solidFill>
+                <a:latin typeface="EB Garamond"/>
+                <a:ea typeface="EB Garamond"/>
+                <a:sym typeface="EB Garamond"/>
+              </a:rPr>
+              <a:t>Hapax Richness</a:t>
+            </a:r>
+            <a:endParaRPr lang="en-US" sz="3000" dirty="0">
+              <a:solidFill>
+                <a:schemeClr val="accent6"/>
+              </a:solidFill>
+              <a:latin typeface="EB Garamond"/>
+              <a:ea typeface="EB Garamond"/>
+              <a:cs typeface="EB Garamond"/>
+              <a:sym typeface="EB Garamond"/>
+            </a:endParaRPr>
+          </a:p>
+          <a:p>
+            <a:pPr marR="0" lvl="0" algn="l" rtl="0">
+              <a:lnSpc>
+                <a:spcPct val="95000"/>
+              </a:lnSpc>
+              <a:spcBef>
+                <a:spcPts val="1200"/>
+              </a:spcBef>
+              <a:spcAft>
+                <a:spcPts val="0"/>
+              </a:spcAft>
+              <a:buClr>
+                <a:schemeClr val="accent6"/>
+              </a:buClr>
+              <a:buSzPts val="3000"/>
+            </a:pPr>
+            <a:r>
+              <a:rPr lang="en-US" sz="3000" b="1" dirty="0">
+                <a:solidFill>
+                  <a:schemeClr val="accent6"/>
+                </a:solidFill>
+                <a:latin typeface="EB Garamond"/>
+                <a:ea typeface="EB Garamond"/>
+                <a:cs typeface="EB Garamond"/>
+                <a:sym typeface="EB Garamond"/>
+              </a:rPr>
+              <a:t>Empathy Features</a:t>
+            </a:r>
+            <a:endParaRPr lang="en-US" sz="3000" dirty="0">
+              <a:solidFill>
+                <a:schemeClr val="accent6"/>
+              </a:solidFill>
+              <a:latin typeface="EB Garamond"/>
+              <a:ea typeface="EB Garamond"/>
+              <a:cs typeface="EB Garamond"/>
+              <a:sym typeface="EB Garamond"/>
+            </a:endParaRPr>
+          </a:p>
+          <a:p>
+            <a:pPr marL="457200" marR="0" lvl="0" indent="-457200" algn="l" rtl="0">
+              <a:lnSpc>
+                <a:spcPct val="95000"/>
+              </a:lnSpc>
+              <a:spcBef>
+                <a:spcPts val="1200"/>
+              </a:spcBef>
+              <a:spcAft>
+                <a:spcPts val="0"/>
+              </a:spcAft>
+              <a:buClr>
+                <a:schemeClr val="accent6"/>
+              </a:buClr>
+              <a:buSzPts val="3000"/>
+              <a:buFont typeface="Arial" panose="020B0604020202020204" pitchFamily="34" charset="0"/>
+              <a:buChar char="•"/>
+            </a:pPr>
+            <a:r>
+              <a:rPr lang="en-US" sz="3000" dirty="0">
+                <a:solidFill>
+                  <a:schemeClr val="accent6"/>
+                </a:solidFill>
+                <a:latin typeface="EB Garamond"/>
+                <a:ea typeface="EB Garamond"/>
+                <a:cs typeface="EB Garamond"/>
+                <a:sym typeface="EB Garamond"/>
+              </a:rPr>
+              <a:t>Donor-serving VS Society-serving missions</a:t>
+            </a:r>
           </a:p>
         </p:txBody>
       </p:sp>
@@ -14701,8 +15682,8 @@
         </p:nvSpPr>
         <p:spPr>
           <a:xfrm>
-            <a:off x="27827581" y="26576873"/>
-            <a:ext cx="4092448" cy="5224507"/>
+            <a:off x="27474582" y="11715200"/>
+            <a:ext cx="4092448" cy="6232435"/>
           </a:xfrm>
           <a:prstGeom prst="rect">
             <a:avLst/>
@@ -14731,18 +15712,17 @@
               <a:buNone/>
             </a:pPr>
             <a:r>
-              <a:rPr lang="en-US" sz="3000">
+              <a:rPr lang="en-US" sz="3000" dirty="0">
                 <a:solidFill>
                   <a:schemeClr val="accent6"/>
                 </a:solidFill>
                 <a:latin typeface="EB Garamond"/>
                 <a:ea typeface="EB Garamond"/>
-                <a:cs typeface="EB Garamond"/>
+                <a:cs typeface="Verdana"/>
                 <a:sym typeface="EB Garamond"/>
               </a:rPr>
-              <a:t>Reasoning test to baseline the participants ability to reason through a backward induction problem. </a:t>
+              <a:t>Separate data randomly into training and testing sets. </a:t>
             </a:r>
-            <a:endParaRPr/>
           </a:p>
           <a:p>
             <a:pPr marL="0" marR="0" lvl="0" indent="0" algn="l" rtl="0">
@@ -14750,26 +15730,22 @@
                 <a:spcPct val="95000"/>
               </a:lnSpc>
               <a:spcBef>
-                <a:spcPts val="1200"/>
+                <a:spcPts val="0"/>
               </a:spcBef>
               <a:spcAft>
                 <a:spcPts val="0"/>
               </a:spcAft>
               <a:buNone/>
             </a:pPr>
-            <a:r>
-              <a:rPr lang="en-US" sz="3000">
-                <a:solidFill>
-                  <a:schemeClr val="accent6"/>
-                </a:solidFill>
-                <a:latin typeface="EB Garamond"/>
-                <a:ea typeface="EB Garamond"/>
-                <a:cs typeface="EB Garamond"/>
-                <a:sym typeface="EB Garamond"/>
-              </a:rPr>
-              <a:t>Short social attitudes test to measure other-regarding preferences</a:t>
-            </a:r>
-            <a:endParaRPr/>
+            <a:endParaRPr lang="en-US" sz="3000" dirty="0">
+              <a:solidFill>
+                <a:schemeClr val="accent6"/>
+              </a:solidFill>
+              <a:latin typeface="EB Garamond"/>
+              <a:ea typeface="EB Garamond"/>
+              <a:cs typeface="Verdana"/>
+              <a:sym typeface="EB Garamond"/>
+            </a:endParaRPr>
           </a:p>
           <a:p>
             <a:pPr marL="0" marR="0" lvl="0" indent="0" algn="l" rtl="0">
@@ -14777,7 +15753,7 @@
                 <a:spcPct val="95000"/>
               </a:lnSpc>
               <a:spcBef>
-                <a:spcPts val="1200"/>
+                <a:spcPts val="0"/>
               </a:spcBef>
               <a:spcAft>
                 <a:spcPts val="0"/>
@@ -14785,18 +15761,67 @@
               <a:buNone/>
             </a:pPr>
             <a:r>
-              <a:rPr lang="en-US" sz="3000">
+              <a:rPr lang="en-US" sz="3000" dirty="0">
                 <a:solidFill>
                   <a:schemeClr val="accent6"/>
                 </a:solidFill>
                 <a:latin typeface="EB Garamond"/>
                 <a:ea typeface="EB Garamond"/>
-                <a:cs typeface="EB Garamond"/>
+                <a:cs typeface="Verdana"/>
                 <a:sym typeface="EB Garamond"/>
               </a:rPr>
-              <a:t>Demographic data is automatically collected by TIDE Lab</a:t>
+              <a:t>Create and evaluate a machine learning model that takes nonprofit information (asset code, state, mission statement, etc.) as input and outputs expected revenue.</a:t>
             </a:r>
-            <a:endParaRPr sz="3000">
+          </a:p>
+          <a:p>
+            <a:pPr marL="0" marR="0" lvl="0" indent="0" algn="l" rtl="0">
+              <a:lnSpc>
+                <a:spcPct val="95000"/>
+              </a:lnSpc>
+              <a:spcBef>
+                <a:spcPts val="0"/>
+              </a:spcBef>
+              <a:spcAft>
+                <a:spcPts val="0"/>
+              </a:spcAft>
+              <a:buNone/>
+            </a:pPr>
+            <a:endParaRPr lang="en-US" sz="3000" dirty="0">
+              <a:solidFill>
+                <a:schemeClr val="accent6"/>
+              </a:solidFill>
+              <a:latin typeface="EB Garamond"/>
+              <a:ea typeface="EB Garamond"/>
+              <a:cs typeface="Verdana"/>
+              <a:sym typeface="EB Garamond"/>
+            </a:endParaRPr>
+          </a:p>
+          <a:p>
+            <a:pPr marL="0" marR="0" lvl="0" indent="0" algn="l" rtl="0">
+              <a:lnSpc>
+                <a:spcPct val="95000"/>
+              </a:lnSpc>
+              <a:spcBef>
+                <a:spcPts val="0"/>
+              </a:spcBef>
+              <a:spcAft>
+                <a:spcPts val="0"/>
+              </a:spcAft>
+              <a:buNone/>
+            </a:pPr>
+            <a:r>
+              <a:rPr lang="en-US" sz="3000" dirty="0">
+                <a:solidFill>
+                  <a:schemeClr val="accent6"/>
+                </a:solidFill>
+                <a:latin typeface="EB Garamond"/>
+                <a:ea typeface="EB Garamond"/>
+                <a:cs typeface="Verdana"/>
+                <a:sym typeface="EB Garamond"/>
+              </a:rPr>
+              <a:t>Use Python library TensorFlow.</a:t>
+            </a:r>
+            <a:endParaRPr lang="en-US" sz="3000" dirty="0">
               <a:solidFill>
                 <a:schemeClr val="accent6"/>
               </a:solidFill>
@@ -14816,7 +15841,7 @@
         </p:nvSpPr>
         <p:spPr>
           <a:xfrm>
-            <a:off x="1220623" y="25253680"/>
+            <a:off x="867624" y="24964350"/>
             <a:ext cx="10241280" cy="914400"/>
           </a:xfrm>
           <a:prstGeom prst="rect">
@@ -14871,7 +15896,7 @@
         </p:nvSpPr>
         <p:spPr>
           <a:xfrm>
-            <a:off x="1903566" y="25312417"/>
+            <a:off x="1550567" y="25023087"/>
             <a:ext cx="9083675" cy="769938"/>
           </a:xfrm>
           <a:prstGeom prst="rect">
@@ -14928,7 +15953,7 @@
         </p:nvSpPr>
         <p:spPr>
           <a:xfrm>
-            <a:off x="12390120" y="17628516"/>
+            <a:off x="12037121" y="18286243"/>
             <a:ext cx="19522440" cy="914400"/>
           </a:xfrm>
           <a:prstGeom prst="rect">
@@ -14983,7 +16008,7 @@
         </p:nvSpPr>
         <p:spPr>
           <a:xfrm>
-            <a:off x="12907900" y="17685346"/>
+            <a:off x="12554901" y="18343073"/>
             <a:ext cx="18355683" cy="769442"/>
           </a:xfrm>
           <a:prstGeom prst="rect">
@@ -15017,7 +16042,7 @@
               <a:buNone/>
             </a:pPr>
             <a:r>
-              <a:rPr lang="en-US" sz="4400">
+              <a:rPr lang="en-US" sz="4400" dirty="0">
                 <a:solidFill>
                   <a:schemeClr val="lt1"/>
                 </a:solidFill>
@@ -15026,7 +16051,7 @@
                 <a:cs typeface="Verdana"/>
                 <a:sym typeface="Verdana"/>
               </a:rPr>
-              <a:t>RESULTS</a:t>
+              <a:t>PRELIMINARY RESULTS</a:t>
             </a:r>
             <a:endParaRPr dirty="0"/>
           </a:p>
@@ -15034,14 +16059,14 @@
       </p:sp>
       <p:sp>
         <p:nvSpPr>
-          <p:cNvPr id="137" name="Google Shape;137;p1"/>
-          <p:cNvSpPr txBox="1"/>
+          <p:cNvPr id="167" name="Google Shape;167;p1"/>
+          <p:cNvSpPr/>
           <p:nvPr/>
         </p:nvSpPr>
         <p:spPr>
           <a:xfrm>
-            <a:off x="12523283" y="8072074"/>
-            <a:ext cx="8271124" cy="8863965"/>
+            <a:off x="14489015" y="32196644"/>
+            <a:ext cx="14618652" cy="646290"/>
           </a:xfrm>
           <a:prstGeom prst="rect">
             <a:avLst/>
@@ -15057,7 +16082,7 @@
           </a:bodyPr>
           <a:lstStyle/>
           <a:p>
-            <a:pPr marL="0" marR="0" lvl="0" indent="0" algn="just" rtl="0">
+            <a:pPr marL="0" marR="0" lvl="0" indent="0" algn="ctr" rtl="0">
               <a:spcBef>
                 <a:spcPts val="0"/>
               </a:spcBef>
@@ -15067,7 +16092,7 @@
               <a:buNone/>
             </a:pPr>
             <a:r>
-              <a:rPr lang="en-US" sz="3000">
+              <a:rPr lang="en-US" sz="3600" dirty="0">
                 <a:solidFill>
                   <a:schemeClr val="accent6"/>
                 </a:solidFill>
@@ -15076,1935 +16101,9 @@
                 <a:cs typeface="EB Garamond"/>
                 <a:sym typeface="EB Garamond"/>
               </a:rPr>
-              <a:t>Frequently studied example of people breaking from subgame perfection. Perfect example of the paradoxical nature of backwards induction and rationality:</a:t>
+              <a:t>Table 1: Preprocessed Missions and Revenues of Tax-Exempt Organizations</a:t>
             </a:r>
-            <a:endParaRPr/>
-          </a:p>
-          <a:p>
-            <a:pPr marL="457200" marR="0" lvl="0" indent="-457200" algn="just" rtl="0">
-              <a:spcBef>
-                <a:spcPts val="1200"/>
-              </a:spcBef>
-              <a:spcAft>
-                <a:spcPts val="0"/>
-              </a:spcAft>
-              <a:buClr>
-                <a:schemeClr val="accent6"/>
-              </a:buClr>
-              <a:buSzPts val="3000"/>
-              <a:buFont typeface="Arial"/>
-              <a:buChar char="•"/>
-            </a:pPr>
-            <a:r>
-              <a:rPr lang="en-US" sz="3000">
-                <a:solidFill>
-                  <a:schemeClr val="accent6"/>
-                </a:solidFill>
-                <a:latin typeface="EB Garamond"/>
-                <a:ea typeface="EB Garamond"/>
-                <a:cs typeface="EB Garamond"/>
-                <a:sym typeface="EB Garamond"/>
-              </a:rPr>
-              <a:t>At turn 6, BLUE’s best choice is to STOP</a:t>
-            </a:r>
-            <a:endParaRPr/>
-          </a:p>
-          <a:p>
-            <a:pPr marL="457200" marR="0" lvl="0" indent="-457200" algn="just" rtl="0">
-              <a:spcBef>
-                <a:spcPts val="0"/>
-              </a:spcBef>
-              <a:spcAft>
-                <a:spcPts val="0"/>
-              </a:spcAft>
-              <a:buClr>
-                <a:schemeClr val="accent6"/>
-              </a:buClr>
-              <a:buSzPts val="3000"/>
-              <a:buFont typeface="Arial"/>
-              <a:buChar char="•"/>
-            </a:pPr>
-            <a:r>
-              <a:rPr lang="en-US" sz="3000">
-                <a:solidFill>
-                  <a:schemeClr val="accent6"/>
-                </a:solidFill>
-                <a:latin typeface="EB Garamond"/>
-                <a:ea typeface="EB Garamond"/>
-                <a:cs typeface="EB Garamond"/>
-                <a:sym typeface="EB Garamond"/>
-              </a:rPr>
-              <a:t>This means at turn 5, RED’s best choice is to STOP</a:t>
-            </a:r>
-            <a:endParaRPr/>
-          </a:p>
-          <a:p>
-            <a:pPr marL="457200" marR="0" lvl="0" indent="-457200" algn="just" rtl="0">
-              <a:spcBef>
-                <a:spcPts val="0"/>
-              </a:spcBef>
-              <a:spcAft>
-                <a:spcPts val="0"/>
-              </a:spcAft>
-              <a:buClr>
-                <a:schemeClr val="accent6"/>
-              </a:buClr>
-              <a:buSzPts val="3000"/>
-              <a:buFont typeface="Arial"/>
-              <a:buChar char="•"/>
-            </a:pPr>
-            <a:r>
-              <a:rPr lang="en-US" sz="3000">
-                <a:solidFill>
-                  <a:schemeClr val="accent6"/>
-                </a:solidFill>
-                <a:latin typeface="EB Garamond"/>
-                <a:ea typeface="EB Garamond"/>
-                <a:cs typeface="EB Garamond"/>
-                <a:sym typeface="EB Garamond"/>
-              </a:rPr>
-              <a:t>...Continues this logic to turn 1…</a:t>
-            </a:r>
-            <a:endParaRPr/>
-          </a:p>
-          <a:p>
-            <a:pPr marL="457200" marR="0" lvl="0" indent="-457200" algn="just" rtl="0">
-              <a:spcBef>
-                <a:spcPts val="0"/>
-              </a:spcBef>
-              <a:spcAft>
-                <a:spcPts val="0"/>
-              </a:spcAft>
-              <a:buClr>
-                <a:schemeClr val="accent6"/>
-              </a:buClr>
-              <a:buSzPts val="3000"/>
-              <a:buFont typeface="Arial"/>
-              <a:buChar char="•"/>
-            </a:pPr>
-            <a:r>
-              <a:rPr lang="en-US" sz="3000">
-                <a:solidFill>
-                  <a:schemeClr val="accent6"/>
-                </a:solidFill>
-                <a:latin typeface="EB Garamond"/>
-                <a:ea typeface="EB Garamond"/>
-                <a:cs typeface="EB Garamond"/>
-                <a:sym typeface="EB Garamond"/>
-              </a:rPr>
-              <a:t>RED’s best choice is to stop turn 1</a:t>
-            </a:r>
-            <a:endParaRPr/>
-          </a:p>
-          <a:p>
-            <a:pPr marL="0" marR="0" lvl="0" indent="0" algn="just" rtl="0">
-              <a:spcBef>
-                <a:spcPts val="1200"/>
-              </a:spcBef>
-              <a:spcAft>
-                <a:spcPts val="0"/>
-              </a:spcAft>
-              <a:buNone/>
-            </a:pPr>
-            <a:r>
-              <a:rPr lang="en-US" sz="3000">
-                <a:solidFill>
-                  <a:schemeClr val="accent6"/>
-                </a:solidFill>
-                <a:latin typeface="EB Garamond"/>
-                <a:ea typeface="EB Garamond"/>
-                <a:cs typeface="EB Garamond"/>
-                <a:sym typeface="EB Garamond"/>
-              </a:rPr>
-              <a:t>The subgame perfect equilibrium (which assumes sequential rationality) is ending turn 1.</a:t>
-            </a:r>
-            <a:endParaRPr/>
-          </a:p>
-          <a:p>
-            <a:pPr marL="0" marR="0" lvl="0" indent="0" algn="just" rtl="0">
-              <a:spcBef>
-                <a:spcPts val="1200"/>
-              </a:spcBef>
-              <a:spcAft>
-                <a:spcPts val="0"/>
-              </a:spcAft>
-              <a:buNone/>
-            </a:pPr>
-            <a:r>
-              <a:rPr lang="en-US" sz="3000">
-                <a:solidFill>
-                  <a:schemeClr val="accent6"/>
-                </a:solidFill>
-                <a:latin typeface="EB Garamond"/>
-                <a:ea typeface="EB Garamond"/>
-                <a:cs typeface="EB Garamond"/>
-                <a:sym typeface="EB Garamond"/>
-              </a:rPr>
-              <a:t>Humans do not behave this way and receive on average more money because of it (deviation is a Pareto improvement over equilibrium). The game highlights the paradoxical nature of rationality since higher intelligence individuals deviate more from rational behavior and received more money from this “irrational” behavior. *cite*</a:t>
-            </a:r>
-            <a:endParaRPr/>
-          </a:p>
-          <a:p>
-            <a:pPr marL="0" marR="0" lvl="0" indent="0" algn="just" rtl="0">
-              <a:spcBef>
-                <a:spcPts val="0"/>
-              </a:spcBef>
-              <a:spcAft>
-                <a:spcPts val="0"/>
-              </a:spcAft>
-              <a:buNone/>
-            </a:pPr>
-            <a:endParaRPr sz="3000">
-              <a:solidFill>
-                <a:schemeClr val="accent6"/>
-              </a:solidFill>
-              <a:latin typeface="EB Garamond"/>
-              <a:ea typeface="EB Garamond"/>
-              <a:cs typeface="EB Garamond"/>
-              <a:sym typeface="EB Garamond"/>
-            </a:endParaRPr>
-          </a:p>
-        </p:txBody>
-      </p:sp>
-      <p:pic>
-        <p:nvPicPr>
-          <p:cNvPr id="138" name="Google Shape;138;p1" descr="Diagram&#10;&#10;Description automatically generated with medium confidence"/>
-          <p:cNvPicPr preferRelativeResize="0"/>
-          <p:nvPr/>
-        </p:nvPicPr>
-        <p:blipFill rotWithShape="1">
-          <a:blip r:embed="rId5">
-            <a:alphaModFix/>
-          </a:blip>
-          <a:srcRect l="4131" t="2357" r="2492" b="4975"/>
-          <a:stretch/>
-        </p:blipFill>
-        <p:spPr>
-          <a:xfrm>
-            <a:off x="21477350" y="8302259"/>
-            <a:ext cx="10194289" cy="6359189"/>
-          </a:xfrm>
-          <a:prstGeom prst="rect">
-            <a:avLst/>
-          </a:prstGeom>
-          <a:noFill/>
-          <a:ln w="57150" cap="flat" cmpd="sng">
-            <a:solidFill>
-              <a:schemeClr val="dk1"/>
-            </a:solidFill>
-            <a:prstDash val="solid"/>
-            <a:round/>
-            <a:headEnd type="none" w="sm" len="sm"/>
-            <a:tailEnd type="none" w="sm" len="sm"/>
-          </a:ln>
-        </p:spPr>
-      </p:pic>
-      <p:grpSp>
-        <p:nvGrpSpPr>
-          <p:cNvPr id="139" name="Google Shape;139;p1"/>
-          <p:cNvGrpSpPr/>
-          <p:nvPr/>
-        </p:nvGrpSpPr>
-        <p:grpSpPr>
-          <a:xfrm>
-            <a:off x="23711195" y="19083362"/>
-            <a:ext cx="7334315" cy="3450690"/>
-            <a:chOff x="484120" y="250427"/>
-            <a:chExt cx="7334315" cy="3450690"/>
-          </a:xfrm>
-        </p:grpSpPr>
-        <p:sp>
-          <p:nvSpPr>
-            <p:cNvPr id="140" name="Google Shape;140;p1"/>
-            <p:cNvSpPr/>
-            <p:nvPr/>
-          </p:nvSpPr>
-          <p:spPr>
-            <a:xfrm>
-              <a:off x="484120" y="2034137"/>
-              <a:ext cx="2257847" cy="1128923"/>
-            </a:xfrm>
-            <a:prstGeom prst="roundRect">
-              <a:avLst>
-                <a:gd name="adj" fmla="val 10000"/>
-              </a:avLst>
-            </a:prstGeom>
-            <a:solidFill>
-              <a:srgbClr val="7B7061"/>
-            </a:solidFill>
-            <a:ln w="25400" cap="flat" cmpd="sng">
-              <a:solidFill>
-                <a:schemeClr val="lt1"/>
-              </a:solidFill>
-              <a:prstDash val="solid"/>
-              <a:round/>
-              <a:headEnd type="none" w="sm" len="sm"/>
-              <a:tailEnd type="none" w="sm" len="sm"/>
-            </a:ln>
-          </p:spPr>
-          <p:txBody>
-            <a:bodyPr spcFirstLastPara="1" wrap="square" lIns="91425" tIns="91425" rIns="91425" bIns="91425" anchor="ctr" anchorCtr="0">
-              <a:noAutofit/>
-            </a:bodyPr>
-            <a:lstStyle/>
-            <a:p>
-              <a:pPr marL="0" lvl="0" indent="0" algn="l" rtl="0">
-                <a:spcBef>
-                  <a:spcPts val="0"/>
-                </a:spcBef>
-                <a:spcAft>
-                  <a:spcPts val="0"/>
-                </a:spcAft>
-                <a:buNone/>
-              </a:pPr>
-              <a:endParaRPr/>
-            </a:p>
-          </p:txBody>
-        </p:sp>
-        <p:sp>
-          <p:nvSpPr>
-            <p:cNvPr id="141" name="Google Shape;141;p1"/>
-            <p:cNvSpPr txBox="1"/>
-            <p:nvPr/>
-          </p:nvSpPr>
-          <p:spPr>
-            <a:xfrm>
-              <a:off x="517185" y="2067202"/>
-              <a:ext cx="2191717" cy="1062793"/>
-            </a:xfrm>
-            <a:prstGeom prst="rect">
-              <a:avLst/>
-            </a:prstGeom>
-            <a:noFill/>
-            <a:ln>
-              <a:noFill/>
-            </a:ln>
-          </p:spPr>
-          <p:txBody>
-            <a:bodyPr spcFirstLastPara="1" wrap="square" lIns="15225" tIns="15225" rIns="15225" bIns="15225" anchor="ctr" anchorCtr="0">
-              <a:noAutofit/>
-            </a:bodyPr>
-            <a:lstStyle/>
-            <a:p>
-              <a:pPr marL="0" marR="0" lvl="0" indent="0" algn="ctr" rtl="0">
-                <a:lnSpc>
-                  <a:spcPct val="90000"/>
-                </a:lnSpc>
-                <a:spcBef>
-                  <a:spcPts val="0"/>
-                </a:spcBef>
-                <a:spcAft>
-                  <a:spcPts val="0"/>
-                </a:spcAft>
-                <a:buClr>
-                  <a:schemeClr val="lt1"/>
-                </a:buClr>
-                <a:buSzPts val="2400"/>
-                <a:buFont typeface="Corbel"/>
-                <a:buNone/>
-              </a:pPr>
-              <a:r>
-                <a:rPr lang="en-US" sz="2400">
-                  <a:solidFill>
-                    <a:schemeClr val="lt1"/>
-                  </a:solidFill>
-                  <a:latin typeface="Corbel"/>
-                  <a:ea typeface="Corbel"/>
-                  <a:cs typeface="Corbel"/>
-                  <a:sym typeface="Corbel"/>
-                </a:rPr>
-                <a:t>Participant Pool</a:t>
-              </a:r>
-              <a:endParaRPr/>
-            </a:p>
-          </p:txBody>
-        </p:sp>
-        <p:sp>
-          <p:nvSpPr>
-            <p:cNvPr id="142" name="Google Shape;142;p1"/>
-            <p:cNvSpPr/>
-            <p:nvPr/>
-          </p:nvSpPr>
-          <p:spPr>
-            <a:xfrm rot="-3925597">
-              <a:off x="2352045" y="1966538"/>
-              <a:ext cx="1335026" cy="50009"/>
-            </a:xfrm>
-            <a:custGeom>
-              <a:avLst/>
-              <a:gdLst/>
-              <a:ahLst/>
-              <a:cxnLst/>
-              <a:rect l="l" t="t" r="r" b="b"/>
-              <a:pathLst>
-                <a:path w="120000" h="120000" extrusionOk="0">
-                  <a:moveTo>
-                    <a:pt x="0" y="59999"/>
-                  </a:moveTo>
-                  <a:lnTo>
-                    <a:pt x="120000" y="59999"/>
-                  </a:lnTo>
-                </a:path>
-              </a:pathLst>
-            </a:custGeom>
-            <a:noFill/>
-            <a:ln w="25400" cap="flat" cmpd="sng">
-              <a:solidFill>
-                <a:srgbClr val="A32336"/>
-              </a:solidFill>
-              <a:prstDash val="solid"/>
-              <a:round/>
-              <a:headEnd type="none" w="sm" len="sm"/>
-              <a:tailEnd type="none" w="sm" len="sm"/>
-            </a:ln>
-          </p:spPr>
-          <p:txBody>
-            <a:bodyPr spcFirstLastPara="1" wrap="square" lIns="91425" tIns="91425" rIns="91425" bIns="91425" anchor="ctr" anchorCtr="0">
-              <a:noAutofit/>
-            </a:bodyPr>
-            <a:lstStyle/>
-            <a:p>
-              <a:pPr marL="0" lvl="0" indent="0" algn="l" rtl="0">
-                <a:spcBef>
-                  <a:spcPts val="0"/>
-                </a:spcBef>
-                <a:spcAft>
-                  <a:spcPts val="0"/>
-                </a:spcAft>
-                <a:buNone/>
-              </a:pPr>
-              <a:endParaRPr/>
-            </a:p>
-          </p:txBody>
-        </p:sp>
-        <p:sp>
-          <p:nvSpPr>
-            <p:cNvPr id="143" name="Google Shape;143;p1"/>
-            <p:cNvSpPr txBox="1"/>
-            <p:nvPr/>
-          </p:nvSpPr>
-          <p:spPr>
-            <a:xfrm rot="-3925597">
-              <a:off x="2986182" y="1958167"/>
-              <a:ext cx="66751" cy="66751"/>
-            </a:xfrm>
-            <a:prstGeom prst="rect">
-              <a:avLst/>
-            </a:prstGeom>
-            <a:noFill/>
-            <a:ln>
-              <a:noFill/>
-            </a:ln>
-          </p:spPr>
-          <p:txBody>
-            <a:bodyPr spcFirstLastPara="1" wrap="square" lIns="12700" tIns="0" rIns="12700" bIns="0" anchor="ctr" anchorCtr="0">
-              <a:noAutofit/>
-            </a:bodyPr>
-            <a:lstStyle/>
-            <a:p>
-              <a:pPr marL="0" marR="0" lvl="0" indent="0" algn="ctr" rtl="0">
-                <a:lnSpc>
-                  <a:spcPct val="90000"/>
-                </a:lnSpc>
-                <a:spcBef>
-                  <a:spcPts val="0"/>
-                </a:spcBef>
-                <a:spcAft>
-                  <a:spcPts val="0"/>
-                </a:spcAft>
-                <a:buClr>
-                  <a:schemeClr val="dk1"/>
-                </a:buClr>
-                <a:buSzPts val="500"/>
-                <a:buFont typeface="Corbel"/>
-                <a:buNone/>
-              </a:pPr>
-              <a:endParaRPr sz="500">
-                <a:solidFill>
-                  <a:schemeClr val="dk1"/>
-                </a:solidFill>
-                <a:latin typeface="Corbel"/>
-                <a:ea typeface="Corbel"/>
-                <a:cs typeface="Corbel"/>
-                <a:sym typeface="Corbel"/>
-              </a:endParaRPr>
-            </a:p>
-          </p:txBody>
-        </p:sp>
-        <p:sp>
-          <p:nvSpPr>
-            <p:cNvPr id="144" name="Google Shape;144;p1"/>
-            <p:cNvSpPr/>
-            <p:nvPr/>
-          </p:nvSpPr>
-          <p:spPr>
-            <a:xfrm>
-              <a:off x="3297149" y="820025"/>
-              <a:ext cx="2257847" cy="1128923"/>
-            </a:xfrm>
-            <a:prstGeom prst="roundRect">
-              <a:avLst>
-                <a:gd name="adj" fmla="val 10000"/>
-              </a:avLst>
-            </a:prstGeom>
-            <a:solidFill>
-              <a:srgbClr val="A32336"/>
-            </a:solidFill>
-            <a:ln w="25400" cap="flat" cmpd="sng">
-              <a:solidFill>
-                <a:schemeClr val="lt1"/>
-              </a:solidFill>
-              <a:prstDash val="solid"/>
-              <a:round/>
-              <a:headEnd type="none" w="sm" len="sm"/>
-              <a:tailEnd type="none" w="sm" len="sm"/>
-            </a:ln>
-          </p:spPr>
-          <p:txBody>
-            <a:bodyPr spcFirstLastPara="1" wrap="square" lIns="91425" tIns="91425" rIns="91425" bIns="91425" anchor="ctr" anchorCtr="0">
-              <a:noAutofit/>
-            </a:bodyPr>
-            <a:lstStyle/>
-            <a:p>
-              <a:pPr marL="0" lvl="0" indent="0" algn="l" rtl="0">
-                <a:spcBef>
-                  <a:spcPts val="0"/>
-                </a:spcBef>
-                <a:spcAft>
-                  <a:spcPts val="0"/>
-                </a:spcAft>
-                <a:buNone/>
-              </a:pPr>
-              <a:endParaRPr/>
-            </a:p>
-          </p:txBody>
-        </p:sp>
-        <p:sp>
-          <p:nvSpPr>
-            <p:cNvPr id="145" name="Google Shape;145;p1"/>
-            <p:cNvSpPr txBox="1"/>
-            <p:nvPr/>
-          </p:nvSpPr>
-          <p:spPr>
-            <a:xfrm>
-              <a:off x="3330214" y="853090"/>
-              <a:ext cx="2191717" cy="1062793"/>
-            </a:xfrm>
-            <a:prstGeom prst="rect">
-              <a:avLst/>
-            </a:prstGeom>
-            <a:noFill/>
-            <a:ln>
-              <a:noFill/>
-            </a:ln>
-          </p:spPr>
-          <p:txBody>
-            <a:bodyPr spcFirstLastPara="1" wrap="square" lIns="15225" tIns="15225" rIns="15225" bIns="15225" anchor="ctr" anchorCtr="0">
-              <a:noAutofit/>
-            </a:bodyPr>
-            <a:lstStyle/>
-            <a:p>
-              <a:pPr marL="0" marR="0" lvl="0" indent="0" algn="ctr" rtl="0">
-                <a:lnSpc>
-                  <a:spcPct val="90000"/>
-                </a:lnSpc>
-                <a:spcBef>
-                  <a:spcPts val="0"/>
-                </a:spcBef>
-                <a:spcAft>
-                  <a:spcPts val="0"/>
-                </a:spcAft>
-                <a:buClr>
-                  <a:schemeClr val="lt1"/>
-                </a:buClr>
-                <a:buSzPts val="2400"/>
-                <a:buFont typeface="Corbel"/>
-                <a:buNone/>
-              </a:pPr>
-              <a:r>
-                <a:rPr lang="en-US" sz="2400">
-                  <a:solidFill>
-                    <a:schemeClr val="lt1"/>
-                  </a:solidFill>
-                  <a:latin typeface="Corbel"/>
-                  <a:ea typeface="Corbel"/>
-                  <a:cs typeface="Corbel"/>
-                  <a:sym typeface="Corbel"/>
-                </a:rPr>
-                <a:t>Told their opponent’s IQ</a:t>
-              </a:r>
-              <a:endParaRPr/>
-            </a:p>
-          </p:txBody>
-        </p:sp>
-        <p:sp>
-          <p:nvSpPr>
-            <p:cNvPr id="146" name="Google Shape;146;p1"/>
-            <p:cNvSpPr/>
-            <p:nvPr/>
-          </p:nvSpPr>
-          <p:spPr>
-            <a:xfrm rot="-2684912">
-              <a:off x="5395846" y="972863"/>
-              <a:ext cx="1098356" cy="50009"/>
-            </a:xfrm>
-            <a:custGeom>
-              <a:avLst/>
-              <a:gdLst/>
-              <a:ahLst/>
-              <a:cxnLst/>
-              <a:rect l="l" t="t" r="r" b="b"/>
-              <a:pathLst>
-                <a:path w="120000" h="120000" extrusionOk="0">
-                  <a:moveTo>
-                    <a:pt x="0" y="59999"/>
-                  </a:moveTo>
-                  <a:lnTo>
-                    <a:pt x="120000" y="59999"/>
-                  </a:lnTo>
-                </a:path>
-              </a:pathLst>
-            </a:custGeom>
-            <a:noFill/>
-            <a:ln w="25400" cap="flat" cmpd="sng">
-              <a:solidFill>
-                <a:schemeClr val="accent3"/>
-              </a:solidFill>
-              <a:prstDash val="solid"/>
-              <a:round/>
-              <a:headEnd type="none" w="sm" len="sm"/>
-              <a:tailEnd type="none" w="sm" len="sm"/>
-            </a:ln>
-          </p:spPr>
-          <p:txBody>
-            <a:bodyPr spcFirstLastPara="1" wrap="square" lIns="91425" tIns="91425" rIns="91425" bIns="91425" anchor="ctr" anchorCtr="0">
-              <a:noAutofit/>
-            </a:bodyPr>
-            <a:lstStyle/>
-            <a:p>
-              <a:pPr marL="0" lvl="0" indent="0" algn="l" rtl="0">
-                <a:spcBef>
-                  <a:spcPts val="0"/>
-                </a:spcBef>
-                <a:spcAft>
-                  <a:spcPts val="0"/>
-                </a:spcAft>
-                <a:buNone/>
-              </a:pPr>
-              <a:endParaRPr/>
-            </a:p>
-          </p:txBody>
-        </p:sp>
-        <p:sp>
-          <p:nvSpPr>
-            <p:cNvPr id="147" name="Google Shape;147;p1"/>
-            <p:cNvSpPr txBox="1"/>
-            <p:nvPr/>
-          </p:nvSpPr>
-          <p:spPr>
-            <a:xfrm rot="-2684912">
-              <a:off x="5917565" y="970408"/>
-              <a:ext cx="54917" cy="54917"/>
-            </a:xfrm>
-            <a:prstGeom prst="rect">
-              <a:avLst/>
-            </a:prstGeom>
-            <a:noFill/>
-            <a:ln>
-              <a:noFill/>
-            </a:ln>
-          </p:spPr>
-          <p:txBody>
-            <a:bodyPr spcFirstLastPara="1" wrap="square" lIns="12700" tIns="0" rIns="12700" bIns="0" anchor="ctr" anchorCtr="0">
-              <a:noAutofit/>
-            </a:bodyPr>
-            <a:lstStyle/>
-            <a:p>
-              <a:pPr marL="0" marR="0" lvl="0" indent="0" algn="ctr" rtl="0">
-                <a:lnSpc>
-                  <a:spcPct val="90000"/>
-                </a:lnSpc>
-                <a:spcBef>
-                  <a:spcPts val="0"/>
-                </a:spcBef>
-                <a:spcAft>
-                  <a:spcPts val="0"/>
-                </a:spcAft>
-                <a:buClr>
-                  <a:schemeClr val="dk1"/>
-                </a:buClr>
-                <a:buSzPts val="500"/>
-                <a:buFont typeface="Corbel"/>
-                <a:buNone/>
-              </a:pPr>
-              <a:endParaRPr sz="500">
-                <a:solidFill>
-                  <a:schemeClr val="dk1"/>
-                </a:solidFill>
-                <a:latin typeface="Corbel"/>
-                <a:ea typeface="Corbel"/>
-                <a:cs typeface="Corbel"/>
-                <a:sym typeface="Corbel"/>
-              </a:endParaRPr>
-            </a:p>
-          </p:txBody>
-        </p:sp>
-        <p:sp>
-          <p:nvSpPr>
-            <p:cNvPr id="148" name="Google Shape;148;p1"/>
-            <p:cNvSpPr/>
-            <p:nvPr/>
-          </p:nvSpPr>
-          <p:spPr>
-            <a:xfrm>
-              <a:off x="6335053" y="250427"/>
-              <a:ext cx="1483382" cy="721641"/>
-            </a:xfrm>
-            <a:prstGeom prst="roundRect">
-              <a:avLst>
-                <a:gd name="adj" fmla="val 10000"/>
-              </a:avLst>
-            </a:prstGeom>
-            <a:solidFill>
-              <a:schemeClr val="accent3"/>
-            </a:solidFill>
-            <a:ln w="25400" cap="flat" cmpd="sng">
-              <a:solidFill>
-                <a:schemeClr val="lt1"/>
-              </a:solidFill>
-              <a:prstDash val="solid"/>
-              <a:round/>
-              <a:headEnd type="none" w="sm" len="sm"/>
-              <a:tailEnd type="none" w="sm" len="sm"/>
-            </a:ln>
-          </p:spPr>
-          <p:txBody>
-            <a:bodyPr spcFirstLastPara="1" wrap="square" lIns="91425" tIns="91425" rIns="91425" bIns="91425" anchor="ctr" anchorCtr="0">
-              <a:noAutofit/>
-            </a:bodyPr>
-            <a:lstStyle/>
-            <a:p>
-              <a:pPr marL="0" lvl="0" indent="0" algn="l" rtl="0">
-                <a:spcBef>
-                  <a:spcPts val="0"/>
-                </a:spcBef>
-                <a:spcAft>
-                  <a:spcPts val="0"/>
-                </a:spcAft>
-                <a:buNone/>
-              </a:pPr>
-              <a:endParaRPr/>
-            </a:p>
-          </p:txBody>
-        </p:sp>
-        <p:sp>
-          <p:nvSpPr>
-            <p:cNvPr id="149" name="Google Shape;149;p1"/>
-            <p:cNvSpPr txBox="1"/>
-            <p:nvPr/>
-          </p:nvSpPr>
-          <p:spPr>
-            <a:xfrm>
-              <a:off x="6356189" y="271563"/>
-              <a:ext cx="1441110" cy="679369"/>
-            </a:xfrm>
-            <a:prstGeom prst="rect">
-              <a:avLst/>
-            </a:prstGeom>
-            <a:noFill/>
-            <a:ln>
-              <a:noFill/>
-            </a:ln>
-          </p:spPr>
-          <p:txBody>
-            <a:bodyPr spcFirstLastPara="1" wrap="square" lIns="15225" tIns="15225" rIns="15225" bIns="15225" anchor="ctr" anchorCtr="0">
-              <a:noAutofit/>
-            </a:bodyPr>
-            <a:lstStyle/>
-            <a:p>
-              <a:pPr marL="0" marR="0" lvl="0" indent="0" algn="ctr" rtl="0">
-                <a:lnSpc>
-                  <a:spcPct val="90000"/>
-                </a:lnSpc>
-                <a:spcBef>
-                  <a:spcPts val="0"/>
-                </a:spcBef>
-                <a:spcAft>
-                  <a:spcPts val="0"/>
-                </a:spcAft>
-                <a:buClr>
-                  <a:schemeClr val="lt1"/>
-                </a:buClr>
-                <a:buSzPts val="2400"/>
-                <a:buFont typeface="Corbel"/>
-                <a:buNone/>
-              </a:pPr>
-              <a:r>
-                <a:rPr lang="en-US" sz="2400">
-                  <a:solidFill>
-                    <a:schemeClr val="lt1"/>
-                  </a:solidFill>
-                  <a:latin typeface="Corbel"/>
-                  <a:ea typeface="Corbel"/>
-                  <a:cs typeface="Corbel"/>
-                  <a:sym typeface="Corbel"/>
-                </a:rPr>
-                <a:t>4</a:t>
-              </a:r>
-              <a:r>
-                <a:rPr lang="en-US" sz="2400" baseline="30000">
-                  <a:solidFill>
-                    <a:schemeClr val="lt1"/>
-                  </a:solidFill>
-                  <a:latin typeface="Corbel"/>
-                  <a:ea typeface="Corbel"/>
-                  <a:cs typeface="Corbel"/>
-                  <a:sym typeface="Corbel"/>
-                </a:rPr>
-                <a:t>th</a:t>
-              </a:r>
-              <a:r>
-                <a:rPr lang="en-US" sz="2400">
-                  <a:solidFill>
-                    <a:schemeClr val="lt1"/>
-                  </a:solidFill>
-                  <a:latin typeface="Corbel"/>
-                  <a:ea typeface="Corbel"/>
-                  <a:cs typeface="Corbel"/>
-                  <a:sym typeface="Corbel"/>
-                </a:rPr>
-                <a:t> quartile</a:t>
-              </a:r>
-              <a:endParaRPr/>
-            </a:p>
-          </p:txBody>
-        </p:sp>
-        <p:sp>
-          <p:nvSpPr>
-            <p:cNvPr id="150" name="Google Shape;150;p1"/>
-            <p:cNvSpPr/>
-            <p:nvPr/>
-          </p:nvSpPr>
-          <p:spPr>
-            <a:xfrm rot="524636">
-              <a:off x="5550448" y="1418968"/>
-              <a:ext cx="782611" cy="50009"/>
-            </a:xfrm>
-            <a:custGeom>
-              <a:avLst/>
-              <a:gdLst/>
-              <a:ahLst/>
-              <a:cxnLst/>
-              <a:rect l="l" t="t" r="r" b="b"/>
-              <a:pathLst>
-                <a:path w="120000" h="120000" extrusionOk="0">
-                  <a:moveTo>
-                    <a:pt x="0" y="59999"/>
-                  </a:moveTo>
-                  <a:lnTo>
-                    <a:pt x="120000" y="59999"/>
-                  </a:lnTo>
-                </a:path>
-              </a:pathLst>
-            </a:custGeom>
-            <a:noFill/>
-            <a:ln w="25400" cap="flat" cmpd="sng">
-              <a:solidFill>
-                <a:schemeClr val="accent3"/>
-              </a:solidFill>
-              <a:prstDash val="solid"/>
-              <a:round/>
-              <a:headEnd type="none" w="sm" len="sm"/>
-              <a:tailEnd type="none" w="sm" len="sm"/>
-            </a:ln>
-          </p:spPr>
-          <p:txBody>
-            <a:bodyPr spcFirstLastPara="1" wrap="square" lIns="91425" tIns="91425" rIns="91425" bIns="91425" anchor="ctr" anchorCtr="0">
-              <a:noAutofit/>
-            </a:bodyPr>
-            <a:lstStyle/>
-            <a:p>
-              <a:pPr marL="0" lvl="0" indent="0" algn="l" rtl="0">
-                <a:spcBef>
-                  <a:spcPts val="0"/>
-                </a:spcBef>
-                <a:spcAft>
-                  <a:spcPts val="0"/>
-                </a:spcAft>
-                <a:buNone/>
-              </a:pPr>
-              <a:endParaRPr/>
-            </a:p>
-          </p:txBody>
-        </p:sp>
-        <p:sp>
-          <p:nvSpPr>
-            <p:cNvPr id="151" name="Google Shape;151;p1"/>
-            <p:cNvSpPr txBox="1"/>
-            <p:nvPr/>
-          </p:nvSpPr>
-          <p:spPr>
-            <a:xfrm rot="524636">
-              <a:off x="5922189" y="1424408"/>
-              <a:ext cx="39130" cy="39130"/>
-            </a:xfrm>
-            <a:prstGeom prst="rect">
-              <a:avLst/>
-            </a:prstGeom>
-            <a:noFill/>
-            <a:ln>
-              <a:noFill/>
-            </a:ln>
-          </p:spPr>
-          <p:txBody>
-            <a:bodyPr spcFirstLastPara="1" wrap="square" lIns="12700" tIns="0" rIns="12700" bIns="0" anchor="ctr" anchorCtr="0">
-              <a:noAutofit/>
-            </a:bodyPr>
-            <a:lstStyle/>
-            <a:p>
-              <a:pPr marL="0" marR="0" lvl="0" indent="0" algn="ctr" rtl="0">
-                <a:lnSpc>
-                  <a:spcPct val="90000"/>
-                </a:lnSpc>
-                <a:spcBef>
-                  <a:spcPts val="0"/>
-                </a:spcBef>
-                <a:spcAft>
-                  <a:spcPts val="0"/>
-                </a:spcAft>
-                <a:buClr>
-                  <a:schemeClr val="dk1"/>
-                </a:buClr>
-                <a:buSzPts val="500"/>
-                <a:buFont typeface="Corbel"/>
-                <a:buNone/>
-              </a:pPr>
-              <a:endParaRPr sz="500">
-                <a:solidFill>
-                  <a:schemeClr val="dk1"/>
-                </a:solidFill>
-                <a:latin typeface="Corbel"/>
-                <a:ea typeface="Corbel"/>
-                <a:cs typeface="Corbel"/>
-                <a:sym typeface="Corbel"/>
-              </a:endParaRPr>
-            </a:p>
-          </p:txBody>
-        </p:sp>
-        <p:sp>
-          <p:nvSpPr>
-            <p:cNvPr id="152" name="Google Shape;152;p1"/>
-            <p:cNvSpPr/>
-            <p:nvPr/>
-          </p:nvSpPr>
-          <p:spPr>
-            <a:xfrm>
-              <a:off x="6328512" y="1142638"/>
-              <a:ext cx="1483382" cy="721641"/>
-            </a:xfrm>
-            <a:prstGeom prst="roundRect">
-              <a:avLst>
-                <a:gd name="adj" fmla="val 10000"/>
-              </a:avLst>
-            </a:prstGeom>
-            <a:solidFill>
-              <a:schemeClr val="accent3"/>
-            </a:solidFill>
-            <a:ln w="25400" cap="flat" cmpd="sng">
-              <a:solidFill>
-                <a:schemeClr val="lt1"/>
-              </a:solidFill>
-              <a:prstDash val="solid"/>
-              <a:round/>
-              <a:headEnd type="none" w="sm" len="sm"/>
-              <a:tailEnd type="none" w="sm" len="sm"/>
-            </a:ln>
-          </p:spPr>
-          <p:txBody>
-            <a:bodyPr spcFirstLastPara="1" wrap="square" lIns="91425" tIns="91425" rIns="91425" bIns="91425" anchor="ctr" anchorCtr="0">
-              <a:noAutofit/>
-            </a:bodyPr>
-            <a:lstStyle/>
-            <a:p>
-              <a:pPr marL="0" lvl="0" indent="0" algn="l" rtl="0">
-                <a:spcBef>
-                  <a:spcPts val="0"/>
-                </a:spcBef>
-                <a:spcAft>
-                  <a:spcPts val="0"/>
-                </a:spcAft>
-                <a:buNone/>
-              </a:pPr>
-              <a:endParaRPr/>
-            </a:p>
-          </p:txBody>
-        </p:sp>
-        <p:sp>
-          <p:nvSpPr>
-            <p:cNvPr id="153" name="Google Shape;153;p1"/>
-            <p:cNvSpPr txBox="1"/>
-            <p:nvPr/>
-          </p:nvSpPr>
-          <p:spPr>
-            <a:xfrm>
-              <a:off x="6349648" y="1163774"/>
-              <a:ext cx="1441110" cy="679369"/>
-            </a:xfrm>
-            <a:prstGeom prst="rect">
-              <a:avLst/>
-            </a:prstGeom>
-            <a:noFill/>
-            <a:ln>
-              <a:noFill/>
-            </a:ln>
-          </p:spPr>
-          <p:txBody>
-            <a:bodyPr spcFirstLastPara="1" wrap="square" lIns="15225" tIns="15225" rIns="15225" bIns="15225" anchor="ctr" anchorCtr="0">
-              <a:noAutofit/>
-            </a:bodyPr>
-            <a:lstStyle/>
-            <a:p>
-              <a:pPr marL="0" marR="0" lvl="0" indent="0" algn="ctr" rtl="0">
-                <a:lnSpc>
-                  <a:spcPct val="90000"/>
-                </a:lnSpc>
-                <a:spcBef>
-                  <a:spcPts val="0"/>
-                </a:spcBef>
-                <a:spcAft>
-                  <a:spcPts val="0"/>
-                </a:spcAft>
-                <a:buClr>
-                  <a:schemeClr val="lt1"/>
-                </a:buClr>
-                <a:buSzPts val="2400"/>
-                <a:buFont typeface="Corbel"/>
-                <a:buNone/>
-              </a:pPr>
-              <a:r>
-                <a:rPr lang="en-US" sz="2400">
-                  <a:solidFill>
-                    <a:schemeClr val="lt1"/>
-                  </a:solidFill>
-                  <a:latin typeface="Corbel"/>
-                  <a:ea typeface="Corbel"/>
-                  <a:cs typeface="Corbel"/>
-                  <a:sym typeface="Corbel"/>
-                </a:rPr>
-                <a:t>3</a:t>
-              </a:r>
-              <a:r>
-                <a:rPr lang="en-US" sz="2400" baseline="30000">
-                  <a:solidFill>
-                    <a:schemeClr val="lt1"/>
-                  </a:solidFill>
-                  <a:latin typeface="Corbel"/>
-                  <a:ea typeface="Corbel"/>
-                  <a:cs typeface="Corbel"/>
-                  <a:sym typeface="Corbel"/>
-                </a:rPr>
-                <a:t>rd</a:t>
-              </a:r>
-              <a:r>
-                <a:rPr lang="en-US" sz="2400">
-                  <a:solidFill>
-                    <a:schemeClr val="lt1"/>
-                  </a:solidFill>
-                  <a:latin typeface="Corbel"/>
-                  <a:ea typeface="Corbel"/>
-                  <a:cs typeface="Corbel"/>
-                  <a:sym typeface="Corbel"/>
-                </a:rPr>
-                <a:t> quartile</a:t>
-              </a:r>
-              <a:endParaRPr/>
-            </a:p>
-          </p:txBody>
-        </p:sp>
-        <p:sp>
-          <p:nvSpPr>
-            <p:cNvPr id="154" name="Google Shape;154;p1"/>
-            <p:cNvSpPr/>
-            <p:nvPr/>
-          </p:nvSpPr>
-          <p:spPr>
-            <a:xfrm rot="3153103">
-              <a:off x="5305686" y="1864458"/>
-              <a:ext cx="1272135" cy="50009"/>
-            </a:xfrm>
-            <a:custGeom>
-              <a:avLst/>
-              <a:gdLst/>
-              <a:ahLst/>
-              <a:cxnLst/>
-              <a:rect l="l" t="t" r="r" b="b"/>
-              <a:pathLst>
-                <a:path w="120000" h="120000" extrusionOk="0">
-                  <a:moveTo>
-                    <a:pt x="0" y="59999"/>
-                  </a:moveTo>
-                  <a:lnTo>
-                    <a:pt x="120000" y="59999"/>
-                  </a:lnTo>
-                </a:path>
-              </a:pathLst>
-            </a:custGeom>
-            <a:noFill/>
-            <a:ln w="25400" cap="flat" cmpd="sng">
-              <a:solidFill>
-                <a:schemeClr val="accent3"/>
-              </a:solidFill>
-              <a:prstDash val="solid"/>
-              <a:round/>
-              <a:headEnd type="none" w="sm" len="sm"/>
-              <a:tailEnd type="none" w="sm" len="sm"/>
-            </a:ln>
-          </p:spPr>
-          <p:txBody>
-            <a:bodyPr spcFirstLastPara="1" wrap="square" lIns="91425" tIns="91425" rIns="91425" bIns="91425" anchor="ctr" anchorCtr="0">
-              <a:noAutofit/>
-            </a:bodyPr>
-            <a:lstStyle/>
-            <a:p>
-              <a:pPr marL="0" lvl="0" indent="0" algn="l" rtl="0">
-                <a:spcBef>
-                  <a:spcPts val="0"/>
-                </a:spcBef>
-                <a:spcAft>
-                  <a:spcPts val="0"/>
-                </a:spcAft>
-                <a:buNone/>
-              </a:pPr>
-              <a:endParaRPr/>
-            </a:p>
-          </p:txBody>
-        </p:sp>
-        <p:sp>
-          <p:nvSpPr>
-            <p:cNvPr id="155" name="Google Shape;155;p1"/>
-            <p:cNvSpPr txBox="1"/>
-            <p:nvPr/>
-          </p:nvSpPr>
-          <p:spPr>
-            <a:xfrm rot="3153103">
-              <a:off x="5909951" y="1857660"/>
-              <a:ext cx="63606" cy="63606"/>
-            </a:xfrm>
-            <a:prstGeom prst="rect">
-              <a:avLst/>
-            </a:prstGeom>
-            <a:noFill/>
-            <a:ln>
-              <a:noFill/>
-            </a:ln>
-          </p:spPr>
-          <p:txBody>
-            <a:bodyPr spcFirstLastPara="1" wrap="square" lIns="12700" tIns="0" rIns="12700" bIns="0" anchor="ctr" anchorCtr="0">
-              <a:noAutofit/>
-            </a:bodyPr>
-            <a:lstStyle/>
-            <a:p>
-              <a:pPr marL="0" marR="0" lvl="0" indent="0" algn="ctr" rtl="0">
-                <a:lnSpc>
-                  <a:spcPct val="90000"/>
-                </a:lnSpc>
-                <a:spcBef>
-                  <a:spcPts val="0"/>
-                </a:spcBef>
-                <a:spcAft>
-                  <a:spcPts val="0"/>
-                </a:spcAft>
-                <a:buClr>
-                  <a:schemeClr val="dk1"/>
-                </a:buClr>
-                <a:buSzPts val="500"/>
-                <a:buFont typeface="Corbel"/>
-                <a:buNone/>
-              </a:pPr>
-              <a:endParaRPr sz="500">
-                <a:solidFill>
-                  <a:schemeClr val="dk1"/>
-                </a:solidFill>
-                <a:latin typeface="Corbel"/>
-                <a:ea typeface="Corbel"/>
-                <a:cs typeface="Corbel"/>
-                <a:sym typeface="Corbel"/>
-              </a:endParaRPr>
-            </a:p>
-          </p:txBody>
-        </p:sp>
-        <p:sp>
-          <p:nvSpPr>
-            <p:cNvPr id="156" name="Google Shape;156;p1"/>
-            <p:cNvSpPr/>
-            <p:nvPr/>
-          </p:nvSpPr>
-          <p:spPr>
-            <a:xfrm>
-              <a:off x="6328512" y="2033618"/>
-              <a:ext cx="1483382" cy="721641"/>
-            </a:xfrm>
-            <a:prstGeom prst="roundRect">
-              <a:avLst>
-                <a:gd name="adj" fmla="val 10000"/>
-              </a:avLst>
-            </a:prstGeom>
-            <a:solidFill>
-              <a:schemeClr val="accent3"/>
-            </a:solidFill>
-            <a:ln w="25400" cap="flat" cmpd="sng">
-              <a:solidFill>
-                <a:schemeClr val="lt1"/>
-              </a:solidFill>
-              <a:prstDash val="solid"/>
-              <a:round/>
-              <a:headEnd type="none" w="sm" len="sm"/>
-              <a:tailEnd type="none" w="sm" len="sm"/>
-            </a:ln>
-          </p:spPr>
-          <p:txBody>
-            <a:bodyPr spcFirstLastPara="1" wrap="square" lIns="91425" tIns="91425" rIns="91425" bIns="91425" anchor="ctr" anchorCtr="0">
-              <a:noAutofit/>
-            </a:bodyPr>
-            <a:lstStyle/>
-            <a:p>
-              <a:pPr marL="0" lvl="0" indent="0" algn="l" rtl="0">
-                <a:spcBef>
-                  <a:spcPts val="0"/>
-                </a:spcBef>
-                <a:spcAft>
-                  <a:spcPts val="0"/>
-                </a:spcAft>
-                <a:buNone/>
-              </a:pPr>
-              <a:endParaRPr/>
-            </a:p>
-          </p:txBody>
-        </p:sp>
-        <p:sp>
-          <p:nvSpPr>
-            <p:cNvPr id="157" name="Google Shape;157;p1"/>
-            <p:cNvSpPr txBox="1"/>
-            <p:nvPr/>
-          </p:nvSpPr>
-          <p:spPr>
-            <a:xfrm>
-              <a:off x="6349648" y="2054754"/>
-              <a:ext cx="1441110" cy="679369"/>
-            </a:xfrm>
-            <a:prstGeom prst="rect">
-              <a:avLst/>
-            </a:prstGeom>
-            <a:noFill/>
-            <a:ln>
-              <a:noFill/>
-            </a:ln>
-          </p:spPr>
-          <p:txBody>
-            <a:bodyPr spcFirstLastPara="1" wrap="square" lIns="15225" tIns="15225" rIns="15225" bIns="15225" anchor="ctr" anchorCtr="0">
-              <a:noAutofit/>
-            </a:bodyPr>
-            <a:lstStyle/>
-            <a:p>
-              <a:pPr marL="0" marR="0" lvl="0" indent="0" algn="ctr" rtl="0">
-                <a:lnSpc>
-                  <a:spcPct val="90000"/>
-                </a:lnSpc>
-                <a:spcBef>
-                  <a:spcPts val="0"/>
-                </a:spcBef>
-                <a:spcAft>
-                  <a:spcPts val="0"/>
-                </a:spcAft>
-                <a:buClr>
-                  <a:schemeClr val="lt1"/>
-                </a:buClr>
-                <a:buSzPts val="2400"/>
-                <a:buFont typeface="Corbel"/>
-                <a:buNone/>
-              </a:pPr>
-              <a:r>
-                <a:rPr lang="en-US" sz="2400">
-                  <a:solidFill>
-                    <a:schemeClr val="lt1"/>
-                  </a:solidFill>
-                  <a:latin typeface="Corbel"/>
-                  <a:ea typeface="Corbel"/>
-                  <a:cs typeface="Corbel"/>
-                  <a:sym typeface="Corbel"/>
-                </a:rPr>
-                <a:t>2</a:t>
-              </a:r>
-              <a:r>
-                <a:rPr lang="en-US" sz="2400" baseline="30000">
-                  <a:solidFill>
-                    <a:schemeClr val="lt1"/>
-                  </a:solidFill>
-                  <a:latin typeface="Corbel"/>
-                  <a:ea typeface="Corbel"/>
-                  <a:cs typeface="Corbel"/>
-                  <a:sym typeface="Corbel"/>
-                </a:rPr>
-                <a:t>nd</a:t>
-              </a:r>
-              <a:r>
-                <a:rPr lang="en-US" sz="2400">
-                  <a:solidFill>
-                    <a:schemeClr val="lt1"/>
-                  </a:solidFill>
-                  <a:latin typeface="Corbel"/>
-                  <a:ea typeface="Corbel"/>
-                  <a:cs typeface="Corbel"/>
-                  <a:sym typeface="Corbel"/>
-                </a:rPr>
-                <a:t> quartile</a:t>
-              </a:r>
-              <a:endParaRPr/>
-            </a:p>
-          </p:txBody>
-        </p:sp>
-        <p:sp>
-          <p:nvSpPr>
-            <p:cNvPr id="158" name="Google Shape;158;p1"/>
-            <p:cNvSpPr/>
-            <p:nvPr/>
-          </p:nvSpPr>
-          <p:spPr>
-            <a:xfrm rot="4071474">
-              <a:off x="4915612" y="2309948"/>
-              <a:ext cx="2052284" cy="50009"/>
-            </a:xfrm>
-            <a:custGeom>
-              <a:avLst/>
-              <a:gdLst/>
-              <a:ahLst/>
-              <a:cxnLst/>
-              <a:rect l="l" t="t" r="r" b="b"/>
-              <a:pathLst>
-                <a:path w="120000" h="120000" extrusionOk="0">
-                  <a:moveTo>
-                    <a:pt x="0" y="59999"/>
-                  </a:moveTo>
-                  <a:lnTo>
-                    <a:pt x="120000" y="59999"/>
-                  </a:lnTo>
-                </a:path>
-              </a:pathLst>
-            </a:custGeom>
-            <a:noFill/>
-            <a:ln w="25400" cap="flat" cmpd="sng">
-              <a:solidFill>
-                <a:schemeClr val="accent3"/>
-              </a:solidFill>
-              <a:prstDash val="solid"/>
-              <a:round/>
-              <a:headEnd type="none" w="sm" len="sm"/>
-              <a:tailEnd type="none" w="sm" len="sm"/>
-            </a:ln>
-          </p:spPr>
-          <p:txBody>
-            <a:bodyPr spcFirstLastPara="1" wrap="square" lIns="91425" tIns="91425" rIns="91425" bIns="91425" anchor="ctr" anchorCtr="0">
-              <a:noAutofit/>
-            </a:bodyPr>
-            <a:lstStyle/>
-            <a:p>
-              <a:pPr marL="0" lvl="0" indent="0" algn="l" rtl="0">
-                <a:spcBef>
-                  <a:spcPts val="0"/>
-                </a:spcBef>
-                <a:spcAft>
-                  <a:spcPts val="0"/>
-                </a:spcAft>
-                <a:buNone/>
-              </a:pPr>
-              <a:endParaRPr/>
-            </a:p>
-          </p:txBody>
-        </p:sp>
-        <p:sp>
-          <p:nvSpPr>
-            <p:cNvPr id="159" name="Google Shape;159;p1"/>
-            <p:cNvSpPr txBox="1"/>
-            <p:nvPr/>
-          </p:nvSpPr>
-          <p:spPr>
-            <a:xfrm rot="4071474">
-              <a:off x="5890447" y="2283646"/>
-              <a:ext cx="102614" cy="102614"/>
-            </a:xfrm>
-            <a:prstGeom prst="rect">
-              <a:avLst/>
-            </a:prstGeom>
-            <a:noFill/>
-            <a:ln>
-              <a:noFill/>
-            </a:ln>
-          </p:spPr>
-          <p:txBody>
-            <a:bodyPr spcFirstLastPara="1" wrap="square" lIns="12700" tIns="0" rIns="12700" bIns="0" anchor="ctr" anchorCtr="0">
-              <a:noAutofit/>
-            </a:bodyPr>
-            <a:lstStyle/>
-            <a:p>
-              <a:pPr marL="0" marR="0" lvl="0" indent="0" algn="ctr" rtl="0">
-                <a:lnSpc>
-                  <a:spcPct val="90000"/>
-                </a:lnSpc>
-                <a:spcBef>
-                  <a:spcPts val="0"/>
-                </a:spcBef>
-                <a:spcAft>
-                  <a:spcPts val="0"/>
-                </a:spcAft>
-                <a:buClr>
-                  <a:schemeClr val="dk1"/>
-                </a:buClr>
-                <a:buSzPts val="700"/>
-                <a:buFont typeface="Corbel"/>
-                <a:buNone/>
-              </a:pPr>
-              <a:endParaRPr sz="700">
-                <a:solidFill>
-                  <a:schemeClr val="dk1"/>
-                </a:solidFill>
-                <a:latin typeface="Corbel"/>
-                <a:ea typeface="Corbel"/>
-                <a:cs typeface="Corbel"/>
-                <a:sym typeface="Corbel"/>
-              </a:endParaRPr>
-            </a:p>
-          </p:txBody>
-        </p:sp>
-        <p:sp>
-          <p:nvSpPr>
-            <p:cNvPr id="160" name="Google Shape;160;p1"/>
-            <p:cNvSpPr/>
-            <p:nvPr/>
-          </p:nvSpPr>
-          <p:spPr>
-            <a:xfrm>
-              <a:off x="6328512" y="2924598"/>
-              <a:ext cx="1483382" cy="721641"/>
-            </a:xfrm>
-            <a:prstGeom prst="roundRect">
-              <a:avLst>
-                <a:gd name="adj" fmla="val 10000"/>
-              </a:avLst>
-            </a:prstGeom>
-            <a:solidFill>
-              <a:schemeClr val="accent3"/>
-            </a:solidFill>
-            <a:ln w="25400" cap="flat" cmpd="sng">
-              <a:solidFill>
-                <a:schemeClr val="lt1"/>
-              </a:solidFill>
-              <a:prstDash val="solid"/>
-              <a:round/>
-              <a:headEnd type="none" w="sm" len="sm"/>
-              <a:tailEnd type="none" w="sm" len="sm"/>
-            </a:ln>
-          </p:spPr>
-          <p:txBody>
-            <a:bodyPr spcFirstLastPara="1" wrap="square" lIns="91425" tIns="91425" rIns="91425" bIns="91425" anchor="ctr" anchorCtr="0">
-              <a:noAutofit/>
-            </a:bodyPr>
-            <a:lstStyle/>
-            <a:p>
-              <a:pPr marL="0" lvl="0" indent="0" algn="l" rtl="0">
-                <a:spcBef>
-                  <a:spcPts val="0"/>
-                </a:spcBef>
-                <a:spcAft>
-                  <a:spcPts val="0"/>
-                </a:spcAft>
-                <a:buNone/>
-              </a:pPr>
-              <a:endParaRPr/>
-            </a:p>
-          </p:txBody>
-        </p:sp>
-        <p:sp>
-          <p:nvSpPr>
-            <p:cNvPr id="161" name="Google Shape;161;p1"/>
-            <p:cNvSpPr txBox="1"/>
-            <p:nvPr/>
-          </p:nvSpPr>
-          <p:spPr>
-            <a:xfrm>
-              <a:off x="6349648" y="2945734"/>
-              <a:ext cx="1441110" cy="679369"/>
-            </a:xfrm>
-            <a:prstGeom prst="rect">
-              <a:avLst/>
-            </a:prstGeom>
-            <a:noFill/>
-            <a:ln>
-              <a:noFill/>
-            </a:ln>
-          </p:spPr>
-          <p:txBody>
-            <a:bodyPr spcFirstLastPara="1" wrap="square" lIns="15225" tIns="15225" rIns="15225" bIns="15225" anchor="ctr" anchorCtr="0">
-              <a:noAutofit/>
-            </a:bodyPr>
-            <a:lstStyle/>
-            <a:p>
-              <a:pPr marL="0" marR="0" lvl="0" indent="0" algn="ctr" rtl="0">
-                <a:lnSpc>
-                  <a:spcPct val="90000"/>
-                </a:lnSpc>
-                <a:spcBef>
-                  <a:spcPts val="0"/>
-                </a:spcBef>
-                <a:spcAft>
-                  <a:spcPts val="0"/>
-                </a:spcAft>
-                <a:buClr>
-                  <a:schemeClr val="lt1"/>
-                </a:buClr>
-                <a:buSzPts val="2400"/>
-                <a:buFont typeface="Corbel"/>
-                <a:buNone/>
-              </a:pPr>
-              <a:r>
-                <a:rPr lang="en-US" sz="2400">
-                  <a:solidFill>
-                    <a:schemeClr val="lt1"/>
-                  </a:solidFill>
-                  <a:latin typeface="Corbel"/>
-                  <a:ea typeface="Corbel"/>
-                  <a:cs typeface="Corbel"/>
-                  <a:sym typeface="Corbel"/>
-                </a:rPr>
-                <a:t>1</a:t>
-              </a:r>
-              <a:r>
-                <a:rPr lang="en-US" sz="2400" baseline="30000">
-                  <a:solidFill>
-                    <a:schemeClr val="lt1"/>
-                  </a:solidFill>
-                  <a:latin typeface="Corbel"/>
-                  <a:ea typeface="Corbel"/>
-                  <a:cs typeface="Corbel"/>
-                  <a:sym typeface="Corbel"/>
-                </a:rPr>
-                <a:t>st</a:t>
-              </a:r>
-              <a:r>
-                <a:rPr lang="en-US" sz="2400">
-                  <a:solidFill>
-                    <a:schemeClr val="lt1"/>
-                  </a:solidFill>
-                  <a:latin typeface="Corbel"/>
-                  <a:ea typeface="Corbel"/>
-                  <a:cs typeface="Corbel"/>
-                  <a:sym typeface="Corbel"/>
-                </a:rPr>
-                <a:t> quartile</a:t>
-              </a:r>
-              <a:endParaRPr/>
-            </a:p>
-          </p:txBody>
-        </p:sp>
-        <p:sp>
-          <p:nvSpPr>
-            <p:cNvPr id="162" name="Google Shape;162;p1"/>
-            <p:cNvSpPr/>
-            <p:nvPr/>
-          </p:nvSpPr>
-          <p:spPr>
-            <a:xfrm rot="2735746">
-              <a:off x="2628890" y="2842622"/>
-              <a:ext cx="753136" cy="50009"/>
-            </a:xfrm>
-            <a:custGeom>
-              <a:avLst/>
-              <a:gdLst/>
-              <a:ahLst/>
-              <a:cxnLst/>
-              <a:rect l="l" t="t" r="r" b="b"/>
-              <a:pathLst>
-                <a:path w="120000" h="120000" extrusionOk="0">
-                  <a:moveTo>
-                    <a:pt x="0" y="59999"/>
-                  </a:moveTo>
-                  <a:lnTo>
-                    <a:pt x="120000" y="59999"/>
-                  </a:lnTo>
-                </a:path>
-              </a:pathLst>
-            </a:custGeom>
-            <a:noFill/>
-            <a:ln w="25400" cap="flat" cmpd="sng">
-              <a:solidFill>
-                <a:srgbClr val="A32336"/>
-              </a:solidFill>
-              <a:prstDash val="solid"/>
-              <a:round/>
-              <a:headEnd type="none" w="sm" len="sm"/>
-              <a:tailEnd type="none" w="sm" len="sm"/>
-            </a:ln>
-          </p:spPr>
-          <p:txBody>
-            <a:bodyPr spcFirstLastPara="1" wrap="square" lIns="91425" tIns="91425" rIns="91425" bIns="91425" anchor="ctr" anchorCtr="0">
-              <a:noAutofit/>
-            </a:bodyPr>
-            <a:lstStyle/>
-            <a:p>
-              <a:pPr marL="0" lvl="0" indent="0" algn="l" rtl="0">
-                <a:spcBef>
-                  <a:spcPts val="0"/>
-                </a:spcBef>
-                <a:spcAft>
-                  <a:spcPts val="0"/>
-                </a:spcAft>
-                <a:buNone/>
-              </a:pPr>
-              <a:endParaRPr/>
-            </a:p>
-          </p:txBody>
-        </p:sp>
-        <p:sp>
-          <p:nvSpPr>
-            <p:cNvPr id="163" name="Google Shape;163;p1"/>
-            <p:cNvSpPr txBox="1"/>
-            <p:nvPr/>
-          </p:nvSpPr>
-          <p:spPr>
-            <a:xfrm rot="2735746">
-              <a:off x="2986629" y="2848799"/>
-              <a:ext cx="37656" cy="37656"/>
-            </a:xfrm>
-            <a:prstGeom prst="rect">
-              <a:avLst/>
-            </a:prstGeom>
-            <a:noFill/>
-            <a:ln>
-              <a:noFill/>
-            </a:ln>
-          </p:spPr>
-          <p:txBody>
-            <a:bodyPr spcFirstLastPara="1" wrap="square" lIns="12700" tIns="0" rIns="12700" bIns="0" anchor="ctr" anchorCtr="0">
-              <a:noAutofit/>
-            </a:bodyPr>
-            <a:lstStyle/>
-            <a:p>
-              <a:pPr marL="0" marR="0" lvl="0" indent="0" algn="ctr" rtl="0">
-                <a:lnSpc>
-                  <a:spcPct val="90000"/>
-                </a:lnSpc>
-                <a:spcBef>
-                  <a:spcPts val="0"/>
-                </a:spcBef>
-                <a:spcAft>
-                  <a:spcPts val="0"/>
-                </a:spcAft>
-                <a:buClr>
-                  <a:schemeClr val="dk1"/>
-                </a:buClr>
-                <a:buSzPts val="500"/>
-                <a:buFont typeface="Corbel"/>
-                <a:buNone/>
-              </a:pPr>
-              <a:endParaRPr sz="500">
-                <a:solidFill>
-                  <a:schemeClr val="dk1"/>
-                </a:solidFill>
-                <a:latin typeface="Corbel"/>
-                <a:ea typeface="Corbel"/>
-                <a:cs typeface="Corbel"/>
-                <a:sym typeface="Corbel"/>
-              </a:endParaRPr>
-            </a:p>
-          </p:txBody>
-        </p:sp>
-        <p:sp>
-          <p:nvSpPr>
-            <p:cNvPr id="164" name="Google Shape;164;p1"/>
-            <p:cNvSpPr/>
-            <p:nvPr/>
-          </p:nvSpPr>
-          <p:spPr>
-            <a:xfrm>
-              <a:off x="3268949" y="2572194"/>
-              <a:ext cx="2257847" cy="1128923"/>
-            </a:xfrm>
-            <a:prstGeom prst="roundRect">
-              <a:avLst>
-                <a:gd name="adj" fmla="val 10000"/>
-              </a:avLst>
-            </a:prstGeom>
-            <a:solidFill>
-              <a:srgbClr val="A32336"/>
-            </a:solidFill>
-            <a:ln w="25400" cap="flat" cmpd="sng">
-              <a:solidFill>
-                <a:schemeClr val="lt1"/>
-              </a:solidFill>
-              <a:prstDash val="solid"/>
-              <a:round/>
-              <a:headEnd type="none" w="sm" len="sm"/>
-              <a:tailEnd type="none" w="sm" len="sm"/>
-            </a:ln>
-          </p:spPr>
-          <p:txBody>
-            <a:bodyPr spcFirstLastPara="1" wrap="square" lIns="91425" tIns="91425" rIns="91425" bIns="91425" anchor="ctr" anchorCtr="0">
-              <a:noAutofit/>
-            </a:bodyPr>
-            <a:lstStyle/>
-            <a:p>
-              <a:pPr marL="0" lvl="0" indent="0" algn="l" rtl="0">
-                <a:spcBef>
-                  <a:spcPts val="0"/>
-                </a:spcBef>
-                <a:spcAft>
-                  <a:spcPts val="0"/>
-                </a:spcAft>
-                <a:buNone/>
-              </a:pPr>
-              <a:endParaRPr/>
-            </a:p>
-          </p:txBody>
-        </p:sp>
-        <p:sp>
-          <p:nvSpPr>
-            <p:cNvPr id="165" name="Google Shape;165;p1"/>
-            <p:cNvSpPr txBox="1"/>
-            <p:nvPr/>
-          </p:nvSpPr>
-          <p:spPr>
-            <a:xfrm>
-              <a:off x="3302014" y="2605259"/>
-              <a:ext cx="2191717" cy="1062793"/>
-            </a:xfrm>
-            <a:prstGeom prst="rect">
-              <a:avLst/>
-            </a:prstGeom>
-            <a:noFill/>
-            <a:ln>
-              <a:noFill/>
-            </a:ln>
-          </p:spPr>
-          <p:txBody>
-            <a:bodyPr spcFirstLastPara="1" wrap="square" lIns="15225" tIns="15225" rIns="15225" bIns="15225" anchor="ctr" anchorCtr="0">
-              <a:noAutofit/>
-            </a:bodyPr>
-            <a:lstStyle/>
-            <a:p>
-              <a:pPr marL="0" marR="0" lvl="0" indent="0" algn="ctr" rtl="0">
-                <a:lnSpc>
-                  <a:spcPct val="90000"/>
-                </a:lnSpc>
-                <a:spcBef>
-                  <a:spcPts val="0"/>
-                </a:spcBef>
-                <a:spcAft>
-                  <a:spcPts val="0"/>
-                </a:spcAft>
-                <a:buClr>
-                  <a:schemeClr val="lt1"/>
-                </a:buClr>
-                <a:buSzPts val="2400"/>
-                <a:buFont typeface="Corbel"/>
-                <a:buNone/>
-              </a:pPr>
-              <a:r>
-                <a:rPr lang="en-US" sz="2400">
-                  <a:solidFill>
-                    <a:schemeClr val="lt1"/>
-                  </a:solidFill>
-                  <a:latin typeface="Corbel"/>
-                  <a:ea typeface="Corbel"/>
-                  <a:cs typeface="Corbel"/>
-                  <a:sym typeface="Corbel"/>
-                </a:rPr>
-                <a:t>Not told their </a:t>
-              </a:r>
-              <a:r>
-                <a:rPr lang="en-US" sz="2400">
-                  <a:solidFill>
-                    <a:schemeClr val="lt1"/>
-                  </a:solidFill>
-                  <a:latin typeface="Calibri"/>
-                  <a:ea typeface="Calibri"/>
-                  <a:cs typeface="Calibri"/>
-                  <a:sym typeface="Calibri"/>
-                </a:rPr>
-                <a:t>opponent’s</a:t>
-              </a:r>
-              <a:r>
-                <a:rPr lang="en-US" sz="2400">
-                  <a:solidFill>
-                    <a:schemeClr val="lt1"/>
-                  </a:solidFill>
-                  <a:latin typeface="Corbel"/>
-                  <a:ea typeface="Corbel"/>
-                  <a:cs typeface="Corbel"/>
-                  <a:sym typeface="Corbel"/>
-                </a:rPr>
-                <a:t> </a:t>
-              </a:r>
-              <a:r>
-                <a:rPr lang="en-US" sz="2400">
-                  <a:solidFill>
-                    <a:schemeClr val="lt1"/>
-                  </a:solidFill>
-                  <a:latin typeface="Calibri"/>
-                  <a:ea typeface="Calibri"/>
-                  <a:cs typeface="Calibri"/>
-                  <a:sym typeface="Calibri"/>
-                </a:rPr>
-                <a:t>IQ</a:t>
-              </a:r>
-              <a:endParaRPr sz="2400">
-                <a:solidFill>
-                  <a:schemeClr val="lt1"/>
-                </a:solidFill>
-                <a:latin typeface="Corbel"/>
-                <a:ea typeface="Corbel"/>
-                <a:cs typeface="Corbel"/>
-                <a:sym typeface="Corbel"/>
-              </a:endParaRPr>
-            </a:p>
-          </p:txBody>
-        </p:sp>
-      </p:grpSp>
-      <p:sp>
-        <p:nvSpPr>
-          <p:cNvPr id="166" name="Google Shape;166;p1"/>
-          <p:cNvSpPr txBox="1"/>
-          <p:nvPr/>
-        </p:nvSpPr>
-        <p:spPr>
-          <a:xfrm>
-            <a:off x="17158913" y="16428207"/>
-            <a:ext cx="9587926" cy="1015663"/>
-          </a:xfrm>
-          <a:prstGeom prst="rect">
-            <a:avLst/>
-          </a:prstGeom>
-          <a:noFill/>
-          <a:ln>
-            <a:noFill/>
-          </a:ln>
-        </p:spPr>
-        <p:txBody>
-          <a:bodyPr spcFirstLastPara="1" wrap="square" lIns="91425" tIns="45700" rIns="91425" bIns="45700" anchor="t" anchorCtr="0">
-            <a:spAutoFit/>
-          </a:bodyPr>
-          <a:lstStyle/>
-          <a:p>
-            <a:pPr marL="0" marR="0" lvl="0" indent="0" algn="just" rtl="0">
-              <a:spcBef>
-                <a:spcPts val="0"/>
-              </a:spcBef>
-              <a:spcAft>
-                <a:spcPts val="0"/>
-              </a:spcAft>
-              <a:buNone/>
-            </a:pPr>
-            <a:r>
-              <a:rPr lang="en-US" sz="3000">
-                <a:solidFill>
-                  <a:schemeClr val="accent6"/>
-                </a:solidFill>
-                <a:latin typeface="EB Garamond"/>
-                <a:ea typeface="EB Garamond"/>
-                <a:cs typeface="EB Garamond"/>
-                <a:sym typeface="EB Garamond"/>
-              </a:rPr>
-              <a:t>“If this is rationality, they want none of it” – Robert Aumann</a:t>
-            </a:r>
-            <a:r>
-              <a:rPr lang="en-US" sz="3000" baseline="30000">
-                <a:solidFill>
-                  <a:schemeClr val="accent6"/>
-                </a:solidFill>
-                <a:latin typeface="EB Garamond"/>
-                <a:ea typeface="EB Garamond"/>
-                <a:cs typeface="EB Garamond"/>
-                <a:sym typeface="EB Garamond"/>
-              </a:rPr>
-              <a:t>2</a:t>
-            </a:r>
-            <a:endParaRPr sz="3000">
-              <a:solidFill>
-                <a:schemeClr val="accent6"/>
-              </a:solidFill>
-              <a:latin typeface="EB Garamond"/>
-              <a:ea typeface="EB Garamond"/>
-              <a:cs typeface="EB Garamond"/>
-              <a:sym typeface="EB Garamond"/>
-            </a:endParaRPr>
-          </a:p>
-          <a:p>
-            <a:pPr marL="0" marR="0" lvl="0" indent="0" algn="just" rtl="0">
-              <a:spcBef>
-                <a:spcPts val="0"/>
-              </a:spcBef>
-              <a:spcAft>
-                <a:spcPts val="0"/>
-              </a:spcAft>
-              <a:buNone/>
-            </a:pPr>
-            <a:endParaRPr sz="3000">
-              <a:solidFill>
-                <a:schemeClr val="accent6"/>
-              </a:solidFill>
-              <a:latin typeface="EB Garamond"/>
-              <a:ea typeface="EB Garamond"/>
-              <a:cs typeface="EB Garamond"/>
-              <a:sym typeface="EB Garamond"/>
-            </a:endParaRPr>
-          </a:p>
-        </p:txBody>
-      </p:sp>
-      <p:sp>
-        <p:nvSpPr>
-          <p:cNvPr id="167" name="Google Shape;167;p1"/>
-          <p:cNvSpPr/>
-          <p:nvPr/>
-        </p:nvSpPr>
-        <p:spPr>
-          <a:xfrm>
-            <a:off x="24782990" y="22767983"/>
-            <a:ext cx="5840729" cy="646331"/>
-          </a:xfrm>
-          <a:prstGeom prst="rect">
-            <a:avLst/>
-          </a:prstGeom>
-          <a:noFill/>
-          <a:ln>
-            <a:noFill/>
-          </a:ln>
-        </p:spPr>
-        <p:txBody>
-          <a:bodyPr spcFirstLastPara="1" wrap="square" lIns="91425" tIns="45700" rIns="91425" bIns="45700" anchor="t" anchorCtr="0">
-            <a:spAutoFit/>
-          </a:bodyPr>
-          <a:lstStyle/>
-          <a:p>
-            <a:pPr marL="0" marR="0" lvl="0" indent="0" algn="l" rtl="0">
-              <a:spcBef>
-                <a:spcPts val="0"/>
-              </a:spcBef>
-              <a:spcAft>
-                <a:spcPts val="0"/>
-              </a:spcAft>
-              <a:buNone/>
-            </a:pPr>
-            <a:r>
-              <a:rPr lang="en-US" sz="3600">
-                <a:solidFill>
-                  <a:schemeClr val="accent6"/>
-                </a:solidFill>
-                <a:latin typeface="EB Garamond"/>
-                <a:ea typeface="EB Garamond"/>
-                <a:cs typeface="EB Garamond"/>
-                <a:sym typeface="EB Garamond"/>
-              </a:rPr>
-              <a:t>Figure 2: Experimental groups</a:t>
-            </a:r>
-            <a:endParaRPr/>
+            <a:endParaRPr dirty="0"/>
           </a:p>
         </p:txBody>
       </p:sp>
@@ -17016,7 +16115,7 @@
         </p:nvSpPr>
         <p:spPr>
           <a:xfrm>
-            <a:off x="1433318" y="26318135"/>
+            <a:off x="1080319" y="26028805"/>
             <a:ext cx="9809347" cy="6093936"/>
           </a:xfrm>
           <a:prstGeom prst="rect">
@@ -17065,7 +16164,7 @@
         </p:nvSpPr>
         <p:spPr>
           <a:xfrm>
-            <a:off x="32960944" y="13280135"/>
+            <a:off x="32607945" y="14329746"/>
             <a:ext cx="10241280" cy="914400"/>
           </a:xfrm>
           <a:prstGeom prst="rect">
@@ -17120,7 +16219,7 @@
         </p:nvSpPr>
         <p:spPr>
           <a:xfrm>
-            <a:off x="33643887" y="13338872"/>
+            <a:off x="33290888" y="14388483"/>
             <a:ext cx="9083675" cy="769938"/>
           </a:xfrm>
           <a:prstGeom prst="rect">
@@ -17177,7 +16276,7 @@
         </p:nvSpPr>
         <p:spPr>
           <a:xfrm>
-            <a:off x="33143826" y="14521073"/>
+            <a:off x="32790827" y="15570684"/>
             <a:ext cx="9502898" cy="5170606"/>
           </a:xfrm>
           <a:prstGeom prst="rect">
@@ -17218,7 +16317,7 @@
                 <a:cs typeface="EB Garamond"/>
                 <a:sym typeface="EB Garamond"/>
               </a:rPr>
-              <a:t>Mission statement language will affect revenue of tax-exempt organizations.</a:t>
+              <a:t>Mission statement language will correlate with revenue of tax-exempt organizations.</a:t>
             </a:r>
             <a:endParaRPr dirty="0"/>
           </a:p>
@@ -17305,7 +16404,7 @@
                 <a:cs typeface="EB Garamond"/>
                 <a:sym typeface="EB Garamond"/>
               </a:rPr>
-              <a:t>The effects of mission statement language on revenue will differ slightly among categories of tax-exempt organizations, such as education versus health nonprofit.</a:t>
+              <a:t>The effects of mission statement language on revenue will differ slightly among categories of tax-exempt organizations, such as education versus health nonprofits.</a:t>
             </a:r>
             <a:endParaRPr dirty="0"/>
           </a:p>
@@ -17333,7 +16432,7 @@
         </p:blipFill>
         <p:spPr>
           <a:xfrm>
-            <a:off x="837224" y="3828456"/>
+            <a:off x="484225" y="4486183"/>
             <a:ext cx="6477976" cy="1769034"/>
           </a:xfrm>
           <a:prstGeom prst="rect">
@@ -17341,6 +16440,1501 @@
           </a:prstGeom>
         </p:spPr>
       </p:pic>
+      <mc:AlternateContent xmlns:mc="http://schemas.openxmlformats.org/markup-compatibility/2006">
+        <mc:Choice xmlns:a14="http://schemas.microsoft.com/office/drawing/2010/main" Requires="a14">
+          <p:sp>
+            <p:nvSpPr>
+              <p:cNvPr id="2" name="TextBox 1">
+                <a:extLst>
+                  <a:ext uri="{FF2B5EF4-FFF2-40B4-BE49-F238E27FC236}">
+                    <a16:creationId xmlns:a16="http://schemas.microsoft.com/office/drawing/2014/main" id="{7D7E1AB2-8033-B250-0C06-DF75CFA627B2}"/>
+                  </a:ext>
+                </a:extLst>
+              </p:cNvPr>
+              <p:cNvSpPr txBox="1"/>
+              <p:nvPr/>
+            </p:nvSpPr>
+            <p:spPr>
+              <a:xfrm>
+                <a:off x="11356985" y="25523771"/>
+                <a:ext cx="10493477" cy="538609"/>
+              </a:xfrm>
+              <a:prstGeom prst="rect">
+                <a:avLst/>
+              </a:prstGeom>
+              <a:noFill/>
+            </p:spPr>
+            <p:txBody>
+              <a:bodyPr wrap="square" lIns="0" tIns="0" rIns="0" bIns="0" rtlCol="0">
+                <a:spAutoFit/>
+              </a:bodyPr>
+              <a:lstStyle/>
+              <a:p>
+                <a:pPr/>
+                <a14:m>
+                  <m:oMathPara xmlns:m="http://schemas.openxmlformats.org/officeDocument/2006/math">
+                    <m:oMathParaPr>
+                      <m:jc m:val="centerGroup"/>
+                    </m:oMathParaPr>
+                    <m:oMath xmlns:m="http://schemas.openxmlformats.org/officeDocument/2006/math">
+                      <m:r>
+                        <a:rPr lang="en-US" sz="3500" b="0" i="1" smtClean="0">
+                          <a:latin typeface="Cambria Math" panose="02040503050406030204" pitchFamily="18" charset="0"/>
+                        </a:rPr>
+                        <m:t>𝑅𝑒𝑣𝑒𝑛𝑢</m:t>
+                      </m:r>
+                      <m:sSub>
+                        <m:sSubPr>
+                          <m:ctrlPr>
+                            <a:rPr lang="en-US" sz="3500" b="0" i="1" smtClean="0">
+                              <a:latin typeface="Cambria Math" panose="02040503050406030204" pitchFamily="18" charset="0"/>
+                            </a:rPr>
+                          </m:ctrlPr>
+                        </m:sSubPr>
+                        <m:e>
+                          <m:r>
+                            <a:rPr lang="en-US" sz="3500" b="0" i="1" smtClean="0">
+                              <a:latin typeface="Cambria Math" panose="02040503050406030204" pitchFamily="18" charset="0"/>
+                            </a:rPr>
+                            <m:t>𝑒</m:t>
+                          </m:r>
+                        </m:e>
+                        <m:sub>
+                          <m:r>
+                            <a:rPr lang="en-US" sz="3500" b="0" i="1" smtClean="0">
+                              <a:latin typeface="Cambria Math" panose="02040503050406030204" pitchFamily="18" charset="0"/>
+                            </a:rPr>
+                            <m:t>𝑖</m:t>
+                          </m:r>
+                        </m:sub>
+                      </m:sSub>
+                      <m:r>
+                        <a:rPr lang="en-US" sz="3500" b="0" i="1" smtClean="0">
+                          <a:latin typeface="Cambria Math" panose="02040503050406030204" pitchFamily="18" charset="0"/>
+                        </a:rPr>
+                        <m:t>=</m:t>
+                      </m:r>
+                      <m:sSub>
+                        <m:sSubPr>
+                          <m:ctrlPr>
+                            <a:rPr lang="en-US" sz="3500" b="0" i="1" smtClean="0">
+                              <a:latin typeface="Cambria Math" panose="02040503050406030204" pitchFamily="18" charset="0"/>
+                            </a:rPr>
+                          </m:ctrlPr>
+                        </m:sSubPr>
+                        <m:e>
+                          <m:r>
+                            <a:rPr lang="en-US" sz="3500" b="0" i="1" smtClean="0">
+                              <a:latin typeface="Cambria Math" panose="02040503050406030204" pitchFamily="18" charset="0"/>
+                            </a:rPr>
+                            <m:t>𝛼</m:t>
+                          </m:r>
+                        </m:e>
+                        <m:sub>
+                          <m:r>
+                            <a:rPr lang="en-US" sz="3500" b="0" i="1" smtClean="0">
+                              <a:latin typeface="Cambria Math" panose="02040503050406030204" pitchFamily="18" charset="0"/>
+                            </a:rPr>
+                            <m:t>𝑖</m:t>
+                          </m:r>
+                        </m:sub>
+                      </m:sSub>
+                      <m:r>
+                        <a:rPr lang="en-US" sz="3500" b="0" i="1" smtClean="0">
+                          <a:latin typeface="Cambria Math" panose="02040503050406030204" pitchFamily="18" charset="0"/>
+                        </a:rPr>
+                        <m:t>+</m:t>
+                      </m:r>
+                      <m:sSub>
+                        <m:sSubPr>
+                          <m:ctrlPr>
+                            <a:rPr lang="en-US" sz="3500" b="0" i="1" smtClean="0">
+                              <a:latin typeface="Cambria Math" panose="02040503050406030204" pitchFamily="18" charset="0"/>
+                            </a:rPr>
+                          </m:ctrlPr>
+                        </m:sSubPr>
+                        <m:e>
+                          <m:r>
+                            <a:rPr lang="en-US" sz="3500" b="0" i="1" smtClean="0">
+                              <a:latin typeface="Cambria Math" panose="02040503050406030204" pitchFamily="18" charset="0"/>
+                            </a:rPr>
+                            <m:t>𝛽</m:t>
+                          </m:r>
+                        </m:e>
+                        <m:sub>
+                          <m:r>
+                            <a:rPr lang="en-US" sz="3500" b="0" i="1" smtClean="0">
+                              <a:latin typeface="Cambria Math" panose="02040503050406030204" pitchFamily="18" charset="0"/>
+                            </a:rPr>
+                            <m:t>𝑖</m:t>
+                          </m:r>
+                        </m:sub>
+                      </m:sSub>
+                      <m:r>
+                        <a:rPr lang="en-US" sz="3500" b="0" i="1" smtClean="0">
+                          <a:latin typeface="Cambria Math" panose="02040503050406030204" pitchFamily="18" charset="0"/>
+                        </a:rPr>
+                        <m:t>𝐹𝑙𝑒𝑠𝑐</m:t>
+                      </m:r>
+                      <m:sSub>
+                        <m:sSubPr>
+                          <m:ctrlPr>
+                            <a:rPr lang="en-US" sz="3500" b="0" i="1" smtClean="0">
+                              <a:latin typeface="Cambria Math" panose="02040503050406030204" pitchFamily="18" charset="0"/>
+                            </a:rPr>
+                          </m:ctrlPr>
+                        </m:sSubPr>
+                        <m:e>
+                          <m:r>
+                            <a:rPr lang="en-US" sz="3500" b="0" i="1" smtClean="0">
+                              <a:latin typeface="Cambria Math" panose="02040503050406030204" pitchFamily="18" charset="0"/>
+                            </a:rPr>
+                            <m:t>h</m:t>
+                          </m:r>
+                        </m:e>
+                        <m:sub>
+                          <m:r>
+                            <a:rPr lang="en-US" sz="3500" b="0" i="1" smtClean="0">
+                              <a:latin typeface="Cambria Math" panose="02040503050406030204" pitchFamily="18" charset="0"/>
+                            </a:rPr>
+                            <m:t>𝑖</m:t>
+                          </m:r>
+                        </m:sub>
+                      </m:sSub>
+                      <m:r>
+                        <a:rPr lang="en-US" sz="3500" b="0" i="1" smtClean="0">
+                          <a:latin typeface="Cambria Math" panose="02040503050406030204" pitchFamily="18" charset="0"/>
+                        </a:rPr>
+                        <m:t>+</m:t>
+                      </m:r>
+                      <m:sSub>
+                        <m:sSubPr>
+                          <m:ctrlPr>
+                            <a:rPr lang="en-US" sz="3500" b="0" i="1" smtClean="0">
+                              <a:latin typeface="Cambria Math" panose="02040503050406030204" pitchFamily="18" charset="0"/>
+                            </a:rPr>
+                          </m:ctrlPr>
+                        </m:sSubPr>
+                        <m:e>
+                          <m:r>
+                            <a:rPr lang="en-US" sz="3500" b="0" i="1" smtClean="0">
+                              <a:latin typeface="Cambria Math" panose="02040503050406030204" pitchFamily="18" charset="0"/>
+                            </a:rPr>
+                            <m:t>𝜖</m:t>
+                          </m:r>
+                        </m:e>
+                        <m:sub>
+                          <m:r>
+                            <a:rPr lang="en-US" sz="3500" b="0" i="1" smtClean="0">
+                              <a:latin typeface="Cambria Math" panose="02040503050406030204" pitchFamily="18" charset="0"/>
+                            </a:rPr>
+                            <m:t>𝑖</m:t>
+                          </m:r>
+                        </m:sub>
+                      </m:sSub>
+                    </m:oMath>
+                  </m:oMathPara>
+                </a14:m>
+                <a:endParaRPr lang="en-US" sz="3500" dirty="0"/>
+              </a:p>
+            </p:txBody>
+          </p:sp>
+        </mc:Choice>
+        <mc:Fallback>
+          <p:sp>
+            <p:nvSpPr>
+              <p:cNvPr id="2" name="TextBox 1">
+                <a:extLst>
+                  <a:ext uri="{FF2B5EF4-FFF2-40B4-BE49-F238E27FC236}">
+                    <a16:creationId xmlns:a16="http://schemas.microsoft.com/office/drawing/2014/main" id="{7D7E1AB2-8033-B250-0C06-DF75CFA627B2}"/>
+                  </a:ext>
+                </a:extLst>
+              </p:cNvPr>
+              <p:cNvSpPr txBox="1">
+                <a:spLocks noRot="1" noChangeAspect="1" noMove="1" noResize="1" noEditPoints="1" noAdjustHandles="1" noChangeArrowheads="1" noChangeShapeType="1" noTextEdit="1"/>
+              </p:cNvSpPr>
+              <p:nvPr/>
+            </p:nvSpPr>
+            <p:spPr>
+              <a:xfrm>
+                <a:off x="11356985" y="25523771"/>
+                <a:ext cx="10493477" cy="538609"/>
+              </a:xfrm>
+              <a:prstGeom prst="rect">
+                <a:avLst/>
+              </a:prstGeom>
+              <a:blipFill>
+                <a:blip r:embed="rId7"/>
+                <a:stretch>
+                  <a:fillRect/>
+                </a:stretch>
+              </a:blipFill>
+            </p:spPr>
+            <p:txBody>
+              <a:bodyPr/>
+              <a:lstStyle/>
+              <a:p>
+                <a:r>
+                  <a:rPr lang="en-US">
+                    <a:noFill/>
+                  </a:rPr>
+                  <a:t> </a:t>
+                </a:r>
+              </a:p>
+            </p:txBody>
+          </p:sp>
+        </mc:Fallback>
+      </mc:AlternateContent>
+      <p:pic>
+        <p:nvPicPr>
+          <p:cNvPr id="4" name="Picture 3">
+            <a:extLst>
+              <a:ext uri="{FF2B5EF4-FFF2-40B4-BE49-F238E27FC236}">
+                <a16:creationId xmlns:a16="http://schemas.microsoft.com/office/drawing/2014/main" id="{A09FCC25-E2AC-AE9F-2C65-58688AEA1119}"/>
+              </a:ext>
+            </a:extLst>
+          </p:cNvPr>
+          <p:cNvPicPr>
+            <a:picLocks noChangeAspect="1"/>
+          </p:cNvPicPr>
+          <p:nvPr/>
+        </p:nvPicPr>
+        <p:blipFill>
+          <a:blip r:embed="rId8"/>
+          <a:stretch>
+            <a:fillRect/>
+          </a:stretch>
+        </p:blipFill>
+        <p:spPr>
+          <a:xfrm>
+            <a:off x="11925390" y="19466713"/>
+            <a:ext cx="9383615" cy="5489775"/>
+          </a:xfrm>
+          <a:prstGeom prst="rect">
+            <a:avLst/>
+          </a:prstGeom>
+        </p:spPr>
+      </p:pic>
+      <p:pic>
+        <p:nvPicPr>
+          <p:cNvPr id="7" name="Picture 6">
+            <a:extLst>
+              <a:ext uri="{FF2B5EF4-FFF2-40B4-BE49-F238E27FC236}">
+                <a16:creationId xmlns:a16="http://schemas.microsoft.com/office/drawing/2014/main" id="{FFBDD742-4AF4-BE04-6165-F2C1F2975299}"/>
+              </a:ext>
+            </a:extLst>
+          </p:cNvPr>
+          <p:cNvPicPr>
+            <a:picLocks noChangeAspect="1"/>
+          </p:cNvPicPr>
+          <p:nvPr/>
+        </p:nvPicPr>
+        <p:blipFill>
+          <a:blip r:embed="rId9"/>
+          <a:stretch>
+            <a:fillRect/>
+          </a:stretch>
+        </p:blipFill>
+        <p:spPr>
+          <a:xfrm>
+            <a:off x="21786251" y="19466713"/>
+            <a:ext cx="9613381" cy="5624197"/>
+          </a:xfrm>
+          <a:prstGeom prst="rect">
+            <a:avLst/>
+          </a:prstGeom>
+        </p:spPr>
+      </p:pic>
+      <mc:AlternateContent xmlns:mc="http://schemas.openxmlformats.org/markup-compatibility/2006">
+        <mc:Choice xmlns:a14="http://schemas.microsoft.com/office/drawing/2010/main" Requires="a14">
+          <p:sp>
+            <p:nvSpPr>
+              <p:cNvPr id="8" name="TextBox 7">
+                <a:extLst>
+                  <a:ext uri="{FF2B5EF4-FFF2-40B4-BE49-F238E27FC236}">
+                    <a16:creationId xmlns:a16="http://schemas.microsoft.com/office/drawing/2014/main" id="{0B7D1384-4D48-0FD2-6023-C0F1037547FB}"/>
+                  </a:ext>
+                </a:extLst>
+              </p:cNvPr>
+              <p:cNvSpPr txBox="1"/>
+              <p:nvPr/>
+            </p:nvSpPr>
+            <p:spPr>
+              <a:xfrm>
+                <a:off x="21648836" y="25516544"/>
+                <a:ext cx="10493477" cy="538609"/>
+              </a:xfrm>
+              <a:prstGeom prst="rect">
+                <a:avLst/>
+              </a:prstGeom>
+              <a:noFill/>
+            </p:spPr>
+            <p:txBody>
+              <a:bodyPr wrap="square" lIns="0" tIns="0" rIns="0" bIns="0" rtlCol="0">
+                <a:spAutoFit/>
+              </a:bodyPr>
+              <a:lstStyle/>
+              <a:p>
+                <a:pPr/>
+                <a14:m>
+                  <m:oMathPara xmlns:m="http://schemas.openxmlformats.org/officeDocument/2006/math">
+                    <m:oMathParaPr>
+                      <m:jc m:val="centerGroup"/>
+                    </m:oMathParaPr>
+                    <m:oMath xmlns:m="http://schemas.openxmlformats.org/officeDocument/2006/math">
+                      <m:r>
+                        <a:rPr lang="en-US" sz="3500" b="0" i="1" smtClean="0">
+                          <a:latin typeface="Cambria Math" panose="02040503050406030204" pitchFamily="18" charset="0"/>
+                        </a:rPr>
+                        <m:t>𝑅𝑒𝑣𝑒𝑛𝑢</m:t>
+                      </m:r>
+                      <m:sSub>
+                        <m:sSubPr>
+                          <m:ctrlPr>
+                            <a:rPr lang="en-US" sz="3500" b="0" i="1" smtClean="0">
+                              <a:latin typeface="Cambria Math" panose="02040503050406030204" pitchFamily="18" charset="0"/>
+                            </a:rPr>
+                          </m:ctrlPr>
+                        </m:sSubPr>
+                        <m:e>
+                          <m:r>
+                            <a:rPr lang="en-US" sz="3500" b="0" i="1" smtClean="0">
+                              <a:latin typeface="Cambria Math" panose="02040503050406030204" pitchFamily="18" charset="0"/>
+                            </a:rPr>
+                            <m:t>𝑒</m:t>
+                          </m:r>
+                        </m:e>
+                        <m:sub>
+                          <m:r>
+                            <a:rPr lang="en-US" sz="3500" b="0" i="1" smtClean="0">
+                              <a:latin typeface="Cambria Math" panose="02040503050406030204" pitchFamily="18" charset="0"/>
+                            </a:rPr>
+                            <m:t>𝑖</m:t>
+                          </m:r>
+                        </m:sub>
+                      </m:sSub>
+                      <m:r>
+                        <a:rPr lang="en-US" sz="3500" b="0" i="1" smtClean="0">
+                          <a:latin typeface="Cambria Math" panose="02040503050406030204" pitchFamily="18" charset="0"/>
+                        </a:rPr>
+                        <m:t>=</m:t>
+                      </m:r>
+                      <m:sSub>
+                        <m:sSubPr>
+                          <m:ctrlPr>
+                            <a:rPr lang="en-US" sz="3500" b="0" i="1" smtClean="0">
+                              <a:latin typeface="Cambria Math" panose="02040503050406030204" pitchFamily="18" charset="0"/>
+                            </a:rPr>
+                          </m:ctrlPr>
+                        </m:sSubPr>
+                        <m:e>
+                          <m:r>
+                            <a:rPr lang="en-US" sz="3500" b="0" i="1" smtClean="0">
+                              <a:latin typeface="Cambria Math" panose="02040503050406030204" pitchFamily="18" charset="0"/>
+                            </a:rPr>
+                            <m:t>𝛼</m:t>
+                          </m:r>
+                        </m:e>
+                        <m:sub>
+                          <m:r>
+                            <a:rPr lang="en-US" sz="3500" b="0" i="1" smtClean="0">
+                              <a:latin typeface="Cambria Math" panose="02040503050406030204" pitchFamily="18" charset="0"/>
+                            </a:rPr>
+                            <m:t>𝑖</m:t>
+                          </m:r>
+                        </m:sub>
+                      </m:sSub>
+                      <m:r>
+                        <a:rPr lang="en-US" sz="3500" b="0" i="1" smtClean="0">
+                          <a:latin typeface="Cambria Math" panose="02040503050406030204" pitchFamily="18" charset="0"/>
+                        </a:rPr>
+                        <m:t>+</m:t>
+                      </m:r>
+                      <m:sSub>
+                        <m:sSubPr>
+                          <m:ctrlPr>
+                            <a:rPr lang="en-US" sz="3500" b="0" i="1" smtClean="0">
+                              <a:latin typeface="Cambria Math" panose="02040503050406030204" pitchFamily="18" charset="0"/>
+                            </a:rPr>
+                          </m:ctrlPr>
+                        </m:sSubPr>
+                        <m:e>
+                          <m:r>
+                            <a:rPr lang="en-US" sz="3500" b="0" i="1" smtClean="0">
+                              <a:latin typeface="Cambria Math" panose="02040503050406030204" pitchFamily="18" charset="0"/>
+                            </a:rPr>
+                            <m:t>𝛽</m:t>
+                          </m:r>
+                        </m:e>
+                        <m:sub>
+                          <m:r>
+                            <a:rPr lang="en-US" sz="3500" b="0" i="1" smtClean="0">
+                              <a:latin typeface="Cambria Math" panose="02040503050406030204" pitchFamily="18" charset="0"/>
+                            </a:rPr>
+                            <m:t>𝑖</m:t>
+                          </m:r>
+                        </m:sub>
+                      </m:sSub>
+                      <m:r>
+                        <a:rPr lang="en-US" sz="3500" b="0" i="1" smtClean="0">
+                          <a:latin typeface="Cambria Math" panose="02040503050406030204" pitchFamily="18" charset="0"/>
+                        </a:rPr>
+                        <m:t>𝐻𝑎𝑝𝑎</m:t>
+                      </m:r>
+                      <m:sSub>
+                        <m:sSubPr>
+                          <m:ctrlPr>
+                            <a:rPr lang="en-US" sz="3500" b="0" i="1" smtClean="0">
+                              <a:latin typeface="Cambria Math" panose="02040503050406030204" pitchFamily="18" charset="0"/>
+                            </a:rPr>
+                          </m:ctrlPr>
+                        </m:sSubPr>
+                        <m:e>
+                          <m:r>
+                            <a:rPr lang="en-US" sz="3500" b="0" i="1" smtClean="0">
+                              <a:latin typeface="Cambria Math" panose="02040503050406030204" pitchFamily="18" charset="0"/>
+                            </a:rPr>
+                            <m:t>𝑥</m:t>
+                          </m:r>
+                        </m:e>
+                        <m:sub>
+                          <m:r>
+                            <a:rPr lang="en-US" sz="3500" b="0" i="1" smtClean="0">
+                              <a:latin typeface="Cambria Math" panose="02040503050406030204" pitchFamily="18" charset="0"/>
+                            </a:rPr>
+                            <m:t>𝑖</m:t>
+                          </m:r>
+                        </m:sub>
+                      </m:sSub>
+                      <m:r>
+                        <a:rPr lang="en-US" sz="3500" b="0" i="1" smtClean="0">
+                          <a:latin typeface="Cambria Math" panose="02040503050406030204" pitchFamily="18" charset="0"/>
+                        </a:rPr>
+                        <m:t>+</m:t>
+                      </m:r>
+                      <m:sSub>
+                        <m:sSubPr>
+                          <m:ctrlPr>
+                            <a:rPr lang="en-US" sz="3500" b="0" i="1" smtClean="0">
+                              <a:latin typeface="Cambria Math" panose="02040503050406030204" pitchFamily="18" charset="0"/>
+                            </a:rPr>
+                          </m:ctrlPr>
+                        </m:sSubPr>
+                        <m:e>
+                          <m:r>
+                            <a:rPr lang="en-US" sz="3500" b="0" i="1" smtClean="0">
+                              <a:latin typeface="Cambria Math" panose="02040503050406030204" pitchFamily="18" charset="0"/>
+                            </a:rPr>
+                            <m:t>𝜖</m:t>
+                          </m:r>
+                        </m:e>
+                        <m:sub>
+                          <m:r>
+                            <a:rPr lang="en-US" sz="3500" b="0" i="1" smtClean="0">
+                              <a:latin typeface="Cambria Math" panose="02040503050406030204" pitchFamily="18" charset="0"/>
+                            </a:rPr>
+                            <m:t>𝑖</m:t>
+                          </m:r>
+                        </m:sub>
+                      </m:sSub>
+                    </m:oMath>
+                  </m:oMathPara>
+                </a14:m>
+                <a:endParaRPr lang="en-US" sz="3500" dirty="0"/>
+              </a:p>
+            </p:txBody>
+          </p:sp>
+        </mc:Choice>
+        <mc:Fallback>
+          <p:sp>
+            <p:nvSpPr>
+              <p:cNvPr id="8" name="TextBox 7">
+                <a:extLst>
+                  <a:ext uri="{FF2B5EF4-FFF2-40B4-BE49-F238E27FC236}">
+                    <a16:creationId xmlns:a16="http://schemas.microsoft.com/office/drawing/2014/main" id="{0B7D1384-4D48-0FD2-6023-C0F1037547FB}"/>
+                  </a:ext>
+                </a:extLst>
+              </p:cNvPr>
+              <p:cNvSpPr txBox="1">
+                <a:spLocks noRot="1" noChangeAspect="1" noMove="1" noResize="1" noEditPoints="1" noAdjustHandles="1" noChangeArrowheads="1" noChangeShapeType="1" noTextEdit="1"/>
+              </p:cNvSpPr>
+              <p:nvPr/>
+            </p:nvSpPr>
+            <p:spPr>
+              <a:xfrm>
+                <a:off x="21648836" y="25516544"/>
+                <a:ext cx="10493477" cy="538609"/>
+              </a:xfrm>
+              <a:prstGeom prst="rect">
+                <a:avLst/>
+              </a:prstGeom>
+              <a:blipFill>
+                <a:blip r:embed="rId10"/>
+                <a:stretch>
+                  <a:fillRect/>
+                </a:stretch>
+              </a:blipFill>
+            </p:spPr>
+            <p:txBody>
+              <a:bodyPr/>
+              <a:lstStyle/>
+              <a:p>
+                <a:r>
+                  <a:rPr lang="en-US">
+                    <a:noFill/>
+                  </a:rPr>
+                  <a:t> </a:t>
+                </a:r>
+              </a:p>
+            </p:txBody>
+          </p:sp>
+        </mc:Fallback>
+      </mc:AlternateContent>
+      <p:graphicFrame>
+        <p:nvGraphicFramePr>
+          <p:cNvPr id="12" name="Table 11">
+            <a:extLst>
+              <a:ext uri="{FF2B5EF4-FFF2-40B4-BE49-F238E27FC236}">
+                <a16:creationId xmlns:a16="http://schemas.microsoft.com/office/drawing/2014/main" id="{AE49C644-9D36-EA05-FF38-AF1DBF4787AD}"/>
+              </a:ext>
+            </a:extLst>
+          </p:cNvPr>
+          <p:cNvGraphicFramePr>
+            <a:graphicFrameLocks noGrp="1"/>
+          </p:cNvGraphicFramePr>
+          <p:nvPr>
+            <p:extLst>
+              <p:ext uri="{D42A27DB-BD31-4B8C-83A1-F6EECF244321}">
+                <p14:modId xmlns:p14="http://schemas.microsoft.com/office/powerpoint/2010/main" val="4269405138"/>
+              </p:ext>
+            </p:extLst>
+          </p:nvPr>
+        </p:nvGraphicFramePr>
+        <p:xfrm>
+          <a:off x="12654542" y="26347374"/>
+          <a:ext cx="9184865" cy="1878078"/>
+        </p:xfrm>
+        <a:graphic>
+          <a:graphicData uri="http://schemas.openxmlformats.org/drawingml/2006/table">
+            <a:tbl>
+              <a:tblPr firstRow="1" bandRow="1">
+                <a:tableStyleId>{073A0DAA-6AF3-43AB-8588-CEC1D06C72B9}</a:tableStyleId>
+              </a:tblPr>
+              <a:tblGrid>
+                <a:gridCol w="1836973">
+                  <a:extLst>
+                    <a:ext uri="{9D8B030D-6E8A-4147-A177-3AD203B41FA5}">
+                      <a16:colId xmlns:a16="http://schemas.microsoft.com/office/drawing/2014/main" val="183964192"/>
+                    </a:ext>
+                  </a:extLst>
+                </a:gridCol>
+                <a:gridCol w="1836973">
+                  <a:extLst>
+                    <a:ext uri="{9D8B030D-6E8A-4147-A177-3AD203B41FA5}">
+                      <a16:colId xmlns:a16="http://schemas.microsoft.com/office/drawing/2014/main" val="1310211548"/>
+                    </a:ext>
+                  </a:extLst>
+                </a:gridCol>
+                <a:gridCol w="1836973">
+                  <a:extLst>
+                    <a:ext uri="{9D8B030D-6E8A-4147-A177-3AD203B41FA5}">
+                      <a16:colId xmlns:a16="http://schemas.microsoft.com/office/drawing/2014/main" val="2456665291"/>
+                    </a:ext>
+                  </a:extLst>
+                </a:gridCol>
+                <a:gridCol w="1836973">
+                  <a:extLst>
+                    <a:ext uri="{9D8B030D-6E8A-4147-A177-3AD203B41FA5}">
+                      <a16:colId xmlns:a16="http://schemas.microsoft.com/office/drawing/2014/main" val="3522645735"/>
+                    </a:ext>
+                  </a:extLst>
+                </a:gridCol>
+                <a:gridCol w="1836973">
+                  <a:extLst>
+                    <a:ext uri="{9D8B030D-6E8A-4147-A177-3AD203B41FA5}">
+                      <a16:colId xmlns:a16="http://schemas.microsoft.com/office/drawing/2014/main" val="2190784184"/>
+                    </a:ext>
+                  </a:extLst>
+                </a:gridCol>
+              </a:tblGrid>
+              <a:tr h="588519">
+                <a:tc>
+                  <a:txBody>
+                    <a:bodyPr/>
+                    <a:lstStyle/>
+                    <a:p>
+                      <a:r>
+                        <a:rPr lang="en-US" sz="2000" dirty="0"/>
+                        <a:t>Coefficients:</a:t>
+                      </a:r>
+                    </a:p>
+                  </a:txBody>
+                  <a:tcPr/>
+                </a:tc>
+                <a:tc>
+                  <a:txBody>
+                    <a:bodyPr/>
+                    <a:lstStyle/>
+                    <a:p>
+                      <a:r>
+                        <a:rPr lang="en-US" sz="2000" dirty="0"/>
+                        <a:t>Estimate</a:t>
+                      </a:r>
+                    </a:p>
+                  </a:txBody>
+                  <a:tcPr/>
+                </a:tc>
+                <a:tc>
+                  <a:txBody>
+                    <a:bodyPr/>
+                    <a:lstStyle/>
+                    <a:p>
+                      <a:r>
+                        <a:rPr lang="en-US" sz="2000" dirty="0"/>
+                        <a:t>Std. Error</a:t>
+                      </a:r>
+                    </a:p>
+                  </a:txBody>
+                  <a:tcPr/>
+                </a:tc>
+                <a:tc>
+                  <a:txBody>
+                    <a:bodyPr/>
+                    <a:lstStyle/>
+                    <a:p>
+                      <a:r>
+                        <a:rPr lang="en-US" sz="2000" dirty="0"/>
+                        <a:t>T-value</a:t>
+                      </a:r>
+                    </a:p>
+                  </a:txBody>
+                  <a:tcPr/>
+                </a:tc>
+                <a:tc>
+                  <a:txBody>
+                    <a:bodyPr/>
+                    <a:lstStyle/>
+                    <a:p>
+                      <a:r>
+                        <a:rPr lang="en-US" sz="2000" dirty="0"/>
+                        <a:t>P-value</a:t>
+                      </a:r>
+                    </a:p>
+                  </a:txBody>
+                  <a:tcPr/>
+                </a:tc>
+                <a:extLst>
+                  <a:ext uri="{0D108BD9-81ED-4DB2-BD59-A6C34878D82A}">
+                    <a16:rowId xmlns:a16="http://schemas.microsoft.com/office/drawing/2014/main" val="926823721"/>
+                  </a:ext>
+                </a:extLst>
+              </a:tr>
+              <a:tr h="588519">
+                <a:tc>
+                  <a:txBody>
+                    <a:bodyPr/>
+                    <a:lstStyle/>
+                    <a:p>
+                      <a:r>
+                        <a:rPr lang="en-US" sz="2000" dirty="0"/>
+                        <a:t>Intercept</a:t>
+                      </a:r>
+                    </a:p>
+                  </a:txBody>
+                  <a:tcPr/>
+                </a:tc>
+                <a:tc>
+                  <a:txBody>
+                    <a:bodyPr/>
+                    <a:lstStyle/>
+                    <a:p>
+                      <a:r>
+                        <a:rPr lang="en-US" sz="2000" dirty="0"/>
+                        <a:t>5259616</a:t>
+                      </a:r>
+                    </a:p>
+                  </a:txBody>
+                  <a:tcPr/>
+                </a:tc>
+                <a:tc>
+                  <a:txBody>
+                    <a:bodyPr/>
+                    <a:lstStyle/>
+                    <a:p>
+                      <a:r>
+                        <a:rPr lang="en-US" sz="2000" dirty="0"/>
+                        <a:t>336827</a:t>
+                      </a:r>
+                    </a:p>
+                  </a:txBody>
+                  <a:tcPr/>
+                </a:tc>
+                <a:tc>
+                  <a:txBody>
+                    <a:bodyPr/>
+                    <a:lstStyle/>
+                    <a:p>
+                      <a:r>
+                        <a:rPr lang="en-US" sz="2000" dirty="0"/>
+                        <a:t>15.615</a:t>
+                      </a:r>
+                    </a:p>
+                  </a:txBody>
+                  <a:tcPr/>
+                </a:tc>
+                <a:tc>
+                  <a:txBody>
+                    <a:bodyPr/>
+                    <a:lstStyle/>
+                    <a:p>
+                      <a:r>
+                        <a:rPr lang="en-US" sz="2000" dirty="0"/>
+                        <a:t>Less than 2e-16</a:t>
+                      </a:r>
+                    </a:p>
+                  </a:txBody>
+                  <a:tcPr/>
+                </a:tc>
+                <a:extLst>
+                  <a:ext uri="{0D108BD9-81ED-4DB2-BD59-A6C34878D82A}">
+                    <a16:rowId xmlns:a16="http://schemas.microsoft.com/office/drawing/2014/main" val="2811439347"/>
+                  </a:ext>
+                </a:extLst>
+              </a:tr>
+              <a:tr h="588519">
+                <a:tc>
+                  <a:txBody>
+                    <a:bodyPr/>
+                    <a:lstStyle/>
+                    <a:p>
+                      <a:r>
+                        <a:rPr lang="en-US" sz="2000" dirty="0"/>
+                        <a:t>Flesch Score</a:t>
+                      </a:r>
+                    </a:p>
+                  </a:txBody>
+                  <a:tcPr/>
+                </a:tc>
+                <a:tc>
+                  <a:txBody>
+                    <a:bodyPr/>
+                    <a:lstStyle/>
+                    <a:p>
+                      <a:r>
+                        <a:rPr lang="en-US" sz="2000" dirty="0"/>
+                        <a:t>34417</a:t>
+                      </a:r>
+                    </a:p>
+                  </a:txBody>
+                  <a:tcPr/>
+                </a:tc>
+                <a:tc>
+                  <a:txBody>
+                    <a:bodyPr/>
+                    <a:lstStyle/>
+                    <a:p>
+                      <a:r>
+                        <a:rPr lang="en-US" sz="2000" dirty="0"/>
+                        <a:t>10224</a:t>
+                      </a:r>
+                    </a:p>
+                  </a:txBody>
+                  <a:tcPr/>
+                </a:tc>
+                <a:tc>
+                  <a:txBody>
+                    <a:bodyPr/>
+                    <a:lstStyle/>
+                    <a:p>
+                      <a:r>
+                        <a:rPr lang="en-US" sz="2000" dirty="0"/>
+                        <a:t>3.366</a:t>
+                      </a:r>
+                    </a:p>
+                  </a:txBody>
+                  <a:tcPr/>
+                </a:tc>
+                <a:tc>
+                  <a:txBody>
+                    <a:bodyPr/>
+                    <a:lstStyle/>
+                    <a:p>
+                      <a:r>
+                        <a:rPr lang="en-US" sz="2000" dirty="0"/>
+                        <a:t>0.000762</a:t>
+                      </a:r>
+                    </a:p>
+                  </a:txBody>
+                  <a:tcPr/>
+                </a:tc>
+                <a:extLst>
+                  <a:ext uri="{0D108BD9-81ED-4DB2-BD59-A6C34878D82A}">
+                    <a16:rowId xmlns:a16="http://schemas.microsoft.com/office/drawing/2014/main" val="3123955569"/>
+                  </a:ext>
+                </a:extLst>
+              </a:tr>
+            </a:tbl>
+          </a:graphicData>
+        </a:graphic>
+      </p:graphicFrame>
+      <p:graphicFrame>
+        <p:nvGraphicFramePr>
+          <p:cNvPr id="13" name="Table 12">
+            <a:extLst>
+              <a:ext uri="{FF2B5EF4-FFF2-40B4-BE49-F238E27FC236}">
+                <a16:creationId xmlns:a16="http://schemas.microsoft.com/office/drawing/2014/main" id="{D142EB76-012D-6B36-3088-9759EA3E14BD}"/>
+              </a:ext>
+            </a:extLst>
+          </p:cNvPr>
+          <p:cNvGraphicFramePr>
+            <a:graphicFrameLocks noGrp="1"/>
+          </p:cNvGraphicFramePr>
+          <p:nvPr>
+            <p:extLst>
+              <p:ext uri="{D42A27DB-BD31-4B8C-83A1-F6EECF244321}">
+                <p14:modId xmlns:p14="http://schemas.microsoft.com/office/powerpoint/2010/main" val="258336329"/>
+              </p:ext>
+            </p:extLst>
+          </p:nvPr>
+        </p:nvGraphicFramePr>
+        <p:xfrm>
+          <a:off x="22449882" y="26328115"/>
+          <a:ext cx="9228030" cy="1878078"/>
+        </p:xfrm>
+        <a:graphic>
+          <a:graphicData uri="http://schemas.openxmlformats.org/drawingml/2006/table">
+            <a:tbl>
+              <a:tblPr firstRow="1" bandRow="1">
+                <a:tableStyleId>{073A0DAA-6AF3-43AB-8588-CEC1D06C72B9}</a:tableStyleId>
+              </a:tblPr>
+              <a:tblGrid>
+                <a:gridCol w="1845606">
+                  <a:extLst>
+                    <a:ext uri="{9D8B030D-6E8A-4147-A177-3AD203B41FA5}">
+                      <a16:colId xmlns:a16="http://schemas.microsoft.com/office/drawing/2014/main" val="183964192"/>
+                    </a:ext>
+                  </a:extLst>
+                </a:gridCol>
+                <a:gridCol w="1845606">
+                  <a:extLst>
+                    <a:ext uri="{9D8B030D-6E8A-4147-A177-3AD203B41FA5}">
+                      <a16:colId xmlns:a16="http://schemas.microsoft.com/office/drawing/2014/main" val="1310211548"/>
+                    </a:ext>
+                  </a:extLst>
+                </a:gridCol>
+                <a:gridCol w="1845606">
+                  <a:extLst>
+                    <a:ext uri="{9D8B030D-6E8A-4147-A177-3AD203B41FA5}">
+                      <a16:colId xmlns:a16="http://schemas.microsoft.com/office/drawing/2014/main" val="2456665291"/>
+                    </a:ext>
+                  </a:extLst>
+                </a:gridCol>
+                <a:gridCol w="1845606">
+                  <a:extLst>
+                    <a:ext uri="{9D8B030D-6E8A-4147-A177-3AD203B41FA5}">
+                      <a16:colId xmlns:a16="http://schemas.microsoft.com/office/drawing/2014/main" val="3522645735"/>
+                    </a:ext>
+                  </a:extLst>
+                </a:gridCol>
+                <a:gridCol w="1845606">
+                  <a:extLst>
+                    <a:ext uri="{9D8B030D-6E8A-4147-A177-3AD203B41FA5}">
+                      <a16:colId xmlns:a16="http://schemas.microsoft.com/office/drawing/2014/main" val="2190784184"/>
+                    </a:ext>
+                  </a:extLst>
+                </a:gridCol>
+              </a:tblGrid>
+              <a:tr h="588519">
+                <a:tc>
+                  <a:txBody>
+                    <a:bodyPr/>
+                    <a:lstStyle/>
+                    <a:p>
+                      <a:r>
+                        <a:rPr lang="en-US" sz="2000" dirty="0"/>
+                        <a:t>Coefficients:</a:t>
+                      </a:r>
+                    </a:p>
+                  </a:txBody>
+                  <a:tcPr/>
+                </a:tc>
+                <a:tc>
+                  <a:txBody>
+                    <a:bodyPr/>
+                    <a:lstStyle/>
+                    <a:p>
+                      <a:r>
+                        <a:rPr lang="en-US" sz="2000" dirty="0"/>
+                        <a:t>Estimate</a:t>
+                      </a:r>
+                    </a:p>
+                  </a:txBody>
+                  <a:tcPr/>
+                </a:tc>
+                <a:tc>
+                  <a:txBody>
+                    <a:bodyPr/>
+                    <a:lstStyle/>
+                    <a:p>
+                      <a:r>
+                        <a:rPr lang="en-US" sz="2000" dirty="0"/>
+                        <a:t>Std. Error</a:t>
+                      </a:r>
+                    </a:p>
+                  </a:txBody>
+                  <a:tcPr/>
+                </a:tc>
+                <a:tc>
+                  <a:txBody>
+                    <a:bodyPr/>
+                    <a:lstStyle/>
+                    <a:p>
+                      <a:r>
+                        <a:rPr lang="en-US" sz="2000" dirty="0"/>
+                        <a:t>T-value</a:t>
+                      </a:r>
+                    </a:p>
+                  </a:txBody>
+                  <a:tcPr/>
+                </a:tc>
+                <a:tc>
+                  <a:txBody>
+                    <a:bodyPr/>
+                    <a:lstStyle/>
+                    <a:p>
+                      <a:r>
+                        <a:rPr lang="en-US" sz="2000" dirty="0"/>
+                        <a:t>P-value</a:t>
+                      </a:r>
+                    </a:p>
+                  </a:txBody>
+                  <a:tcPr/>
+                </a:tc>
+                <a:extLst>
+                  <a:ext uri="{0D108BD9-81ED-4DB2-BD59-A6C34878D82A}">
+                    <a16:rowId xmlns:a16="http://schemas.microsoft.com/office/drawing/2014/main" val="926823721"/>
+                  </a:ext>
+                </a:extLst>
+              </a:tr>
+              <a:tr h="588519">
+                <a:tc>
+                  <a:txBody>
+                    <a:bodyPr/>
+                    <a:lstStyle/>
+                    <a:p>
+                      <a:r>
+                        <a:rPr lang="en-US" sz="2000" dirty="0"/>
+                        <a:t>Intercept</a:t>
+                      </a:r>
+                    </a:p>
+                  </a:txBody>
+                  <a:tcPr/>
+                </a:tc>
+                <a:tc>
+                  <a:txBody>
+                    <a:bodyPr/>
+                    <a:lstStyle/>
+                    <a:p>
+                      <a:r>
+                        <a:rPr lang="en-US" sz="2000" dirty="0"/>
+                        <a:t>10571871</a:t>
+                      </a:r>
+                    </a:p>
+                  </a:txBody>
+                  <a:tcPr/>
+                </a:tc>
+                <a:tc>
+                  <a:txBody>
+                    <a:bodyPr/>
+                    <a:lstStyle/>
+                    <a:p>
+                      <a:r>
+                        <a:rPr lang="en-US" sz="2000" dirty="0"/>
+                        <a:t>1708334</a:t>
+                      </a:r>
+                    </a:p>
+                  </a:txBody>
+                  <a:tcPr/>
+                </a:tc>
+                <a:tc>
+                  <a:txBody>
+                    <a:bodyPr/>
+                    <a:lstStyle/>
+                    <a:p>
+                      <a:r>
+                        <a:rPr lang="en-US" sz="2000" dirty="0"/>
+                        <a:t>6.188</a:t>
+                      </a:r>
+                    </a:p>
+                  </a:txBody>
+                  <a:tcPr/>
+                </a:tc>
+                <a:tc>
+                  <a:txBody>
+                    <a:bodyPr/>
+                    <a:lstStyle/>
+                    <a:p>
+                      <a:r>
+                        <a:rPr lang="en-US" sz="2000" dirty="0"/>
+                        <a:t>6.1e-10</a:t>
+                      </a:r>
+                    </a:p>
+                  </a:txBody>
+                  <a:tcPr/>
+                </a:tc>
+                <a:extLst>
+                  <a:ext uri="{0D108BD9-81ED-4DB2-BD59-A6C34878D82A}">
+                    <a16:rowId xmlns:a16="http://schemas.microsoft.com/office/drawing/2014/main" val="2811439347"/>
+                  </a:ext>
+                </a:extLst>
+              </a:tr>
+              <a:tr h="588519">
+                <a:tc>
+                  <a:txBody>
+                    <a:bodyPr/>
+                    <a:lstStyle/>
+                    <a:p>
+                      <a:r>
+                        <a:rPr lang="en-US" sz="2000" dirty="0"/>
+                        <a:t>Hapax Richness</a:t>
+                      </a:r>
+                    </a:p>
+                  </a:txBody>
+                  <a:tcPr/>
+                </a:tc>
+                <a:tc>
+                  <a:txBody>
+                    <a:bodyPr/>
+                    <a:lstStyle/>
+                    <a:p>
+                      <a:r>
+                        <a:rPr lang="en-US" sz="2000" dirty="0"/>
+                        <a:t>-5152904</a:t>
+                      </a:r>
+                    </a:p>
+                  </a:txBody>
+                  <a:tcPr/>
+                </a:tc>
+                <a:tc>
+                  <a:txBody>
+                    <a:bodyPr/>
+                    <a:lstStyle/>
+                    <a:p>
+                      <a:r>
+                        <a:rPr lang="en-US" sz="2000" dirty="0"/>
+                        <a:t>1893517</a:t>
+                      </a:r>
+                    </a:p>
+                  </a:txBody>
+                  <a:tcPr/>
+                </a:tc>
+                <a:tc>
+                  <a:txBody>
+                    <a:bodyPr/>
+                    <a:lstStyle/>
+                    <a:p>
+                      <a:r>
+                        <a:rPr lang="en-US" sz="2000" dirty="0"/>
+                        <a:t>-2.721</a:t>
+                      </a:r>
+                    </a:p>
+                  </a:txBody>
+                  <a:tcPr/>
+                </a:tc>
+                <a:tc>
+                  <a:txBody>
+                    <a:bodyPr/>
+                    <a:lstStyle/>
+                    <a:p>
+                      <a:r>
+                        <a:rPr lang="en-US" sz="2000" dirty="0"/>
+                        <a:t>0.0065</a:t>
+                      </a:r>
+                    </a:p>
+                  </a:txBody>
+                  <a:tcPr/>
+                </a:tc>
+                <a:extLst>
+                  <a:ext uri="{0D108BD9-81ED-4DB2-BD59-A6C34878D82A}">
+                    <a16:rowId xmlns:a16="http://schemas.microsoft.com/office/drawing/2014/main" val="3123955569"/>
+                  </a:ext>
+                </a:extLst>
+              </a:tr>
+            </a:tbl>
+          </a:graphicData>
+        </a:graphic>
+      </p:graphicFrame>
+      <p:graphicFrame>
+        <p:nvGraphicFramePr>
+          <p:cNvPr id="17" name="Table 16">
+            <a:extLst>
+              <a:ext uri="{FF2B5EF4-FFF2-40B4-BE49-F238E27FC236}">
+                <a16:creationId xmlns:a16="http://schemas.microsoft.com/office/drawing/2014/main" id="{8F14349A-38C7-43F4-7882-3DAFAD7AC63E}"/>
+              </a:ext>
+            </a:extLst>
+          </p:cNvPr>
+          <p:cNvGraphicFramePr>
+            <a:graphicFrameLocks noGrp="1"/>
+          </p:cNvGraphicFramePr>
+          <p:nvPr>
+            <p:extLst>
+              <p:ext uri="{D42A27DB-BD31-4B8C-83A1-F6EECF244321}">
+                <p14:modId xmlns:p14="http://schemas.microsoft.com/office/powerpoint/2010/main" val="1802903836"/>
+              </p:ext>
+            </p:extLst>
+          </p:nvPr>
+        </p:nvGraphicFramePr>
+        <p:xfrm>
+          <a:off x="12654542" y="28556085"/>
+          <a:ext cx="19023369" cy="3661928"/>
+        </p:xfrm>
+        <a:graphic>
+          <a:graphicData uri="http://schemas.openxmlformats.org/drawingml/2006/table">
+            <a:tbl>
+              <a:tblPr firstRow="1" bandRow="1">
+                <a:tableStyleId>{073A0DAA-6AF3-43AB-8588-CEC1D06C72B9}</a:tableStyleId>
+              </a:tblPr>
+              <a:tblGrid>
+                <a:gridCol w="3096827">
+                  <a:extLst>
+                    <a:ext uri="{9D8B030D-6E8A-4147-A177-3AD203B41FA5}">
+                      <a16:colId xmlns:a16="http://schemas.microsoft.com/office/drawing/2014/main" val="989323731"/>
+                    </a:ext>
+                  </a:extLst>
+                </a:gridCol>
+                <a:gridCol w="1416393">
+                  <a:extLst>
+                    <a:ext uri="{9D8B030D-6E8A-4147-A177-3AD203B41FA5}">
+                      <a16:colId xmlns:a16="http://schemas.microsoft.com/office/drawing/2014/main" val="4087679865"/>
+                    </a:ext>
+                  </a:extLst>
+                </a:gridCol>
+                <a:gridCol w="1369487">
+                  <a:extLst>
+                    <a:ext uri="{9D8B030D-6E8A-4147-A177-3AD203B41FA5}">
+                      <a16:colId xmlns:a16="http://schemas.microsoft.com/office/drawing/2014/main" val="3769670035"/>
+                    </a:ext>
+                  </a:extLst>
+                </a:gridCol>
+                <a:gridCol w="1797452">
+                  <a:extLst>
+                    <a:ext uri="{9D8B030D-6E8A-4147-A177-3AD203B41FA5}">
+                      <a16:colId xmlns:a16="http://schemas.microsoft.com/office/drawing/2014/main" val="3513889336"/>
+                    </a:ext>
+                  </a:extLst>
+                </a:gridCol>
+                <a:gridCol w="11343210">
+                  <a:extLst>
+                    <a:ext uri="{9D8B030D-6E8A-4147-A177-3AD203B41FA5}">
+                      <a16:colId xmlns:a16="http://schemas.microsoft.com/office/drawing/2014/main" val="3809310180"/>
+                    </a:ext>
+                  </a:extLst>
+                </a:gridCol>
+              </a:tblGrid>
+              <a:tr h="679262">
+                <a:tc>
+                  <a:txBody>
+                    <a:bodyPr/>
+                    <a:lstStyle/>
+                    <a:p>
+                      <a:r>
+                        <a:rPr lang="en-US" sz="2800" dirty="0"/>
+                        <a:t>Name</a:t>
+                      </a:r>
+                    </a:p>
+                  </a:txBody>
+                  <a:tcPr/>
+                </a:tc>
+                <a:tc>
+                  <a:txBody>
+                    <a:bodyPr/>
+                    <a:lstStyle/>
+                    <a:p>
+                      <a:r>
+                        <a:rPr lang="en-US" sz="2800" dirty="0"/>
+                        <a:t>NTEE</a:t>
+                      </a:r>
+                    </a:p>
+                  </a:txBody>
+                  <a:tcPr/>
+                </a:tc>
+                <a:tc>
+                  <a:txBody>
+                    <a:bodyPr/>
+                    <a:lstStyle/>
+                    <a:p>
+                      <a:r>
+                        <a:rPr lang="en-US" sz="2800" dirty="0"/>
+                        <a:t>Asset Code</a:t>
+                      </a:r>
+                    </a:p>
+                  </a:txBody>
+                  <a:tcPr/>
+                </a:tc>
+                <a:tc>
+                  <a:txBody>
+                    <a:bodyPr/>
+                    <a:lstStyle/>
+                    <a:p>
+                      <a:r>
+                        <a:rPr lang="en-US" sz="2800" dirty="0"/>
+                        <a:t>Revenue</a:t>
+                      </a:r>
+                    </a:p>
+                  </a:txBody>
+                  <a:tcPr/>
+                </a:tc>
+                <a:tc>
+                  <a:txBody>
+                    <a:bodyPr/>
+                    <a:lstStyle/>
+                    <a:p>
+                      <a:r>
+                        <a:rPr lang="en-US" sz="2800" dirty="0"/>
+                        <a:t>Preprocessed Mission</a:t>
+                      </a:r>
+                    </a:p>
+                  </a:txBody>
+                  <a:tcPr/>
+                </a:tc>
+                <a:extLst>
+                  <a:ext uri="{0D108BD9-81ED-4DB2-BD59-A6C34878D82A}">
+                    <a16:rowId xmlns:a16="http://schemas.microsoft.com/office/drawing/2014/main" val="695158152"/>
+                  </a:ext>
+                </a:extLst>
+              </a:tr>
+              <a:tr h="679262">
+                <a:tc>
+                  <a:txBody>
+                    <a:bodyPr/>
+                    <a:lstStyle/>
+                    <a:p>
+                      <a:endParaRPr lang="en-US" sz="2800"/>
+                    </a:p>
+                  </a:txBody>
+                  <a:tcPr/>
+                </a:tc>
+                <a:tc>
+                  <a:txBody>
+                    <a:bodyPr/>
+                    <a:lstStyle/>
+                    <a:p>
+                      <a:endParaRPr lang="en-US" sz="2800"/>
+                    </a:p>
+                  </a:txBody>
+                  <a:tcPr/>
+                </a:tc>
+                <a:tc>
+                  <a:txBody>
+                    <a:bodyPr/>
+                    <a:lstStyle/>
+                    <a:p>
+                      <a:endParaRPr lang="en-US" sz="2800"/>
+                    </a:p>
+                  </a:txBody>
+                  <a:tcPr/>
+                </a:tc>
+                <a:tc>
+                  <a:txBody>
+                    <a:bodyPr/>
+                    <a:lstStyle/>
+                    <a:p>
+                      <a:endParaRPr lang="en-US" sz="2800"/>
+                    </a:p>
+                  </a:txBody>
+                  <a:tcPr/>
+                </a:tc>
+                <a:tc>
+                  <a:txBody>
+                    <a:bodyPr/>
+                    <a:lstStyle/>
+                    <a:p>
+                      <a:endParaRPr lang="en-US" sz="2800"/>
+                    </a:p>
+                  </a:txBody>
+                  <a:tcPr/>
+                </a:tc>
+                <a:extLst>
+                  <a:ext uri="{0D108BD9-81ED-4DB2-BD59-A6C34878D82A}">
+                    <a16:rowId xmlns:a16="http://schemas.microsoft.com/office/drawing/2014/main" val="4133675837"/>
+                  </a:ext>
+                </a:extLst>
+              </a:tr>
+              <a:tr h="679262">
+                <a:tc>
+                  <a:txBody>
+                    <a:bodyPr/>
+                    <a:lstStyle/>
+                    <a:p>
+                      <a:endParaRPr lang="en-US" sz="2800"/>
+                    </a:p>
+                  </a:txBody>
+                  <a:tcPr/>
+                </a:tc>
+                <a:tc>
+                  <a:txBody>
+                    <a:bodyPr/>
+                    <a:lstStyle/>
+                    <a:p>
+                      <a:endParaRPr lang="en-US" sz="2800"/>
+                    </a:p>
+                  </a:txBody>
+                  <a:tcPr/>
+                </a:tc>
+                <a:tc>
+                  <a:txBody>
+                    <a:bodyPr/>
+                    <a:lstStyle/>
+                    <a:p>
+                      <a:endParaRPr lang="en-US" sz="2800"/>
+                    </a:p>
+                  </a:txBody>
+                  <a:tcPr/>
+                </a:tc>
+                <a:tc>
+                  <a:txBody>
+                    <a:bodyPr/>
+                    <a:lstStyle/>
+                    <a:p>
+                      <a:endParaRPr lang="en-US" sz="2800"/>
+                    </a:p>
+                  </a:txBody>
+                  <a:tcPr/>
+                </a:tc>
+                <a:tc>
+                  <a:txBody>
+                    <a:bodyPr/>
+                    <a:lstStyle/>
+                    <a:p>
+                      <a:endParaRPr lang="en-US" sz="2800"/>
+                    </a:p>
+                  </a:txBody>
+                  <a:tcPr/>
+                </a:tc>
+                <a:extLst>
+                  <a:ext uri="{0D108BD9-81ED-4DB2-BD59-A6C34878D82A}">
+                    <a16:rowId xmlns:a16="http://schemas.microsoft.com/office/drawing/2014/main" val="3585294609"/>
+                  </a:ext>
+                </a:extLst>
+              </a:tr>
+              <a:tr h="679262">
+                <a:tc>
+                  <a:txBody>
+                    <a:bodyPr/>
+                    <a:lstStyle/>
+                    <a:p>
+                      <a:endParaRPr lang="en-US" sz="2800"/>
+                    </a:p>
+                  </a:txBody>
+                  <a:tcPr/>
+                </a:tc>
+                <a:tc>
+                  <a:txBody>
+                    <a:bodyPr/>
+                    <a:lstStyle/>
+                    <a:p>
+                      <a:endParaRPr lang="en-US" sz="2800"/>
+                    </a:p>
+                  </a:txBody>
+                  <a:tcPr/>
+                </a:tc>
+                <a:tc>
+                  <a:txBody>
+                    <a:bodyPr/>
+                    <a:lstStyle/>
+                    <a:p>
+                      <a:endParaRPr lang="en-US" sz="2800"/>
+                    </a:p>
+                  </a:txBody>
+                  <a:tcPr/>
+                </a:tc>
+                <a:tc>
+                  <a:txBody>
+                    <a:bodyPr/>
+                    <a:lstStyle/>
+                    <a:p>
+                      <a:endParaRPr lang="en-US" sz="2800"/>
+                    </a:p>
+                  </a:txBody>
+                  <a:tcPr/>
+                </a:tc>
+                <a:tc>
+                  <a:txBody>
+                    <a:bodyPr/>
+                    <a:lstStyle/>
+                    <a:p>
+                      <a:endParaRPr lang="en-US" sz="2800"/>
+                    </a:p>
+                  </a:txBody>
+                  <a:tcPr/>
+                </a:tc>
+                <a:extLst>
+                  <a:ext uri="{0D108BD9-81ED-4DB2-BD59-A6C34878D82A}">
+                    <a16:rowId xmlns:a16="http://schemas.microsoft.com/office/drawing/2014/main" val="204093237"/>
+                  </a:ext>
+                </a:extLst>
+              </a:tr>
+              <a:tr h="679262">
+                <a:tc>
+                  <a:txBody>
+                    <a:bodyPr/>
+                    <a:lstStyle/>
+                    <a:p>
+                      <a:endParaRPr lang="en-US" sz="2800"/>
+                    </a:p>
+                  </a:txBody>
+                  <a:tcPr/>
+                </a:tc>
+                <a:tc>
+                  <a:txBody>
+                    <a:bodyPr/>
+                    <a:lstStyle/>
+                    <a:p>
+                      <a:endParaRPr lang="en-US" sz="2800"/>
+                    </a:p>
+                  </a:txBody>
+                  <a:tcPr/>
+                </a:tc>
+                <a:tc>
+                  <a:txBody>
+                    <a:bodyPr/>
+                    <a:lstStyle/>
+                    <a:p>
+                      <a:endParaRPr lang="en-US" sz="2800"/>
+                    </a:p>
+                  </a:txBody>
+                  <a:tcPr/>
+                </a:tc>
+                <a:tc>
+                  <a:txBody>
+                    <a:bodyPr/>
+                    <a:lstStyle/>
+                    <a:p>
+                      <a:endParaRPr lang="en-US" sz="2800"/>
+                    </a:p>
+                  </a:txBody>
+                  <a:tcPr/>
+                </a:tc>
+                <a:tc>
+                  <a:txBody>
+                    <a:bodyPr/>
+                    <a:lstStyle/>
+                    <a:p>
+                      <a:endParaRPr lang="en-US" sz="2800" dirty="0"/>
+                    </a:p>
+                  </a:txBody>
+                  <a:tcPr/>
+                </a:tc>
+                <a:extLst>
+                  <a:ext uri="{0D108BD9-81ED-4DB2-BD59-A6C34878D82A}">
+                    <a16:rowId xmlns:a16="http://schemas.microsoft.com/office/drawing/2014/main" val="1459588876"/>
+                  </a:ext>
+                </a:extLst>
+              </a:tr>
+            </a:tbl>
+          </a:graphicData>
+        </a:graphic>
+      </p:graphicFrame>
     </p:spTree>
   </p:cSld>
   <p:clrMapOvr>

--- a/publications/URCA 2024 Poster.pptx
+++ b/publications/URCA 2024 Poster.pptx
@@ -341,7 +341,7 @@
       </p15:sldGuideLst>
     </p:ext>
     <p:ext uri="GoogleSlidesCustomDataVersion2">
-      <go:slidesCustomData xmlns="" xmlns:mc="http://schemas.openxmlformats.org/markup-compatibility/2006" xmlns:mv="urn:schemas-microsoft-com:mac:vml" xmlns:c="http://schemas.openxmlformats.org/drawingml/2006/chart" xmlns:dgm="http://schemas.openxmlformats.org/drawingml/2006/diagram" xmlns:o="urn:schemas-microsoft-com:office:office" xmlns:v="urn:schemas-microsoft-com:vml" xmlns:pvml="urn:schemas-microsoft-com:office:powerpoint" xmlns:com="http://schemas.openxmlformats.org/drawingml/2006/compatibility" xmlns:p14="http://schemas.microsoft.com/office/powerpoint/2010/main" xmlns:p15="http://schemas.microsoft.com/office/powerpoint/2012/main" xmlns:ahyp="http://schemas.microsoft.com/office/drawing/2018/hyperlinkcolor" xmlns:go="http://customooxmlschemas.google.com/" r:id="rId21" roundtripDataSignature="AMtx7mgWSjSeOX8ykGe4GBVg+ganuGxPXw=="/>
+      <go:slidesCustomData xmlns:go="http://customooxmlschemas.google.com/" xmlns:ahyp="http://schemas.microsoft.com/office/drawing/2018/hyperlinkcolor" xmlns:p15="http://schemas.microsoft.com/office/powerpoint/2012/main" xmlns:p14="http://schemas.microsoft.com/office/powerpoint/2010/main" xmlns:com="http://schemas.openxmlformats.org/drawingml/2006/compatibility" xmlns:pvml="urn:schemas-microsoft-com:office:powerpoint" xmlns:v="urn:schemas-microsoft-com:vml" xmlns:o="urn:schemas-microsoft-com:office:office" xmlns:dgm="http://schemas.openxmlformats.org/drawingml/2006/diagram" xmlns:c="http://schemas.openxmlformats.org/drawingml/2006/chart" xmlns:mv="urn:schemas-microsoft-com:mac:vml" xmlns:mc="http://schemas.openxmlformats.org/markup-compatibility/2006" xmlns="" r:id="rId21" roundtripDataSignature="AMtx7mgWSjSeOX8ykGe4GBVg+ganuGxPXw=="/>
     </p:ext>
   </p:extLst>
 </p:presentation>
@@ -350,7 +350,7 @@
 <file path=ppt/revisionInfo.xml><?xml version="1.0" encoding="utf-8"?>
 <p1510:revInfo xmlns:a="http://schemas.openxmlformats.org/drawingml/2006/main" xmlns:r="http://schemas.openxmlformats.org/officeDocument/2006/relationships" xmlns:p1510="http://schemas.microsoft.com/office/powerpoint/2015/10/main">
   <p1510:revLst>
-    <p1510:client id="{721868BD-F9F7-49CA-A317-5B179EA2F347}" v="446" dt="2024-03-16T04:28:12.266"/>
+    <p1510:client id="{721868BD-F9F7-49CA-A317-5B179EA2F347}" v="455" dt="2024-03-16T05:01:14.906"/>
   </p1510:revLst>
 </p1510:revInfo>
 </file>
@@ -360,18 +360,18 @@
   <pc:docChgLst>
     <pc:chgData name="Hariaksha Gunda" userId="c3d5802c32daedcc" providerId="LiveId" clId="{721868BD-F9F7-49CA-A317-5B179EA2F347}"/>
     <pc:docChg chg="undo redo custSel addSld delSld modSld">
-      <pc:chgData name="Hariaksha Gunda" userId="c3d5802c32daedcc" providerId="LiveId" clId="{721868BD-F9F7-49CA-A317-5B179EA2F347}" dt="2024-03-16T04:31:01.936" v="6041" actId="1035"/>
+      <pc:chgData name="Hariaksha Gunda" userId="c3d5802c32daedcc" providerId="LiveId" clId="{721868BD-F9F7-49CA-A317-5B179EA2F347}" dt="2024-03-16T05:02:09.439" v="6237" actId="1036"/>
       <pc:docMkLst>
         <pc:docMk/>
       </pc:docMkLst>
       <pc:sldChg chg="addSp delSp modSp mod">
-        <pc:chgData name="Hariaksha Gunda" userId="c3d5802c32daedcc" providerId="LiveId" clId="{721868BD-F9F7-49CA-A317-5B179EA2F347}" dt="2024-03-16T04:31:01.936" v="6041" actId="1035"/>
+        <pc:chgData name="Hariaksha Gunda" userId="c3d5802c32daedcc" providerId="LiveId" clId="{721868BD-F9F7-49CA-A317-5B179EA2F347}" dt="2024-03-16T05:02:09.439" v="6237" actId="1036"/>
         <pc:sldMkLst>
           <pc:docMk/>
           <pc:sldMk cId="0" sldId="256"/>
         </pc:sldMkLst>
         <pc:spChg chg="add mod">
-          <ac:chgData name="Hariaksha Gunda" userId="c3d5802c32daedcc" providerId="LiveId" clId="{721868BD-F9F7-49CA-A317-5B179EA2F347}" dt="2024-03-16T04:30:58.453" v="6035" actId="1035"/>
+          <ac:chgData name="Hariaksha Gunda" userId="c3d5802c32daedcc" providerId="LiveId" clId="{721868BD-F9F7-49CA-A317-5B179EA2F347}" dt="2024-03-16T04:41:10.105" v="6050" actId="1036"/>
           <ac:spMkLst>
             <pc:docMk/>
             <pc:sldMk cId="0" sldId="256"/>
@@ -387,7 +387,7 @@
           </ac:spMkLst>
         </pc:spChg>
         <pc:spChg chg="add mod">
-          <ac:chgData name="Hariaksha Gunda" userId="c3d5802c32daedcc" providerId="LiveId" clId="{721868BD-F9F7-49CA-A317-5B179EA2F347}" dt="2024-03-16T04:31:01.936" v="6041" actId="1035"/>
+          <ac:chgData name="Hariaksha Gunda" userId="c3d5802c32daedcc" providerId="LiveId" clId="{721868BD-F9F7-49CA-A317-5B179EA2F347}" dt="2024-03-16T04:41:10.105" v="6050" actId="1036"/>
           <ac:spMkLst>
             <pc:docMk/>
             <pc:sldMk cId="0" sldId="256"/>
@@ -411,7 +411,7 @@
           </ac:spMkLst>
         </pc:spChg>
         <pc:spChg chg="mod">
-          <ac:chgData name="Hariaksha Gunda" userId="c3d5802c32daedcc" providerId="LiveId" clId="{721868BD-F9F7-49CA-A317-5B179EA2F347}" dt="2024-03-16T04:28:43.901" v="5980" actId="1035"/>
+          <ac:chgData name="Hariaksha Gunda" userId="c3d5802c32daedcc" providerId="LiveId" clId="{721868BD-F9F7-49CA-A317-5B179EA2F347}" dt="2024-03-16T04:53:01.806" v="6072" actId="14100"/>
           <ac:spMkLst>
             <pc:docMk/>
             <pc:sldMk cId="0" sldId="256"/>
@@ -619,7 +619,7 @@
           </ac:spMkLst>
         </pc:spChg>
         <pc:spChg chg="mod">
-          <ac:chgData name="Hariaksha Gunda" userId="c3d5802c32daedcc" providerId="LiveId" clId="{721868BD-F9F7-49CA-A317-5B179EA2F347}" dt="2024-03-16T04:03:37.290" v="5060" actId="1076"/>
+          <ac:chgData name="Hariaksha Gunda" userId="c3d5802c32daedcc" providerId="LiveId" clId="{721868BD-F9F7-49CA-A317-5B179EA2F347}" dt="2024-03-16T04:53:31.227" v="6080" actId="20577"/>
           <ac:spMkLst>
             <pc:docMk/>
             <pc:sldMk cId="0" sldId="256"/>
@@ -691,7 +691,7 @@
           </ac:spMkLst>
         </pc:spChg>
         <pc:spChg chg="mod">
-          <ac:chgData name="Hariaksha Gunda" userId="c3d5802c32daedcc" providerId="LiveId" clId="{721868BD-F9F7-49CA-A317-5B179EA2F347}" dt="2024-03-16T04:30:58.453" v="6035" actId="1035"/>
+          <ac:chgData name="Hariaksha Gunda" userId="c3d5802c32daedcc" providerId="LiveId" clId="{721868BD-F9F7-49CA-A317-5B179EA2F347}" dt="2024-03-16T05:02:09.439" v="6237" actId="1036"/>
           <ac:spMkLst>
             <pc:docMk/>
             <pc:sldMk cId="0" sldId="256"/>
@@ -699,7 +699,7 @@
           </ac:spMkLst>
         </pc:spChg>
         <pc:spChg chg="mod">
-          <ac:chgData name="Hariaksha Gunda" userId="c3d5802c32daedcc" providerId="LiveId" clId="{721868BD-F9F7-49CA-A317-5B179EA2F347}" dt="2024-03-16T04:28:43.901" v="5980" actId="1035"/>
+          <ac:chgData name="Hariaksha Gunda" userId="c3d5802c32daedcc" providerId="LiveId" clId="{721868BD-F9F7-49CA-A317-5B179EA2F347}" dt="2024-03-16T04:50:43.417" v="6064" actId="20577"/>
           <ac:spMkLst>
             <pc:docMk/>
             <pc:sldMk cId="0" sldId="256"/>
@@ -771,7 +771,7 @@
           </ac:graphicFrameMkLst>
         </pc:graphicFrameChg>
         <pc:graphicFrameChg chg="add mod modGraphic">
-          <ac:chgData name="Hariaksha Gunda" userId="c3d5802c32daedcc" providerId="LiveId" clId="{721868BD-F9F7-49CA-A317-5B179EA2F347}" dt="2024-03-16T04:30:58.453" v="6035" actId="1035"/>
+          <ac:chgData name="Hariaksha Gunda" userId="c3d5802c32daedcc" providerId="LiveId" clId="{721868BD-F9F7-49CA-A317-5B179EA2F347}" dt="2024-03-16T04:50:21.962" v="6058" actId="20577"/>
           <ac:graphicFrameMkLst>
             <pc:docMk/>
             <pc:sldMk cId="0" sldId="256"/>
@@ -779,7 +779,7 @@
           </ac:graphicFrameMkLst>
         </pc:graphicFrameChg>
         <pc:graphicFrameChg chg="add mod modGraphic">
-          <ac:chgData name="Hariaksha Gunda" userId="c3d5802c32daedcc" providerId="LiveId" clId="{721868BD-F9F7-49CA-A317-5B179EA2F347}" dt="2024-03-16T04:30:58.453" v="6035" actId="1035"/>
+          <ac:chgData name="Hariaksha Gunda" userId="c3d5802c32daedcc" providerId="LiveId" clId="{721868BD-F9F7-49CA-A317-5B179EA2F347}" dt="2024-03-16T05:01:56.672" v="6220" actId="1036"/>
           <ac:graphicFrameMkLst>
             <pc:docMk/>
             <pc:sldMk cId="0" sldId="256"/>
@@ -803,7 +803,7 @@
           </ac:graphicFrameMkLst>
         </pc:graphicFrameChg>
         <pc:graphicFrameChg chg="add mod modGraphic">
-          <ac:chgData name="Hariaksha Gunda" userId="c3d5802c32daedcc" providerId="LiveId" clId="{721868BD-F9F7-49CA-A317-5B179EA2F347}" dt="2024-03-16T04:30:58.453" v="6035" actId="1035"/>
+          <ac:chgData name="Hariaksha Gunda" userId="c3d5802c32daedcc" providerId="LiveId" clId="{721868BD-F9F7-49CA-A317-5B179EA2F347}" dt="2024-03-16T05:02:06.433" v="6231" actId="1035"/>
           <ac:graphicFrameMkLst>
             <pc:docMk/>
             <pc:sldMk cId="0" sldId="256"/>
@@ -11690,8 +11690,8 @@
         </p:nvSpPr>
         <p:spPr>
           <a:xfrm>
-            <a:off x="1051256" y="18079390"/>
-            <a:ext cx="9809348" cy="7325042"/>
+            <a:off x="1051255" y="18079390"/>
+            <a:ext cx="10018879" cy="7325042"/>
           </a:xfrm>
           <a:prstGeom prst="rect">
             <a:avLst/>
@@ -11975,7 +11975,7 @@
                 <a:cs typeface="EB Garamond"/>
                 <a:sym typeface="EB Garamond"/>
               </a:rPr>
-              <a:t>Prior research suggests that mission statement language correlates with economic and organizational performance.</a:t>
+              <a:t>Prior research suggests that mission statement language correlates with economic and organizational performance (2, 3).</a:t>
             </a:r>
           </a:p>
           <a:p>
@@ -13097,8 +13097,8 @@
           </a:ln>
         </p:spPr>
       </p:pic>
-      <mc:AlternateContent xmlns:mc="http://schemas.openxmlformats.org/markup-compatibility/2006">
-        <mc:Choice xmlns:a14="http://schemas.microsoft.com/office/drawing/2010/main" Requires="a14">
+      <mc:AlternateContent xmlns:mc="http://schemas.openxmlformats.org/markup-compatibility/2006" xmlns:a14="http://schemas.microsoft.com/office/drawing/2010/main">
+        <mc:Choice Requires="a14">
           <p:sp>
             <p:nvSpPr>
               <p:cNvPr id="110" name="Google Shape;110;p1"/>
@@ -13804,7 +13804,7 @@
             </p:txBody>
           </p:sp>
         </mc:Choice>
-        <mc:Fallback>
+        <mc:Fallback xmlns="">
           <p:sp>
             <p:nvSpPr>
               <p:cNvPr id="110" name="Google Shape;110;p1"/>
@@ -16065,7 +16065,7 @@
         </p:nvSpPr>
         <p:spPr>
           <a:xfrm>
-            <a:off x="14489015" y="32196644"/>
+            <a:off x="14489015" y="32084775"/>
             <a:ext cx="14618652" cy="646290"/>
           </a:xfrm>
           <a:prstGeom prst="rect">
@@ -16151,7 +16151,7 @@
                 <a:cs typeface="EB Garamond"/>
                 <a:sym typeface="EB Garamond"/>
               </a:rPr>
-              <a:t>The nonprofit sector largely consists of small, community-based organizations working with meager resources. For this reason, nonprofits rely on resources and research to operate more effectively. Prior researchers have begun to understand the impact of different linguistic structures and patterns on economic and organizational performance. This project furthers these efforts by addressing a research gap surrounding empathy and compassion in mission statements. We evaluate the impact of "self VS other" linguistic structures on revenues of tax-exempt organizations. This research will provide a better understanding of the impact of linguistic features and can be applied to increase charitable donations and elevate the impact of a wide array of nonprofits, thereby touching the lives of countless individuals.</a:t>
+              <a:t>The nonprofit sector largely consists of small, community-based organizations working with meager resources. For this reason, nonprofits rely on resources and research to operate more effectively. Prior researchers have begun to understand the impact of different linguistic structures and patterns on economic and organizational performance. This project furthers these efforts by addressing a research gap surrounding empathy and compassion in mission statements. We evaluate the impact of “Self VS Other" linguistic structures on revenues of tax-exempt organizations. This research will provide a better understanding of the impact of linguistic features and can be applied to increase charitable donations and elevate the impact of a wide array of nonprofits, thereby touching the lives of countless individuals.</a:t>
             </a:r>
           </a:p>
         </p:txBody>
@@ -16456,7 +16456,7 @@
             </p:nvSpPr>
             <p:spPr>
               <a:xfrm>
-                <a:off x="11356985" y="25523771"/>
+                <a:off x="11356985" y="25295172"/>
                 <a:ext cx="10493477" cy="538609"/>
               </a:xfrm>
               <a:prstGeom prst="rect">
@@ -16657,7 +16657,7 @@
             </p:nvSpPr>
             <p:spPr>
               <a:xfrm>
-                <a:off x="11356985" y="25523771"/>
+                <a:off x="11356985" y="25295172"/>
                 <a:ext cx="10493477" cy="538609"/>
               </a:xfrm>
               <a:prstGeom prst="rect">
@@ -16761,7 +16761,7 @@
             </p:nvSpPr>
             <p:spPr>
               <a:xfrm>
-                <a:off x="21648836" y="25516544"/>
+                <a:off x="21648836" y="25287945"/>
                 <a:ext cx="10493477" cy="538609"/>
               </a:xfrm>
               <a:prstGeom prst="rect">
@@ -16962,7 +16962,7 @@
             </p:nvSpPr>
             <p:spPr>
               <a:xfrm>
-                <a:off x="21648836" y="25516544"/>
+                <a:off x="21648836" y="25287945"/>
                 <a:ext cx="10493477" cy="538609"/>
               </a:xfrm>
               <a:prstGeom prst="rect">
@@ -17005,14 +17005,14 @@
           <p:nvPr>
             <p:extLst>
               <p:ext uri="{D42A27DB-BD31-4B8C-83A1-F6EECF244321}">
-                <p14:modId xmlns:p14="http://schemas.microsoft.com/office/powerpoint/2010/main" val="4269405138"/>
+                <p14:modId xmlns:p14="http://schemas.microsoft.com/office/powerpoint/2010/main" val="2517924007"/>
               </p:ext>
             </p:extLst>
           </p:nvPr>
         </p:nvGraphicFramePr>
         <p:xfrm>
-          <a:off x="12654542" y="26347374"/>
-          <a:ext cx="9184865" cy="1878078"/>
+          <a:off x="12654542" y="26118775"/>
+          <a:ext cx="9184865" cy="1765557"/>
         </p:xfrm>
         <a:graphic>
           <a:graphicData uri="http://schemas.openxmlformats.org/drawingml/2006/table">
@@ -17189,7 +17189,7 @@
                     <a:p>
                       <a:r>
                         <a:rPr lang="en-US" sz="2000" dirty="0"/>
-                        <a:t>Less than 2e-16</a:t>
+                        <a:t>&lt; 2e^-16</a:t>
                       </a:r>
                     </a:p>
                   </a:txBody>
@@ -17292,13 +17292,13 @@
           <p:nvPr>
             <p:extLst>
               <p:ext uri="{D42A27DB-BD31-4B8C-83A1-F6EECF244321}">
-                <p14:modId xmlns:p14="http://schemas.microsoft.com/office/powerpoint/2010/main" val="258336329"/>
+                <p14:modId xmlns:p14="http://schemas.microsoft.com/office/powerpoint/2010/main" val="1169831868"/>
               </p:ext>
             </p:extLst>
           </p:nvPr>
         </p:nvGraphicFramePr>
         <p:xfrm>
-          <a:off x="22449882" y="26328115"/>
+          <a:off x="22449882" y="26099516"/>
           <a:ext cx="9228030" cy="1878078"/>
         </p:xfrm>
         <a:graphic>
@@ -17476,7 +17476,7 @@
                     <a:p>
                       <a:r>
                         <a:rPr lang="en-US" sz="2000" dirty="0"/>
-                        <a:t>6.1e-10</a:t>
+                        <a:t>6.1e^-10</a:t>
                       </a:r>
                     </a:p>
                   </a:txBody>
@@ -17579,14 +17579,14 @@
           <p:nvPr>
             <p:extLst>
               <p:ext uri="{D42A27DB-BD31-4B8C-83A1-F6EECF244321}">
-                <p14:modId xmlns:p14="http://schemas.microsoft.com/office/powerpoint/2010/main" val="1802903836"/>
+                <p14:modId xmlns:p14="http://schemas.microsoft.com/office/powerpoint/2010/main" val="3714982079"/>
               </p:ext>
             </p:extLst>
           </p:nvPr>
         </p:nvGraphicFramePr>
         <p:xfrm>
-          <a:off x="12654542" y="28556085"/>
-          <a:ext cx="19023369" cy="3661928"/>
+          <a:off x="12557266" y="28074571"/>
+          <a:ext cx="19213273" cy="3940622"/>
         </p:xfrm>
         <a:graphic>
           <a:graphicData uri="http://schemas.openxmlformats.org/drawingml/2006/table">
@@ -17595,35 +17595,28 @@
                 <a:tableStyleId>{073A0DAA-6AF3-43AB-8588-CEC1D06C72B9}</a:tableStyleId>
               </a:tblPr>
               <a:tblGrid>
-                <a:gridCol w="3096827">
+                <a:gridCol w="3370374">
                   <a:extLst>
                     <a:ext uri="{9D8B030D-6E8A-4147-A177-3AD203B41FA5}">
                       <a16:colId xmlns:a16="http://schemas.microsoft.com/office/drawing/2014/main" val="989323731"/>
                     </a:ext>
                   </a:extLst>
                 </a:gridCol>
-                <a:gridCol w="1416393">
+                <a:gridCol w="1541505">
                   <a:extLst>
                     <a:ext uri="{9D8B030D-6E8A-4147-A177-3AD203B41FA5}">
                       <a16:colId xmlns:a16="http://schemas.microsoft.com/office/drawing/2014/main" val="4087679865"/>
                     </a:ext>
                   </a:extLst>
                 </a:gridCol>
-                <a:gridCol w="1369487">
-                  <a:extLst>
-                    <a:ext uri="{9D8B030D-6E8A-4147-A177-3AD203B41FA5}">
-                      <a16:colId xmlns:a16="http://schemas.microsoft.com/office/drawing/2014/main" val="3769670035"/>
-                    </a:ext>
-                  </a:extLst>
-                </a:gridCol>
-                <a:gridCol w="1797452">
+                <a:gridCol w="1956223">
                   <a:extLst>
                     <a:ext uri="{9D8B030D-6E8A-4147-A177-3AD203B41FA5}">
                       <a16:colId xmlns:a16="http://schemas.microsoft.com/office/drawing/2014/main" val="3513889336"/>
                     </a:ext>
                   </a:extLst>
                 </a:gridCol>
-                <a:gridCol w="11343210">
+                <a:gridCol w="12345171">
                   <a:extLst>
                     <a:ext uri="{9D8B030D-6E8A-4147-A177-3AD203B41FA5}">
                       <a16:colId xmlns:a16="http://schemas.microsoft.com/office/drawing/2014/main" val="3809310180"/>
@@ -17653,19 +17646,6 @@
                       <a:r>
                         <a:rPr lang="en-US" sz="2800" dirty="0"/>
                         <a:t>NTEE</a:t>
-                      </a:r>
-                    </a:p>
-                  </a:txBody>
-                  <a:tcPr/>
-                </a:tc>
-                <a:tc>
-                  <a:txBody>
-                    <a:bodyPr/>
-                    <a:lstStyle/>
-                    <a:p>
-                      <a:r>
-                        <a:rPr lang="en-US" sz="2800" dirty="0"/>
-                        <a:t>Asset Code</a:t>
                       </a:r>
                     </a:p>
                   </a:txBody>
@@ -17709,7 +17689,10 @@
                     <a:bodyPr/>
                     <a:lstStyle/>
                     <a:p>
-                      <a:endParaRPr lang="en-US" sz="2800"/>
+                      <a:r>
+                        <a:rPr lang="en-US" sz="2800" dirty="0"/>
+                        <a:t>Alaska Veterans Museum</a:t>
+                      </a:r>
                     </a:p>
                   </a:txBody>
                   <a:tcPr/>
@@ -17719,7 +17702,10 @@
                     <a:bodyPr/>
                     <a:lstStyle/>
                     <a:p>
-                      <a:endParaRPr lang="en-US" sz="2800"/>
+                      <a:r>
+                        <a:rPr lang="en-US" sz="2800" dirty="0"/>
+                        <a:t>A54</a:t>
+                      </a:r>
                     </a:p>
                   </a:txBody>
                   <a:tcPr/>
@@ -17729,7 +17715,10 @@
                     <a:bodyPr/>
                     <a:lstStyle/>
                     <a:p>
-                      <a:endParaRPr lang="en-US" sz="2800"/>
+                      <a:r>
+                        <a:rPr lang="en-US" sz="2800" dirty="0"/>
+                        <a:t>$99949</a:t>
+                      </a:r>
                     </a:p>
                   </a:txBody>
                   <a:tcPr/>
@@ -17739,17 +17728,18 @@
                     <a:bodyPr/>
                     <a:lstStyle/>
                     <a:p>
-                      <a:endParaRPr lang="en-US" sz="2800"/>
-                    </a:p>
-                  </a:txBody>
-                  <a:tcPr/>
-                </a:tc>
-                <a:tc>
-                  <a:txBody>
-                    <a:bodyPr/>
-                    <a:lstStyle/>
-                    <a:p>
-                      <a:endParaRPr lang="en-US" sz="2800"/>
+                      <a:r>
+                        <a:rPr lang="en-US" sz="2800" dirty="0"/>
+                        <a:t>create museum inspiration, remembrance preservation veterans sacrifices </a:t>
+                      </a:r>
+                      <a:r>
+                        <a:rPr lang="en-US" sz="2800" dirty="0" err="1"/>
+                        <a:t>america</a:t>
+                      </a:r>
+                      <a:r>
+                        <a:rPr lang="en-US" sz="2800" dirty="0"/>
+                        <a:t> freedom</a:t>
+                      </a:r>
                     </a:p>
                   </a:txBody>
                   <a:tcPr/>
@@ -17766,7 +17756,10 @@
                     <a:bodyPr/>
                     <a:lstStyle/>
                     <a:p>
-                      <a:endParaRPr lang="en-US" sz="2800"/>
+                      <a:r>
+                        <a:rPr lang="en-US" sz="2800" dirty="0"/>
+                        <a:t>Alaska Childrens Alliance</a:t>
+                      </a:r>
                     </a:p>
                   </a:txBody>
                   <a:tcPr/>
@@ -17776,7 +17769,10 @@
                     <a:bodyPr/>
                     <a:lstStyle/>
                     <a:p>
-                      <a:endParaRPr lang="en-US" sz="2800"/>
+                      <a:r>
+                        <a:rPr lang="en-US" sz="2800" dirty="0"/>
+                        <a:t>I72</a:t>
+                      </a:r>
                     </a:p>
                   </a:txBody>
                   <a:tcPr/>
@@ -17786,7 +17782,10 @@
                     <a:bodyPr/>
                     <a:lstStyle/>
                     <a:p>
-                      <a:endParaRPr lang="en-US" sz="2800"/>
+                      <a:r>
+                        <a:rPr lang="en-US" sz="2800" dirty="0"/>
+                        <a:t>333022</a:t>
+                      </a:r>
                     </a:p>
                   </a:txBody>
                   <a:tcPr/>
@@ -17796,17 +17795,10 @@
                     <a:bodyPr/>
                     <a:lstStyle/>
                     <a:p>
-                      <a:endParaRPr lang="en-US" sz="2800"/>
-                    </a:p>
-                  </a:txBody>
-                  <a:tcPr/>
-                </a:tc>
-                <a:tc>
-                  <a:txBody>
-                    <a:bodyPr/>
-                    <a:lstStyle/>
-                    <a:p>
-                      <a:endParaRPr lang="en-US" sz="2800"/>
+                      <a:r>
+                        <a:rPr lang="en-US" sz="2800" dirty="0"/>
+                        <a:t>dedicate strengthen multi-disciplinary response child abuse.</a:t>
+                      </a:r>
                     </a:p>
                   </a:txBody>
                   <a:tcPr/>
@@ -17823,7 +17815,10 @@
                     <a:bodyPr/>
                     <a:lstStyle/>
                     <a:p>
-                      <a:endParaRPr lang="en-US" sz="2800"/>
+                      <a:r>
+                        <a:rPr lang="en-US" sz="2800" dirty="0"/>
+                        <a:t>Sacred Valley Health</a:t>
+                      </a:r>
                     </a:p>
                   </a:txBody>
                   <a:tcPr/>
@@ -17833,7 +17828,13 @@
                     <a:bodyPr/>
                     <a:lstStyle/>
                     <a:p>
-                      <a:endParaRPr lang="en-US" sz="2800"/>
+                      <a:r>
+                        <a:rPr lang="en-US" sz="2800" dirty="0"/>
+                        <a:t>Q33</a:t>
+                      </a:r>
+                    </a:p>
+                    <a:p>
+                      <a:endParaRPr lang="en-US" sz="2800" dirty="0"/>
                     </a:p>
                   </a:txBody>
                   <a:tcPr/>
@@ -17843,7 +17844,10 @@
                     <a:bodyPr/>
                     <a:lstStyle/>
                     <a:p>
-                      <a:endParaRPr lang="en-US" sz="2800"/>
+                      <a:r>
+                        <a:rPr lang="en-US" sz="2800" dirty="0"/>
+                        <a:t>173068</a:t>
+                      </a:r>
                     </a:p>
                   </a:txBody>
                   <a:tcPr/>
@@ -17853,17 +17857,10 @@
                     <a:bodyPr/>
                     <a:lstStyle/>
                     <a:p>
-                      <a:endParaRPr lang="en-US" sz="2800"/>
-                    </a:p>
-                  </a:txBody>
-                  <a:tcPr/>
-                </a:tc>
-                <a:tc>
-                  <a:txBody>
-                    <a:bodyPr/>
-                    <a:lstStyle/>
-                    <a:p>
-                      <a:endParaRPr lang="en-US" sz="2800"/>
+                      <a:r>
+                        <a:rPr lang="en-US" sz="2800" dirty="0"/>
+                        <a:t>mission Sacred Valley Health improve health under-served rural of Peru's Sacred through health and education increased access to health services community empowerment</a:t>
+                      </a:r>
                     </a:p>
                   </a:txBody>
                   <a:tcPr/>
@@ -17871,63 +17868,6 @@
                 <a:extLst>
                   <a:ext uri="{0D108BD9-81ED-4DB2-BD59-A6C34878D82A}">
                     <a16:rowId xmlns:a16="http://schemas.microsoft.com/office/drawing/2014/main" val="204093237"/>
-                  </a:ext>
-                </a:extLst>
-              </a:tr>
-              <a:tr h="679262">
-                <a:tc>
-                  <a:txBody>
-                    <a:bodyPr/>
-                    <a:lstStyle/>
-                    <a:p>
-                      <a:endParaRPr lang="en-US" sz="2800"/>
-                    </a:p>
-                  </a:txBody>
-                  <a:tcPr/>
-                </a:tc>
-                <a:tc>
-                  <a:txBody>
-                    <a:bodyPr/>
-                    <a:lstStyle/>
-                    <a:p>
-                      <a:endParaRPr lang="en-US" sz="2800"/>
-                    </a:p>
-                  </a:txBody>
-                  <a:tcPr/>
-                </a:tc>
-                <a:tc>
-                  <a:txBody>
-                    <a:bodyPr/>
-                    <a:lstStyle/>
-                    <a:p>
-                      <a:endParaRPr lang="en-US" sz="2800"/>
-                    </a:p>
-                  </a:txBody>
-                  <a:tcPr/>
-                </a:tc>
-                <a:tc>
-                  <a:txBody>
-                    <a:bodyPr/>
-                    <a:lstStyle/>
-                    <a:p>
-                      <a:endParaRPr lang="en-US" sz="2800"/>
-                    </a:p>
-                  </a:txBody>
-                  <a:tcPr/>
-                </a:tc>
-                <a:tc>
-                  <a:txBody>
-                    <a:bodyPr/>
-                    <a:lstStyle/>
-                    <a:p>
-                      <a:endParaRPr lang="en-US" sz="2800" dirty="0"/>
-                    </a:p>
-                  </a:txBody>
-                  <a:tcPr/>
-                </a:tc>
-                <a:extLst>
-                  <a:ext uri="{0D108BD9-81ED-4DB2-BD59-A6C34878D82A}">
-                    <a16:rowId xmlns:a16="http://schemas.microsoft.com/office/drawing/2014/main" val="1459588876"/>
                   </a:ext>
                 </a:extLst>
               </a:tr>
